--- a/docs/diagrams.pptx
+++ b/docs/diagrams.pptx
@@ -4561,7 +4561,7 @@
         </p:nvSpPr>
         <p:spPr>
           <a:xfrm>
-            <a:off x="4468719" y="2357218"/>
+            <a:off x="4468719" y="2308621"/>
             <a:ext cx="1103709" cy="664369"/>
           </a:xfrm>
           <a:prstGeom prst="rect">
@@ -4796,8 +4796,8 @@
         </p:nvCxnSpPr>
         <p:spPr>
           <a:xfrm flipV="1">
-            <a:off x="3920605" y="2689403"/>
-            <a:ext cx="548114" cy="999153"/>
+            <a:off x="3920605" y="2640806"/>
+            <a:ext cx="548114" cy="1047750"/>
           </a:xfrm>
           <a:prstGeom prst="straightConnector1">
             <a:avLst/>

--- a/docs/diagrams.pptx
+++ b/docs/diagrams.pptx
@@ -200,7 +200,7 @@
           </a:lstStyle>
           <a:p>
             <a:fld id="{69B54289-CA05-2E4C-8921-2C4641790FC9}" type="datetimeFigureOut">
-              <a:t>5/1/18</a:t>
+              <a:t>7/1/18</a:t>
             </a:fld>
             <a:endParaRPr lang="en-US"/>
           </a:p>
@@ -594,7 +594,7 @@
           <a:lstStyle/>
           <a:p>
             <a:fld id="{D38E12F6-CCD2-6247-9D14-5CADBDEBFE61}" type="datetimeFigureOut">
-              <a:t>5/1/18</a:t>
+              <a:t>7/1/18</a:t>
             </a:fld>
             <a:endParaRPr lang="en-US"/>
           </a:p>
@@ -756,7 +756,7 @@
           <a:lstStyle/>
           <a:p>
             <a:fld id="{D38E12F6-CCD2-6247-9D14-5CADBDEBFE61}" type="datetimeFigureOut">
-              <a:t>5/1/18</a:t>
+              <a:t>7/1/18</a:t>
             </a:fld>
             <a:endParaRPr lang="en-US"/>
           </a:p>
@@ -928,7 +928,7 @@
           <a:lstStyle/>
           <a:p>
             <a:fld id="{D38E12F6-CCD2-6247-9D14-5CADBDEBFE61}" type="datetimeFigureOut">
-              <a:t>5/1/18</a:t>
+              <a:t>7/1/18</a:t>
             </a:fld>
             <a:endParaRPr lang="en-US"/>
           </a:p>
@@ -1090,7 +1090,7 @@
           <a:lstStyle/>
           <a:p>
             <a:fld id="{D38E12F6-CCD2-6247-9D14-5CADBDEBFE61}" type="datetimeFigureOut">
-              <a:t>5/1/18</a:t>
+              <a:t>7/1/18</a:t>
             </a:fld>
             <a:endParaRPr lang="en-US"/>
           </a:p>
@@ -1327,7 +1327,7 @@
           <a:lstStyle/>
           <a:p>
             <a:fld id="{D38E12F6-CCD2-6247-9D14-5CADBDEBFE61}" type="datetimeFigureOut">
-              <a:t>5/1/18</a:t>
+              <a:t>7/1/18</a:t>
             </a:fld>
             <a:endParaRPr lang="en-US"/>
           </a:p>
@@ -1550,7 +1550,7 @@
           <a:lstStyle/>
           <a:p>
             <a:fld id="{D38E12F6-CCD2-6247-9D14-5CADBDEBFE61}" type="datetimeFigureOut">
-              <a:t>5/1/18</a:t>
+              <a:t>7/1/18</a:t>
             </a:fld>
             <a:endParaRPr lang="en-US"/>
           </a:p>
@@ -1908,7 +1908,7 @@
           <a:lstStyle/>
           <a:p>
             <a:fld id="{D38E12F6-CCD2-6247-9D14-5CADBDEBFE61}" type="datetimeFigureOut">
-              <a:t>5/1/18</a:t>
+              <a:t>7/1/18</a:t>
             </a:fld>
             <a:endParaRPr lang="en-US"/>
           </a:p>
@@ -2019,7 +2019,7 @@
           <a:lstStyle/>
           <a:p>
             <a:fld id="{D38E12F6-CCD2-6247-9D14-5CADBDEBFE61}" type="datetimeFigureOut">
-              <a:t>5/1/18</a:t>
+              <a:t>7/1/18</a:t>
             </a:fld>
             <a:endParaRPr lang="en-US"/>
           </a:p>
@@ -2108,7 +2108,7 @@
           <a:lstStyle/>
           <a:p>
             <a:fld id="{D38E12F6-CCD2-6247-9D14-5CADBDEBFE61}" type="datetimeFigureOut">
-              <a:t>5/1/18</a:t>
+              <a:t>7/1/18</a:t>
             </a:fld>
             <a:endParaRPr lang="en-US"/>
           </a:p>
@@ -2377,7 +2377,7 @@
           <a:lstStyle/>
           <a:p>
             <a:fld id="{D38E12F6-CCD2-6247-9D14-5CADBDEBFE61}" type="datetimeFigureOut">
-              <a:t>5/1/18</a:t>
+              <a:t>7/1/18</a:t>
             </a:fld>
             <a:endParaRPr lang="en-US"/>
           </a:p>
@@ -2626,7 +2626,7 @@
           <a:lstStyle/>
           <a:p>
             <a:fld id="{D38E12F6-CCD2-6247-9D14-5CADBDEBFE61}" type="datetimeFigureOut">
-              <a:t>5/1/18</a:t>
+              <a:t>7/1/18</a:t>
             </a:fld>
             <a:endParaRPr lang="en-US"/>
           </a:p>
@@ -2831,7 +2831,7 @@
           </a:lstStyle>
           <a:p>
             <a:fld id="{D38E12F6-CCD2-6247-9D14-5CADBDEBFE61}" type="datetimeFigureOut">
-              <a:t>5/1/18</a:t>
+              <a:t>7/1/18</a:t>
             </a:fld>
             <a:endParaRPr lang="en-US"/>
           </a:p>
@@ -3459,13 +3459,13 @@
       </p:sp>
       <p:sp>
         <p:nvSpPr>
-          <p:cNvPr id="38" name="Rectangle 37"/>
+          <p:cNvPr id="39" name="Rectangle 38"/>
           <p:cNvSpPr/>
           <p:nvPr/>
         </p:nvSpPr>
         <p:spPr>
           <a:xfrm>
-            <a:off x="1313570" y="5026233"/>
+            <a:off x="2767391" y="3863589"/>
             <a:ext cx="1103709" cy="664369"/>
           </a:xfrm>
           <a:prstGeom prst="rect">
@@ -3510,20 +3510,20 @@
                 <a:ea typeface="Helvetica" charset="0"/>
                 <a:cs typeface="Helvetica" charset="0"/>
               </a:rPr>
-              <a:t>Address Site</a:t>
-            </a:r>
-          </a:p>
-        </p:txBody>
-      </p:sp>
-      <p:sp>
-        <p:nvSpPr>
-          <p:cNvPr id="39" name="Rectangle 38"/>
+              <a:t>Alias</a:t>
+            </a:r>
+          </a:p>
+        </p:txBody>
+      </p:sp>
+      <p:sp>
+        <p:nvSpPr>
+          <p:cNvPr id="44" name="Rectangle 43"/>
           <p:cNvSpPr/>
           <p:nvPr/>
         </p:nvSpPr>
         <p:spPr>
           <a:xfrm>
-            <a:off x="2767391" y="3863589"/>
+            <a:off x="4221210" y="2711320"/>
             <a:ext cx="1103709" cy="664369"/>
           </a:xfrm>
           <a:prstGeom prst="rect">
@@ -3568,20 +3568,20 @@
                 <a:ea typeface="Helvetica" charset="0"/>
                 <a:cs typeface="Helvetica" charset="0"/>
               </a:rPr>
-              <a:t>Alias</a:t>
-            </a:r>
-          </a:p>
-        </p:txBody>
-      </p:sp>
-      <p:sp>
-        <p:nvSpPr>
-          <p:cNvPr id="44" name="Rectangle 43"/>
+              <a:t>Street</a:t>
+            </a:r>
+          </a:p>
+        </p:txBody>
+      </p:sp>
+      <p:sp>
+        <p:nvSpPr>
+          <p:cNvPr id="47" name="Rectangle 46"/>
           <p:cNvSpPr/>
           <p:nvPr/>
         </p:nvSpPr>
         <p:spPr>
           <a:xfrm>
-            <a:off x="4221210" y="2711320"/>
+            <a:off x="2767390" y="2700944"/>
             <a:ext cx="1103709" cy="664369"/>
           </a:xfrm>
           <a:prstGeom prst="rect">
@@ -3626,20 +3626,20 @@
                 <a:ea typeface="Helvetica" charset="0"/>
                 <a:cs typeface="Helvetica" charset="0"/>
               </a:rPr>
-              <a:t>Street</a:t>
-            </a:r>
-          </a:p>
-        </p:txBody>
-      </p:sp>
-      <p:sp>
-        <p:nvSpPr>
-          <p:cNvPr id="47" name="Rectangle 46"/>
+              <a:t>Locality Alias</a:t>
+            </a:r>
+          </a:p>
+        </p:txBody>
+      </p:sp>
+      <p:sp>
+        <p:nvSpPr>
+          <p:cNvPr id="62" name="Rectangle 61"/>
           <p:cNvSpPr/>
           <p:nvPr/>
         </p:nvSpPr>
         <p:spPr>
           <a:xfrm>
-            <a:off x="2767390" y="2700944"/>
+            <a:off x="4221211" y="5026234"/>
             <a:ext cx="1103709" cy="664369"/>
           </a:xfrm>
           <a:prstGeom prst="rect">
@@ -3684,64 +3684,6 @@
                 <a:ea typeface="Helvetica" charset="0"/>
                 <a:cs typeface="Helvetica" charset="0"/>
               </a:rPr>
-              <a:t>Locality Alias</a:t>
-            </a:r>
-          </a:p>
-        </p:txBody>
-      </p:sp>
-      <p:sp>
-        <p:nvSpPr>
-          <p:cNvPr id="62" name="Rectangle 61"/>
-          <p:cNvSpPr/>
-          <p:nvPr/>
-        </p:nvSpPr>
-        <p:spPr>
-          <a:xfrm>
-            <a:off x="4221211" y="5026234"/>
-            <a:ext cx="1103709" cy="664369"/>
-          </a:xfrm>
-          <a:prstGeom prst="rect">
-            <a:avLst/>
-          </a:prstGeom>
-          <a:solidFill>
-            <a:srgbClr val="F4FFFF"/>
-          </a:solidFill>
-          <a:ln>
-            <a:solidFill>
-              <a:srgbClr val="000080"/>
-            </a:solidFill>
-          </a:ln>
-        </p:spPr>
-        <p:style>
-          <a:lnRef idx="2">
-            <a:schemeClr val="accent1">
-              <a:shade val="50000"/>
-            </a:schemeClr>
-          </a:lnRef>
-          <a:fillRef idx="1">
-            <a:schemeClr val="accent1"/>
-          </a:fillRef>
-          <a:effectRef idx="0">
-            <a:schemeClr val="accent1"/>
-          </a:effectRef>
-          <a:fontRef idx="minor">
-            <a:schemeClr val="lt1"/>
-          </a:fontRef>
-        </p:style>
-        <p:txBody>
-          <a:bodyPr rtlCol="0" anchor="ctr"/>
-          <a:lstStyle/>
-          <a:p>
-            <a:pPr algn="ctr"/>
-            <a:r>
-              <a:rPr lang="en-US" sz="1013" b="1">
-                <a:solidFill>
-                  <a:srgbClr val="005C84"/>
-                </a:solidFill>
-                <a:latin typeface="Helvetica" charset="0"/>
-                <a:ea typeface="Helvetica" charset="0"/>
-                <a:cs typeface="Helvetica" charset="0"/>
-              </a:rPr>
               <a:t>Geocode</a:t>
             </a:r>
           </a:p>
@@ -3772,48 +3714,6 @@
             </a:solidFill>
             <a:headEnd type="none"/>
             <a:tailEnd type="triangle"/>
-          </a:ln>
-        </p:spPr>
-        <p:style>
-          <a:lnRef idx="1">
-            <a:schemeClr val="accent1"/>
-          </a:lnRef>
-          <a:fillRef idx="0">
-            <a:schemeClr val="accent1"/>
-          </a:fillRef>
-          <a:effectRef idx="0">
-            <a:schemeClr val="accent1"/>
-          </a:effectRef>
-          <a:fontRef idx="minor">
-            <a:schemeClr val="tx1"/>
-          </a:fontRef>
-        </p:style>
-      </p:cxnSp>
-      <p:cxnSp>
-        <p:nvCxnSpPr>
-          <p:cNvPr id="79" name="Curved Connector 78"/>
-          <p:cNvCxnSpPr>
-            <a:stCxn id="35" idx="1"/>
-            <a:endCxn id="62" idx="2"/>
-          </p:cNvCxnSpPr>
-          <p:nvPr/>
-        </p:nvCxnSpPr>
-        <p:spPr>
-          <a:xfrm rot="10800000" flipH="1" flipV="1">
-            <a:off x="1313568" y="4208475"/>
-            <a:ext cx="3459497" cy="1482128"/>
-          </a:xfrm>
-          <a:prstGeom prst="curvedConnector4">
-            <a:avLst>
-              <a:gd name="adj1" fmla="val -14203"/>
-              <a:gd name="adj2" fmla="val 129606"/>
-            </a:avLst>
-          </a:prstGeom>
-          <a:ln>
-            <a:solidFill>
-              <a:srgbClr val="000080"/>
-            </a:solidFill>
-            <a:tailEnd type="arrow"/>
           </a:ln>
         </p:spPr>
         <p:style>
@@ -4276,13 +4176,13 @@
       </p:sp>
       <p:sp>
         <p:nvSpPr>
-          <p:cNvPr id="127" name="TextBox 126"/>
+          <p:cNvPr id="128" name="TextBox 127"/>
           <p:cNvSpPr txBox="1"/>
           <p:nvPr/>
         </p:nvSpPr>
         <p:spPr>
           <a:xfrm>
-            <a:off x="2444004" y="6045981"/>
+            <a:off x="4308996" y="4670857"/>
             <a:ext cx="928139" cy="155877"/>
           </a:xfrm>
           <a:prstGeom prst="rect">
@@ -4312,13 +4212,13 @@
       </p:sp>
       <p:sp>
         <p:nvSpPr>
-          <p:cNvPr id="128" name="TextBox 127"/>
+          <p:cNvPr id="129" name="TextBox 128"/>
           <p:cNvSpPr txBox="1"/>
           <p:nvPr/>
         </p:nvSpPr>
         <p:spPr>
-          <a:xfrm>
-            <a:off x="4308996" y="4670857"/>
+          <a:xfrm rot="5400000">
+            <a:off x="3561128" y="5335670"/>
             <a:ext cx="928139" cy="155877"/>
           </a:xfrm>
           <a:prstGeom prst="rect">
@@ -4348,14 +4248,14 @@
       </p:sp>
       <p:sp>
         <p:nvSpPr>
-          <p:cNvPr id="129" name="TextBox 128"/>
+          <p:cNvPr id="130" name="TextBox 129"/>
           <p:cNvSpPr txBox="1"/>
           <p:nvPr/>
         </p:nvSpPr>
         <p:spPr>
-          <a:xfrm rot="5400000">
-            <a:off x="3561128" y="5335670"/>
-            <a:ext cx="928139" cy="155877"/>
+          <a:xfrm rot="16200000">
+            <a:off x="1987453" y="5148033"/>
+            <a:ext cx="1258358" cy="155877"/>
           </a:xfrm>
           <a:prstGeom prst="rect">
             <a:avLst/>
@@ -4377,21 +4277,179 @@
                 <a:ea typeface="Helvetica" charset="0"/>
                 <a:cs typeface="Helvetica" charset="0"/>
               </a:rPr>
-              <a:t>has geocode [1]</a:t>
-            </a:r>
-          </a:p>
-        </p:txBody>
-      </p:sp>
-      <p:sp>
-        <p:nvSpPr>
-          <p:cNvPr id="130" name="TextBox 129"/>
+              <a:t>has address site [0..*]</a:t>
+            </a:r>
+          </a:p>
+        </p:txBody>
+      </p:sp>
+      <p:sp>
+        <p:nvSpPr>
+          <p:cNvPr id="28" name="Rectangle 27"/>
+          <p:cNvSpPr/>
+          <p:nvPr/>
+        </p:nvSpPr>
+        <p:spPr>
+          <a:xfrm>
+            <a:off x="1313567" y="6367000"/>
+            <a:ext cx="1103709" cy="664369"/>
+          </a:xfrm>
+          <a:prstGeom prst="rect">
+            <a:avLst/>
+          </a:prstGeom>
+          <a:solidFill>
+            <a:srgbClr val="F4FFFF"/>
+          </a:solidFill>
+          <a:ln>
+            <a:solidFill>
+              <a:srgbClr val="000080"/>
+            </a:solidFill>
+          </a:ln>
+        </p:spPr>
+        <p:style>
+          <a:lnRef idx="2">
+            <a:schemeClr val="accent1">
+              <a:shade val="50000"/>
+            </a:schemeClr>
+          </a:lnRef>
+          <a:fillRef idx="1">
+            <a:schemeClr val="accent1"/>
+          </a:fillRef>
+          <a:effectRef idx="0">
+            <a:schemeClr val="accent1"/>
+          </a:effectRef>
+          <a:fontRef idx="minor">
+            <a:schemeClr val="lt1"/>
+          </a:fontRef>
+        </p:style>
+        <p:txBody>
+          <a:bodyPr rtlCol="0" anchor="ctr"/>
+          <a:lstStyle/>
+          <a:p>
+            <a:pPr algn="ctr"/>
+            <a:r>
+              <a:rPr lang="en-US" sz="1013" b="1">
+                <a:solidFill>
+                  <a:srgbClr val="005C84"/>
+                </a:solidFill>
+                <a:latin typeface="Helvetica" charset="0"/>
+                <a:ea typeface="Helvetica" charset="0"/>
+                <a:cs typeface="Helvetica" charset="0"/>
+              </a:rPr>
+              <a:t>Address Secondary </a:t>
+            </a:r>
+          </a:p>
+        </p:txBody>
+      </p:sp>
+      <p:sp>
+        <p:nvSpPr>
+          <p:cNvPr id="29" name="Rectangle 28"/>
+          <p:cNvSpPr/>
+          <p:nvPr/>
+        </p:nvSpPr>
+        <p:spPr>
+          <a:xfrm>
+            <a:off x="4221210" y="6384878"/>
+            <a:ext cx="1103709" cy="664369"/>
+          </a:xfrm>
+          <a:prstGeom prst="rect">
+            <a:avLst/>
+          </a:prstGeom>
+          <a:solidFill>
+            <a:srgbClr val="F4FFFF"/>
+          </a:solidFill>
+          <a:ln>
+            <a:solidFill>
+              <a:srgbClr val="000080"/>
+            </a:solidFill>
+          </a:ln>
+        </p:spPr>
+        <p:style>
+          <a:lnRef idx="2">
+            <a:schemeClr val="accent1">
+              <a:shade val="50000"/>
+            </a:schemeClr>
+          </a:lnRef>
+          <a:fillRef idx="1">
+            <a:schemeClr val="accent1"/>
+          </a:fillRef>
+          <a:effectRef idx="0">
+            <a:schemeClr val="accent1"/>
+          </a:effectRef>
+          <a:fontRef idx="minor">
+            <a:schemeClr val="lt1"/>
+          </a:fontRef>
+        </p:style>
+        <p:txBody>
+          <a:bodyPr rtlCol="0" anchor="ctr"/>
+          <a:lstStyle/>
+          <a:p>
+            <a:pPr algn="ctr"/>
+            <a:r>
+              <a:rPr lang="en-US" sz="1013" b="1">
+                <a:solidFill>
+                  <a:srgbClr val="005C84"/>
+                </a:solidFill>
+                <a:latin typeface="Helvetica" charset="0"/>
+                <a:ea typeface="Helvetica" charset="0"/>
+                <a:cs typeface="Helvetica" charset="0"/>
+              </a:rPr>
+              <a:t>Mesh Block</a:t>
+            </a:r>
+          </a:p>
+        </p:txBody>
+      </p:sp>
+      <p:cxnSp>
+        <p:nvCxnSpPr>
+          <p:cNvPr id="30" name="Curved Connector 29"/>
+          <p:cNvCxnSpPr>
+            <a:stCxn id="37" idx="2"/>
+            <a:endCxn id="28" idx="0"/>
+          </p:cNvCxnSpPr>
+          <p:nvPr/>
+        </p:nvCxnSpPr>
+        <p:spPr>
+          <a:xfrm rot="5400000">
+            <a:off x="2254138" y="5301889"/>
+            <a:ext cx="676396" cy="1453827"/>
+          </a:xfrm>
+          <a:prstGeom prst="curvedConnector3">
+            <a:avLst>
+              <a:gd name="adj1" fmla="val 50000"/>
+            </a:avLst>
+          </a:prstGeom>
+          <a:ln>
+            <a:solidFill>
+              <a:srgbClr val="000080"/>
+            </a:solidFill>
+            <a:headEnd type="arrow"/>
+            <a:tailEnd type="arrow"/>
+          </a:ln>
+        </p:spPr>
+        <p:style>
+          <a:lnRef idx="1">
+            <a:schemeClr val="accent1"/>
+          </a:lnRef>
+          <a:fillRef idx="0">
+            <a:schemeClr val="accent1"/>
+          </a:fillRef>
+          <a:effectRef idx="0">
+            <a:schemeClr val="accent1"/>
+          </a:effectRef>
+          <a:fontRef idx="minor">
+            <a:schemeClr val="tx1"/>
+          </a:fontRef>
+        </p:style>
+      </p:cxnSp>
+      <p:sp>
+        <p:nvSpPr>
+          <p:cNvPr id="40" name="TextBox 39"/>
           <p:cNvSpPr txBox="1"/>
           <p:nvPr/>
         </p:nvSpPr>
         <p:spPr>
-          <a:xfrm rot="16200000">
-            <a:off x="2011306" y="5338864"/>
-            <a:ext cx="1258358" cy="155877"/>
+          <a:xfrm>
+            <a:off x="1272337" y="5913871"/>
+            <a:ext cx="908903" cy="311752"/>
           </a:xfrm>
           <a:prstGeom prst="rect">
             <a:avLst/>
@@ -4413,7 +4471,363 @@
                 <a:ea typeface="Helvetica" charset="0"/>
                 <a:cs typeface="Helvetica" charset="0"/>
               </a:rPr>
-              <a:t>has address site [0..*]</a:t>
+              <a:t>has address</a:t>
+            </a:r>
+            <a:br>
+              <a:rPr lang="en-US" sz="1013">
+                <a:latin typeface="Helvetica" charset="0"/>
+                <a:ea typeface="Helvetica" charset="0"/>
+                <a:cs typeface="Helvetica" charset="0"/>
+              </a:rPr>
+            </a:br>
+            <a:r>
+              <a:rPr lang="en-US" sz="1013">
+                <a:latin typeface="Helvetica" charset="0"/>
+                <a:ea typeface="Helvetica" charset="0"/>
+                <a:cs typeface="Helvetica" charset="0"/>
+              </a:rPr>
+              <a:t>secondary [0..*]</a:t>
+            </a:r>
+          </a:p>
+        </p:txBody>
+      </p:sp>
+      <p:sp>
+        <p:nvSpPr>
+          <p:cNvPr id="42" name="Rectangle 41"/>
+          <p:cNvSpPr/>
+          <p:nvPr/>
+        </p:nvSpPr>
+        <p:spPr>
+          <a:xfrm>
+            <a:off x="2767390" y="6384878"/>
+            <a:ext cx="1103709" cy="664369"/>
+          </a:xfrm>
+          <a:prstGeom prst="rect">
+            <a:avLst/>
+          </a:prstGeom>
+          <a:solidFill>
+            <a:srgbClr val="F4FFFF"/>
+          </a:solidFill>
+          <a:ln>
+            <a:solidFill>
+              <a:srgbClr val="000080"/>
+            </a:solidFill>
+          </a:ln>
+        </p:spPr>
+        <p:style>
+          <a:lnRef idx="2">
+            <a:schemeClr val="accent1">
+              <a:shade val="50000"/>
+            </a:schemeClr>
+          </a:lnRef>
+          <a:fillRef idx="1">
+            <a:schemeClr val="accent1"/>
+          </a:fillRef>
+          <a:effectRef idx="0">
+            <a:schemeClr val="accent1"/>
+          </a:effectRef>
+          <a:fontRef idx="minor">
+            <a:schemeClr val="lt1"/>
+          </a:fontRef>
+        </p:style>
+        <p:txBody>
+          <a:bodyPr rtlCol="0" anchor="ctr"/>
+          <a:lstStyle/>
+          <a:p>
+            <a:pPr algn="ctr"/>
+            <a:r>
+              <a:rPr lang="en-US" sz="1013" b="1">
+                <a:solidFill>
+                  <a:srgbClr val="005C84"/>
+                </a:solidFill>
+                <a:latin typeface="Helvetica" charset="0"/>
+                <a:ea typeface="Helvetica" charset="0"/>
+                <a:cs typeface="Helvetica" charset="0"/>
+              </a:rPr>
+              <a:t>Mesh Block Match</a:t>
+            </a:r>
+          </a:p>
+        </p:txBody>
+      </p:sp>
+      <p:cxnSp>
+        <p:nvCxnSpPr>
+          <p:cNvPr id="50" name="Straight Arrow Connector 49"/>
+          <p:cNvCxnSpPr>
+            <a:stCxn id="42" idx="3"/>
+            <a:endCxn id="29" idx="1"/>
+          </p:cNvCxnSpPr>
+          <p:nvPr/>
+        </p:nvCxnSpPr>
+        <p:spPr>
+          <a:xfrm>
+            <a:off x="3871099" y="6717063"/>
+            <a:ext cx="350111" cy="0"/>
+          </a:xfrm>
+          <a:prstGeom prst="straightConnector1">
+            <a:avLst/>
+          </a:prstGeom>
+          <a:ln>
+            <a:solidFill>
+              <a:srgbClr val="000080"/>
+            </a:solidFill>
+            <a:tailEnd type="arrow"/>
+          </a:ln>
+        </p:spPr>
+        <p:style>
+          <a:lnRef idx="1">
+            <a:schemeClr val="accent1"/>
+          </a:lnRef>
+          <a:fillRef idx="0">
+            <a:schemeClr val="accent1"/>
+          </a:fillRef>
+          <a:effectRef idx="0">
+            <a:schemeClr val="accent1"/>
+          </a:effectRef>
+          <a:fontRef idx="minor">
+            <a:schemeClr val="tx1"/>
+          </a:fontRef>
+        </p:style>
+      </p:cxnSp>
+      <p:sp>
+        <p:nvSpPr>
+          <p:cNvPr id="51" name="TextBox 50"/>
+          <p:cNvSpPr txBox="1"/>
+          <p:nvPr/>
+        </p:nvSpPr>
+        <p:spPr>
+          <a:xfrm rot="5400000">
+            <a:off x="3493918" y="6455828"/>
+            <a:ext cx="1104470" cy="155877"/>
+          </a:xfrm>
+          <a:prstGeom prst="rect">
+            <a:avLst/>
+          </a:prstGeom>
+          <a:solidFill>
+            <a:srgbClr val="F1F1F2"/>
+          </a:solidFill>
+        </p:spPr>
+        <p:txBody>
+          <a:bodyPr wrap="none" lIns="0" tIns="0" rIns="0" bIns="0" rtlCol="0">
+            <a:spAutoFit/>
+          </a:bodyPr>
+          <a:lstStyle/>
+          <a:p>
+            <a:pPr algn="ctr"/>
+            <a:r>
+              <a:rPr lang="en-US" sz="1013">
+                <a:latin typeface="Helvetica" charset="0"/>
+                <a:ea typeface="Helvetica" charset="0"/>
+                <a:cs typeface="Helvetica" charset="0"/>
+              </a:rPr>
+              <a:t>has Mesh Block [1]</a:t>
+            </a:r>
+          </a:p>
+        </p:txBody>
+      </p:sp>
+      <p:cxnSp>
+        <p:nvCxnSpPr>
+          <p:cNvPr id="79" name="Curved Connector 78"/>
+          <p:cNvCxnSpPr>
+            <a:stCxn id="35" idx="1"/>
+            <a:endCxn id="62" idx="2"/>
+          </p:cNvCxnSpPr>
+          <p:nvPr/>
+        </p:nvCxnSpPr>
+        <p:spPr>
+          <a:xfrm rot="10800000" flipH="1" flipV="1">
+            <a:off x="1313568" y="4208475"/>
+            <a:ext cx="3459497" cy="1482128"/>
+          </a:xfrm>
+          <a:prstGeom prst="curvedConnector4">
+            <a:avLst>
+              <a:gd name="adj1" fmla="val -8687"/>
+              <a:gd name="adj2" fmla="val 119413"/>
+            </a:avLst>
+          </a:prstGeom>
+          <a:ln>
+            <a:solidFill>
+              <a:srgbClr val="000080"/>
+            </a:solidFill>
+            <a:tailEnd type="arrow"/>
+          </a:ln>
+        </p:spPr>
+        <p:style>
+          <a:lnRef idx="1">
+            <a:schemeClr val="accent1"/>
+          </a:lnRef>
+          <a:fillRef idx="0">
+            <a:schemeClr val="accent1"/>
+          </a:fillRef>
+          <a:effectRef idx="0">
+            <a:schemeClr val="accent1"/>
+          </a:effectRef>
+          <a:fontRef idx="minor">
+            <a:schemeClr val="tx1"/>
+          </a:fontRef>
+        </p:style>
+      </p:cxnSp>
+      <p:sp>
+        <p:nvSpPr>
+          <p:cNvPr id="127" name="TextBox 126"/>
+          <p:cNvSpPr txBox="1"/>
+          <p:nvPr/>
+        </p:nvSpPr>
+        <p:spPr>
+          <a:xfrm>
+            <a:off x="761711" y="4697913"/>
+            <a:ext cx="928139" cy="155877"/>
+          </a:xfrm>
+          <a:prstGeom prst="rect">
+            <a:avLst/>
+          </a:prstGeom>
+          <a:solidFill>
+            <a:srgbClr val="F1F1F2"/>
+          </a:solidFill>
+        </p:spPr>
+        <p:txBody>
+          <a:bodyPr wrap="none" lIns="0" tIns="0" rIns="0" bIns="0" rtlCol="0">
+            <a:spAutoFit/>
+          </a:bodyPr>
+          <a:lstStyle/>
+          <a:p>
+            <a:pPr algn="ctr"/>
+            <a:r>
+              <a:rPr lang="en-US" sz="1013">
+                <a:latin typeface="Helvetica" charset="0"/>
+                <a:ea typeface="Helvetica" charset="0"/>
+                <a:cs typeface="Helvetica" charset="0"/>
+              </a:rPr>
+              <a:t>has geocode [1]</a:t>
+            </a:r>
+          </a:p>
+        </p:txBody>
+      </p:sp>
+      <p:cxnSp>
+        <p:nvCxnSpPr>
+          <p:cNvPr id="53" name="Straight Arrow Connector 52"/>
+          <p:cNvCxnSpPr/>
+          <p:nvPr/>
+        </p:nvCxnSpPr>
+        <p:spPr>
+          <a:xfrm flipH="1">
+            <a:off x="3700906" y="5690604"/>
+            <a:ext cx="4" cy="694274"/>
+          </a:xfrm>
+          <a:prstGeom prst="straightConnector1">
+            <a:avLst/>
+          </a:prstGeom>
+          <a:ln>
+            <a:solidFill>
+              <a:srgbClr val="000080"/>
+            </a:solidFill>
+            <a:tailEnd type="arrow"/>
+          </a:ln>
+        </p:spPr>
+        <p:style>
+          <a:lnRef idx="1">
+            <a:schemeClr val="accent1"/>
+          </a:lnRef>
+          <a:fillRef idx="0">
+            <a:schemeClr val="accent1"/>
+          </a:fillRef>
+          <a:effectRef idx="0">
+            <a:schemeClr val="accent1"/>
+          </a:effectRef>
+          <a:fontRef idx="minor">
+            <a:schemeClr val="tx1"/>
+          </a:fontRef>
+        </p:style>
+      </p:cxnSp>
+      <p:sp>
+        <p:nvSpPr>
+          <p:cNvPr id="48" name="TextBox 47"/>
+          <p:cNvSpPr txBox="1"/>
+          <p:nvPr/>
+        </p:nvSpPr>
+        <p:spPr>
+          <a:xfrm>
+            <a:off x="2303522" y="6113024"/>
+            <a:ext cx="1622240" cy="155877"/>
+          </a:xfrm>
+          <a:prstGeom prst="rect">
+            <a:avLst/>
+          </a:prstGeom>
+          <a:solidFill>
+            <a:srgbClr val="F1F1F2"/>
+          </a:solidFill>
+        </p:spPr>
+        <p:txBody>
+          <a:bodyPr wrap="none" lIns="0" tIns="0" rIns="0" bIns="0" rtlCol="0">
+            <a:spAutoFit/>
+          </a:bodyPr>
+          <a:lstStyle/>
+          <a:p>
+            <a:pPr algn="ctr"/>
+            <a:r>
+              <a:rPr lang="en-US" sz="1013">
+                <a:latin typeface="Helvetica" charset="0"/>
+                <a:ea typeface="Helvetica" charset="0"/>
+                <a:cs typeface="Helvetica" charset="0"/>
+              </a:rPr>
+              <a:t>has Mesh Block match [0..*]</a:t>
+            </a:r>
+          </a:p>
+        </p:txBody>
+      </p:sp>
+      <p:sp>
+        <p:nvSpPr>
+          <p:cNvPr id="38" name="Rectangle 37"/>
+          <p:cNvSpPr/>
+          <p:nvPr/>
+        </p:nvSpPr>
+        <p:spPr>
+          <a:xfrm>
+            <a:off x="1313570" y="5026233"/>
+            <a:ext cx="1103709" cy="664369"/>
+          </a:xfrm>
+          <a:prstGeom prst="rect">
+            <a:avLst/>
+          </a:prstGeom>
+          <a:solidFill>
+            <a:srgbClr val="F4FFFF"/>
+          </a:solidFill>
+          <a:ln>
+            <a:solidFill>
+              <a:srgbClr val="000080"/>
+            </a:solidFill>
+          </a:ln>
+        </p:spPr>
+        <p:style>
+          <a:lnRef idx="2">
+            <a:schemeClr val="accent1">
+              <a:shade val="50000"/>
+            </a:schemeClr>
+          </a:lnRef>
+          <a:fillRef idx="1">
+            <a:schemeClr val="accent1"/>
+          </a:fillRef>
+          <a:effectRef idx="0">
+            <a:schemeClr val="accent1"/>
+          </a:effectRef>
+          <a:fontRef idx="minor">
+            <a:schemeClr val="lt1"/>
+          </a:fontRef>
+        </p:style>
+        <p:txBody>
+          <a:bodyPr rtlCol="0" anchor="ctr"/>
+          <a:lstStyle/>
+          <a:p>
+            <a:pPr algn="ctr"/>
+            <a:r>
+              <a:rPr lang="en-US" sz="1013" b="1">
+                <a:solidFill>
+                  <a:srgbClr val="005C84"/>
+                </a:solidFill>
+                <a:latin typeface="Helvetica" charset="0"/>
+                <a:ea typeface="Helvetica" charset="0"/>
+                <a:cs typeface="Helvetica" charset="0"/>
+              </a:rPr>
+              <a:t>Address Site</a:t>
             </a:r>
           </a:p>
         </p:txBody>

--- a/docs/diagrams.pptx
+++ b/docs/diagrams.pptx
@@ -200,7 +200,7 @@
           </a:lstStyle>
           <a:p>
             <a:fld id="{69B54289-CA05-2E4C-8921-2C4641790FC9}" type="datetimeFigureOut">
-              <a:t>7/1/18</a:t>
+              <a:t>8/1/18</a:t>
             </a:fld>
             <a:endParaRPr lang="en-US"/>
           </a:p>
@@ -594,7 +594,7 @@
           <a:lstStyle/>
           <a:p>
             <a:fld id="{D38E12F6-CCD2-6247-9D14-5CADBDEBFE61}" type="datetimeFigureOut">
-              <a:t>7/1/18</a:t>
+              <a:t>8/1/18</a:t>
             </a:fld>
             <a:endParaRPr lang="en-US"/>
           </a:p>
@@ -756,7 +756,7 @@
           <a:lstStyle/>
           <a:p>
             <a:fld id="{D38E12F6-CCD2-6247-9D14-5CADBDEBFE61}" type="datetimeFigureOut">
-              <a:t>7/1/18</a:t>
+              <a:t>8/1/18</a:t>
             </a:fld>
             <a:endParaRPr lang="en-US"/>
           </a:p>
@@ -928,7 +928,7 @@
           <a:lstStyle/>
           <a:p>
             <a:fld id="{D38E12F6-CCD2-6247-9D14-5CADBDEBFE61}" type="datetimeFigureOut">
-              <a:t>7/1/18</a:t>
+              <a:t>8/1/18</a:t>
             </a:fld>
             <a:endParaRPr lang="en-US"/>
           </a:p>
@@ -1090,7 +1090,7 @@
           <a:lstStyle/>
           <a:p>
             <a:fld id="{D38E12F6-CCD2-6247-9D14-5CADBDEBFE61}" type="datetimeFigureOut">
-              <a:t>7/1/18</a:t>
+              <a:t>8/1/18</a:t>
             </a:fld>
             <a:endParaRPr lang="en-US"/>
           </a:p>
@@ -1327,7 +1327,7 @@
           <a:lstStyle/>
           <a:p>
             <a:fld id="{D38E12F6-CCD2-6247-9D14-5CADBDEBFE61}" type="datetimeFigureOut">
-              <a:t>7/1/18</a:t>
+              <a:t>8/1/18</a:t>
             </a:fld>
             <a:endParaRPr lang="en-US"/>
           </a:p>
@@ -1550,7 +1550,7 @@
           <a:lstStyle/>
           <a:p>
             <a:fld id="{D38E12F6-CCD2-6247-9D14-5CADBDEBFE61}" type="datetimeFigureOut">
-              <a:t>7/1/18</a:t>
+              <a:t>8/1/18</a:t>
             </a:fld>
             <a:endParaRPr lang="en-US"/>
           </a:p>
@@ -1908,7 +1908,7 @@
           <a:lstStyle/>
           <a:p>
             <a:fld id="{D38E12F6-CCD2-6247-9D14-5CADBDEBFE61}" type="datetimeFigureOut">
-              <a:t>7/1/18</a:t>
+              <a:t>8/1/18</a:t>
             </a:fld>
             <a:endParaRPr lang="en-US"/>
           </a:p>
@@ -2019,7 +2019,7 @@
           <a:lstStyle/>
           <a:p>
             <a:fld id="{D38E12F6-CCD2-6247-9D14-5CADBDEBFE61}" type="datetimeFigureOut">
-              <a:t>7/1/18</a:t>
+              <a:t>8/1/18</a:t>
             </a:fld>
             <a:endParaRPr lang="en-US"/>
           </a:p>
@@ -2108,7 +2108,7 @@
           <a:lstStyle/>
           <a:p>
             <a:fld id="{D38E12F6-CCD2-6247-9D14-5CADBDEBFE61}" type="datetimeFigureOut">
-              <a:t>7/1/18</a:t>
+              <a:t>8/1/18</a:t>
             </a:fld>
             <a:endParaRPr lang="en-US"/>
           </a:p>
@@ -2377,7 +2377,7 @@
           <a:lstStyle/>
           <a:p>
             <a:fld id="{D38E12F6-CCD2-6247-9D14-5CADBDEBFE61}" type="datetimeFigureOut">
-              <a:t>7/1/18</a:t>
+              <a:t>8/1/18</a:t>
             </a:fld>
             <a:endParaRPr lang="en-US"/>
           </a:p>
@@ -2626,7 +2626,7 @@
           <a:lstStyle/>
           <a:p>
             <a:fld id="{D38E12F6-CCD2-6247-9D14-5CADBDEBFE61}" type="datetimeFigureOut">
-              <a:t>7/1/18</a:t>
+              <a:t>8/1/18</a:t>
             </a:fld>
             <a:endParaRPr lang="en-US"/>
           </a:p>
@@ -2831,7 +2831,7 @@
           </a:lstStyle>
           <a:p>
             <a:fld id="{D38E12F6-CCD2-6247-9D14-5CADBDEBFE61}" type="datetimeFigureOut">
-              <a:t>7/1/18</a:t>
+              <a:t>8/1/18</a:t>
             </a:fld>
             <a:endParaRPr lang="en-US"/>
           </a:p>
@@ -3954,8 +3954,8 @@
         </p:nvSpPr>
         <p:spPr>
           <a:xfrm>
-            <a:off x="1477497" y="3594445"/>
-            <a:ext cx="775854" cy="155877"/>
+            <a:off x="1516772" y="3594445"/>
+            <a:ext cx="697307" cy="155877"/>
           </a:xfrm>
           <a:prstGeom prst="rect">
             <a:avLst/>
@@ -3977,7 +3977,7 @@
                 <a:ea typeface="Helvetica" charset="0"/>
                 <a:cs typeface="Helvetica" charset="0"/>
               </a:rPr>
-              <a:t>geo:inside [1]</a:t>
+              <a:t>hasState [1]</a:t>
             </a:r>
           </a:p>
         </p:txBody>
@@ -6342,15 +6342,14 @@
         <p:nvCxnSpPr>
           <p:cNvPr id="26" name="Straight Arrow Connector 25"/>
           <p:cNvCxnSpPr>
-            <a:stCxn id="44" idx="2"/>
             <a:endCxn id="27" idx="0"/>
           </p:cNvCxnSpPr>
           <p:nvPr/>
         </p:nvCxnSpPr>
         <p:spPr>
           <a:xfrm>
-            <a:off x="3368751" y="4020740"/>
-            <a:ext cx="673160" cy="628832"/>
+            <a:off x="3768456" y="4032175"/>
+            <a:ext cx="1146484" cy="1483538"/>
           </a:xfrm>
           <a:prstGeom prst="straightConnector1">
             <a:avLst/>
@@ -6875,7 +6874,7 @@
         </p:nvSpPr>
         <p:spPr>
           <a:xfrm>
-            <a:off x="3490056" y="4649572"/>
+            <a:off x="4363085" y="5515713"/>
             <a:ext cx="1103709" cy="664369"/>
           </a:xfrm>
           <a:prstGeom prst="rect">
@@ -6933,7 +6932,7 @@
         </p:nvSpPr>
         <p:spPr>
           <a:xfrm>
-            <a:off x="3399227" y="4063809"/>
+            <a:off x="4032420" y="4881578"/>
             <a:ext cx="688533" cy="311752"/>
           </a:xfrm>
           <a:prstGeom prst="rect">
@@ -7395,7 +7394,7 @@
         </p:nvSpPr>
         <p:spPr>
           <a:xfrm>
-            <a:off x="2144352" y="4648609"/>
+            <a:off x="1256808" y="5515713"/>
             <a:ext cx="1103709" cy="664369"/>
           </a:xfrm>
           <a:prstGeom prst="rect">
@@ -7449,15 +7448,14 @@
         <p:nvCxnSpPr>
           <p:cNvPr id="67" name="Straight Arrow Connector 66"/>
           <p:cNvCxnSpPr>
-            <a:stCxn id="44" idx="2"/>
             <a:endCxn id="66" idx="0"/>
           </p:cNvCxnSpPr>
           <p:nvPr/>
         </p:nvCxnSpPr>
         <p:spPr>
           <a:xfrm flipH="1">
-            <a:off x="2696207" y="4020740"/>
-            <a:ext cx="672544" cy="627869"/>
+            <a:off x="1808663" y="4032175"/>
+            <a:ext cx="1260875" cy="1483538"/>
           </a:xfrm>
           <a:prstGeom prst="straightConnector1">
             <a:avLst/>
@@ -7531,8 +7529,8 @@
         </p:nvCxnSpPr>
         <p:spPr>
           <a:xfrm flipV="1">
-            <a:off x="3368751" y="4020740"/>
-            <a:ext cx="0" cy="1594008"/>
+            <a:off x="3033358" y="4020740"/>
+            <a:ext cx="335393" cy="1494971"/>
           </a:xfrm>
           <a:prstGeom prst="straightConnector1">
             <a:avLst/>
@@ -7567,7 +7565,7 @@
         </p:nvSpPr>
         <p:spPr>
           <a:xfrm>
-            <a:off x="2944899" y="5399852"/>
+            <a:off x="2732777" y="4684031"/>
             <a:ext cx="822341" cy="155877"/>
           </a:xfrm>
           <a:prstGeom prst="rect">
@@ -7603,7 +7601,7 @@
         </p:nvSpPr>
         <p:spPr>
           <a:xfrm>
-            <a:off x="2816896" y="5614748"/>
+            <a:off x="2481503" y="5515711"/>
             <a:ext cx="1103709" cy="664369"/>
           </a:xfrm>
           <a:prstGeom prst="rect">
@@ -7721,6 +7719,229 @@
                 <a:cs typeface="Helvetica" charset="0"/>
               </a:rPr>
               <a:t>has locality [1]</a:t>
+            </a:r>
+          </a:p>
+        </p:txBody>
+      </p:sp>
+      <p:sp>
+        <p:nvSpPr>
+          <p:cNvPr id="38" name="Rectangle 37"/>
+          <p:cNvSpPr/>
+          <p:nvPr/>
+        </p:nvSpPr>
+        <p:spPr>
+          <a:xfrm>
+            <a:off x="3391924" y="6239151"/>
+            <a:ext cx="1103709" cy="664369"/>
+          </a:xfrm>
+          <a:prstGeom prst="rect">
+            <a:avLst/>
+          </a:prstGeom>
+          <a:solidFill>
+            <a:srgbClr val="F4FFFF"/>
+          </a:solidFill>
+          <a:ln>
+            <a:solidFill>
+              <a:srgbClr val="000080"/>
+            </a:solidFill>
+          </a:ln>
+        </p:spPr>
+        <p:style>
+          <a:lnRef idx="2">
+            <a:schemeClr val="accent1">
+              <a:shade val="50000"/>
+            </a:schemeClr>
+          </a:lnRef>
+          <a:fillRef idx="1">
+            <a:schemeClr val="accent1"/>
+          </a:fillRef>
+          <a:effectRef idx="0">
+            <a:schemeClr val="accent1"/>
+          </a:effectRef>
+          <a:fontRef idx="minor">
+            <a:schemeClr val="lt1"/>
+          </a:fontRef>
+        </p:style>
+        <p:txBody>
+          <a:bodyPr rtlCol="0" anchor="ctr"/>
+          <a:lstStyle/>
+          <a:p>
+            <a:pPr algn="ctr"/>
+            <a:r>
+              <a:rPr lang="en-US" sz="1013" b="1">
+                <a:solidFill>
+                  <a:srgbClr val="005C84"/>
+                </a:solidFill>
+                <a:latin typeface="Helvetica" charset="0"/>
+                <a:ea typeface="Helvetica" charset="0"/>
+                <a:cs typeface="Helvetica" charset="0"/>
+              </a:rPr>
+              <a:t>Address Site</a:t>
+            </a:r>
+          </a:p>
+        </p:txBody>
+      </p:sp>
+      <p:cxnSp>
+        <p:nvCxnSpPr>
+          <p:cNvPr id="53" name="Straight Arrow Connector 52"/>
+          <p:cNvCxnSpPr>
+            <a:stCxn id="38" idx="0"/>
+          </p:cNvCxnSpPr>
+          <p:nvPr/>
+        </p:nvCxnSpPr>
+        <p:spPr>
+          <a:xfrm flipH="1" flipV="1">
+            <a:off x="3572217" y="4032175"/>
+            <a:ext cx="371562" cy="2206976"/>
+          </a:xfrm>
+          <a:prstGeom prst="straightConnector1">
+            <a:avLst/>
+          </a:prstGeom>
+          <a:ln>
+            <a:solidFill>
+              <a:srgbClr val="000080"/>
+            </a:solidFill>
+            <a:tailEnd type="arrow"/>
+          </a:ln>
+        </p:spPr>
+        <p:style>
+          <a:lnRef idx="1">
+            <a:schemeClr val="accent1"/>
+          </a:lnRef>
+          <a:fillRef idx="0">
+            <a:schemeClr val="accent1"/>
+          </a:fillRef>
+          <a:effectRef idx="0">
+            <a:schemeClr val="accent1"/>
+          </a:effectRef>
+          <a:fontRef idx="minor">
+            <a:schemeClr val="tx1"/>
+          </a:fontRef>
+        </p:style>
+      </p:cxnSp>
+      <p:sp>
+        <p:nvSpPr>
+          <p:cNvPr id="39" name="TextBox 38"/>
+          <p:cNvSpPr txBox="1"/>
+          <p:nvPr/>
+        </p:nvSpPr>
+        <p:spPr>
+          <a:xfrm>
+            <a:off x="3621816" y="5569986"/>
+            <a:ext cx="710131" cy="311752"/>
+          </a:xfrm>
+          <a:prstGeom prst="rect">
+            <a:avLst/>
+          </a:prstGeom>
+          <a:solidFill>
+            <a:srgbClr val="F1F1F2"/>
+          </a:solidFill>
+        </p:spPr>
+        <p:txBody>
+          <a:bodyPr wrap="none" lIns="0" tIns="0" rIns="0" bIns="0" rtlCol="0">
+            <a:spAutoFit/>
+          </a:bodyPr>
+          <a:lstStyle/>
+          <a:p>
+            <a:pPr algn="ctr"/>
+            <a:r>
+              <a:rPr lang="en-US" sz="1013">
+                <a:latin typeface="Helvetica" charset="0"/>
+                <a:ea typeface="Helvetica" charset="0"/>
+                <a:cs typeface="Helvetica" charset="0"/>
+              </a:rPr>
+              <a:t>has address</a:t>
+            </a:r>
+            <a:br>
+              <a:rPr lang="en-US" sz="1013">
+                <a:latin typeface="Helvetica" charset="0"/>
+                <a:ea typeface="Helvetica" charset="0"/>
+                <a:cs typeface="Helvetica" charset="0"/>
+              </a:rPr>
+            </a:br>
+            <a:r>
+              <a:rPr lang="en-US" sz="1013">
+                <a:latin typeface="Helvetica" charset="0"/>
+                <a:ea typeface="Helvetica" charset="0"/>
+                <a:cs typeface="Helvetica" charset="0"/>
+              </a:rPr>
+              <a:t>site [0..*]</a:t>
+            </a:r>
+          </a:p>
+        </p:txBody>
+      </p:sp>
+      <p:cxnSp>
+        <p:nvCxnSpPr>
+          <p:cNvPr id="54" name="Curved Connector 53"/>
+          <p:cNvCxnSpPr>
+            <a:endCxn id="30" idx="2"/>
+          </p:cNvCxnSpPr>
+          <p:nvPr/>
+        </p:nvCxnSpPr>
+        <p:spPr>
+          <a:xfrm rot="5400000" flipH="1">
+            <a:off x="1989289" y="3181187"/>
+            <a:ext cx="122134" cy="1514895"/>
+          </a:xfrm>
+          <a:prstGeom prst="curvedConnector3">
+            <a:avLst>
+              <a:gd name="adj1" fmla="val -187171"/>
+            </a:avLst>
+          </a:prstGeom>
+          <a:ln>
+            <a:solidFill>
+              <a:srgbClr val="000080"/>
+            </a:solidFill>
+            <a:tailEnd type="arrow"/>
+          </a:ln>
+        </p:spPr>
+        <p:style>
+          <a:lnRef idx="1">
+            <a:schemeClr val="accent1"/>
+          </a:lnRef>
+          <a:fillRef idx="0">
+            <a:schemeClr val="accent1"/>
+          </a:fillRef>
+          <a:effectRef idx="0">
+            <a:schemeClr val="accent1"/>
+          </a:effectRef>
+          <a:fontRef idx="minor">
+            <a:schemeClr val="tx1"/>
+          </a:fontRef>
+        </p:style>
+      </p:cxnSp>
+      <p:sp>
+        <p:nvSpPr>
+          <p:cNvPr id="68" name="TextBox 67"/>
+          <p:cNvSpPr txBox="1"/>
+          <p:nvPr/>
+        </p:nvSpPr>
+        <p:spPr>
+          <a:xfrm>
+            <a:off x="1078863" y="4051612"/>
+            <a:ext cx="1025906" cy="155877"/>
+          </a:xfrm>
+          <a:prstGeom prst="rect">
+            <a:avLst/>
+          </a:prstGeom>
+          <a:solidFill>
+            <a:srgbClr val="F1F1F2"/>
+          </a:solidFill>
+        </p:spPr>
+        <p:txBody>
+          <a:bodyPr wrap="square" lIns="0" tIns="0" rIns="0" bIns="0" rtlCol="0">
+            <a:spAutoFit/>
+          </a:bodyPr>
+          <a:lstStyle/>
+          <a:p>
+            <a:pPr algn="ctr"/>
+            <a:r>
+              <a:rPr lang="en-US" sz="1013">
+                <a:latin typeface="Helvetica" charset="0"/>
+                <a:ea typeface="Helvetica" charset="0"/>
+                <a:cs typeface="Helvetica" charset="0"/>
+              </a:rPr>
+              <a:t>dct:description [1]</a:t>
             </a:r>
           </a:p>
         </p:txBody>
@@ -8898,8 +9119,8 @@
         </p:nvSpPr>
         <p:spPr>
           <a:xfrm>
-            <a:off x="4169364" y="3454740"/>
-            <a:ext cx="411971" cy="467629"/>
+            <a:off x="4118068" y="3454740"/>
+            <a:ext cx="514564" cy="311752"/>
           </a:xfrm>
           <a:prstGeom prst="rect">
             <a:avLst/>
@@ -8921,22 +9142,15 @@
                 <a:ea typeface="Helvetica" charset="0"/>
                 <a:cs typeface="Helvetica" charset="0"/>
               </a:rPr>
-              <a:t>geo:</a:t>
-            </a:r>
-            <a:br>
+              <a:t>hasState</a:t>
+            </a:r>
+            <a:r>
               <a:rPr lang="en-US" sz="1013">
                 <a:latin typeface="Helvetica" charset="0"/>
                 <a:ea typeface="Helvetica" charset="0"/>
                 <a:cs typeface="Helvetica" charset="0"/>
               </a:rPr>
-            </a:br>
-            <a:r>
-              <a:rPr lang="en-US" sz="1013">
-                <a:latin typeface="Helvetica" charset="0"/>
-                <a:ea typeface="Helvetica" charset="0"/>
-                <a:cs typeface="Helvetica" charset="0"/>
-              </a:rPr>
-              <a:t>indside</a:t>
+              <a:t/>
             </a:r>
             <a:br>
               <a:rPr lang="en-US" sz="1013">

--- a/docs/diagrams.pptx
+++ b/docs/diagrams.pptx
@@ -200,7 +200,7 @@
           </a:lstStyle>
           <a:p>
             <a:fld id="{69B54289-CA05-2E4C-8921-2C4641790FC9}" type="datetimeFigureOut">
-              <a:t>8/1/18</a:t>
+              <a:t>9/1/18</a:t>
             </a:fld>
             <a:endParaRPr lang="en-US"/>
           </a:p>
@@ -594,7 +594,7 @@
           <a:lstStyle/>
           <a:p>
             <a:fld id="{D38E12F6-CCD2-6247-9D14-5CADBDEBFE61}" type="datetimeFigureOut">
-              <a:t>8/1/18</a:t>
+              <a:t>9/1/18</a:t>
             </a:fld>
             <a:endParaRPr lang="en-US"/>
           </a:p>
@@ -756,7 +756,7 @@
           <a:lstStyle/>
           <a:p>
             <a:fld id="{D38E12F6-CCD2-6247-9D14-5CADBDEBFE61}" type="datetimeFigureOut">
-              <a:t>8/1/18</a:t>
+              <a:t>9/1/18</a:t>
             </a:fld>
             <a:endParaRPr lang="en-US"/>
           </a:p>
@@ -928,7 +928,7 @@
           <a:lstStyle/>
           <a:p>
             <a:fld id="{D38E12F6-CCD2-6247-9D14-5CADBDEBFE61}" type="datetimeFigureOut">
-              <a:t>8/1/18</a:t>
+              <a:t>9/1/18</a:t>
             </a:fld>
             <a:endParaRPr lang="en-US"/>
           </a:p>
@@ -1090,7 +1090,7 @@
           <a:lstStyle/>
           <a:p>
             <a:fld id="{D38E12F6-CCD2-6247-9D14-5CADBDEBFE61}" type="datetimeFigureOut">
-              <a:t>8/1/18</a:t>
+              <a:t>9/1/18</a:t>
             </a:fld>
             <a:endParaRPr lang="en-US"/>
           </a:p>
@@ -1327,7 +1327,7 @@
           <a:lstStyle/>
           <a:p>
             <a:fld id="{D38E12F6-CCD2-6247-9D14-5CADBDEBFE61}" type="datetimeFigureOut">
-              <a:t>8/1/18</a:t>
+              <a:t>9/1/18</a:t>
             </a:fld>
             <a:endParaRPr lang="en-US"/>
           </a:p>
@@ -1550,7 +1550,7 @@
           <a:lstStyle/>
           <a:p>
             <a:fld id="{D38E12F6-CCD2-6247-9D14-5CADBDEBFE61}" type="datetimeFigureOut">
-              <a:t>8/1/18</a:t>
+              <a:t>9/1/18</a:t>
             </a:fld>
             <a:endParaRPr lang="en-US"/>
           </a:p>
@@ -1908,7 +1908,7 @@
           <a:lstStyle/>
           <a:p>
             <a:fld id="{D38E12F6-CCD2-6247-9D14-5CADBDEBFE61}" type="datetimeFigureOut">
-              <a:t>8/1/18</a:t>
+              <a:t>9/1/18</a:t>
             </a:fld>
             <a:endParaRPr lang="en-US"/>
           </a:p>
@@ -2019,7 +2019,7 @@
           <a:lstStyle/>
           <a:p>
             <a:fld id="{D38E12F6-CCD2-6247-9D14-5CADBDEBFE61}" type="datetimeFigureOut">
-              <a:t>8/1/18</a:t>
+              <a:t>9/1/18</a:t>
             </a:fld>
             <a:endParaRPr lang="en-US"/>
           </a:p>
@@ -2108,7 +2108,7 @@
           <a:lstStyle/>
           <a:p>
             <a:fld id="{D38E12F6-CCD2-6247-9D14-5CADBDEBFE61}" type="datetimeFigureOut">
-              <a:t>8/1/18</a:t>
+              <a:t>9/1/18</a:t>
             </a:fld>
             <a:endParaRPr lang="en-US"/>
           </a:p>
@@ -2377,7 +2377,7 @@
           <a:lstStyle/>
           <a:p>
             <a:fld id="{D38E12F6-CCD2-6247-9D14-5CADBDEBFE61}" type="datetimeFigureOut">
-              <a:t>8/1/18</a:t>
+              <a:t>9/1/18</a:t>
             </a:fld>
             <a:endParaRPr lang="en-US"/>
           </a:p>
@@ -2626,7 +2626,7 @@
           <a:lstStyle/>
           <a:p>
             <a:fld id="{D38E12F6-CCD2-6247-9D14-5CADBDEBFE61}" type="datetimeFigureOut">
-              <a:t>8/1/18</a:t>
+              <a:t>9/1/18</a:t>
             </a:fld>
             <a:endParaRPr lang="en-US"/>
           </a:p>
@@ -2831,7 +2831,7 @@
           </a:lstStyle>
           <a:p>
             <a:fld id="{D38E12F6-CCD2-6247-9D14-5CADBDEBFE61}" type="datetimeFigureOut">
-              <a:t>8/1/18</a:t>
+              <a:t>9/1/18</a:t>
             </a:fld>
             <a:endParaRPr lang="en-US"/>
           </a:p>
@@ -4975,7 +4975,7 @@
         </p:nvSpPr>
         <p:spPr>
           <a:xfrm>
-            <a:off x="4468719" y="2308621"/>
+            <a:off x="4753197" y="2331336"/>
             <a:ext cx="1103709" cy="664369"/>
           </a:xfrm>
           <a:prstGeom prst="rect">
@@ -5149,7 +5149,7 @@
         </p:nvSpPr>
         <p:spPr>
           <a:xfrm>
-            <a:off x="4468720" y="4279013"/>
+            <a:off x="4753197" y="4383396"/>
             <a:ext cx="1103709" cy="664369"/>
           </a:xfrm>
           <a:prstGeom prst="rect">
@@ -5210,8 +5210,8 @@
         </p:nvCxnSpPr>
         <p:spPr>
           <a:xfrm flipV="1">
-            <a:off x="3920605" y="2640806"/>
-            <a:ext cx="548114" cy="1047750"/>
+            <a:off x="3920605" y="2663521"/>
+            <a:ext cx="832592" cy="1025035"/>
           </a:xfrm>
           <a:prstGeom prst="straightConnector1">
             <a:avLst/>
@@ -5289,7 +5289,7 @@
         <p:spPr>
           <a:xfrm>
             <a:off x="3920605" y="3688556"/>
-            <a:ext cx="548115" cy="922642"/>
+            <a:ext cx="832592" cy="1027025"/>
           </a:xfrm>
           <a:prstGeom prst="straightConnector1">
             <a:avLst/>
@@ -5978,14 +5978,13 @@
           <p:cNvPr id="74" name="Straight Arrow Connector 73"/>
           <p:cNvCxnSpPr>
             <a:stCxn id="79" idx="0"/>
-            <a:endCxn id="36" idx="2"/>
           </p:cNvCxnSpPr>
           <p:nvPr/>
         </p:nvCxnSpPr>
         <p:spPr>
-          <a:xfrm flipH="1" flipV="1">
-            <a:off x="3366881" y="5318181"/>
-            <a:ext cx="1870" cy="633071"/>
+          <a:xfrm flipV="1">
+            <a:off x="1358095" y="5328396"/>
+            <a:ext cx="1455061" cy="622856"/>
           </a:xfrm>
           <a:prstGeom prst="straightConnector1">
             <a:avLst/>
@@ -6020,7 +6019,7 @@
         </p:nvSpPr>
         <p:spPr>
           <a:xfrm>
-            <a:off x="2988857" y="5536810"/>
+            <a:off x="1604176" y="5657132"/>
             <a:ext cx="822341" cy="155877"/>
           </a:xfrm>
           <a:prstGeom prst="rect">
@@ -6056,7 +6055,7 @@
         </p:nvSpPr>
         <p:spPr>
           <a:xfrm>
-            <a:off x="2816896" y="5951252"/>
+            <a:off x="806240" y="5951252"/>
             <a:ext cx="1103709" cy="664369"/>
           </a:xfrm>
           <a:prstGeom prst="rect">
@@ -6102,6 +6101,287 @@
                 <a:cs typeface="Helvetica" charset="0"/>
               </a:rPr>
               <a:t>Alias</a:t>
+            </a:r>
+          </a:p>
+        </p:txBody>
+      </p:sp>
+      <p:cxnSp>
+        <p:nvCxnSpPr>
+          <p:cNvPr id="29" name="Straight Arrow Connector 28"/>
+          <p:cNvCxnSpPr>
+            <a:stCxn id="36" idx="2"/>
+            <a:endCxn id="32" idx="0"/>
+          </p:cNvCxnSpPr>
+          <p:nvPr/>
+        </p:nvCxnSpPr>
+        <p:spPr>
+          <a:xfrm>
+            <a:off x="3366881" y="5318181"/>
+            <a:ext cx="1869" cy="637084"/>
+          </a:xfrm>
+          <a:prstGeom prst="straightConnector1">
+            <a:avLst/>
+          </a:prstGeom>
+          <a:ln>
+            <a:solidFill>
+              <a:srgbClr val="000080"/>
+            </a:solidFill>
+            <a:tailEnd type="arrow"/>
+          </a:ln>
+        </p:spPr>
+        <p:style>
+          <a:lnRef idx="1">
+            <a:schemeClr val="accent1"/>
+          </a:lnRef>
+          <a:fillRef idx="0">
+            <a:schemeClr val="accent1"/>
+          </a:fillRef>
+          <a:effectRef idx="0">
+            <a:schemeClr val="accent1"/>
+          </a:effectRef>
+          <a:fontRef idx="minor">
+            <a:schemeClr val="tx1"/>
+          </a:fontRef>
+        </p:style>
+      </p:cxnSp>
+      <p:sp>
+        <p:nvSpPr>
+          <p:cNvPr id="32" name="Rectangle 31"/>
+          <p:cNvSpPr/>
+          <p:nvPr/>
+        </p:nvSpPr>
+        <p:spPr>
+          <a:xfrm>
+            <a:off x="2816895" y="5955265"/>
+            <a:ext cx="1103709" cy="664369"/>
+          </a:xfrm>
+          <a:prstGeom prst="rect">
+            <a:avLst/>
+          </a:prstGeom>
+          <a:solidFill>
+            <a:srgbClr val="F4FFFF"/>
+          </a:solidFill>
+          <a:ln>
+            <a:solidFill>
+              <a:srgbClr val="000080"/>
+            </a:solidFill>
+          </a:ln>
+        </p:spPr>
+        <p:style>
+          <a:lnRef idx="2">
+            <a:schemeClr val="accent1">
+              <a:shade val="50000"/>
+            </a:schemeClr>
+          </a:lnRef>
+          <a:fillRef idx="1">
+            <a:schemeClr val="accent1"/>
+          </a:fillRef>
+          <a:effectRef idx="0">
+            <a:schemeClr val="accent1"/>
+          </a:effectRef>
+          <a:fontRef idx="minor">
+            <a:schemeClr val="lt1"/>
+          </a:fontRef>
+        </p:style>
+        <p:txBody>
+          <a:bodyPr rtlCol="0" anchor="ctr"/>
+          <a:lstStyle/>
+          <a:p>
+            <a:pPr algn="ctr"/>
+            <a:r>
+              <a:rPr lang="en-US" sz="1013" b="1">
+                <a:solidFill>
+                  <a:srgbClr val="005C84"/>
+                </a:solidFill>
+                <a:latin typeface="Helvetica" charset="0"/>
+                <a:ea typeface="Helvetica" charset="0"/>
+                <a:cs typeface="Helvetica" charset="0"/>
+              </a:rPr>
+              <a:t>Geocode</a:t>
+            </a:r>
+          </a:p>
+        </p:txBody>
+      </p:sp>
+      <p:sp>
+        <p:nvSpPr>
+          <p:cNvPr id="33" name="TextBox 32"/>
+          <p:cNvSpPr txBox="1"/>
+          <p:nvPr/>
+        </p:nvSpPr>
+        <p:spPr>
+          <a:xfrm>
+            <a:off x="2769481" y="5639499"/>
+            <a:ext cx="1105692" cy="155877"/>
+          </a:xfrm>
+          <a:prstGeom prst="rect">
+            <a:avLst/>
+          </a:prstGeom>
+          <a:solidFill>
+            <a:srgbClr val="F1F1F2"/>
+          </a:solidFill>
+        </p:spPr>
+        <p:txBody>
+          <a:bodyPr wrap="square" lIns="0" tIns="0" rIns="0" bIns="0" rtlCol="0">
+            <a:spAutoFit/>
+          </a:bodyPr>
+          <a:lstStyle/>
+          <a:p>
+            <a:pPr algn="ctr"/>
+            <a:r>
+              <a:rPr lang="en-US" sz="1013">
+                <a:latin typeface="Helvetica" charset="0"/>
+                <a:ea typeface="Helvetica" charset="0"/>
+                <a:cs typeface="Helvetica" charset="0"/>
+              </a:rPr>
+              <a:t>has geocode [1]</a:t>
+            </a:r>
+          </a:p>
+        </p:txBody>
+      </p:sp>
+      <p:sp>
+        <p:nvSpPr>
+          <p:cNvPr id="34" name="Rectangle 33"/>
+          <p:cNvSpPr/>
+          <p:nvPr/>
+        </p:nvSpPr>
+        <p:spPr>
+          <a:xfrm>
+            <a:off x="4753197" y="5951251"/>
+            <a:ext cx="1103709" cy="664369"/>
+          </a:xfrm>
+          <a:prstGeom prst="rect">
+            <a:avLst/>
+          </a:prstGeom>
+          <a:solidFill>
+            <a:srgbClr val="F4FFFF"/>
+          </a:solidFill>
+          <a:ln>
+            <a:solidFill>
+              <a:srgbClr val="000080"/>
+            </a:solidFill>
+          </a:ln>
+        </p:spPr>
+        <p:style>
+          <a:lnRef idx="2">
+            <a:schemeClr val="accent1">
+              <a:shade val="50000"/>
+            </a:schemeClr>
+          </a:lnRef>
+          <a:fillRef idx="1">
+            <a:schemeClr val="accent1"/>
+          </a:fillRef>
+          <a:effectRef idx="0">
+            <a:schemeClr val="accent1"/>
+          </a:effectRef>
+          <a:fontRef idx="minor">
+            <a:schemeClr val="lt1"/>
+          </a:fontRef>
+        </p:style>
+        <p:txBody>
+          <a:bodyPr rtlCol="0" anchor="ctr"/>
+          <a:lstStyle/>
+          <a:p>
+            <a:pPr algn="ctr"/>
+            <a:r>
+              <a:rPr lang="en-US" sz="1013" b="1">
+                <a:solidFill>
+                  <a:srgbClr val="005C84"/>
+                </a:solidFill>
+                <a:latin typeface="Helvetica" charset="0"/>
+                <a:ea typeface="Helvetica" charset="0"/>
+                <a:cs typeface="Helvetica" charset="0"/>
+              </a:rPr>
+              <a:t>GNAF Confidence</a:t>
+            </a:r>
+          </a:p>
+        </p:txBody>
+      </p:sp>
+      <p:cxnSp>
+        <p:nvCxnSpPr>
+          <p:cNvPr id="35" name="Straight Arrow Connector 34"/>
+          <p:cNvCxnSpPr>
+            <a:stCxn id="36" idx="3"/>
+            <a:endCxn id="34" idx="0"/>
+          </p:cNvCxnSpPr>
+          <p:nvPr/>
+        </p:nvCxnSpPr>
+        <p:spPr>
+          <a:xfrm>
+            <a:off x="3918735" y="4985997"/>
+            <a:ext cx="1386317" cy="965254"/>
+          </a:xfrm>
+          <a:prstGeom prst="straightConnector1">
+            <a:avLst/>
+          </a:prstGeom>
+          <a:ln>
+            <a:solidFill>
+              <a:srgbClr val="000080"/>
+            </a:solidFill>
+            <a:tailEnd type="arrow"/>
+          </a:ln>
+        </p:spPr>
+        <p:style>
+          <a:lnRef idx="1">
+            <a:schemeClr val="accent1"/>
+          </a:lnRef>
+          <a:fillRef idx="0">
+            <a:schemeClr val="accent1"/>
+          </a:fillRef>
+          <a:effectRef idx="0">
+            <a:schemeClr val="accent1"/>
+          </a:effectRef>
+          <a:fontRef idx="minor">
+            <a:schemeClr val="tx1"/>
+          </a:fontRef>
+        </p:style>
+      </p:cxnSp>
+      <p:sp>
+        <p:nvSpPr>
+          <p:cNvPr id="37" name="TextBox 36"/>
+          <p:cNvSpPr txBox="1"/>
+          <p:nvPr/>
+        </p:nvSpPr>
+        <p:spPr>
+          <a:xfrm>
+            <a:off x="4336901" y="5345380"/>
+            <a:ext cx="812722" cy="311752"/>
+          </a:xfrm>
+          <a:prstGeom prst="rect">
+            <a:avLst/>
+          </a:prstGeom>
+          <a:solidFill>
+            <a:srgbClr val="F1F1F2"/>
+          </a:solidFill>
+        </p:spPr>
+        <p:txBody>
+          <a:bodyPr wrap="none" lIns="0" tIns="0" rIns="0" bIns="0" rtlCol="0">
+            <a:spAutoFit/>
+          </a:bodyPr>
+          <a:lstStyle/>
+          <a:p>
+            <a:pPr algn="ctr"/>
+            <a:r>
+              <a:rPr lang="en-US" sz="1013">
+                <a:latin typeface="Helvetica" charset="0"/>
+                <a:ea typeface="Helvetica" charset="0"/>
+                <a:cs typeface="Helvetica" charset="0"/>
+              </a:rPr>
+              <a:t>has GNAF</a:t>
+            </a:r>
+            <a:br>
+              <a:rPr lang="en-US" sz="1013">
+                <a:latin typeface="Helvetica" charset="0"/>
+                <a:ea typeface="Helvetica" charset="0"/>
+                <a:cs typeface="Helvetica" charset="0"/>
+              </a:rPr>
+            </a:br>
+            <a:r>
+              <a:rPr lang="en-US" sz="1013">
+                <a:latin typeface="Helvetica" charset="0"/>
+                <a:ea typeface="Helvetica" charset="0"/>
+                <a:cs typeface="Helvetica" charset="0"/>
+              </a:rPr>
+              <a:t>confidence [1]</a:t>
             </a:r>
           </a:p>
         </p:txBody>
@@ -8973,7 +9253,8 @@
             <a:solidFill>
               <a:srgbClr val="000080"/>
             </a:solidFill>
-            <a:tailEnd type="triangle"/>
+            <a:headEnd type="none" w="med" len="med"/>
+            <a:tailEnd type="arrow" w="med" len="med"/>
           </a:ln>
         </p:spPr>
         <p:style>
@@ -9143,14 +9424,6 @@
                 <a:cs typeface="Helvetica" charset="0"/>
               </a:rPr>
               <a:t>hasState</a:t>
-            </a:r>
-            <a:r>
-              <a:rPr lang="en-US" sz="1013">
-                <a:latin typeface="Helvetica" charset="0"/>
-                <a:ea typeface="Helvetica" charset="0"/>
-                <a:cs typeface="Helvetica" charset="0"/>
-              </a:rPr>
-              <a:t/>
             </a:r>
             <a:br>
               <a:rPr lang="en-US" sz="1013">
@@ -10043,6 +10316,139 @@
                 <a:cs typeface="Helvetica" charset="0"/>
               </a:rPr>
               <a:t>geo:hasGeometry [1]</a:t>
+            </a:r>
+          </a:p>
+        </p:txBody>
+      </p:sp>
+      <p:sp>
+        <p:nvSpPr>
+          <p:cNvPr id="17" name="Rectangle 16"/>
+          <p:cNvSpPr/>
+          <p:nvPr/>
+        </p:nvSpPr>
+        <p:spPr>
+          <a:xfrm>
+            <a:off x="2816896" y="1721026"/>
+            <a:ext cx="1103709" cy="664369"/>
+          </a:xfrm>
+          <a:prstGeom prst="rect">
+            <a:avLst/>
+          </a:prstGeom>
+          <a:solidFill>
+            <a:schemeClr val="bg1"/>
+          </a:solidFill>
+          <a:ln>
+            <a:solidFill>
+              <a:srgbClr val="000080"/>
+            </a:solidFill>
+          </a:ln>
+        </p:spPr>
+        <p:style>
+          <a:lnRef idx="2">
+            <a:schemeClr val="accent1">
+              <a:shade val="50000"/>
+            </a:schemeClr>
+          </a:lnRef>
+          <a:fillRef idx="1">
+            <a:schemeClr val="accent1"/>
+          </a:fillRef>
+          <a:effectRef idx="0">
+            <a:schemeClr val="accent1"/>
+          </a:effectRef>
+          <a:fontRef idx="minor">
+            <a:schemeClr val="lt1"/>
+          </a:fontRef>
+        </p:style>
+        <p:txBody>
+          <a:bodyPr rtlCol="0" anchor="ctr"/>
+          <a:lstStyle/>
+          <a:p>
+            <a:pPr algn="ctr"/>
+            <a:r>
+              <a:rPr lang="en-US" sz="1013" b="1">
+                <a:solidFill>
+                  <a:srgbClr val="005C84"/>
+                </a:solidFill>
+                <a:latin typeface="Helvetica" charset="0"/>
+                <a:ea typeface="Helvetica" charset="0"/>
+                <a:cs typeface="Helvetica" charset="0"/>
+              </a:rPr>
+              <a:t>geo:Feature</a:t>
+            </a:r>
+          </a:p>
+        </p:txBody>
+      </p:sp>
+      <p:cxnSp>
+        <p:nvCxnSpPr>
+          <p:cNvPr id="19" name="Straight Arrow Connector 18"/>
+          <p:cNvCxnSpPr>
+            <a:stCxn id="44" idx="0"/>
+            <a:endCxn id="17" idx="2"/>
+          </p:cNvCxnSpPr>
+          <p:nvPr/>
+        </p:nvCxnSpPr>
+        <p:spPr>
+          <a:xfrm flipV="1">
+            <a:off x="3368751" y="2385395"/>
+            <a:ext cx="0" cy="970976"/>
+          </a:xfrm>
+          <a:prstGeom prst="straightConnector1">
+            <a:avLst/>
+          </a:prstGeom>
+          <a:ln>
+            <a:solidFill>
+              <a:srgbClr val="000080"/>
+            </a:solidFill>
+            <a:tailEnd type="triangle"/>
+          </a:ln>
+        </p:spPr>
+        <p:style>
+          <a:lnRef idx="1">
+            <a:schemeClr val="accent1"/>
+          </a:lnRef>
+          <a:fillRef idx="0">
+            <a:schemeClr val="accent1"/>
+          </a:fillRef>
+          <a:effectRef idx="0">
+            <a:schemeClr val="accent1"/>
+          </a:effectRef>
+          <a:fontRef idx="minor">
+            <a:schemeClr val="tx1"/>
+          </a:fontRef>
+        </p:style>
+      </p:cxnSp>
+      <p:sp>
+        <p:nvSpPr>
+          <p:cNvPr id="20" name="TextBox 19"/>
+          <p:cNvSpPr txBox="1"/>
+          <p:nvPr/>
+        </p:nvSpPr>
+        <p:spPr>
+          <a:xfrm>
+            <a:off x="2903880" y="2524690"/>
+            <a:ext cx="929743" cy="155877"/>
+          </a:xfrm>
+          <a:prstGeom prst="rect">
+            <a:avLst/>
+          </a:prstGeom>
+          <a:solidFill>
+            <a:srgbClr val="F1F1F2"/>
+          </a:solidFill>
+        </p:spPr>
+        <p:txBody>
+          <a:bodyPr wrap="none" lIns="0" tIns="0" rIns="0" bIns="0" rtlCol="0">
+            <a:spAutoFit/>
+          </a:bodyPr>
+          <a:lstStyle/>
+          <a:p>
+            <a:pPr algn="ctr"/>
+            <a:r>
+              <a:rPr lang="en-US" sz="1013">
+                <a:latin typeface="Helvetica" charset="0"/>
+                <a:ea typeface="Helvetica" charset="0"/>
+                <a:cs typeface="Helvetica" charset="0"/>
+              </a:rPr>
+              <a:t>rdfs:subClassOf</a:t>
             </a:r>
           </a:p>
         </p:txBody>

--- a/docs/diagrams.pptx
+++ b/docs/diagrams.pptx
@@ -200,7 +200,7 @@
           </a:lstStyle>
           <a:p>
             <a:fld id="{69B54289-CA05-2E4C-8921-2C4641790FC9}" type="datetimeFigureOut">
-              <a:t>9/1/18</a:t>
+              <a:t>15/1/18</a:t>
             </a:fld>
             <a:endParaRPr lang="en-US"/>
           </a:p>
@@ -594,7 +594,7 @@
           <a:lstStyle/>
           <a:p>
             <a:fld id="{D38E12F6-CCD2-6247-9D14-5CADBDEBFE61}" type="datetimeFigureOut">
-              <a:t>9/1/18</a:t>
+              <a:t>15/1/18</a:t>
             </a:fld>
             <a:endParaRPr lang="en-US"/>
           </a:p>
@@ -756,7 +756,7 @@
           <a:lstStyle/>
           <a:p>
             <a:fld id="{D38E12F6-CCD2-6247-9D14-5CADBDEBFE61}" type="datetimeFigureOut">
-              <a:t>9/1/18</a:t>
+              <a:t>15/1/18</a:t>
             </a:fld>
             <a:endParaRPr lang="en-US"/>
           </a:p>
@@ -928,7 +928,7 @@
           <a:lstStyle/>
           <a:p>
             <a:fld id="{D38E12F6-CCD2-6247-9D14-5CADBDEBFE61}" type="datetimeFigureOut">
-              <a:t>9/1/18</a:t>
+              <a:t>15/1/18</a:t>
             </a:fld>
             <a:endParaRPr lang="en-US"/>
           </a:p>
@@ -1090,7 +1090,7 @@
           <a:lstStyle/>
           <a:p>
             <a:fld id="{D38E12F6-CCD2-6247-9D14-5CADBDEBFE61}" type="datetimeFigureOut">
-              <a:t>9/1/18</a:t>
+              <a:t>15/1/18</a:t>
             </a:fld>
             <a:endParaRPr lang="en-US"/>
           </a:p>
@@ -1327,7 +1327,7 @@
           <a:lstStyle/>
           <a:p>
             <a:fld id="{D38E12F6-CCD2-6247-9D14-5CADBDEBFE61}" type="datetimeFigureOut">
-              <a:t>9/1/18</a:t>
+              <a:t>15/1/18</a:t>
             </a:fld>
             <a:endParaRPr lang="en-US"/>
           </a:p>
@@ -1550,7 +1550,7 @@
           <a:lstStyle/>
           <a:p>
             <a:fld id="{D38E12F6-CCD2-6247-9D14-5CADBDEBFE61}" type="datetimeFigureOut">
-              <a:t>9/1/18</a:t>
+              <a:t>15/1/18</a:t>
             </a:fld>
             <a:endParaRPr lang="en-US"/>
           </a:p>
@@ -1908,7 +1908,7 @@
           <a:lstStyle/>
           <a:p>
             <a:fld id="{D38E12F6-CCD2-6247-9D14-5CADBDEBFE61}" type="datetimeFigureOut">
-              <a:t>9/1/18</a:t>
+              <a:t>15/1/18</a:t>
             </a:fld>
             <a:endParaRPr lang="en-US"/>
           </a:p>
@@ -2019,7 +2019,7 @@
           <a:lstStyle/>
           <a:p>
             <a:fld id="{D38E12F6-CCD2-6247-9D14-5CADBDEBFE61}" type="datetimeFigureOut">
-              <a:t>9/1/18</a:t>
+              <a:t>15/1/18</a:t>
             </a:fld>
             <a:endParaRPr lang="en-US"/>
           </a:p>
@@ -2108,7 +2108,7 @@
           <a:lstStyle/>
           <a:p>
             <a:fld id="{D38E12F6-CCD2-6247-9D14-5CADBDEBFE61}" type="datetimeFigureOut">
-              <a:t>9/1/18</a:t>
+              <a:t>15/1/18</a:t>
             </a:fld>
             <a:endParaRPr lang="en-US"/>
           </a:p>
@@ -2377,7 +2377,7 @@
           <a:lstStyle/>
           <a:p>
             <a:fld id="{D38E12F6-CCD2-6247-9D14-5CADBDEBFE61}" type="datetimeFigureOut">
-              <a:t>9/1/18</a:t>
+              <a:t>15/1/18</a:t>
             </a:fld>
             <a:endParaRPr lang="en-US"/>
           </a:p>
@@ -2626,7 +2626,7 @@
           <a:lstStyle/>
           <a:p>
             <a:fld id="{D38E12F6-CCD2-6247-9D14-5CADBDEBFE61}" type="datetimeFigureOut">
-              <a:t>9/1/18</a:t>
+              <a:t>15/1/18</a:t>
             </a:fld>
             <a:endParaRPr lang="en-US"/>
           </a:p>
@@ -2831,7 +2831,7 @@
           </a:lstStyle>
           <a:p>
             <a:fld id="{D38E12F6-CCD2-6247-9D14-5CADBDEBFE61}" type="datetimeFigureOut">
-              <a:t>9/1/18</a:t>
+              <a:t>15/1/18</a:t>
             </a:fld>
             <a:endParaRPr lang="en-US"/>
           </a:p>
@@ -4969,13 +4969,13 @@
       </p:sp>
       <p:sp>
         <p:nvSpPr>
-          <p:cNvPr id="43" name="Rectangle 42"/>
+          <p:cNvPr id="44" name="Rectangle 43"/>
           <p:cNvSpPr/>
           <p:nvPr/>
         </p:nvSpPr>
         <p:spPr>
           <a:xfrm>
-            <a:off x="4753197" y="2331336"/>
+            <a:off x="2816896" y="3356371"/>
             <a:ext cx="1103709" cy="664369"/>
           </a:xfrm>
           <a:prstGeom prst="rect">
@@ -5020,20 +5020,20 @@
                 <a:ea typeface="Helvetica" charset="0"/>
                 <a:cs typeface="Helvetica" charset="0"/>
               </a:rPr>
-              <a:t>Street Class</a:t>
-            </a:r>
-          </a:p>
-        </p:txBody>
-      </p:sp>
-      <p:sp>
-        <p:nvSpPr>
-          <p:cNvPr id="44" name="Rectangle 43"/>
+              <a:t>Street</a:t>
+            </a:r>
+          </a:p>
+        </p:txBody>
+      </p:sp>
+      <p:sp>
+        <p:nvSpPr>
+          <p:cNvPr id="18" name="Rectangle 17"/>
           <p:cNvSpPr/>
           <p:nvPr/>
         </p:nvSpPr>
         <p:spPr>
           <a:xfrm>
-            <a:off x="2816896" y="3356371"/>
+            <a:off x="4753197" y="3356371"/>
             <a:ext cx="1103709" cy="664369"/>
           </a:xfrm>
           <a:prstGeom prst="rect">
@@ -5078,20 +5078,20 @@
                 <a:ea typeface="Helvetica" charset="0"/>
                 <a:cs typeface="Helvetica" charset="0"/>
               </a:rPr>
-              <a:t>Street</a:t>
-            </a:r>
-          </a:p>
-        </p:txBody>
-      </p:sp>
-      <p:sp>
-        <p:nvSpPr>
-          <p:cNvPr id="18" name="Rectangle 17"/>
+              <a:t>Street Confirmation</a:t>
+            </a:r>
+          </a:p>
+        </p:txBody>
+      </p:sp>
+      <p:sp>
+        <p:nvSpPr>
+          <p:cNvPr id="19" name="Rectangle 18"/>
           <p:cNvSpPr/>
           <p:nvPr/>
         </p:nvSpPr>
         <p:spPr>
           <a:xfrm>
-            <a:off x="4753197" y="3356371"/>
+            <a:off x="4753197" y="4383396"/>
             <a:ext cx="1103709" cy="664369"/>
           </a:xfrm>
           <a:prstGeom prst="rect">
@@ -5136,27 +5136,66 @@
                 <a:ea typeface="Helvetica" charset="0"/>
                 <a:cs typeface="Helvetica" charset="0"/>
               </a:rPr>
-              <a:t>Street Type</a:t>
-            </a:r>
-          </a:p>
-        </p:txBody>
-      </p:sp>
-      <p:sp>
-        <p:nvSpPr>
-          <p:cNvPr id="19" name="Rectangle 18"/>
+              <a:t>Street Suffix</a:t>
+            </a:r>
+          </a:p>
+        </p:txBody>
+      </p:sp>
+      <p:cxnSp>
+        <p:nvCxnSpPr>
+          <p:cNvPr id="23" name="Straight Arrow Connector 22"/>
+          <p:cNvCxnSpPr>
+            <a:stCxn id="44" idx="3"/>
+            <a:endCxn id="18" idx="1"/>
+          </p:cNvCxnSpPr>
+          <p:nvPr/>
+        </p:nvCxnSpPr>
+        <p:spPr>
+          <a:xfrm>
+            <a:off x="3920605" y="3688556"/>
+            <a:ext cx="832592" cy="0"/>
+          </a:xfrm>
+          <a:prstGeom prst="straightConnector1">
+            <a:avLst/>
+          </a:prstGeom>
+          <a:ln>
+            <a:solidFill>
+              <a:srgbClr val="000080"/>
+            </a:solidFill>
+            <a:tailEnd type="arrow"/>
+          </a:ln>
+        </p:spPr>
+        <p:style>
+          <a:lnRef idx="1">
+            <a:schemeClr val="accent1"/>
+          </a:lnRef>
+          <a:fillRef idx="0">
+            <a:schemeClr val="accent1"/>
+          </a:fillRef>
+          <a:effectRef idx="0">
+            <a:schemeClr val="accent1"/>
+          </a:effectRef>
+          <a:fontRef idx="minor">
+            <a:schemeClr val="tx1"/>
+          </a:fontRef>
+        </p:style>
+      </p:cxnSp>
+      <p:sp>
+        <p:nvSpPr>
+          <p:cNvPr id="30" name="Rectangle 29"/>
           <p:cNvSpPr/>
           <p:nvPr/>
         </p:nvSpPr>
         <p:spPr>
           <a:xfrm>
-            <a:off x="4753197" y="4383396"/>
-            <a:ext cx="1103709" cy="664369"/>
+            <a:off x="812057" y="3481240"/>
+            <a:ext cx="1103709" cy="411497"/>
           </a:xfrm>
           <a:prstGeom prst="rect">
             <a:avLst/>
           </a:prstGeom>
           <a:solidFill>
-            <a:srgbClr val="F4FFFF"/>
+            <a:schemeClr val="bg1"/>
           </a:solidFill>
           <a:ln>
             <a:solidFill>
@@ -5194,181 +5233,6 @@
                 <a:ea typeface="Helvetica" charset="0"/>
                 <a:cs typeface="Helvetica" charset="0"/>
               </a:rPr>
-              <a:t>Street Suffix</a:t>
-            </a:r>
-          </a:p>
-        </p:txBody>
-      </p:sp>
-      <p:cxnSp>
-        <p:nvCxnSpPr>
-          <p:cNvPr id="20" name="Straight Arrow Connector 19"/>
-          <p:cNvCxnSpPr>
-            <a:stCxn id="44" idx="3"/>
-            <a:endCxn id="43" idx="1"/>
-          </p:cNvCxnSpPr>
-          <p:nvPr/>
-        </p:nvCxnSpPr>
-        <p:spPr>
-          <a:xfrm flipV="1">
-            <a:off x="3920605" y="2663521"/>
-            <a:ext cx="832592" cy="1025035"/>
-          </a:xfrm>
-          <a:prstGeom prst="straightConnector1">
-            <a:avLst/>
-          </a:prstGeom>
-          <a:ln>
-            <a:solidFill>
-              <a:srgbClr val="000080"/>
-            </a:solidFill>
-            <a:tailEnd type="arrow"/>
-          </a:ln>
-        </p:spPr>
-        <p:style>
-          <a:lnRef idx="1">
-            <a:schemeClr val="accent1"/>
-          </a:lnRef>
-          <a:fillRef idx="0">
-            <a:schemeClr val="accent1"/>
-          </a:fillRef>
-          <a:effectRef idx="0">
-            <a:schemeClr val="accent1"/>
-          </a:effectRef>
-          <a:fontRef idx="minor">
-            <a:schemeClr val="tx1"/>
-          </a:fontRef>
-        </p:style>
-      </p:cxnSp>
-      <p:cxnSp>
-        <p:nvCxnSpPr>
-          <p:cNvPr id="23" name="Straight Arrow Connector 22"/>
-          <p:cNvCxnSpPr>
-            <a:stCxn id="44" idx="3"/>
-            <a:endCxn id="18" idx="1"/>
-          </p:cNvCxnSpPr>
-          <p:nvPr/>
-        </p:nvCxnSpPr>
-        <p:spPr>
-          <a:xfrm>
-            <a:off x="3920605" y="3688556"/>
-            <a:ext cx="832592" cy="0"/>
-          </a:xfrm>
-          <a:prstGeom prst="straightConnector1">
-            <a:avLst/>
-          </a:prstGeom>
-          <a:ln>
-            <a:solidFill>
-              <a:srgbClr val="000080"/>
-            </a:solidFill>
-            <a:tailEnd type="arrow"/>
-          </a:ln>
-        </p:spPr>
-        <p:style>
-          <a:lnRef idx="1">
-            <a:schemeClr val="accent1"/>
-          </a:lnRef>
-          <a:fillRef idx="0">
-            <a:schemeClr val="accent1"/>
-          </a:fillRef>
-          <a:effectRef idx="0">
-            <a:schemeClr val="accent1"/>
-          </a:effectRef>
-          <a:fontRef idx="minor">
-            <a:schemeClr val="tx1"/>
-          </a:fontRef>
-        </p:style>
-      </p:cxnSp>
-      <p:cxnSp>
-        <p:nvCxnSpPr>
-          <p:cNvPr id="26" name="Straight Arrow Connector 25"/>
-          <p:cNvCxnSpPr>
-            <a:stCxn id="44" idx="3"/>
-            <a:endCxn id="19" idx="1"/>
-          </p:cNvCxnSpPr>
-          <p:nvPr/>
-        </p:nvCxnSpPr>
-        <p:spPr>
-          <a:xfrm>
-            <a:off x="3920605" y="3688556"/>
-            <a:ext cx="832592" cy="1027025"/>
-          </a:xfrm>
-          <a:prstGeom prst="straightConnector1">
-            <a:avLst/>
-          </a:prstGeom>
-          <a:ln>
-            <a:solidFill>
-              <a:srgbClr val="000080"/>
-            </a:solidFill>
-            <a:tailEnd type="arrow"/>
-          </a:ln>
-        </p:spPr>
-        <p:style>
-          <a:lnRef idx="1">
-            <a:schemeClr val="accent1"/>
-          </a:lnRef>
-          <a:fillRef idx="0">
-            <a:schemeClr val="accent1"/>
-          </a:fillRef>
-          <a:effectRef idx="0">
-            <a:schemeClr val="accent1"/>
-          </a:effectRef>
-          <a:fontRef idx="minor">
-            <a:schemeClr val="tx1"/>
-          </a:fontRef>
-        </p:style>
-      </p:cxnSp>
-      <p:sp>
-        <p:nvSpPr>
-          <p:cNvPr id="30" name="Rectangle 29"/>
-          <p:cNvSpPr/>
-          <p:nvPr/>
-        </p:nvSpPr>
-        <p:spPr>
-          <a:xfrm>
-            <a:off x="812057" y="3481240"/>
-            <a:ext cx="1103709" cy="411497"/>
-          </a:xfrm>
-          <a:prstGeom prst="rect">
-            <a:avLst/>
-          </a:prstGeom>
-          <a:solidFill>
-            <a:schemeClr val="bg1"/>
-          </a:solidFill>
-          <a:ln>
-            <a:solidFill>
-              <a:srgbClr val="000080"/>
-            </a:solidFill>
-          </a:ln>
-        </p:spPr>
-        <p:style>
-          <a:lnRef idx="2">
-            <a:schemeClr val="accent1">
-              <a:shade val="50000"/>
-            </a:schemeClr>
-          </a:lnRef>
-          <a:fillRef idx="1">
-            <a:schemeClr val="accent1"/>
-          </a:fillRef>
-          <a:effectRef idx="0">
-            <a:schemeClr val="accent1"/>
-          </a:effectRef>
-          <a:fontRef idx="minor">
-            <a:schemeClr val="lt1"/>
-          </a:fontRef>
-        </p:style>
-        <p:txBody>
-          <a:bodyPr rtlCol="0" anchor="ctr"/>
-          <a:lstStyle/>
-          <a:p>
-            <a:pPr algn="ctr"/>
-            <a:r>
-              <a:rPr lang="en-US" sz="1013" b="1">
-                <a:solidFill>
-                  <a:srgbClr val="005C84"/>
-                </a:solidFill>
-                <a:latin typeface="Helvetica" charset="0"/>
-                <a:ea typeface="Helvetica" charset="0"/>
-                <a:cs typeface="Helvetica" charset="0"/>
-              </a:rPr>
               <a:t>xsd:string</a:t>
             </a:r>
           </a:p>
@@ -5451,14 +5315,14 @@
       </p:sp>
       <p:sp>
         <p:nvSpPr>
-          <p:cNvPr id="56" name="TextBox 55"/>
+          <p:cNvPr id="58" name="TextBox 57"/>
           <p:cNvSpPr txBox="1"/>
           <p:nvPr/>
         </p:nvSpPr>
         <p:spPr>
           <a:xfrm>
-            <a:off x="3706324" y="3098100"/>
-            <a:ext cx="1091646" cy="155877"/>
+            <a:off x="3998328" y="3466160"/>
+            <a:ext cx="637995" cy="467629"/>
           </a:xfrm>
           <a:prstGeom prst="rect">
             <a:avLst/>
@@ -5480,78 +5344,6 @@
                 <a:ea typeface="Helvetica" charset="0"/>
                 <a:cs typeface="Helvetica" charset="0"/>
               </a:rPr>
-              <a:t>has street class [1]</a:t>
-            </a:r>
-          </a:p>
-        </p:txBody>
-      </p:sp>
-      <p:sp>
-        <p:nvSpPr>
-          <p:cNvPr id="57" name="TextBox 56"/>
-          <p:cNvSpPr txBox="1"/>
-          <p:nvPr/>
-        </p:nvSpPr>
-        <p:spPr>
-          <a:xfrm>
-            <a:off x="3811078" y="4051213"/>
-            <a:ext cx="1099660" cy="155877"/>
-          </a:xfrm>
-          <a:prstGeom prst="rect">
-            <a:avLst/>
-          </a:prstGeom>
-          <a:solidFill>
-            <a:srgbClr val="F1F1F2"/>
-          </a:solidFill>
-        </p:spPr>
-        <p:txBody>
-          <a:bodyPr wrap="none" lIns="0" tIns="0" rIns="0" bIns="0" rtlCol="0">
-            <a:spAutoFit/>
-          </a:bodyPr>
-          <a:lstStyle/>
-          <a:p>
-            <a:pPr algn="ctr"/>
-            <a:r>
-              <a:rPr lang="en-US" sz="1013">
-                <a:latin typeface="Helvetica" charset="0"/>
-                <a:ea typeface="Helvetica" charset="0"/>
-                <a:cs typeface="Helvetica" charset="0"/>
-              </a:rPr>
-              <a:t>has street suffix [1]</a:t>
-            </a:r>
-          </a:p>
-        </p:txBody>
-      </p:sp>
-      <p:sp>
-        <p:nvSpPr>
-          <p:cNvPr id="58" name="TextBox 57"/>
-          <p:cNvSpPr txBox="1"/>
-          <p:nvPr/>
-        </p:nvSpPr>
-        <p:spPr>
-          <a:xfrm>
-            <a:off x="4075939" y="3535555"/>
-            <a:ext cx="573875" cy="311752"/>
-          </a:xfrm>
-          <a:prstGeom prst="rect">
-            <a:avLst/>
-          </a:prstGeom>
-          <a:solidFill>
-            <a:srgbClr val="F1F1F2"/>
-          </a:solidFill>
-        </p:spPr>
-        <p:txBody>
-          <a:bodyPr wrap="none" lIns="0" tIns="0" rIns="0" bIns="0" rtlCol="0">
-            <a:spAutoFit/>
-          </a:bodyPr>
-          <a:lstStyle/>
-          <a:p>
-            <a:pPr algn="ctr"/>
-            <a:r>
-              <a:rPr lang="en-US" sz="1013">
-                <a:latin typeface="Helvetica" charset="0"/>
-                <a:ea typeface="Helvetica" charset="0"/>
-                <a:cs typeface="Helvetica" charset="0"/>
-              </a:rPr>
               <a:t>has street</a:t>
             </a:r>
             <a:br>
@@ -5567,7 +5359,22 @@
                 <a:ea typeface="Helvetica" charset="0"/>
                 <a:cs typeface="Helvetica" charset="0"/>
               </a:rPr>
-              <a:t>type [1]</a:t>
+              <a:t>confirmtion</a:t>
+            </a:r>
+            <a:br>
+              <a:rPr lang="en-US" sz="1013">
+                <a:latin typeface="Helvetica" charset="0"/>
+                <a:ea typeface="Helvetica" charset="0"/>
+                <a:cs typeface="Helvetica" charset="0"/>
+              </a:rPr>
+            </a:br>
+            <a:r>
+              <a:rPr lang="en-US" sz="1013">
+                <a:latin typeface="Helvetica" charset="0"/>
+                <a:ea typeface="Helvetica" charset="0"/>
+                <a:cs typeface="Helvetica" charset="0"/>
+              </a:rPr>
+              <a:t>[1]</a:t>
             </a:r>
           </a:p>
         </p:txBody>
@@ -6109,15 +5916,15 @@
         <p:nvCxnSpPr>
           <p:cNvPr id="29" name="Straight Arrow Connector 28"/>
           <p:cNvCxnSpPr>
-            <a:stCxn id="36" idx="2"/>
-            <a:endCxn id="32" idx="0"/>
+            <a:stCxn id="38" idx="3"/>
+            <a:endCxn id="32" idx="1"/>
           </p:cNvCxnSpPr>
           <p:nvPr/>
         </p:nvCxnSpPr>
         <p:spPr>
           <a:xfrm>
-            <a:off x="3366881" y="5318181"/>
-            <a:ext cx="1869" cy="637084"/>
+            <a:off x="3920605" y="2053211"/>
+            <a:ext cx="833686" cy="0"/>
           </a:xfrm>
           <a:prstGeom prst="straightConnector1">
             <a:avLst/>
@@ -6152,14 +5959,14 @@
         </p:nvSpPr>
         <p:spPr>
           <a:xfrm>
-            <a:off x="2816895" y="5955265"/>
+            <a:off x="4754291" y="1721026"/>
             <a:ext cx="1103709" cy="664369"/>
           </a:xfrm>
           <a:prstGeom prst="rect">
             <a:avLst/>
           </a:prstGeom>
           <a:solidFill>
-            <a:srgbClr val="F4FFFF"/>
+            <a:schemeClr val="bg1"/>
           </a:solidFill>
           <a:ln>
             <a:solidFill>
@@ -6197,7 +6004,7 @@
                 <a:ea typeface="Helvetica" charset="0"/>
                 <a:cs typeface="Helvetica" charset="0"/>
               </a:rPr>
-              <a:t>Geocode</a:t>
+              <a:t>geo:Geocode</a:t>
             </a:r>
           </a:p>
         </p:txBody>
@@ -6210,8 +6017,8 @@
         </p:nvSpPr>
         <p:spPr>
           <a:xfrm>
-            <a:off x="2769481" y="5639499"/>
-            <a:ext cx="1105692" cy="155877"/>
+            <a:off x="4049875" y="1819395"/>
+            <a:ext cx="575146" cy="467629"/>
           </a:xfrm>
           <a:prstGeom prst="rect">
             <a:avLst/>
@@ -6233,7 +6040,37 @@
                 <a:ea typeface="Helvetica" charset="0"/>
                 <a:cs typeface="Helvetica" charset="0"/>
               </a:rPr>
-              <a:t>has geocode [1]</a:t>
+              <a:t>has</a:t>
+            </a:r>
+            <a:br>
+              <a:rPr lang="en-US" sz="1013">
+                <a:latin typeface="Helvetica" charset="0"/>
+                <a:ea typeface="Helvetica" charset="0"/>
+                <a:cs typeface="Helvetica" charset="0"/>
+              </a:rPr>
+            </a:br>
+            <a:r>
+              <a:rPr lang="en-US" sz="1013">
+                <a:latin typeface="Helvetica" charset="0"/>
+                <a:ea typeface="Helvetica" charset="0"/>
+                <a:cs typeface="Helvetica" charset="0"/>
+              </a:rPr>
+              <a:t>geometry</a:t>
+            </a:r>
+            <a:br>
+              <a:rPr lang="en-US" sz="1013">
+                <a:latin typeface="Helvetica" charset="0"/>
+                <a:ea typeface="Helvetica" charset="0"/>
+                <a:cs typeface="Helvetica" charset="0"/>
+              </a:rPr>
+            </a:br>
+            <a:r>
+              <a:rPr lang="en-US" sz="1013">
+                <a:latin typeface="Helvetica" charset="0"/>
+                <a:ea typeface="Helvetica" charset="0"/>
+                <a:cs typeface="Helvetica" charset="0"/>
+              </a:rPr>
+              <a:t>[1]</a:t>
             </a:r>
           </a:p>
         </p:txBody>
@@ -6382,6 +6219,214 @@
                 <a:cs typeface="Helvetica" charset="0"/>
               </a:rPr>
               <a:t>confidence [1]</a:t>
+            </a:r>
+          </a:p>
+        </p:txBody>
+      </p:sp>
+      <p:cxnSp>
+        <p:nvCxnSpPr>
+          <p:cNvPr id="26" name="Straight Arrow Connector 25"/>
+          <p:cNvCxnSpPr>
+            <a:stCxn id="44" idx="3"/>
+            <a:endCxn id="19" idx="1"/>
+          </p:cNvCxnSpPr>
+          <p:nvPr/>
+        </p:nvCxnSpPr>
+        <p:spPr>
+          <a:xfrm>
+            <a:off x="3920605" y="3688556"/>
+            <a:ext cx="832592" cy="1027025"/>
+          </a:xfrm>
+          <a:prstGeom prst="straightConnector1">
+            <a:avLst/>
+          </a:prstGeom>
+          <a:ln>
+            <a:solidFill>
+              <a:srgbClr val="000080"/>
+            </a:solidFill>
+            <a:tailEnd type="arrow"/>
+          </a:ln>
+        </p:spPr>
+        <p:style>
+          <a:lnRef idx="1">
+            <a:schemeClr val="accent1"/>
+          </a:lnRef>
+          <a:fillRef idx="0">
+            <a:schemeClr val="accent1"/>
+          </a:fillRef>
+          <a:effectRef idx="0">
+            <a:schemeClr val="accent1"/>
+          </a:effectRef>
+          <a:fontRef idx="minor">
+            <a:schemeClr val="tx1"/>
+          </a:fontRef>
+        </p:style>
+      </p:cxnSp>
+      <p:sp>
+        <p:nvSpPr>
+          <p:cNvPr id="57" name="TextBox 56"/>
+          <p:cNvSpPr txBox="1"/>
+          <p:nvPr/>
+        </p:nvSpPr>
+        <p:spPr>
+          <a:xfrm>
+            <a:off x="3811078" y="4090968"/>
+            <a:ext cx="1099660" cy="155877"/>
+          </a:xfrm>
+          <a:prstGeom prst="rect">
+            <a:avLst/>
+          </a:prstGeom>
+          <a:solidFill>
+            <a:srgbClr val="F1F1F2"/>
+          </a:solidFill>
+        </p:spPr>
+        <p:txBody>
+          <a:bodyPr wrap="none" lIns="0" tIns="0" rIns="0" bIns="0" rtlCol="0">
+            <a:spAutoFit/>
+          </a:bodyPr>
+          <a:lstStyle/>
+          <a:p>
+            <a:pPr algn="ctr"/>
+            <a:r>
+              <a:rPr lang="en-US" sz="1013">
+                <a:latin typeface="Helvetica" charset="0"/>
+                <a:ea typeface="Helvetica" charset="0"/>
+                <a:cs typeface="Helvetica" charset="0"/>
+              </a:rPr>
+              <a:t>has street suffix [1]</a:t>
+            </a:r>
+          </a:p>
+        </p:txBody>
+      </p:sp>
+      <p:sp>
+        <p:nvSpPr>
+          <p:cNvPr id="38" name="Rectangle 37"/>
+          <p:cNvSpPr/>
+          <p:nvPr/>
+        </p:nvSpPr>
+        <p:spPr>
+          <a:xfrm>
+            <a:off x="2816896" y="1721026"/>
+            <a:ext cx="1103709" cy="664369"/>
+          </a:xfrm>
+          <a:prstGeom prst="rect">
+            <a:avLst/>
+          </a:prstGeom>
+          <a:solidFill>
+            <a:schemeClr val="bg1"/>
+          </a:solidFill>
+          <a:ln>
+            <a:solidFill>
+              <a:srgbClr val="000080"/>
+            </a:solidFill>
+          </a:ln>
+        </p:spPr>
+        <p:style>
+          <a:lnRef idx="2">
+            <a:schemeClr val="accent1">
+              <a:shade val="50000"/>
+            </a:schemeClr>
+          </a:lnRef>
+          <a:fillRef idx="1">
+            <a:schemeClr val="accent1"/>
+          </a:fillRef>
+          <a:effectRef idx="0">
+            <a:schemeClr val="accent1"/>
+          </a:effectRef>
+          <a:fontRef idx="minor">
+            <a:schemeClr val="lt1"/>
+          </a:fontRef>
+        </p:style>
+        <p:txBody>
+          <a:bodyPr rtlCol="0" anchor="ctr"/>
+          <a:lstStyle/>
+          <a:p>
+            <a:pPr algn="ctr"/>
+            <a:r>
+              <a:rPr lang="en-US" sz="1013" b="1">
+                <a:solidFill>
+                  <a:srgbClr val="005C84"/>
+                </a:solidFill>
+                <a:latin typeface="Helvetica" charset="0"/>
+                <a:ea typeface="Helvetica" charset="0"/>
+                <a:cs typeface="Helvetica" charset="0"/>
+              </a:rPr>
+              <a:t>geo:Feature</a:t>
+            </a:r>
+          </a:p>
+        </p:txBody>
+      </p:sp>
+      <p:cxnSp>
+        <p:nvCxnSpPr>
+          <p:cNvPr id="39" name="Straight Arrow Connector 38"/>
+          <p:cNvCxnSpPr>
+            <a:stCxn id="44" idx="0"/>
+            <a:endCxn id="38" idx="2"/>
+          </p:cNvCxnSpPr>
+          <p:nvPr/>
+        </p:nvCxnSpPr>
+        <p:spPr>
+          <a:xfrm flipV="1">
+            <a:off x="3368751" y="2385395"/>
+            <a:ext cx="0" cy="970976"/>
+          </a:xfrm>
+          <a:prstGeom prst="straightConnector1">
+            <a:avLst/>
+          </a:prstGeom>
+          <a:ln>
+            <a:solidFill>
+              <a:srgbClr val="000080"/>
+            </a:solidFill>
+            <a:tailEnd type="triangle"/>
+          </a:ln>
+        </p:spPr>
+        <p:style>
+          <a:lnRef idx="1">
+            <a:schemeClr val="accent1"/>
+          </a:lnRef>
+          <a:fillRef idx="0">
+            <a:schemeClr val="accent1"/>
+          </a:fillRef>
+          <a:effectRef idx="0">
+            <a:schemeClr val="accent1"/>
+          </a:effectRef>
+          <a:fontRef idx="minor">
+            <a:schemeClr val="tx1"/>
+          </a:fontRef>
+        </p:style>
+      </p:cxnSp>
+      <p:sp>
+        <p:nvSpPr>
+          <p:cNvPr id="40" name="TextBox 39"/>
+          <p:cNvSpPr txBox="1"/>
+          <p:nvPr/>
+        </p:nvSpPr>
+        <p:spPr>
+          <a:xfrm>
+            <a:off x="2903880" y="2524690"/>
+            <a:ext cx="929743" cy="155877"/>
+          </a:xfrm>
+          <a:prstGeom prst="rect">
+            <a:avLst/>
+          </a:prstGeom>
+          <a:solidFill>
+            <a:srgbClr val="F1F1F2"/>
+          </a:solidFill>
+        </p:spPr>
+        <p:txBody>
+          <a:bodyPr wrap="none" lIns="0" tIns="0" rIns="0" bIns="0" rtlCol="0">
+            <a:spAutoFit/>
+          </a:bodyPr>
+          <a:lstStyle/>
+          <a:p>
+            <a:pPr algn="ctr"/>
+            <a:r>
+              <a:rPr lang="en-US" sz="1013">
+                <a:latin typeface="Helvetica" charset="0"/>
+                <a:ea typeface="Helvetica" charset="0"/>
+                <a:cs typeface="Helvetica" charset="0"/>
+              </a:rPr>
+              <a:t>rdfs:subClassOf</a:t>
             </a:r>
           </a:p>
         </p:txBody>
@@ -6542,45 +6587,6 @@
       </p:sp>
       <p:cxnSp>
         <p:nvCxnSpPr>
-          <p:cNvPr id="20" name="Straight Arrow Connector 19"/>
-          <p:cNvCxnSpPr>
-            <a:stCxn id="44" idx="0"/>
-            <a:endCxn id="45" idx="2"/>
-          </p:cNvCxnSpPr>
-          <p:nvPr/>
-        </p:nvCxnSpPr>
-        <p:spPr>
-          <a:xfrm flipV="1">
-            <a:off x="3368751" y="2380879"/>
-            <a:ext cx="0" cy="975492"/>
-          </a:xfrm>
-          <a:prstGeom prst="straightConnector1">
-            <a:avLst/>
-          </a:prstGeom>
-          <a:ln>
-            <a:solidFill>
-              <a:srgbClr val="000080"/>
-            </a:solidFill>
-            <a:tailEnd type="triangle"/>
-          </a:ln>
-        </p:spPr>
-        <p:style>
-          <a:lnRef idx="1">
-            <a:schemeClr val="accent1"/>
-          </a:lnRef>
-          <a:fillRef idx="0">
-            <a:schemeClr val="accent1"/>
-          </a:fillRef>
-          <a:effectRef idx="0">
-            <a:schemeClr val="accent1"/>
-          </a:effectRef>
-          <a:fontRef idx="minor">
-            <a:schemeClr val="tx1"/>
-          </a:fontRef>
-        </p:style>
-      </p:cxnSp>
-      <p:cxnSp>
-        <p:nvCxnSpPr>
           <p:cNvPr id="23" name="Straight Arrow Connector 22"/>
           <p:cNvCxnSpPr>
             <a:stCxn id="44" idx="3"/>
@@ -6622,14 +6628,15 @@
         <p:nvCxnSpPr>
           <p:cNvPr id="26" name="Straight Arrow Connector 25"/>
           <p:cNvCxnSpPr>
-            <a:endCxn id="27" idx="0"/>
+            <a:stCxn id="42" idx="3"/>
+            <a:endCxn id="27" idx="1"/>
           </p:cNvCxnSpPr>
           <p:nvPr/>
         </p:nvCxnSpPr>
         <p:spPr>
-          <a:xfrm>
-            <a:off x="3768456" y="4032175"/>
-            <a:ext cx="1146484" cy="1483538"/>
+          <a:xfrm flipV="1">
+            <a:off x="3911513" y="1888886"/>
+            <a:ext cx="831811" cy="3212"/>
           </a:xfrm>
           <a:prstGeom prst="straightConnector1">
             <a:avLst/>
@@ -7154,14 +7161,14 @@
         </p:nvSpPr>
         <p:spPr>
           <a:xfrm>
-            <a:off x="4363085" y="5515713"/>
+            <a:off x="4743324" y="1556701"/>
             <a:ext cx="1103709" cy="664369"/>
           </a:xfrm>
           <a:prstGeom prst="rect">
             <a:avLst/>
           </a:prstGeom>
           <a:solidFill>
-            <a:srgbClr val="F4FFFF"/>
+            <a:schemeClr val="bg1"/>
           </a:solidFill>
           <a:ln>
             <a:solidFill>
@@ -7199,7 +7206,7 @@
                 <a:ea typeface="Helvetica" charset="0"/>
                 <a:cs typeface="Helvetica" charset="0"/>
               </a:rPr>
-              <a:t>Geocode</a:t>
+              <a:t>geo:Geometry</a:t>
             </a:r>
           </a:p>
         </p:txBody>
@@ -7212,8 +7219,8 @@
         </p:nvSpPr>
         <p:spPr>
           <a:xfrm>
-            <a:off x="4032420" y="4881578"/>
-            <a:ext cx="688533" cy="311752"/>
+            <a:off x="3986362" y="1625583"/>
+            <a:ext cx="587175" cy="467629"/>
           </a:xfrm>
           <a:prstGeom prst="rect">
             <a:avLst/>
@@ -7235,7 +7242,7 @@
                 <a:ea typeface="Helvetica" charset="0"/>
                 <a:cs typeface="Helvetica" charset="0"/>
               </a:rPr>
-              <a:t>has geocode [1]</a:t>
+              <a:t>has geometry [1]</a:t>
             </a:r>
           </a:p>
         </p:txBody>
@@ -7378,7 +7385,7 @@
         </p:nvSpPr>
         <p:spPr>
           <a:xfrm>
-            <a:off x="2816896" y="1716510"/>
+            <a:off x="4753196" y="5515711"/>
             <a:ext cx="1103709" cy="664369"/>
           </a:xfrm>
           <a:prstGeom prst="rect">
@@ -7430,42 +7437,6 @@
       </p:sp>
       <p:sp>
         <p:nvSpPr>
-          <p:cNvPr id="49" name="TextBox 48"/>
-          <p:cNvSpPr txBox="1"/>
-          <p:nvPr/>
-        </p:nvSpPr>
-        <p:spPr>
-          <a:xfrm>
-            <a:off x="2903880" y="2524690"/>
-            <a:ext cx="929743" cy="155877"/>
-          </a:xfrm>
-          <a:prstGeom prst="rect">
-            <a:avLst/>
-          </a:prstGeom>
-          <a:solidFill>
-            <a:srgbClr val="F1F1F2"/>
-          </a:solidFill>
-        </p:spPr>
-        <p:txBody>
-          <a:bodyPr wrap="none" lIns="0" tIns="0" rIns="0" bIns="0" rtlCol="0">
-            <a:spAutoFit/>
-          </a:bodyPr>
-          <a:lstStyle/>
-          <a:p>
-            <a:pPr algn="ctr"/>
-            <a:r>
-              <a:rPr lang="en-US" sz="1013">
-                <a:latin typeface="Helvetica" charset="0"/>
-                <a:ea typeface="Helvetica" charset="0"/>
-                <a:cs typeface="Helvetica" charset="0"/>
-              </a:rPr>
-              <a:t>rdfs:subClassOf</a:t>
-            </a:r>
-          </a:p>
-        </p:txBody>
-      </p:sp>
-      <p:sp>
-        <p:nvSpPr>
           <p:cNvPr id="51" name="Rectangle 50"/>
           <p:cNvSpPr/>
           <p:nvPr/>
@@ -8222,6 +8193,226 @@
                 <a:cs typeface="Helvetica" charset="0"/>
               </a:rPr>
               <a:t>dct:description [1]</a:t>
+            </a:r>
+          </a:p>
+        </p:txBody>
+      </p:sp>
+      <p:sp>
+        <p:nvSpPr>
+          <p:cNvPr id="42" name="Rectangle 41"/>
+          <p:cNvSpPr/>
+          <p:nvPr/>
+        </p:nvSpPr>
+        <p:spPr>
+          <a:xfrm>
+            <a:off x="2807804" y="1559913"/>
+            <a:ext cx="1103709" cy="664369"/>
+          </a:xfrm>
+          <a:prstGeom prst="rect">
+            <a:avLst/>
+          </a:prstGeom>
+          <a:solidFill>
+            <a:schemeClr val="bg1"/>
+          </a:solidFill>
+          <a:ln>
+            <a:solidFill>
+              <a:srgbClr val="000080"/>
+            </a:solidFill>
+          </a:ln>
+        </p:spPr>
+        <p:style>
+          <a:lnRef idx="2">
+            <a:schemeClr val="accent1">
+              <a:shade val="50000"/>
+            </a:schemeClr>
+          </a:lnRef>
+          <a:fillRef idx="1">
+            <a:schemeClr val="accent1"/>
+          </a:fillRef>
+          <a:effectRef idx="0">
+            <a:schemeClr val="accent1"/>
+          </a:effectRef>
+          <a:fontRef idx="minor">
+            <a:schemeClr val="lt1"/>
+          </a:fontRef>
+        </p:style>
+        <p:txBody>
+          <a:bodyPr rtlCol="0" anchor="ctr"/>
+          <a:lstStyle/>
+          <a:p>
+            <a:pPr algn="ctr"/>
+            <a:r>
+              <a:rPr lang="en-US" sz="1013" b="1">
+                <a:solidFill>
+                  <a:srgbClr val="005C84"/>
+                </a:solidFill>
+                <a:latin typeface="Helvetica" charset="0"/>
+                <a:ea typeface="Helvetica" charset="0"/>
+                <a:cs typeface="Helvetica" charset="0"/>
+              </a:rPr>
+              <a:t>geo:Feature</a:t>
+            </a:r>
+          </a:p>
+        </p:txBody>
+      </p:sp>
+      <p:cxnSp>
+        <p:nvCxnSpPr>
+          <p:cNvPr id="43" name="Straight Arrow Connector 42"/>
+          <p:cNvCxnSpPr>
+            <a:stCxn id="44" idx="0"/>
+            <a:endCxn id="42" idx="2"/>
+          </p:cNvCxnSpPr>
+          <p:nvPr/>
+        </p:nvCxnSpPr>
+        <p:spPr>
+          <a:xfrm flipH="1" flipV="1">
+            <a:off x="3359659" y="2224282"/>
+            <a:ext cx="9092" cy="1132089"/>
+          </a:xfrm>
+          <a:prstGeom prst="straightConnector1">
+            <a:avLst/>
+          </a:prstGeom>
+          <a:ln>
+            <a:solidFill>
+              <a:srgbClr val="000080"/>
+            </a:solidFill>
+            <a:tailEnd type="triangle"/>
+          </a:ln>
+        </p:spPr>
+        <p:style>
+          <a:lnRef idx="1">
+            <a:schemeClr val="accent1"/>
+          </a:lnRef>
+          <a:fillRef idx="0">
+            <a:schemeClr val="accent1"/>
+          </a:fillRef>
+          <a:effectRef idx="0">
+            <a:schemeClr val="accent1"/>
+          </a:effectRef>
+          <a:fontRef idx="minor">
+            <a:schemeClr val="tx1"/>
+          </a:fontRef>
+        </p:style>
+      </p:cxnSp>
+      <p:sp>
+        <p:nvSpPr>
+          <p:cNvPr id="55" name="TextBox 54"/>
+          <p:cNvSpPr txBox="1"/>
+          <p:nvPr/>
+        </p:nvSpPr>
+        <p:spPr>
+          <a:xfrm>
+            <a:off x="2884278" y="2421933"/>
+            <a:ext cx="929743" cy="155877"/>
+          </a:xfrm>
+          <a:prstGeom prst="rect">
+            <a:avLst/>
+          </a:prstGeom>
+          <a:solidFill>
+            <a:srgbClr val="F1F1F2"/>
+          </a:solidFill>
+        </p:spPr>
+        <p:txBody>
+          <a:bodyPr wrap="none" lIns="0" tIns="0" rIns="0" bIns="0" rtlCol="0">
+            <a:spAutoFit/>
+          </a:bodyPr>
+          <a:lstStyle/>
+          <a:p>
+            <a:pPr algn="ctr"/>
+            <a:r>
+              <a:rPr lang="en-US" sz="1013">
+                <a:latin typeface="Helvetica" charset="0"/>
+                <a:ea typeface="Helvetica" charset="0"/>
+                <a:cs typeface="Helvetica" charset="0"/>
+              </a:rPr>
+              <a:t>rdfs:subClassOf</a:t>
+            </a:r>
+          </a:p>
+        </p:txBody>
+      </p:sp>
+      <p:cxnSp>
+        <p:nvCxnSpPr>
+          <p:cNvPr id="20" name="Straight Arrow Connector 19"/>
+          <p:cNvCxnSpPr/>
+          <p:nvPr/>
+        </p:nvCxnSpPr>
+        <p:spPr>
+          <a:xfrm>
+            <a:off x="3735367" y="4032175"/>
+            <a:ext cx="1011225" cy="1483536"/>
+          </a:xfrm>
+          <a:prstGeom prst="straightConnector1">
+            <a:avLst/>
+          </a:prstGeom>
+          <a:ln>
+            <a:solidFill>
+              <a:srgbClr val="000080"/>
+            </a:solidFill>
+            <a:tailEnd type="triangle"/>
+          </a:ln>
+        </p:spPr>
+        <p:style>
+          <a:lnRef idx="1">
+            <a:schemeClr val="accent1"/>
+          </a:lnRef>
+          <a:fillRef idx="0">
+            <a:schemeClr val="accent1"/>
+          </a:fillRef>
+          <a:effectRef idx="0">
+            <a:schemeClr val="accent1"/>
+          </a:effectRef>
+          <a:fontRef idx="minor">
+            <a:schemeClr val="tx1"/>
+          </a:fontRef>
+        </p:style>
+      </p:cxnSp>
+      <p:sp>
+        <p:nvSpPr>
+          <p:cNvPr id="49" name="TextBox 48"/>
+          <p:cNvSpPr txBox="1"/>
+          <p:nvPr/>
+        </p:nvSpPr>
+        <p:spPr>
+          <a:xfrm>
+            <a:off x="3871430" y="4696728"/>
+            <a:ext cx="674865" cy="311752"/>
+          </a:xfrm>
+          <a:prstGeom prst="rect">
+            <a:avLst/>
+          </a:prstGeom>
+          <a:solidFill>
+            <a:srgbClr val="F1F1F2"/>
+          </a:solidFill>
+        </p:spPr>
+        <p:txBody>
+          <a:bodyPr wrap="none" lIns="0" tIns="0" rIns="0" bIns="0" rtlCol="0">
+            <a:spAutoFit/>
+          </a:bodyPr>
+          <a:lstStyle/>
+          <a:p>
+            <a:pPr algn="ctr"/>
+            <a:r>
+              <a:rPr lang="en-US" sz="1013">
+                <a:latin typeface="Helvetica" charset="0"/>
+                <a:ea typeface="Helvetica" charset="0"/>
+                <a:cs typeface="Helvetica" charset="0"/>
+              </a:rPr>
+              <a:t>rdfs:</a:t>
+            </a:r>
+            <a:br>
+              <a:rPr lang="en-US" sz="1013">
+                <a:latin typeface="Helvetica" charset="0"/>
+                <a:ea typeface="Helvetica" charset="0"/>
+                <a:cs typeface="Helvetica" charset="0"/>
+              </a:rPr>
+            </a:br>
+            <a:r>
+              <a:rPr lang="en-US" sz="1013">
+                <a:latin typeface="Helvetica" charset="0"/>
+                <a:ea typeface="Helvetica" charset="0"/>
+                <a:cs typeface="Helvetica" charset="0"/>
+              </a:rPr>
+              <a:t>subClassOf</a:t>
             </a:r>
           </a:p>
         </p:txBody>
@@ -8322,77 +8513,19 @@
           </a:p>
         </p:txBody>
       </p:sp>
-      <p:sp>
-        <p:nvSpPr>
-          <p:cNvPr id="18" name="Rectangle 17"/>
-          <p:cNvSpPr/>
-          <p:nvPr/>
-        </p:nvSpPr>
-        <p:spPr>
-          <a:xfrm>
-            <a:off x="4743287" y="2181241"/>
-            <a:ext cx="1103709" cy="664369"/>
-          </a:xfrm>
-          <a:prstGeom prst="rect">
-            <a:avLst/>
-          </a:prstGeom>
-          <a:solidFill>
-            <a:srgbClr val="F4FFFF"/>
-          </a:solidFill>
-          <a:ln>
-            <a:solidFill>
-              <a:srgbClr val="000080"/>
-            </a:solidFill>
-          </a:ln>
-        </p:spPr>
-        <p:style>
-          <a:lnRef idx="2">
-            <a:schemeClr val="accent1">
-              <a:shade val="50000"/>
-            </a:schemeClr>
-          </a:lnRef>
-          <a:fillRef idx="1">
-            <a:schemeClr val="accent1"/>
-          </a:fillRef>
-          <a:effectRef idx="0">
-            <a:schemeClr val="accent1"/>
-          </a:effectRef>
-          <a:fontRef idx="minor">
-            <a:schemeClr val="lt1"/>
-          </a:fontRef>
-        </p:style>
-        <p:txBody>
-          <a:bodyPr rtlCol="0" anchor="ctr"/>
-          <a:lstStyle/>
-          <a:p>
-            <a:pPr algn="ctr"/>
-            <a:r>
-              <a:rPr lang="en-US" sz="1013" b="1">
-                <a:solidFill>
-                  <a:srgbClr val="005C84"/>
-                </a:solidFill>
-                <a:latin typeface="Helvetica" charset="0"/>
-                <a:ea typeface="Helvetica" charset="0"/>
-                <a:cs typeface="Helvetica" charset="0"/>
-              </a:rPr>
-              <a:t>Locality Class</a:t>
-            </a:r>
-          </a:p>
-        </p:txBody>
-      </p:sp>
       <p:cxnSp>
         <p:nvCxnSpPr>
           <p:cNvPr id="26" name="Straight Arrow Connector 25"/>
           <p:cNvCxnSpPr>
-            <a:stCxn id="44" idx="0"/>
-            <a:endCxn id="27" idx="2"/>
+            <a:stCxn id="25" idx="3"/>
+            <a:endCxn id="27" idx="1"/>
           </p:cNvCxnSpPr>
           <p:nvPr/>
         </p:nvCxnSpPr>
         <p:spPr>
-          <a:xfrm flipH="1" flipV="1">
-            <a:off x="3360495" y="2845610"/>
-            <a:ext cx="8256" cy="510761"/>
+          <a:xfrm flipV="1">
+            <a:off x="3927210" y="2511559"/>
+            <a:ext cx="812732" cy="4849"/>
           </a:xfrm>
           <a:prstGeom prst="straightConnector1">
             <a:avLst/>
@@ -8811,14 +8944,14 @@
         </p:nvSpPr>
         <p:spPr>
           <a:xfrm>
-            <a:off x="2808640" y="2181241"/>
+            <a:off x="4739942" y="2179374"/>
             <a:ext cx="1103709" cy="664369"/>
           </a:xfrm>
           <a:prstGeom prst="rect">
             <a:avLst/>
           </a:prstGeom>
           <a:solidFill>
-            <a:srgbClr val="F4FFFF"/>
+            <a:schemeClr val="bg1"/>
           </a:solidFill>
           <a:ln>
             <a:solidFill>
@@ -8856,7 +8989,7 @@
                 <a:ea typeface="Helvetica" charset="0"/>
                 <a:cs typeface="Helvetica" charset="0"/>
               </a:rPr>
-              <a:t>Geocode</a:t>
+              <a:t>geo:Geometry</a:t>
             </a:r>
           </a:p>
         </p:txBody>
@@ -8869,8 +9002,8 @@
         </p:nvSpPr>
         <p:spPr>
           <a:xfrm>
-            <a:off x="3298558" y="3107639"/>
-            <a:ext cx="1013546" cy="155877"/>
+            <a:off x="3977052" y="2284181"/>
+            <a:ext cx="594615" cy="467629"/>
           </a:xfrm>
           <a:prstGeom prst="rect">
             <a:avLst/>
@@ -8892,7 +9025,37 @@
                 <a:ea typeface="Helvetica" charset="0"/>
                 <a:cs typeface="Helvetica" charset="0"/>
               </a:rPr>
-              <a:t>has geocode [1]</a:t>
+              <a:t>has</a:t>
+            </a:r>
+            <a:br>
+              <a:rPr lang="en-US" sz="1013">
+                <a:latin typeface="Helvetica" charset="0"/>
+                <a:ea typeface="Helvetica" charset="0"/>
+                <a:cs typeface="Helvetica" charset="0"/>
+              </a:rPr>
+            </a:br>
+            <a:r>
+              <a:rPr lang="en-US" sz="1013">
+                <a:latin typeface="Helvetica" charset="0"/>
+                <a:ea typeface="Helvetica" charset="0"/>
+                <a:cs typeface="Helvetica" charset="0"/>
+              </a:rPr>
+              <a:t>geometry</a:t>
+            </a:r>
+            <a:br>
+              <a:rPr lang="en-US" sz="1013">
+                <a:latin typeface="Helvetica" charset="0"/>
+                <a:ea typeface="Helvetica" charset="0"/>
+                <a:cs typeface="Helvetica" charset="0"/>
+              </a:rPr>
+            </a:br>
+            <a:r>
+              <a:rPr lang="en-US" sz="1013">
+                <a:latin typeface="Helvetica" charset="0"/>
+                <a:ea typeface="Helvetica" charset="0"/>
+                <a:cs typeface="Helvetica" charset="0"/>
+              </a:rPr>
+              <a:t>[1]</a:t>
             </a:r>
           </a:p>
         </p:txBody>
@@ -9443,28 +9606,86 @@
           </a:p>
         </p:txBody>
       </p:sp>
-      <p:cxnSp>
-        <p:nvCxnSpPr>
-          <p:cNvPr id="23" name="Straight Arrow Connector 22"/>
-          <p:cNvCxnSpPr>
-            <a:stCxn id="44" idx="3"/>
-            <a:endCxn id="18" idx="1"/>
-          </p:cNvCxnSpPr>
-          <p:nvPr/>
-        </p:nvCxnSpPr>
-        <p:spPr>
-          <a:xfrm flipV="1">
-            <a:off x="3920605" y="2513426"/>
-            <a:ext cx="822682" cy="1175130"/>
-          </a:xfrm>
-          <a:prstGeom prst="straightConnector1">
-            <a:avLst/>
-          </a:prstGeom>
+      <p:sp>
+        <p:nvSpPr>
+          <p:cNvPr id="25" name="Rectangle 24"/>
+          <p:cNvSpPr/>
+          <p:nvPr/>
+        </p:nvSpPr>
+        <p:spPr>
+          <a:xfrm>
+            <a:off x="2823501" y="2184223"/>
+            <a:ext cx="1103709" cy="664369"/>
+          </a:xfrm>
+          <a:prstGeom prst="rect">
+            <a:avLst/>
+          </a:prstGeom>
+          <a:solidFill>
+            <a:schemeClr val="bg1"/>
+          </a:solidFill>
           <a:ln>
             <a:solidFill>
               <a:srgbClr val="000080"/>
             </a:solidFill>
-            <a:tailEnd type="arrow"/>
+          </a:ln>
+        </p:spPr>
+        <p:style>
+          <a:lnRef idx="2">
+            <a:schemeClr val="accent1">
+              <a:shade val="50000"/>
+            </a:schemeClr>
+          </a:lnRef>
+          <a:fillRef idx="1">
+            <a:schemeClr val="accent1"/>
+          </a:fillRef>
+          <a:effectRef idx="0">
+            <a:schemeClr val="accent1"/>
+          </a:effectRef>
+          <a:fontRef idx="minor">
+            <a:schemeClr val="lt1"/>
+          </a:fontRef>
+        </p:style>
+        <p:txBody>
+          <a:bodyPr rtlCol="0" anchor="ctr"/>
+          <a:lstStyle/>
+          <a:p>
+            <a:pPr algn="ctr"/>
+            <a:r>
+              <a:rPr lang="en-US" sz="1013" b="1">
+                <a:solidFill>
+                  <a:srgbClr val="005C84"/>
+                </a:solidFill>
+                <a:latin typeface="Helvetica" charset="0"/>
+                <a:ea typeface="Helvetica" charset="0"/>
+                <a:cs typeface="Helvetica" charset="0"/>
+              </a:rPr>
+              <a:t>geo:Feature</a:t>
+            </a:r>
+          </a:p>
+        </p:txBody>
+      </p:sp>
+      <p:cxnSp>
+        <p:nvCxnSpPr>
+          <p:cNvPr id="28" name="Straight Arrow Connector 27"/>
+          <p:cNvCxnSpPr>
+            <a:stCxn id="44" idx="0"/>
+            <a:endCxn id="25" idx="2"/>
+          </p:cNvCxnSpPr>
+          <p:nvPr/>
+        </p:nvCxnSpPr>
+        <p:spPr>
+          <a:xfrm flipV="1">
+            <a:off x="3368751" y="2848592"/>
+            <a:ext cx="6605" cy="507779"/>
+          </a:xfrm>
+          <a:prstGeom prst="straightConnector1">
+            <a:avLst/>
+          </a:prstGeom>
+          <a:ln>
+            <a:solidFill>
+              <a:srgbClr val="000080"/>
+            </a:solidFill>
+            <a:tailEnd type="triangle"/>
           </a:ln>
         </p:spPr>
         <p:style>
@@ -9484,14 +9705,14 @@
       </p:cxnSp>
       <p:sp>
         <p:nvSpPr>
-          <p:cNvPr id="58" name="TextBox 57"/>
+          <p:cNvPr id="29" name="TextBox 28"/>
           <p:cNvSpPr txBox="1"/>
           <p:nvPr/>
         </p:nvSpPr>
         <p:spPr>
           <a:xfrm>
-            <a:off x="4148900" y="2631642"/>
-            <a:ext cx="480901" cy="467629"/>
+            <a:off x="3266024" y="2926529"/>
+            <a:ext cx="929743" cy="155877"/>
           </a:xfrm>
           <a:prstGeom prst="rect">
             <a:avLst/>
@@ -9513,37 +9734,7 @@
                 <a:ea typeface="Helvetica" charset="0"/>
                 <a:cs typeface="Helvetica" charset="0"/>
               </a:rPr>
-              <a:t>has</a:t>
-            </a:r>
-            <a:br>
-              <a:rPr lang="en-US" sz="1013">
-                <a:latin typeface="Helvetica" charset="0"/>
-                <a:ea typeface="Helvetica" charset="0"/>
-                <a:cs typeface="Helvetica" charset="0"/>
-              </a:rPr>
-            </a:br>
-            <a:r>
-              <a:rPr lang="en-US" sz="1013">
-                <a:latin typeface="Helvetica" charset="0"/>
-                <a:ea typeface="Helvetica" charset="0"/>
-                <a:cs typeface="Helvetica" charset="0"/>
-              </a:rPr>
-              <a:t>locality</a:t>
-            </a:r>
-            <a:br>
-              <a:rPr lang="en-US" sz="1013">
-                <a:latin typeface="Helvetica" charset="0"/>
-                <a:ea typeface="Helvetica" charset="0"/>
-                <a:cs typeface="Helvetica" charset="0"/>
-              </a:rPr>
-            </a:br>
-            <a:r>
-              <a:rPr lang="en-US" sz="1013">
-                <a:latin typeface="Helvetica" charset="0"/>
-                <a:ea typeface="Helvetica" charset="0"/>
-                <a:cs typeface="Helvetica" charset="0"/>
-              </a:rPr>
-              <a:t>class [1]</a:t>
+              <a:t>rdfs:subClassOf</a:t>
             </a:r>
           </a:p>
         </p:txBody>
@@ -9601,7 +9792,7 @@
             <a:avLst/>
           </a:prstGeom>
           <a:solidFill>
-            <a:srgbClr val="F4FFFF"/>
+            <a:schemeClr val="bg1"/>
           </a:solidFill>
           <a:ln>
             <a:solidFill>
@@ -9639,108 +9830,11 @@
                 <a:ea typeface="Helvetica" charset="0"/>
                 <a:cs typeface="Helvetica" charset="0"/>
               </a:rPr>
-              <a:t>Geocode</a:t>
-            </a:r>
-          </a:p>
-        </p:txBody>
-      </p:sp>
-      <p:sp>
-        <p:nvSpPr>
-          <p:cNvPr id="18" name="Rectangle 17"/>
-          <p:cNvSpPr/>
-          <p:nvPr/>
-        </p:nvSpPr>
-        <p:spPr>
-          <a:xfrm>
-            <a:off x="4753197" y="3356371"/>
-            <a:ext cx="1103709" cy="664369"/>
-          </a:xfrm>
-          <a:prstGeom prst="rect">
-            <a:avLst/>
-          </a:prstGeom>
-          <a:solidFill>
-            <a:srgbClr val="F4FFFF"/>
-          </a:solidFill>
-          <a:ln>
-            <a:solidFill>
-              <a:srgbClr val="000080"/>
-            </a:solidFill>
-          </a:ln>
-        </p:spPr>
-        <p:style>
-          <a:lnRef idx="2">
-            <a:schemeClr val="accent1">
-              <a:shade val="50000"/>
-            </a:schemeClr>
-          </a:lnRef>
-          <a:fillRef idx="1">
-            <a:schemeClr val="accent1"/>
-          </a:fillRef>
-          <a:effectRef idx="0">
-            <a:schemeClr val="accent1"/>
-          </a:effectRef>
-          <a:fontRef idx="minor">
-            <a:schemeClr val="lt1"/>
-          </a:fontRef>
-        </p:style>
-        <p:txBody>
-          <a:bodyPr rtlCol="0" anchor="ctr"/>
-          <a:lstStyle/>
-          <a:p>
-            <a:pPr algn="ctr"/>
-            <a:r>
-              <a:rPr lang="en-US" sz="1013" b="1">
-                <a:solidFill>
-                  <a:srgbClr val="005C84"/>
-                </a:solidFill>
-                <a:latin typeface="Helvetica" charset="0"/>
-                <a:ea typeface="Helvetica" charset="0"/>
-                <a:cs typeface="Helvetica" charset="0"/>
-              </a:rPr>
-              <a:t>Geocode Type</a:t>
-            </a:r>
-          </a:p>
-        </p:txBody>
-      </p:sp>
-      <p:cxnSp>
-        <p:nvCxnSpPr>
-          <p:cNvPr id="23" name="Straight Arrow Connector 22"/>
-          <p:cNvCxnSpPr>
-            <a:stCxn id="44" idx="3"/>
-            <a:endCxn id="18" idx="1"/>
-          </p:cNvCxnSpPr>
-          <p:nvPr/>
-        </p:nvCxnSpPr>
-        <p:spPr>
-          <a:xfrm>
-            <a:off x="3920605" y="3688556"/>
-            <a:ext cx="832592" cy="0"/>
-          </a:xfrm>
-          <a:prstGeom prst="straightConnector1">
-            <a:avLst/>
-          </a:prstGeom>
-          <a:ln>
-            <a:solidFill>
-              <a:srgbClr val="000080"/>
-            </a:solidFill>
-            <a:tailEnd type="arrow"/>
-          </a:ln>
-        </p:spPr>
-        <p:style>
-          <a:lnRef idx="1">
-            <a:schemeClr val="accent1"/>
-          </a:lnRef>
-          <a:fillRef idx="0">
-            <a:schemeClr val="accent1"/>
-          </a:fillRef>
-          <a:effectRef idx="0">
-            <a:schemeClr val="accent1"/>
-          </a:effectRef>
-          <a:fontRef idx="minor">
-            <a:schemeClr val="tx1"/>
-          </a:fontRef>
-        </p:style>
-      </p:cxnSp>
+              <a:t>geo:Geometry</a:t>
+            </a:r>
+          </a:p>
+        </p:txBody>
+      </p:sp>
       <p:sp>
         <p:nvSpPr>
           <p:cNvPr id="40" name="Rectangle 39"/>
@@ -9977,68 +10071,6 @@
           </a:p>
         </p:txBody>
       </p:sp>
-      <p:sp>
-        <p:nvSpPr>
-          <p:cNvPr id="58" name="TextBox 57"/>
-          <p:cNvSpPr txBox="1"/>
-          <p:nvPr/>
-        </p:nvSpPr>
-        <p:spPr>
-          <a:xfrm>
-            <a:off x="4061548" y="3446351"/>
-            <a:ext cx="535403" cy="467629"/>
-          </a:xfrm>
-          <a:prstGeom prst="rect">
-            <a:avLst/>
-          </a:prstGeom>
-          <a:solidFill>
-            <a:srgbClr val="F1F1F2"/>
-          </a:solidFill>
-        </p:spPr>
-        <p:txBody>
-          <a:bodyPr wrap="none" lIns="0" tIns="0" rIns="0" bIns="0" rtlCol="0">
-            <a:spAutoFit/>
-          </a:bodyPr>
-          <a:lstStyle/>
-          <a:p>
-            <a:pPr algn="ctr"/>
-            <a:r>
-              <a:rPr lang="en-US" sz="1013">
-                <a:latin typeface="Helvetica" charset="0"/>
-                <a:ea typeface="Helvetica" charset="0"/>
-                <a:cs typeface="Helvetica" charset="0"/>
-              </a:rPr>
-              <a:t>has </a:t>
-            </a:r>
-          </a:p>
-          <a:p>
-            <a:pPr algn="ctr"/>
-            <a:r>
-              <a:rPr lang="en-US" sz="1013">
-                <a:latin typeface="Helvetica" charset="0"/>
-                <a:ea typeface="Helvetica" charset="0"/>
-                <a:cs typeface="Helvetica" charset="0"/>
-              </a:rPr>
-              <a:t>geocode </a:t>
-            </a:r>
-            <a:br>
-              <a:rPr lang="en-US" sz="1013">
-                <a:latin typeface="Helvetica" charset="0"/>
-                <a:ea typeface="Helvetica" charset="0"/>
-                <a:cs typeface="Helvetica" charset="0"/>
-              </a:rPr>
-            </a:br>
-            <a:r>
-              <a:rPr lang="en-US" sz="1013">
-                <a:latin typeface="Helvetica" charset="0"/>
-                <a:ea typeface="Helvetica" charset="0"/>
-                <a:cs typeface="Helvetica" charset="0"/>
-              </a:rPr>
-              <a:t>type [1]</a:t>
-            </a:r>
-          </a:p>
-        </p:txBody>
-      </p:sp>
       <p:cxnSp>
         <p:nvCxnSpPr>
           <p:cNvPr id="62" name="Straight Arrow Connector 61"/>
@@ -10189,13 +10221,13 @@
       </p:sp>
       <p:sp>
         <p:nvSpPr>
-          <p:cNvPr id="38" name="Rectangle 37"/>
+          <p:cNvPr id="17" name="Rectangle 16"/>
           <p:cNvSpPr/>
           <p:nvPr/>
         </p:nvSpPr>
         <p:spPr>
           <a:xfrm>
-            <a:off x="2810291" y="4648609"/>
+            <a:off x="2816896" y="1721026"/>
             <a:ext cx="1103709" cy="664369"/>
           </a:xfrm>
           <a:prstGeom prst="rect">
@@ -10240,24 +10272,24 @@
                 <a:ea typeface="Helvetica" charset="0"/>
                 <a:cs typeface="Helvetica" charset="0"/>
               </a:rPr>
-              <a:t>geo:Geometry</a:t>
+              <a:t>geo:Feature</a:t>
             </a:r>
           </a:p>
         </p:txBody>
       </p:sp>
       <p:cxnSp>
         <p:nvCxnSpPr>
-          <p:cNvPr id="41" name="Straight Arrow Connector 40"/>
+          <p:cNvPr id="18" name="Straight Arrow Connector 17"/>
           <p:cNvCxnSpPr>
-            <a:stCxn id="44" idx="2"/>
-            <a:endCxn id="38" idx="0"/>
+            <a:stCxn id="17" idx="2"/>
+            <a:endCxn id="44" idx="0"/>
           </p:cNvCxnSpPr>
           <p:nvPr/>
         </p:nvCxnSpPr>
         <p:spPr>
-          <a:xfrm flipH="1">
-            <a:off x="3362146" y="4020740"/>
-            <a:ext cx="6605" cy="627869"/>
+          <a:xfrm>
+            <a:off x="3368751" y="2385395"/>
+            <a:ext cx="0" cy="970976"/>
           </a:xfrm>
           <a:prstGeom prst="straightConnector1">
             <a:avLst/>
@@ -10292,7 +10324,7 @@
         </p:nvSpPr>
         <p:spPr>
           <a:xfrm>
-            <a:off x="2759609" y="4238486"/>
+            <a:off x="2810291" y="2536125"/>
             <a:ext cx="1218282" cy="155877"/>
           </a:xfrm>
           <a:prstGeom prst="rect">
@@ -10316,139 +10348,6 @@
                 <a:cs typeface="Helvetica" charset="0"/>
               </a:rPr>
               <a:t>geo:hasGeometry [1]</a:t>
-            </a:r>
-          </a:p>
-        </p:txBody>
-      </p:sp>
-      <p:sp>
-        <p:nvSpPr>
-          <p:cNvPr id="17" name="Rectangle 16"/>
-          <p:cNvSpPr/>
-          <p:nvPr/>
-        </p:nvSpPr>
-        <p:spPr>
-          <a:xfrm>
-            <a:off x="2816896" y="1721026"/>
-            <a:ext cx="1103709" cy="664369"/>
-          </a:xfrm>
-          <a:prstGeom prst="rect">
-            <a:avLst/>
-          </a:prstGeom>
-          <a:solidFill>
-            <a:schemeClr val="bg1"/>
-          </a:solidFill>
-          <a:ln>
-            <a:solidFill>
-              <a:srgbClr val="000080"/>
-            </a:solidFill>
-          </a:ln>
-        </p:spPr>
-        <p:style>
-          <a:lnRef idx="2">
-            <a:schemeClr val="accent1">
-              <a:shade val="50000"/>
-            </a:schemeClr>
-          </a:lnRef>
-          <a:fillRef idx="1">
-            <a:schemeClr val="accent1"/>
-          </a:fillRef>
-          <a:effectRef idx="0">
-            <a:schemeClr val="accent1"/>
-          </a:effectRef>
-          <a:fontRef idx="minor">
-            <a:schemeClr val="lt1"/>
-          </a:fontRef>
-        </p:style>
-        <p:txBody>
-          <a:bodyPr rtlCol="0" anchor="ctr"/>
-          <a:lstStyle/>
-          <a:p>
-            <a:pPr algn="ctr"/>
-            <a:r>
-              <a:rPr lang="en-US" sz="1013" b="1">
-                <a:solidFill>
-                  <a:srgbClr val="005C84"/>
-                </a:solidFill>
-                <a:latin typeface="Helvetica" charset="0"/>
-                <a:ea typeface="Helvetica" charset="0"/>
-                <a:cs typeface="Helvetica" charset="0"/>
-              </a:rPr>
-              <a:t>geo:Feature</a:t>
-            </a:r>
-          </a:p>
-        </p:txBody>
-      </p:sp>
-      <p:cxnSp>
-        <p:nvCxnSpPr>
-          <p:cNvPr id="19" name="Straight Arrow Connector 18"/>
-          <p:cNvCxnSpPr>
-            <a:stCxn id="44" idx="0"/>
-            <a:endCxn id="17" idx="2"/>
-          </p:cNvCxnSpPr>
-          <p:nvPr/>
-        </p:nvCxnSpPr>
-        <p:spPr>
-          <a:xfrm flipV="1">
-            <a:off x="3368751" y="2385395"/>
-            <a:ext cx="0" cy="970976"/>
-          </a:xfrm>
-          <a:prstGeom prst="straightConnector1">
-            <a:avLst/>
-          </a:prstGeom>
-          <a:ln>
-            <a:solidFill>
-              <a:srgbClr val="000080"/>
-            </a:solidFill>
-            <a:tailEnd type="triangle"/>
-          </a:ln>
-        </p:spPr>
-        <p:style>
-          <a:lnRef idx="1">
-            <a:schemeClr val="accent1"/>
-          </a:lnRef>
-          <a:fillRef idx="0">
-            <a:schemeClr val="accent1"/>
-          </a:fillRef>
-          <a:effectRef idx="0">
-            <a:schemeClr val="accent1"/>
-          </a:effectRef>
-          <a:fontRef idx="minor">
-            <a:schemeClr val="tx1"/>
-          </a:fontRef>
-        </p:style>
-      </p:cxnSp>
-      <p:sp>
-        <p:nvSpPr>
-          <p:cNvPr id="20" name="TextBox 19"/>
-          <p:cNvSpPr txBox="1"/>
-          <p:nvPr/>
-        </p:nvSpPr>
-        <p:spPr>
-          <a:xfrm>
-            <a:off x="2903880" y="2524690"/>
-            <a:ext cx="929743" cy="155877"/>
-          </a:xfrm>
-          <a:prstGeom prst="rect">
-            <a:avLst/>
-          </a:prstGeom>
-          <a:solidFill>
-            <a:srgbClr val="F1F1F2"/>
-          </a:solidFill>
-        </p:spPr>
-        <p:txBody>
-          <a:bodyPr wrap="none" lIns="0" tIns="0" rIns="0" bIns="0" rtlCol="0">
-            <a:spAutoFit/>
-          </a:bodyPr>
-          <a:lstStyle/>
-          <a:p>
-            <a:pPr algn="ctr"/>
-            <a:r>
-              <a:rPr lang="en-US" sz="1013">
-                <a:latin typeface="Helvetica" charset="0"/>
-                <a:ea typeface="Helvetica" charset="0"/>
-                <a:cs typeface="Helvetica" charset="0"/>
-              </a:rPr>
-              <a:t>rdfs:subClassOf</a:t>
             </a:r>
           </a:p>
         </p:txBody>

--- a/docs/diagrams.pptx
+++ b/docs/diagrams.pptx
@@ -3646,7 +3646,7 @@
             <a:avLst/>
           </a:prstGeom>
           <a:solidFill>
-            <a:srgbClr val="F4FFFF"/>
+            <a:schemeClr val="bg1"/>
           </a:solidFill>
           <a:ln>
             <a:solidFill>
@@ -3684,7 +3684,7 @@
                 <a:ea typeface="Helvetica" charset="0"/>
                 <a:cs typeface="Helvetica" charset="0"/>
               </a:rPr>
-              <a:t>Geocode</a:t>
+              <a:t>geo:Geometry</a:t>
             </a:r>
           </a:p>
         </p:txBody>
@@ -4182,8 +4182,8 @@
         </p:nvSpPr>
         <p:spPr>
           <a:xfrm>
-            <a:off x="4308996" y="4670857"/>
-            <a:ext cx="928139" cy="155877"/>
+            <a:off x="4286554" y="4670857"/>
+            <a:ext cx="973023" cy="155877"/>
           </a:xfrm>
           <a:prstGeom prst="rect">
             <a:avLst/>
@@ -4205,7 +4205,7 @@
                 <a:ea typeface="Helvetica" charset="0"/>
                 <a:cs typeface="Helvetica" charset="0"/>
               </a:rPr>
-              <a:t>has geocode [1]</a:t>
+              <a:t>has geometry [1]</a:t>
             </a:r>
           </a:p>
         </p:txBody>
@@ -4218,8 +4218,8 @@
         </p:nvSpPr>
         <p:spPr>
           <a:xfrm rot="5400000">
-            <a:off x="3561128" y="5335670"/>
-            <a:ext cx="928139" cy="155877"/>
+            <a:off x="3538686" y="5335670"/>
+            <a:ext cx="973023" cy="155877"/>
           </a:xfrm>
           <a:prstGeom prst="rect">
             <a:avLst/>
@@ -4241,7 +4241,7 @@
                 <a:ea typeface="Helvetica" charset="0"/>
                 <a:cs typeface="Helvetica" charset="0"/>
               </a:rPr>
-              <a:t>has geocode [1]</a:t>
+              <a:t>has geometry [1]</a:t>
             </a:r>
           </a:p>
         </p:txBody>
@@ -4674,8 +4674,8 @@
         </p:nvSpPr>
         <p:spPr>
           <a:xfrm>
-            <a:off x="761711" y="4697913"/>
-            <a:ext cx="928139" cy="155877"/>
+            <a:off x="739270" y="4697913"/>
+            <a:ext cx="973023" cy="155877"/>
           </a:xfrm>
           <a:prstGeom prst="rect">
             <a:avLst/>
@@ -4697,7 +4697,7 @@
                 <a:ea typeface="Helvetica" charset="0"/>
                 <a:cs typeface="Helvetica" charset="0"/>
               </a:rPr>
-              <a:t>has geocode [1]</a:t>
+              <a:t>has geometry [1]</a:t>
             </a:r>
           </a:p>
         </p:txBody>
@@ -5785,13 +5785,14 @@
           <p:cNvPr id="74" name="Straight Arrow Connector 73"/>
           <p:cNvCxnSpPr>
             <a:stCxn id="79" idx="0"/>
+            <a:endCxn id="36" idx="2"/>
           </p:cNvCxnSpPr>
           <p:nvPr/>
         </p:nvCxnSpPr>
         <p:spPr>
           <a:xfrm flipV="1">
-            <a:off x="1358095" y="5328396"/>
-            <a:ext cx="1455061" cy="622856"/>
+            <a:off x="3361985" y="5318181"/>
+            <a:ext cx="4896" cy="633069"/>
           </a:xfrm>
           <a:prstGeom prst="straightConnector1">
             <a:avLst/>
@@ -5826,7 +5827,7 @@
         </p:nvSpPr>
         <p:spPr>
           <a:xfrm>
-            <a:off x="1604176" y="5657132"/>
+            <a:off x="3011282" y="5579193"/>
             <a:ext cx="822341" cy="155877"/>
           </a:xfrm>
           <a:prstGeom prst="rect">
@@ -5862,7 +5863,7 @@
         </p:nvSpPr>
         <p:spPr>
           <a:xfrm>
-            <a:off x="806240" y="5951252"/>
+            <a:off x="2810130" y="5951250"/>
             <a:ext cx="1103709" cy="664369"/>
           </a:xfrm>
           <a:prstGeom prst="rect">

--- a/docs/diagrams.pptx
+++ b/docs/diagrams.pptx
@@ -9,8 +9,8 @@
   </p:notesMasterIdLst>
   <p:sldIdLst>
     <p:sldId id="262" r:id="rId2"/>
-    <p:sldId id="263" r:id="rId3"/>
-    <p:sldId id="264" r:id="rId4"/>
+    <p:sldId id="264" r:id="rId3"/>
+    <p:sldId id="263" r:id="rId4"/>
     <p:sldId id="266" r:id="rId5"/>
     <p:sldId id="265" r:id="rId6"/>
   </p:sldIdLst>
@@ -200,7 +200,7 @@
           </a:lstStyle>
           <a:p>
             <a:fld id="{69B54289-CA05-2E4C-8921-2C4641790FC9}" type="datetimeFigureOut">
-              <a:t>15/1/18</a:t>
+              <a:t>2/7/2018</a:t>
             </a:fld>
             <a:endParaRPr lang="en-US"/>
           </a:p>
@@ -594,7 +594,7 @@
           <a:lstStyle/>
           <a:p>
             <a:fld id="{D38E12F6-CCD2-6247-9D14-5CADBDEBFE61}" type="datetimeFigureOut">
-              <a:t>15/1/18</a:t>
+              <a:t>2/7/2018</a:t>
             </a:fld>
             <a:endParaRPr lang="en-US"/>
           </a:p>
@@ -756,7 +756,7 @@
           <a:lstStyle/>
           <a:p>
             <a:fld id="{D38E12F6-CCD2-6247-9D14-5CADBDEBFE61}" type="datetimeFigureOut">
-              <a:t>15/1/18</a:t>
+              <a:t>2/7/2018</a:t>
             </a:fld>
             <a:endParaRPr lang="en-US"/>
           </a:p>
@@ -928,7 +928,7 @@
           <a:lstStyle/>
           <a:p>
             <a:fld id="{D38E12F6-CCD2-6247-9D14-5CADBDEBFE61}" type="datetimeFigureOut">
-              <a:t>15/1/18</a:t>
+              <a:t>2/7/2018</a:t>
             </a:fld>
             <a:endParaRPr lang="en-US"/>
           </a:p>
@@ -1090,7 +1090,7 @@
           <a:lstStyle/>
           <a:p>
             <a:fld id="{D38E12F6-CCD2-6247-9D14-5CADBDEBFE61}" type="datetimeFigureOut">
-              <a:t>15/1/18</a:t>
+              <a:t>2/7/2018</a:t>
             </a:fld>
             <a:endParaRPr lang="en-US"/>
           </a:p>
@@ -1327,7 +1327,7 @@
           <a:lstStyle/>
           <a:p>
             <a:fld id="{D38E12F6-CCD2-6247-9D14-5CADBDEBFE61}" type="datetimeFigureOut">
-              <a:t>15/1/18</a:t>
+              <a:t>2/7/2018</a:t>
             </a:fld>
             <a:endParaRPr lang="en-US"/>
           </a:p>
@@ -1550,7 +1550,7 @@
           <a:lstStyle/>
           <a:p>
             <a:fld id="{D38E12F6-CCD2-6247-9D14-5CADBDEBFE61}" type="datetimeFigureOut">
-              <a:t>15/1/18</a:t>
+              <a:t>2/7/2018</a:t>
             </a:fld>
             <a:endParaRPr lang="en-US"/>
           </a:p>
@@ -1908,7 +1908,7 @@
           <a:lstStyle/>
           <a:p>
             <a:fld id="{D38E12F6-CCD2-6247-9D14-5CADBDEBFE61}" type="datetimeFigureOut">
-              <a:t>15/1/18</a:t>
+              <a:t>2/7/2018</a:t>
             </a:fld>
             <a:endParaRPr lang="en-US"/>
           </a:p>
@@ -2019,7 +2019,7 @@
           <a:lstStyle/>
           <a:p>
             <a:fld id="{D38E12F6-CCD2-6247-9D14-5CADBDEBFE61}" type="datetimeFigureOut">
-              <a:t>15/1/18</a:t>
+              <a:t>2/7/2018</a:t>
             </a:fld>
             <a:endParaRPr lang="en-US"/>
           </a:p>
@@ -2108,7 +2108,7 @@
           <a:lstStyle/>
           <a:p>
             <a:fld id="{D38E12F6-CCD2-6247-9D14-5CADBDEBFE61}" type="datetimeFigureOut">
-              <a:t>15/1/18</a:t>
+              <a:t>2/7/2018</a:t>
             </a:fld>
             <a:endParaRPr lang="en-US"/>
           </a:p>
@@ -2377,7 +2377,7 @@
           <a:lstStyle/>
           <a:p>
             <a:fld id="{D38E12F6-CCD2-6247-9D14-5CADBDEBFE61}" type="datetimeFigureOut">
-              <a:t>15/1/18</a:t>
+              <a:t>2/7/2018</a:t>
             </a:fld>
             <a:endParaRPr lang="en-US"/>
           </a:p>
@@ -2626,7 +2626,7 @@
           <a:lstStyle/>
           <a:p>
             <a:fld id="{D38E12F6-CCD2-6247-9D14-5CADBDEBFE61}" type="datetimeFigureOut">
-              <a:t>15/1/18</a:t>
+              <a:t>2/7/2018</a:t>
             </a:fld>
             <a:endParaRPr lang="en-US"/>
           </a:p>
@@ -2831,7 +2831,7 @@
           </a:lstStyle>
           <a:p>
             <a:fld id="{D38E12F6-CCD2-6247-9D14-5CADBDEBFE61}" type="datetimeFigureOut">
-              <a:t>15/1/18</a:t>
+              <a:t>2/7/2018</a:t>
             </a:fld>
             <a:endParaRPr lang="en-US"/>
           </a:p>
@@ -3631,64 +3631,6 @@
           </a:p>
         </p:txBody>
       </p:sp>
-      <p:sp>
-        <p:nvSpPr>
-          <p:cNvPr id="62" name="Rectangle 61"/>
-          <p:cNvSpPr/>
-          <p:nvPr/>
-        </p:nvSpPr>
-        <p:spPr>
-          <a:xfrm>
-            <a:off x="4221211" y="5026234"/>
-            <a:ext cx="1103709" cy="664369"/>
-          </a:xfrm>
-          <a:prstGeom prst="rect">
-            <a:avLst/>
-          </a:prstGeom>
-          <a:solidFill>
-            <a:schemeClr val="bg1"/>
-          </a:solidFill>
-          <a:ln>
-            <a:solidFill>
-              <a:srgbClr val="000080"/>
-            </a:solidFill>
-          </a:ln>
-        </p:spPr>
-        <p:style>
-          <a:lnRef idx="2">
-            <a:schemeClr val="accent1">
-              <a:shade val="50000"/>
-            </a:schemeClr>
-          </a:lnRef>
-          <a:fillRef idx="1">
-            <a:schemeClr val="accent1"/>
-          </a:fillRef>
-          <a:effectRef idx="0">
-            <a:schemeClr val="accent1"/>
-          </a:effectRef>
-          <a:fontRef idx="minor">
-            <a:schemeClr val="lt1"/>
-          </a:fontRef>
-        </p:style>
-        <p:txBody>
-          <a:bodyPr rtlCol="0" anchor="ctr"/>
-          <a:lstStyle/>
-          <a:p>
-            <a:pPr algn="ctr"/>
-            <a:r>
-              <a:rPr lang="en-US" sz="1013" b="1">
-                <a:solidFill>
-                  <a:srgbClr val="005C84"/>
-                </a:solidFill>
-                <a:latin typeface="Helvetica" charset="0"/>
-                <a:ea typeface="Helvetica" charset="0"/>
-                <a:cs typeface="Helvetica" charset="0"/>
-              </a:rPr>
-              <a:t>geo:Geometry</a:t>
-            </a:r>
-          </a:p>
-        </p:txBody>
-      </p:sp>
       <p:cxnSp>
         <p:nvCxnSpPr>
           <p:cNvPr id="64" name="Elbow Connector 63"/>
@@ -3832,13 +3774,13 @@
         <p:nvCxnSpPr>
           <p:cNvPr id="49" name="Straight Arrow Connector 48"/>
           <p:cNvCxnSpPr>
-            <a:stCxn id="35" idx="3"/>
-            <a:endCxn id="47" idx="1"/>
+            <a:stCxn id="47" idx="1"/>
+            <a:endCxn id="35" idx="3"/>
           </p:cNvCxnSpPr>
           <p:nvPr/>
         </p:nvCxnSpPr>
         <p:spPr>
-          <a:xfrm flipV="1">
+          <a:xfrm flipH="1">
             <a:off x="2417278" y="3033129"/>
             <a:ext cx="350112" cy="1175346"/>
           </a:xfrm>
@@ -3873,14 +3815,14 @@
           <p:cNvPr id="102" name="Straight Arrow Connector 101"/>
           <p:cNvCxnSpPr>
             <a:stCxn id="37" idx="3"/>
-            <a:endCxn id="62" idx="1"/>
+            <a:endCxn id="45" idx="1"/>
           </p:cNvCxnSpPr>
           <p:nvPr/>
         </p:nvCxnSpPr>
         <p:spPr>
-          <a:xfrm flipV="1">
-            <a:off x="3871103" y="5358419"/>
-            <a:ext cx="350108" cy="1"/>
+          <a:xfrm>
+            <a:off x="3871103" y="5358420"/>
+            <a:ext cx="350109" cy="12701"/>
           </a:xfrm>
           <a:prstGeom prst="straightConnector1">
             <a:avLst/>
@@ -3986,13 +3928,13 @@
         <p:nvCxnSpPr>
           <p:cNvPr id="116" name="Straight Arrow Connector 115"/>
           <p:cNvCxnSpPr>
-            <a:stCxn id="39" idx="2"/>
-            <a:endCxn id="37" idx="0"/>
+            <a:stCxn id="37" idx="0"/>
+            <a:endCxn id="39" idx="2"/>
           </p:cNvCxnSpPr>
           <p:nvPr/>
         </p:nvCxnSpPr>
         <p:spPr>
-          <a:xfrm>
+          <a:xfrm flipH="1" flipV="1">
             <a:off x="3319246" y="4527958"/>
             <a:ext cx="3" cy="498277"/>
           </a:xfrm>
@@ -4025,20 +3967,20 @@
         <p:nvCxnSpPr>
           <p:cNvPr id="120" name="Curved Connector 119"/>
           <p:cNvCxnSpPr>
-            <a:stCxn id="39" idx="2"/>
-            <a:endCxn id="36" idx="1"/>
+            <a:stCxn id="36" idx="1"/>
+            <a:endCxn id="39" idx="2"/>
           </p:cNvCxnSpPr>
           <p:nvPr/>
         </p:nvCxnSpPr>
         <p:spPr>
-          <a:xfrm rot="5400000" flipH="1" flipV="1">
-            <a:off x="3604137" y="3910883"/>
-            <a:ext cx="332184" cy="901966"/>
+          <a:xfrm rot="10800000" flipV="1">
+            <a:off x="3319246" y="4195774"/>
+            <a:ext cx="901966" cy="332184"/>
           </a:xfrm>
           <a:prstGeom prst="curvedConnector4">
             <a:avLst>
-              <a:gd name="adj1" fmla="val -68817"/>
-              <a:gd name="adj2" fmla="val 80592"/>
+              <a:gd name="adj1" fmla="val 19408"/>
+              <a:gd name="adj2" fmla="val 168817"/>
             </a:avLst>
           </a:prstGeom>
           <a:ln>
@@ -4104,14 +4046,14 @@
           <p:cNvPr id="123" name="Straight Arrow Connector 122"/>
           <p:cNvCxnSpPr>
             <a:stCxn id="36" idx="2"/>
-            <a:endCxn id="62" idx="0"/>
+            <a:endCxn id="45" idx="0"/>
           </p:cNvCxnSpPr>
           <p:nvPr/>
         </p:nvCxnSpPr>
         <p:spPr>
-          <a:xfrm flipH="1">
-            <a:off x="4773066" y="4527958"/>
-            <a:ext cx="1" cy="498276"/>
+          <a:xfrm>
+            <a:off x="4773067" y="4527958"/>
+            <a:ext cx="0" cy="510978"/>
           </a:xfrm>
           <a:prstGeom prst="straightConnector1">
             <a:avLst/>
@@ -4236,7 +4178,7 @@
           <a:p>
             <a:pPr algn="ctr"/>
             <a:r>
-              <a:rPr lang="en-US" sz="1013">
+              <a:rPr lang="en-US" sz="1013" dirty="0">
                 <a:latin typeface="Helvetica" charset="0"/>
                 <a:ea typeface="Helvetica" charset="0"/>
                 <a:cs typeface="Helvetica" charset="0"/>
@@ -4284,13 +4226,13 @@
       </p:sp>
       <p:sp>
         <p:nvSpPr>
-          <p:cNvPr id="28" name="Rectangle 27"/>
+          <p:cNvPr id="29" name="Rectangle 28"/>
           <p:cNvSpPr/>
           <p:nvPr/>
         </p:nvSpPr>
         <p:spPr>
           <a:xfrm>
-            <a:off x="1313567" y="6367000"/>
+            <a:off x="4221210" y="6384878"/>
             <a:ext cx="1103709" cy="664369"/>
           </a:xfrm>
           <a:prstGeom prst="rect">
@@ -4335,20 +4277,20 @@
                 <a:ea typeface="Helvetica" charset="0"/>
                 <a:cs typeface="Helvetica" charset="0"/>
               </a:rPr>
-              <a:t>Address Secondary </a:t>
-            </a:r>
-          </a:p>
-        </p:txBody>
-      </p:sp>
-      <p:sp>
-        <p:nvSpPr>
-          <p:cNvPr id="29" name="Rectangle 28"/>
+              <a:t>Mesh Block</a:t>
+            </a:r>
+          </a:p>
+        </p:txBody>
+      </p:sp>
+      <p:sp>
+        <p:nvSpPr>
+          <p:cNvPr id="42" name="Rectangle 41"/>
           <p:cNvSpPr/>
           <p:nvPr/>
         </p:nvSpPr>
         <p:spPr>
           <a:xfrm>
-            <a:off x="4221210" y="6384878"/>
+            <a:off x="2767390" y="6384878"/>
             <a:ext cx="1103709" cy="664369"/>
           </a:xfrm>
           <a:prstGeom prst="rect">
@@ -4393,35 +4335,32 @@
                 <a:ea typeface="Helvetica" charset="0"/>
                 <a:cs typeface="Helvetica" charset="0"/>
               </a:rPr>
-              <a:t>Mesh Block</a:t>
+              <a:t>Mesh Block Match</a:t>
             </a:r>
           </a:p>
         </p:txBody>
       </p:sp>
       <p:cxnSp>
         <p:nvCxnSpPr>
-          <p:cNvPr id="30" name="Curved Connector 29"/>
+          <p:cNvPr id="50" name="Straight Arrow Connector 49"/>
           <p:cNvCxnSpPr>
-            <a:stCxn id="37" idx="2"/>
-            <a:endCxn id="28" idx="0"/>
+            <a:stCxn id="42" idx="3"/>
+            <a:endCxn id="29" idx="1"/>
           </p:cNvCxnSpPr>
           <p:nvPr/>
         </p:nvCxnSpPr>
         <p:spPr>
-          <a:xfrm rot="5400000">
-            <a:off x="2254138" y="5301889"/>
-            <a:ext cx="676396" cy="1453827"/>
-          </a:xfrm>
-          <a:prstGeom prst="curvedConnector3">
-            <a:avLst>
-              <a:gd name="adj1" fmla="val 50000"/>
-            </a:avLst>
+          <a:xfrm>
+            <a:off x="3871099" y="6717063"/>
+            <a:ext cx="350111" cy="0"/>
+          </a:xfrm>
+          <a:prstGeom prst="straightConnector1">
+            <a:avLst/>
           </a:prstGeom>
           <a:ln>
             <a:solidFill>
               <a:srgbClr val="000080"/>
             </a:solidFill>
-            <a:headEnd type="arrow"/>
             <a:tailEnd type="arrow"/>
           </a:ln>
         </p:spPr>
@@ -4442,14 +4381,14 @@
       </p:cxnSp>
       <p:sp>
         <p:nvSpPr>
-          <p:cNvPr id="40" name="TextBox 39"/>
+          <p:cNvPr id="51" name="TextBox 50"/>
           <p:cNvSpPr txBox="1"/>
           <p:nvPr/>
         </p:nvSpPr>
         <p:spPr>
-          <a:xfrm>
-            <a:off x="1272337" y="5913871"/>
-            <a:ext cx="908903" cy="311752"/>
+          <a:xfrm rot="5400000">
+            <a:off x="3493918" y="6455828"/>
+            <a:ext cx="1104470" cy="155877"/>
           </a:xfrm>
           <a:prstGeom prst="rect">
             <a:avLst/>
@@ -4471,35 +4410,170 @@
                 <a:ea typeface="Helvetica" charset="0"/>
                 <a:cs typeface="Helvetica" charset="0"/>
               </a:rPr>
-              <a:t>has address</a:t>
-            </a:r>
-            <a:br>
+              <a:t>has Mesh Block [1]</a:t>
+            </a:r>
+          </a:p>
+        </p:txBody>
+      </p:sp>
+      <p:cxnSp>
+        <p:nvCxnSpPr>
+          <p:cNvPr id="79" name="Curved Connector 78"/>
+          <p:cNvCxnSpPr>
+            <a:stCxn id="35" idx="1"/>
+            <a:endCxn id="45" idx="2"/>
+          </p:cNvCxnSpPr>
+          <p:nvPr/>
+        </p:nvCxnSpPr>
+        <p:spPr>
+          <a:xfrm rot="10800000" flipH="1" flipV="1">
+            <a:off x="1313569" y="4208475"/>
+            <a:ext cx="3459498" cy="1494830"/>
+          </a:xfrm>
+          <a:prstGeom prst="curvedConnector4">
+            <a:avLst>
+              <a:gd name="adj1" fmla="val -6608"/>
+              <a:gd name="adj2" fmla="val 115293"/>
+            </a:avLst>
+          </a:prstGeom>
+          <a:ln>
+            <a:solidFill>
+              <a:srgbClr val="000080"/>
+            </a:solidFill>
+            <a:tailEnd type="arrow"/>
+          </a:ln>
+        </p:spPr>
+        <p:style>
+          <a:lnRef idx="1">
+            <a:schemeClr val="accent1"/>
+          </a:lnRef>
+          <a:fillRef idx="0">
+            <a:schemeClr val="accent1"/>
+          </a:fillRef>
+          <a:effectRef idx="0">
+            <a:schemeClr val="accent1"/>
+          </a:effectRef>
+          <a:fontRef idx="minor">
+            <a:schemeClr val="tx1"/>
+          </a:fontRef>
+        </p:style>
+      </p:cxnSp>
+      <p:sp>
+        <p:nvSpPr>
+          <p:cNvPr id="127" name="TextBox 126"/>
+          <p:cNvSpPr txBox="1"/>
+          <p:nvPr/>
+        </p:nvSpPr>
+        <p:spPr>
+          <a:xfrm>
+            <a:off x="739270" y="4697913"/>
+            <a:ext cx="973023" cy="155877"/>
+          </a:xfrm>
+          <a:prstGeom prst="rect">
+            <a:avLst/>
+          </a:prstGeom>
+          <a:solidFill>
+            <a:srgbClr val="F1F1F2"/>
+          </a:solidFill>
+        </p:spPr>
+        <p:txBody>
+          <a:bodyPr wrap="none" lIns="0" tIns="0" rIns="0" bIns="0" rtlCol="0">
+            <a:spAutoFit/>
+          </a:bodyPr>
+          <a:lstStyle/>
+          <a:p>
+            <a:pPr algn="ctr"/>
+            <a:r>
               <a:rPr lang="en-US" sz="1013">
                 <a:latin typeface="Helvetica" charset="0"/>
                 <a:ea typeface="Helvetica" charset="0"/>
                 <a:cs typeface="Helvetica" charset="0"/>
               </a:rPr>
-            </a:br>
+              <a:t>has geometry [1]</a:t>
+            </a:r>
+          </a:p>
+        </p:txBody>
+      </p:sp>
+      <p:cxnSp>
+        <p:nvCxnSpPr>
+          <p:cNvPr id="53" name="Straight Arrow Connector 52"/>
+          <p:cNvCxnSpPr/>
+          <p:nvPr/>
+        </p:nvCxnSpPr>
+        <p:spPr>
+          <a:xfrm flipH="1">
+            <a:off x="3700906" y="5690604"/>
+            <a:ext cx="4" cy="694274"/>
+          </a:xfrm>
+          <a:prstGeom prst="straightConnector1">
+            <a:avLst/>
+          </a:prstGeom>
+          <a:ln>
+            <a:solidFill>
+              <a:srgbClr val="000080"/>
+            </a:solidFill>
+            <a:tailEnd type="arrow"/>
+          </a:ln>
+        </p:spPr>
+        <p:style>
+          <a:lnRef idx="1">
+            <a:schemeClr val="accent1"/>
+          </a:lnRef>
+          <a:fillRef idx="0">
+            <a:schemeClr val="accent1"/>
+          </a:fillRef>
+          <a:effectRef idx="0">
+            <a:schemeClr val="accent1"/>
+          </a:effectRef>
+          <a:fontRef idx="minor">
+            <a:schemeClr val="tx1"/>
+          </a:fontRef>
+        </p:style>
+      </p:cxnSp>
+      <p:sp>
+        <p:nvSpPr>
+          <p:cNvPr id="48" name="TextBox 47"/>
+          <p:cNvSpPr txBox="1"/>
+          <p:nvPr/>
+        </p:nvSpPr>
+        <p:spPr>
+          <a:xfrm>
+            <a:off x="2303522" y="6113024"/>
+            <a:ext cx="1622240" cy="155877"/>
+          </a:xfrm>
+          <a:prstGeom prst="rect">
+            <a:avLst/>
+          </a:prstGeom>
+          <a:solidFill>
+            <a:srgbClr val="F1F1F2"/>
+          </a:solidFill>
+        </p:spPr>
+        <p:txBody>
+          <a:bodyPr wrap="none" lIns="0" tIns="0" rIns="0" bIns="0" rtlCol="0">
+            <a:spAutoFit/>
+          </a:bodyPr>
+          <a:lstStyle/>
+          <a:p>
+            <a:pPr algn="ctr"/>
             <a:r>
               <a:rPr lang="en-US" sz="1013">
                 <a:latin typeface="Helvetica" charset="0"/>
                 <a:ea typeface="Helvetica" charset="0"/>
                 <a:cs typeface="Helvetica" charset="0"/>
               </a:rPr>
-              <a:t>secondary [0..*]</a:t>
-            </a:r>
-          </a:p>
-        </p:txBody>
-      </p:sp>
-      <p:sp>
-        <p:nvSpPr>
-          <p:cNvPr id="42" name="Rectangle 41"/>
+              <a:t>has Mesh Block match [0..*]</a:t>
+            </a:r>
+          </a:p>
+        </p:txBody>
+      </p:sp>
+      <p:sp>
+        <p:nvSpPr>
+          <p:cNvPr id="38" name="Rectangle 37"/>
           <p:cNvSpPr/>
           <p:nvPr/>
         </p:nvSpPr>
         <p:spPr>
           <a:xfrm>
-            <a:off x="2767390" y="6384878"/>
+            <a:off x="1313570" y="5026233"/>
             <a:ext cx="1103709" cy="664369"/>
           </a:xfrm>
           <a:prstGeom prst="rect">
@@ -4544,245 +4618,20 @@
                 <a:ea typeface="Helvetica" charset="0"/>
                 <a:cs typeface="Helvetica" charset="0"/>
               </a:rPr>
-              <a:t>Mesh Block Match</a:t>
-            </a:r>
-          </a:p>
-        </p:txBody>
-      </p:sp>
-      <p:cxnSp>
-        <p:nvCxnSpPr>
-          <p:cNvPr id="50" name="Straight Arrow Connector 49"/>
-          <p:cNvCxnSpPr>
-            <a:stCxn id="42" idx="3"/>
-            <a:endCxn id="29" idx="1"/>
-          </p:cNvCxnSpPr>
-          <p:nvPr/>
-        </p:nvCxnSpPr>
-        <p:spPr>
-          <a:xfrm>
-            <a:off x="3871099" y="6717063"/>
-            <a:ext cx="350111" cy="0"/>
-          </a:xfrm>
-          <a:prstGeom prst="straightConnector1">
-            <a:avLst/>
-          </a:prstGeom>
-          <a:ln>
-            <a:solidFill>
-              <a:srgbClr val="000080"/>
-            </a:solidFill>
-            <a:tailEnd type="arrow"/>
-          </a:ln>
-        </p:spPr>
-        <p:style>
-          <a:lnRef idx="1">
-            <a:schemeClr val="accent1"/>
-          </a:lnRef>
-          <a:fillRef idx="0">
-            <a:schemeClr val="accent1"/>
-          </a:fillRef>
-          <a:effectRef idx="0">
-            <a:schemeClr val="accent1"/>
-          </a:effectRef>
-          <a:fontRef idx="minor">
-            <a:schemeClr val="tx1"/>
-          </a:fontRef>
-        </p:style>
-      </p:cxnSp>
-      <p:sp>
-        <p:nvSpPr>
-          <p:cNvPr id="51" name="TextBox 50"/>
-          <p:cNvSpPr txBox="1"/>
-          <p:nvPr/>
-        </p:nvSpPr>
-        <p:spPr>
-          <a:xfrm rot="5400000">
-            <a:off x="3493918" y="6455828"/>
-            <a:ext cx="1104470" cy="155877"/>
-          </a:xfrm>
-          <a:prstGeom prst="rect">
-            <a:avLst/>
-          </a:prstGeom>
-          <a:solidFill>
-            <a:srgbClr val="F1F1F2"/>
-          </a:solidFill>
-        </p:spPr>
-        <p:txBody>
-          <a:bodyPr wrap="none" lIns="0" tIns="0" rIns="0" bIns="0" rtlCol="0">
-            <a:spAutoFit/>
-          </a:bodyPr>
-          <a:lstStyle/>
-          <a:p>
-            <a:pPr algn="ctr"/>
-            <a:r>
-              <a:rPr lang="en-US" sz="1013">
-                <a:latin typeface="Helvetica" charset="0"/>
-                <a:ea typeface="Helvetica" charset="0"/>
-                <a:cs typeface="Helvetica" charset="0"/>
-              </a:rPr>
-              <a:t>has Mesh Block [1]</a:t>
-            </a:r>
-          </a:p>
-        </p:txBody>
-      </p:sp>
-      <p:cxnSp>
-        <p:nvCxnSpPr>
-          <p:cNvPr id="79" name="Curved Connector 78"/>
-          <p:cNvCxnSpPr>
-            <a:stCxn id="35" idx="1"/>
-            <a:endCxn id="62" idx="2"/>
-          </p:cNvCxnSpPr>
-          <p:nvPr/>
-        </p:nvCxnSpPr>
-        <p:spPr>
-          <a:xfrm rot="10800000" flipH="1" flipV="1">
-            <a:off x="1313568" y="4208475"/>
-            <a:ext cx="3459497" cy="1482128"/>
-          </a:xfrm>
-          <a:prstGeom prst="curvedConnector4">
-            <a:avLst>
-              <a:gd name="adj1" fmla="val -8687"/>
-              <a:gd name="adj2" fmla="val 119413"/>
-            </a:avLst>
-          </a:prstGeom>
-          <a:ln>
-            <a:solidFill>
-              <a:srgbClr val="000080"/>
-            </a:solidFill>
-            <a:tailEnd type="arrow"/>
-          </a:ln>
-        </p:spPr>
-        <p:style>
-          <a:lnRef idx="1">
-            <a:schemeClr val="accent1"/>
-          </a:lnRef>
-          <a:fillRef idx="0">
-            <a:schemeClr val="accent1"/>
-          </a:fillRef>
-          <a:effectRef idx="0">
-            <a:schemeClr val="accent1"/>
-          </a:effectRef>
-          <a:fontRef idx="minor">
-            <a:schemeClr val="tx1"/>
-          </a:fontRef>
-        </p:style>
-      </p:cxnSp>
-      <p:sp>
-        <p:nvSpPr>
-          <p:cNvPr id="127" name="TextBox 126"/>
-          <p:cNvSpPr txBox="1"/>
-          <p:nvPr/>
-        </p:nvSpPr>
-        <p:spPr>
-          <a:xfrm>
-            <a:off x="739270" y="4697913"/>
-            <a:ext cx="973023" cy="155877"/>
-          </a:xfrm>
-          <a:prstGeom prst="rect">
-            <a:avLst/>
-          </a:prstGeom>
-          <a:solidFill>
-            <a:srgbClr val="F1F1F2"/>
-          </a:solidFill>
-        </p:spPr>
-        <p:txBody>
-          <a:bodyPr wrap="none" lIns="0" tIns="0" rIns="0" bIns="0" rtlCol="0">
-            <a:spAutoFit/>
-          </a:bodyPr>
-          <a:lstStyle/>
-          <a:p>
-            <a:pPr algn="ctr"/>
-            <a:r>
-              <a:rPr lang="en-US" sz="1013">
-                <a:latin typeface="Helvetica" charset="0"/>
-                <a:ea typeface="Helvetica" charset="0"/>
-                <a:cs typeface="Helvetica" charset="0"/>
-              </a:rPr>
-              <a:t>has geometry [1]</a:t>
-            </a:r>
-          </a:p>
-        </p:txBody>
-      </p:sp>
-      <p:cxnSp>
-        <p:nvCxnSpPr>
-          <p:cNvPr id="53" name="Straight Arrow Connector 52"/>
-          <p:cNvCxnSpPr/>
-          <p:nvPr/>
-        </p:nvCxnSpPr>
-        <p:spPr>
-          <a:xfrm flipH="1">
-            <a:off x="3700906" y="5690604"/>
-            <a:ext cx="4" cy="694274"/>
-          </a:xfrm>
-          <a:prstGeom prst="straightConnector1">
-            <a:avLst/>
-          </a:prstGeom>
-          <a:ln>
-            <a:solidFill>
-              <a:srgbClr val="000080"/>
-            </a:solidFill>
-            <a:tailEnd type="arrow"/>
-          </a:ln>
-        </p:spPr>
-        <p:style>
-          <a:lnRef idx="1">
-            <a:schemeClr val="accent1"/>
-          </a:lnRef>
-          <a:fillRef idx="0">
-            <a:schemeClr val="accent1"/>
-          </a:fillRef>
-          <a:effectRef idx="0">
-            <a:schemeClr val="accent1"/>
-          </a:effectRef>
-          <a:fontRef idx="minor">
-            <a:schemeClr val="tx1"/>
-          </a:fontRef>
-        </p:style>
-      </p:cxnSp>
-      <p:sp>
-        <p:nvSpPr>
-          <p:cNvPr id="48" name="TextBox 47"/>
-          <p:cNvSpPr txBox="1"/>
-          <p:nvPr/>
-        </p:nvSpPr>
-        <p:spPr>
-          <a:xfrm>
-            <a:off x="2303522" y="6113024"/>
-            <a:ext cx="1622240" cy="155877"/>
-          </a:xfrm>
-          <a:prstGeom prst="rect">
-            <a:avLst/>
-          </a:prstGeom>
-          <a:solidFill>
-            <a:srgbClr val="F1F1F2"/>
-          </a:solidFill>
-        </p:spPr>
-        <p:txBody>
-          <a:bodyPr wrap="none" lIns="0" tIns="0" rIns="0" bIns="0" rtlCol="0">
-            <a:spAutoFit/>
-          </a:bodyPr>
-          <a:lstStyle/>
-          <a:p>
-            <a:pPr algn="ctr"/>
-            <a:r>
-              <a:rPr lang="en-US" sz="1013">
-                <a:latin typeface="Helvetica" charset="0"/>
-                <a:ea typeface="Helvetica" charset="0"/>
-                <a:cs typeface="Helvetica" charset="0"/>
-              </a:rPr>
-              <a:t>has Mesh Block match [0..*]</a:t>
-            </a:r>
-          </a:p>
-        </p:txBody>
-      </p:sp>
-      <p:sp>
-        <p:nvSpPr>
-          <p:cNvPr id="38" name="Rectangle 37"/>
+              <a:t>Address Site</a:t>
+            </a:r>
+          </a:p>
+        </p:txBody>
+      </p:sp>
+      <p:sp>
+        <p:nvSpPr>
+          <p:cNvPr id="45" name="Rectangle 44"/>
           <p:cNvSpPr/>
           <p:nvPr/>
         </p:nvSpPr>
         <p:spPr>
           <a:xfrm>
-            <a:off x="1313570" y="5026233"/>
+            <a:off x="4221212" y="5038936"/>
             <a:ext cx="1103709" cy="664369"/>
           </a:xfrm>
           <a:prstGeom prst="rect">
@@ -4819,7 +4668,7 @@
           <a:p>
             <a:pPr algn="ctr"/>
             <a:r>
-              <a:rPr lang="en-US" sz="1013" b="1">
+              <a:rPr lang="en-US" sz="1013" b="1" dirty="0" smtClean="0">
                 <a:solidFill>
                   <a:srgbClr val="005C84"/>
                 </a:solidFill>
@@ -4827,8 +4676,16 @@
                 <a:ea typeface="Helvetica" charset="0"/>
                 <a:cs typeface="Helvetica" charset="0"/>
               </a:rPr>
-              <a:t>Address Site</a:t>
-            </a:r>
+              <a:t>Geocode Point</a:t>
+            </a:r>
+            <a:endParaRPr lang="en-US" sz="1013" b="1" dirty="0">
+              <a:solidFill>
+                <a:srgbClr val="005C84"/>
+              </a:solidFill>
+              <a:latin typeface="Helvetica" charset="0"/>
+              <a:ea typeface="Helvetica" charset="0"/>
+              <a:cs typeface="Helvetica" charset="0"/>
+            </a:endParaRPr>
           </a:p>
         </p:txBody>
       </p:sp>
@@ -4870,54 +4727,15 @@
           <a:chExt cx="0" cy="0"/>
         </a:xfrm>
       </p:grpSpPr>
-      <p:cxnSp>
-        <p:nvCxnSpPr>
-          <p:cNvPr id="25" name="Straight Arrow Connector 24"/>
-          <p:cNvCxnSpPr>
-            <a:stCxn id="36" idx="0"/>
-            <a:endCxn id="44" idx="2"/>
-          </p:cNvCxnSpPr>
-          <p:nvPr/>
-        </p:nvCxnSpPr>
-        <p:spPr>
-          <a:xfrm flipV="1">
-            <a:off x="3366881" y="4020740"/>
-            <a:ext cx="1870" cy="633072"/>
-          </a:xfrm>
-          <a:prstGeom prst="straightConnector1">
-            <a:avLst/>
-          </a:prstGeom>
-          <a:ln>
-            <a:solidFill>
-              <a:srgbClr val="000080"/>
-            </a:solidFill>
-            <a:tailEnd type="triangle"/>
-          </a:ln>
-        </p:spPr>
-        <p:style>
-          <a:lnRef idx="1">
-            <a:schemeClr val="accent1"/>
-          </a:lnRef>
-          <a:fillRef idx="0">
-            <a:schemeClr val="accent1"/>
-          </a:fillRef>
-          <a:effectRef idx="0">
-            <a:schemeClr val="accent1"/>
-          </a:effectRef>
-          <a:fontRef idx="minor">
-            <a:schemeClr val="tx1"/>
-          </a:fontRef>
-        </p:style>
-      </p:cxnSp>
-      <p:sp>
-        <p:nvSpPr>
-          <p:cNvPr id="36" name="Rectangle 35"/>
+      <p:sp>
+        <p:nvSpPr>
+          <p:cNvPr id="44" name="Rectangle 43"/>
           <p:cNvSpPr/>
           <p:nvPr/>
         </p:nvSpPr>
         <p:spPr>
           <a:xfrm>
-            <a:off x="2815026" y="4653812"/>
+            <a:off x="2816896" y="3356371"/>
             <a:ext cx="1103709" cy="664369"/>
           </a:xfrm>
           <a:prstGeom prst="rect">
@@ -4962,20 +4780,20 @@
                 <a:ea typeface="Helvetica" charset="0"/>
                 <a:cs typeface="Helvetica" charset="0"/>
               </a:rPr>
-              <a:t>Street Locality</a:t>
-            </a:r>
-          </a:p>
-        </p:txBody>
-      </p:sp>
-      <p:sp>
-        <p:nvSpPr>
-          <p:cNvPr id="44" name="Rectangle 43"/>
+              <a:t>Address</a:t>
+            </a:r>
+          </a:p>
+        </p:txBody>
+      </p:sp>
+      <p:sp>
+        <p:nvSpPr>
+          <p:cNvPr id="18" name="Rectangle 17"/>
           <p:cNvSpPr/>
           <p:nvPr/>
         </p:nvSpPr>
         <p:spPr>
           <a:xfrm>
-            <a:off x="2816896" y="3356371"/>
+            <a:off x="4753197" y="3356371"/>
             <a:ext cx="1103709" cy="664369"/>
           </a:xfrm>
           <a:prstGeom prst="rect">
@@ -5020,123 +4838,7 @@
                 <a:ea typeface="Helvetica" charset="0"/>
                 <a:cs typeface="Helvetica" charset="0"/>
               </a:rPr>
-              <a:t>Street</a:t>
-            </a:r>
-          </a:p>
-        </p:txBody>
-      </p:sp>
-      <p:sp>
-        <p:nvSpPr>
-          <p:cNvPr id="18" name="Rectangle 17"/>
-          <p:cNvSpPr/>
-          <p:nvPr/>
-        </p:nvSpPr>
-        <p:spPr>
-          <a:xfrm>
-            <a:off x="4753197" y="3356371"/>
-            <a:ext cx="1103709" cy="664369"/>
-          </a:xfrm>
-          <a:prstGeom prst="rect">
-            <a:avLst/>
-          </a:prstGeom>
-          <a:solidFill>
-            <a:srgbClr val="F4FFFF"/>
-          </a:solidFill>
-          <a:ln>
-            <a:solidFill>
-              <a:srgbClr val="000080"/>
-            </a:solidFill>
-          </a:ln>
-        </p:spPr>
-        <p:style>
-          <a:lnRef idx="2">
-            <a:schemeClr val="accent1">
-              <a:shade val="50000"/>
-            </a:schemeClr>
-          </a:lnRef>
-          <a:fillRef idx="1">
-            <a:schemeClr val="accent1"/>
-          </a:fillRef>
-          <a:effectRef idx="0">
-            <a:schemeClr val="accent1"/>
-          </a:effectRef>
-          <a:fontRef idx="minor">
-            <a:schemeClr val="lt1"/>
-          </a:fontRef>
-        </p:style>
-        <p:txBody>
-          <a:bodyPr rtlCol="0" anchor="ctr"/>
-          <a:lstStyle/>
-          <a:p>
-            <a:pPr algn="ctr"/>
-            <a:r>
-              <a:rPr lang="en-US" sz="1013" b="1">
-                <a:solidFill>
-                  <a:srgbClr val="005C84"/>
-                </a:solidFill>
-                <a:latin typeface="Helvetica" charset="0"/>
-                <a:ea typeface="Helvetica" charset="0"/>
-                <a:cs typeface="Helvetica" charset="0"/>
-              </a:rPr>
-              <a:t>Street Confirmation</a:t>
-            </a:r>
-          </a:p>
-        </p:txBody>
-      </p:sp>
-      <p:sp>
-        <p:nvSpPr>
-          <p:cNvPr id="19" name="Rectangle 18"/>
-          <p:cNvSpPr/>
-          <p:nvPr/>
-        </p:nvSpPr>
-        <p:spPr>
-          <a:xfrm>
-            <a:off x="4753197" y="4383396"/>
-            <a:ext cx="1103709" cy="664369"/>
-          </a:xfrm>
-          <a:prstGeom prst="rect">
-            <a:avLst/>
-          </a:prstGeom>
-          <a:solidFill>
-            <a:srgbClr val="F4FFFF"/>
-          </a:solidFill>
-          <a:ln>
-            <a:solidFill>
-              <a:srgbClr val="000080"/>
-            </a:solidFill>
-          </a:ln>
-        </p:spPr>
-        <p:style>
-          <a:lnRef idx="2">
-            <a:schemeClr val="accent1">
-              <a:shade val="50000"/>
-            </a:schemeClr>
-          </a:lnRef>
-          <a:fillRef idx="1">
-            <a:schemeClr val="accent1"/>
-          </a:fillRef>
-          <a:effectRef idx="0">
-            <a:schemeClr val="accent1"/>
-          </a:effectRef>
-          <a:fontRef idx="minor">
-            <a:schemeClr val="lt1"/>
-          </a:fontRef>
-        </p:style>
-        <p:txBody>
-          <a:bodyPr rtlCol="0" anchor="ctr"/>
-          <a:lstStyle/>
-          <a:p>
-            <a:pPr algn="ctr"/>
-            <a:r>
-              <a:rPr lang="en-US" sz="1013" b="1">
-                <a:solidFill>
-                  <a:srgbClr val="005C84"/>
-                </a:solidFill>
-                <a:latin typeface="Helvetica" charset="0"/>
-                <a:ea typeface="Helvetica" charset="0"/>
-                <a:cs typeface="Helvetica" charset="0"/>
-              </a:rPr>
-              <a:t>Street Suffix</a:t>
+              <a:t>Street Locality</a:t>
             </a:r>
           </a:p>
         </p:txBody>
@@ -5154,468 +4856,6 @@
           <a:xfrm>
             <a:off x="3920605" y="3688556"/>
             <a:ext cx="832592" cy="0"/>
-          </a:xfrm>
-          <a:prstGeom prst="straightConnector1">
-            <a:avLst/>
-          </a:prstGeom>
-          <a:ln>
-            <a:solidFill>
-              <a:srgbClr val="000080"/>
-            </a:solidFill>
-            <a:tailEnd type="arrow"/>
-          </a:ln>
-        </p:spPr>
-        <p:style>
-          <a:lnRef idx="1">
-            <a:schemeClr val="accent1"/>
-          </a:lnRef>
-          <a:fillRef idx="0">
-            <a:schemeClr val="accent1"/>
-          </a:fillRef>
-          <a:effectRef idx="0">
-            <a:schemeClr val="accent1"/>
-          </a:effectRef>
-          <a:fontRef idx="minor">
-            <a:schemeClr val="tx1"/>
-          </a:fontRef>
-        </p:style>
-      </p:cxnSp>
-      <p:sp>
-        <p:nvSpPr>
-          <p:cNvPr id="30" name="Rectangle 29"/>
-          <p:cNvSpPr/>
-          <p:nvPr/>
-        </p:nvSpPr>
-        <p:spPr>
-          <a:xfrm>
-            <a:off x="812057" y="3481240"/>
-            <a:ext cx="1103709" cy="411497"/>
-          </a:xfrm>
-          <a:prstGeom prst="rect">
-            <a:avLst/>
-          </a:prstGeom>
-          <a:solidFill>
-            <a:schemeClr val="bg1"/>
-          </a:solidFill>
-          <a:ln>
-            <a:solidFill>
-              <a:srgbClr val="000080"/>
-            </a:solidFill>
-          </a:ln>
-        </p:spPr>
-        <p:style>
-          <a:lnRef idx="2">
-            <a:schemeClr val="accent1">
-              <a:shade val="50000"/>
-            </a:schemeClr>
-          </a:lnRef>
-          <a:fillRef idx="1">
-            <a:schemeClr val="accent1"/>
-          </a:fillRef>
-          <a:effectRef idx="0">
-            <a:schemeClr val="accent1"/>
-          </a:effectRef>
-          <a:fontRef idx="minor">
-            <a:schemeClr val="lt1"/>
-          </a:fontRef>
-        </p:style>
-        <p:txBody>
-          <a:bodyPr rtlCol="0" anchor="ctr"/>
-          <a:lstStyle/>
-          <a:p>
-            <a:pPr algn="ctr"/>
-            <a:r>
-              <a:rPr lang="en-US" sz="1013" b="1">
-                <a:solidFill>
-                  <a:srgbClr val="005C84"/>
-                </a:solidFill>
-                <a:latin typeface="Helvetica" charset="0"/>
-                <a:ea typeface="Helvetica" charset="0"/>
-                <a:cs typeface="Helvetica" charset="0"/>
-              </a:rPr>
-              <a:t>xsd:string</a:t>
-            </a:r>
-          </a:p>
-        </p:txBody>
-      </p:sp>
-      <p:cxnSp>
-        <p:nvCxnSpPr>
-          <p:cNvPr id="31" name="Straight Arrow Connector 30"/>
-          <p:cNvCxnSpPr>
-            <a:stCxn id="44" idx="1"/>
-            <a:endCxn id="30" idx="3"/>
-          </p:cNvCxnSpPr>
-          <p:nvPr/>
-        </p:nvCxnSpPr>
-        <p:spPr>
-          <a:xfrm flipH="1" flipV="1">
-            <a:off x="1915766" y="3686989"/>
-            <a:ext cx="901130" cy="1567"/>
-          </a:xfrm>
-          <a:prstGeom prst="straightConnector1">
-            <a:avLst/>
-          </a:prstGeom>
-          <a:ln>
-            <a:solidFill>
-              <a:srgbClr val="000080"/>
-            </a:solidFill>
-            <a:tailEnd type="arrow"/>
-          </a:ln>
-        </p:spPr>
-        <p:style>
-          <a:lnRef idx="1">
-            <a:schemeClr val="accent1"/>
-          </a:lnRef>
-          <a:fillRef idx="0">
-            <a:schemeClr val="accent1"/>
-          </a:fillRef>
-          <a:effectRef idx="0">
-            <a:schemeClr val="accent1"/>
-          </a:effectRef>
-          <a:fontRef idx="minor">
-            <a:schemeClr val="tx1"/>
-          </a:fontRef>
-        </p:style>
-      </p:cxnSp>
-      <p:sp>
-        <p:nvSpPr>
-          <p:cNvPr id="50" name="TextBox 49"/>
-          <p:cNvSpPr txBox="1"/>
-          <p:nvPr/>
-        </p:nvSpPr>
-        <p:spPr>
-          <a:xfrm>
-            <a:off x="2130047" y="3511902"/>
-            <a:ext cx="570220" cy="311752"/>
-          </a:xfrm>
-          <a:prstGeom prst="rect">
-            <a:avLst/>
-          </a:prstGeom>
-          <a:solidFill>
-            <a:srgbClr val="F1F1F2"/>
-          </a:solidFill>
-        </p:spPr>
-        <p:txBody>
-          <a:bodyPr wrap="square" lIns="0" tIns="0" rIns="0" bIns="0" rtlCol="0">
-            <a:spAutoFit/>
-          </a:bodyPr>
-          <a:lstStyle/>
-          <a:p>
-            <a:pPr algn="ctr"/>
-            <a:r>
-              <a:rPr lang="en-US" sz="1013">
-                <a:latin typeface="Helvetica" charset="0"/>
-                <a:ea typeface="Helvetica" charset="0"/>
-                <a:cs typeface="Helvetica" charset="0"/>
-              </a:rPr>
-              <a:t>has name [1]</a:t>
-            </a:r>
-          </a:p>
-        </p:txBody>
-      </p:sp>
-      <p:sp>
-        <p:nvSpPr>
-          <p:cNvPr id="58" name="TextBox 57"/>
-          <p:cNvSpPr txBox="1"/>
-          <p:nvPr/>
-        </p:nvSpPr>
-        <p:spPr>
-          <a:xfrm>
-            <a:off x="3998328" y="3466160"/>
-            <a:ext cx="637995" cy="467629"/>
-          </a:xfrm>
-          <a:prstGeom prst="rect">
-            <a:avLst/>
-          </a:prstGeom>
-          <a:solidFill>
-            <a:srgbClr val="F1F1F2"/>
-          </a:solidFill>
-        </p:spPr>
-        <p:txBody>
-          <a:bodyPr wrap="none" lIns="0" tIns="0" rIns="0" bIns="0" rtlCol="0">
-            <a:spAutoFit/>
-          </a:bodyPr>
-          <a:lstStyle/>
-          <a:p>
-            <a:pPr algn="ctr"/>
-            <a:r>
-              <a:rPr lang="en-US" sz="1013">
-                <a:latin typeface="Helvetica" charset="0"/>
-                <a:ea typeface="Helvetica" charset="0"/>
-                <a:cs typeface="Helvetica" charset="0"/>
-              </a:rPr>
-              <a:t>has street</a:t>
-            </a:r>
-            <a:br>
-              <a:rPr lang="en-US" sz="1013">
-                <a:latin typeface="Helvetica" charset="0"/>
-                <a:ea typeface="Helvetica" charset="0"/>
-                <a:cs typeface="Helvetica" charset="0"/>
-              </a:rPr>
-            </a:br>
-            <a:r>
-              <a:rPr lang="en-US" sz="1013">
-                <a:latin typeface="Helvetica" charset="0"/>
-                <a:ea typeface="Helvetica" charset="0"/>
-                <a:cs typeface="Helvetica" charset="0"/>
-              </a:rPr>
-              <a:t>confirmtion</a:t>
-            </a:r>
-            <a:br>
-              <a:rPr lang="en-US" sz="1013">
-                <a:latin typeface="Helvetica" charset="0"/>
-                <a:ea typeface="Helvetica" charset="0"/>
-                <a:cs typeface="Helvetica" charset="0"/>
-              </a:rPr>
-            </a:br>
-            <a:r>
-              <a:rPr lang="en-US" sz="1013">
-                <a:latin typeface="Helvetica" charset="0"/>
-                <a:ea typeface="Helvetica" charset="0"/>
-                <a:cs typeface="Helvetica" charset="0"/>
-              </a:rPr>
-              <a:t>[1]</a:t>
-            </a:r>
-          </a:p>
-        </p:txBody>
-      </p:sp>
-      <p:sp>
-        <p:nvSpPr>
-          <p:cNvPr id="59" name="TextBox 58"/>
-          <p:cNvSpPr txBox="1"/>
-          <p:nvPr/>
-        </p:nvSpPr>
-        <p:spPr>
-          <a:xfrm>
-            <a:off x="2920945" y="4279306"/>
-            <a:ext cx="929743" cy="155877"/>
-          </a:xfrm>
-          <a:prstGeom prst="rect">
-            <a:avLst/>
-          </a:prstGeom>
-          <a:solidFill>
-            <a:srgbClr val="F1F1F2"/>
-          </a:solidFill>
-        </p:spPr>
-        <p:txBody>
-          <a:bodyPr wrap="none" lIns="0" tIns="0" rIns="0" bIns="0" rtlCol="0">
-            <a:spAutoFit/>
-          </a:bodyPr>
-          <a:lstStyle/>
-          <a:p>
-            <a:pPr algn="ctr"/>
-            <a:r>
-              <a:rPr lang="en-US" sz="1013">
-                <a:latin typeface="Helvetica" charset="0"/>
-                <a:ea typeface="Helvetica" charset="0"/>
-                <a:cs typeface="Helvetica" charset="0"/>
-              </a:rPr>
-              <a:t>rdfs:subClassOf</a:t>
-            </a:r>
-          </a:p>
-        </p:txBody>
-      </p:sp>
-      <p:sp>
-        <p:nvSpPr>
-          <p:cNvPr id="60" name="Rectangle 59"/>
-          <p:cNvSpPr/>
-          <p:nvPr/>
-        </p:nvSpPr>
-        <p:spPr>
-          <a:xfrm>
-            <a:off x="812057" y="4653812"/>
-            <a:ext cx="1103709" cy="664369"/>
-          </a:xfrm>
-          <a:prstGeom prst="rect">
-            <a:avLst/>
-          </a:prstGeom>
-          <a:solidFill>
-            <a:srgbClr val="F4FFFF"/>
-          </a:solidFill>
-          <a:ln>
-            <a:solidFill>
-              <a:srgbClr val="000080"/>
-            </a:solidFill>
-          </a:ln>
-        </p:spPr>
-        <p:style>
-          <a:lnRef idx="2">
-            <a:schemeClr val="accent1">
-              <a:shade val="50000"/>
-            </a:schemeClr>
-          </a:lnRef>
-          <a:fillRef idx="1">
-            <a:schemeClr val="accent1"/>
-          </a:fillRef>
-          <a:effectRef idx="0">
-            <a:schemeClr val="accent1"/>
-          </a:effectRef>
-          <a:fontRef idx="minor">
-            <a:schemeClr val="lt1"/>
-          </a:fontRef>
-        </p:style>
-        <p:txBody>
-          <a:bodyPr rtlCol="0" anchor="ctr"/>
-          <a:lstStyle/>
-          <a:p>
-            <a:pPr algn="ctr"/>
-            <a:r>
-              <a:rPr lang="en-US" sz="1013" b="1">
-                <a:solidFill>
-                  <a:srgbClr val="005C84"/>
-                </a:solidFill>
-                <a:latin typeface="Helvetica" charset="0"/>
-                <a:ea typeface="Helvetica" charset="0"/>
-                <a:cs typeface="Helvetica" charset="0"/>
-              </a:rPr>
-              <a:t>Locality</a:t>
-            </a:r>
-          </a:p>
-        </p:txBody>
-      </p:sp>
-      <p:cxnSp>
-        <p:nvCxnSpPr>
-          <p:cNvPr id="61" name="Straight Arrow Connector 60"/>
-          <p:cNvCxnSpPr>
-            <a:stCxn id="36" idx="1"/>
-            <a:endCxn id="60" idx="3"/>
-          </p:cNvCxnSpPr>
-          <p:nvPr/>
-        </p:nvCxnSpPr>
-        <p:spPr>
-          <a:xfrm flipH="1">
-            <a:off x="1915766" y="4985997"/>
-            <a:ext cx="899260" cy="0"/>
-          </a:xfrm>
-          <a:prstGeom prst="straightConnector1">
-            <a:avLst/>
-          </a:prstGeom>
-          <a:ln>
-            <a:solidFill>
-              <a:srgbClr val="000080"/>
-            </a:solidFill>
-            <a:tailEnd type="arrow"/>
-          </a:ln>
-        </p:spPr>
-        <p:style>
-          <a:lnRef idx="1">
-            <a:schemeClr val="accent1"/>
-          </a:lnRef>
-          <a:fillRef idx="0">
-            <a:schemeClr val="accent1"/>
-          </a:fillRef>
-          <a:effectRef idx="0">
-            <a:schemeClr val="accent1"/>
-          </a:effectRef>
-          <a:fontRef idx="minor">
-            <a:schemeClr val="tx1"/>
-          </a:fontRef>
-        </p:style>
-      </p:cxnSp>
-      <p:sp>
-        <p:nvSpPr>
-          <p:cNvPr id="65" name="TextBox 64"/>
-          <p:cNvSpPr txBox="1"/>
-          <p:nvPr/>
-        </p:nvSpPr>
-        <p:spPr>
-          <a:xfrm>
-            <a:off x="2080948" y="4830120"/>
-            <a:ext cx="688533" cy="311752"/>
-          </a:xfrm>
-          <a:prstGeom prst="rect">
-            <a:avLst/>
-          </a:prstGeom>
-          <a:solidFill>
-            <a:srgbClr val="F1F1F2"/>
-          </a:solidFill>
-        </p:spPr>
-        <p:txBody>
-          <a:bodyPr wrap="square" lIns="0" tIns="0" rIns="0" bIns="0" rtlCol="0">
-            <a:spAutoFit/>
-          </a:bodyPr>
-          <a:lstStyle/>
-          <a:p>
-            <a:pPr algn="ctr"/>
-            <a:r>
-              <a:rPr lang="en-US" sz="1013">
-                <a:latin typeface="Helvetica" charset="0"/>
-                <a:ea typeface="Helvetica" charset="0"/>
-                <a:cs typeface="Helvetica" charset="0"/>
-              </a:rPr>
-              <a:t>has locality [1]</a:t>
-            </a:r>
-          </a:p>
-        </p:txBody>
-      </p:sp>
-      <p:sp>
-        <p:nvSpPr>
-          <p:cNvPr id="66" name="Rectangle 65"/>
-          <p:cNvSpPr/>
-          <p:nvPr/>
-        </p:nvSpPr>
-        <p:spPr>
-          <a:xfrm>
-            <a:off x="1223941" y="2311800"/>
-            <a:ext cx="1103709" cy="411497"/>
-          </a:xfrm>
-          <a:prstGeom prst="rect">
-            <a:avLst/>
-          </a:prstGeom>
-          <a:solidFill>
-            <a:schemeClr val="bg1"/>
-          </a:solidFill>
-          <a:ln>
-            <a:solidFill>
-              <a:srgbClr val="000080"/>
-            </a:solidFill>
-          </a:ln>
-        </p:spPr>
-        <p:style>
-          <a:lnRef idx="2">
-            <a:schemeClr val="accent1">
-              <a:shade val="50000"/>
-            </a:schemeClr>
-          </a:lnRef>
-          <a:fillRef idx="1">
-            <a:schemeClr val="accent1"/>
-          </a:fillRef>
-          <a:effectRef idx="0">
-            <a:schemeClr val="accent1"/>
-          </a:effectRef>
-          <a:fontRef idx="minor">
-            <a:schemeClr val="lt1"/>
-          </a:fontRef>
-        </p:style>
-        <p:txBody>
-          <a:bodyPr rtlCol="0" anchor="ctr"/>
-          <a:lstStyle/>
-          <a:p>
-            <a:pPr algn="ctr"/>
-            <a:r>
-              <a:rPr lang="en-US" sz="1013" b="1">
-                <a:solidFill>
-                  <a:srgbClr val="005C84"/>
-                </a:solidFill>
-                <a:latin typeface="Helvetica" charset="0"/>
-                <a:ea typeface="Helvetica" charset="0"/>
-                <a:cs typeface="Helvetica" charset="0"/>
-              </a:rPr>
-              <a:t>xsd:dateTime</a:t>
-            </a:r>
-          </a:p>
-        </p:txBody>
-      </p:sp>
-      <p:cxnSp>
-        <p:nvCxnSpPr>
-          <p:cNvPr id="67" name="Straight Arrow Connector 66"/>
-          <p:cNvCxnSpPr/>
-          <p:nvPr/>
-        </p:nvCxnSpPr>
-        <p:spPr>
-          <a:xfrm flipH="1" flipV="1">
-            <a:off x="1775796" y="2723297"/>
-            <a:ext cx="1034495" cy="629360"/>
           </a:xfrm>
           <a:prstGeom prst="straightConnector1">
             <a:avLst/>
@@ -5644,14 +4884,14 @@
       </p:cxnSp>
       <p:cxnSp>
         <p:nvCxnSpPr>
-          <p:cNvPr id="68" name="Straight Arrow Connector 67"/>
+          <p:cNvPr id="26" name="Straight Arrow Connector 25"/>
           <p:cNvCxnSpPr/>
           <p:nvPr/>
         </p:nvCxnSpPr>
         <p:spPr>
-          <a:xfrm flipH="1" flipV="1">
-            <a:off x="2331638" y="2723297"/>
-            <a:ext cx="1037113" cy="633074"/>
+          <a:xfrm flipV="1">
+            <a:off x="3559520" y="1888886"/>
+            <a:ext cx="1183804" cy="1473089"/>
           </a:xfrm>
           <a:prstGeom prst="straightConnector1">
             <a:avLst/>
@@ -5680,197 +4920,20 @@
       </p:cxnSp>
       <p:sp>
         <p:nvSpPr>
-          <p:cNvPr id="69" name="TextBox 68"/>
-          <p:cNvSpPr txBox="1"/>
-          <p:nvPr/>
-        </p:nvSpPr>
-        <p:spPr>
-          <a:xfrm>
-            <a:off x="1706580" y="2836710"/>
-            <a:ext cx="697306" cy="311752"/>
-          </a:xfrm>
-          <a:prstGeom prst="rect">
-            <a:avLst/>
-          </a:prstGeom>
-          <a:solidFill>
-            <a:srgbClr val="F1F1F2"/>
-          </a:solidFill>
-        </p:spPr>
-        <p:txBody>
-          <a:bodyPr wrap="none" lIns="0" tIns="0" rIns="0" bIns="0" rtlCol="0">
-            <a:spAutoFit/>
-          </a:bodyPr>
-          <a:lstStyle/>
-          <a:p>
-            <a:pPr algn="ctr"/>
-            <a:r>
-              <a:rPr lang="en-US" sz="1013">
-                <a:latin typeface="Helvetica" charset="0"/>
-                <a:ea typeface="Helvetica" charset="0"/>
-                <a:cs typeface="Helvetica" charset="0"/>
-              </a:rPr>
-              <a:t>has date</a:t>
-            </a:r>
-            <a:br>
-              <a:rPr lang="en-US" sz="1013">
-                <a:latin typeface="Helvetica" charset="0"/>
-                <a:ea typeface="Helvetica" charset="0"/>
-                <a:cs typeface="Helvetica" charset="0"/>
-              </a:rPr>
-            </a:br>
-            <a:r>
-              <a:rPr lang="en-US" sz="1013">
-                <a:latin typeface="Helvetica" charset="0"/>
-                <a:ea typeface="Helvetica" charset="0"/>
-                <a:cs typeface="Helvetica" charset="0"/>
-              </a:rPr>
-              <a:t>retired [0..1]</a:t>
-            </a:r>
-          </a:p>
-        </p:txBody>
-      </p:sp>
-      <p:sp>
-        <p:nvSpPr>
-          <p:cNvPr id="70" name="TextBox 69"/>
-          <p:cNvSpPr txBox="1"/>
-          <p:nvPr/>
-        </p:nvSpPr>
-        <p:spPr>
-          <a:xfrm>
-            <a:off x="2636321" y="2888743"/>
-            <a:ext cx="617156" cy="311752"/>
-          </a:xfrm>
-          <a:prstGeom prst="rect">
-            <a:avLst/>
-          </a:prstGeom>
-          <a:solidFill>
-            <a:srgbClr val="F1F1F2"/>
-          </a:solidFill>
-        </p:spPr>
-        <p:txBody>
-          <a:bodyPr wrap="none" lIns="0" tIns="0" rIns="0" bIns="0" rtlCol="0">
-            <a:spAutoFit/>
-          </a:bodyPr>
-          <a:lstStyle/>
-          <a:p>
-            <a:pPr algn="ctr"/>
-            <a:r>
-              <a:rPr lang="en-US" sz="1013">
-                <a:latin typeface="Helvetica" charset="0"/>
-                <a:ea typeface="Helvetica" charset="0"/>
-                <a:cs typeface="Helvetica" charset="0"/>
-              </a:rPr>
-              <a:t>has date</a:t>
-            </a:r>
-            <a:br>
-              <a:rPr lang="en-US" sz="1013">
-                <a:latin typeface="Helvetica" charset="0"/>
-                <a:ea typeface="Helvetica" charset="0"/>
-                <a:cs typeface="Helvetica" charset="0"/>
-              </a:rPr>
-            </a:br>
-            <a:r>
-              <a:rPr lang="en-US" sz="1013">
-                <a:latin typeface="Helvetica" charset="0"/>
-                <a:ea typeface="Helvetica" charset="0"/>
-                <a:cs typeface="Helvetica" charset="0"/>
-              </a:rPr>
-              <a:t>created [1]</a:t>
-            </a:r>
-          </a:p>
-        </p:txBody>
-      </p:sp>
-      <p:cxnSp>
-        <p:nvCxnSpPr>
-          <p:cNvPr id="74" name="Straight Arrow Connector 73"/>
-          <p:cNvCxnSpPr>
-            <a:stCxn id="79" idx="0"/>
-            <a:endCxn id="36" idx="2"/>
-          </p:cNvCxnSpPr>
-          <p:nvPr/>
-        </p:nvCxnSpPr>
-        <p:spPr>
-          <a:xfrm flipV="1">
-            <a:off x="3361985" y="5318181"/>
-            <a:ext cx="4896" cy="633069"/>
-          </a:xfrm>
-          <a:prstGeom prst="straightConnector1">
-            <a:avLst/>
-          </a:prstGeom>
-          <a:ln>
-            <a:solidFill>
-              <a:srgbClr val="000080"/>
-            </a:solidFill>
-            <a:tailEnd type="arrow"/>
-          </a:ln>
-        </p:spPr>
-        <p:style>
-          <a:lnRef idx="1">
-            <a:schemeClr val="accent1"/>
-          </a:lnRef>
-          <a:fillRef idx="0">
-            <a:schemeClr val="accent1"/>
-          </a:fillRef>
-          <a:effectRef idx="0">
-            <a:schemeClr val="accent1"/>
-          </a:effectRef>
-          <a:fontRef idx="minor">
-            <a:schemeClr val="tx1"/>
-          </a:fontRef>
-        </p:style>
-      </p:cxnSp>
-      <p:sp>
-        <p:nvSpPr>
-          <p:cNvPr id="78" name="TextBox 77"/>
-          <p:cNvSpPr txBox="1"/>
-          <p:nvPr/>
-        </p:nvSpPr>
-        <p:spPr>
-          <a:xfrm>
-            <a:off x="3011282" y="5579193"/>
-            <a:ext cx="822341" cy="155877"/>
-          </a:xfrm>
-          <a:prstGeom prst="rect">
-            <a:avLst/>
-          </a:prstGeom>
-          <a:solidFill>
-            <a:srgbClr val="F1F1F2"/>
-          </a:solidFill>
-        </p:spPr>
-        <p:txBody>
-          <a:bodyPr wrap="none" lIns="0" tIns="0" rIns="0" bIns="0" rtlCol="0">
-            <a:spAutoFit/>
-          </a:bodyPr>
-          <a:lstStyle/>
-          <a:p>
-            <a:pPr algn="ctr"/>
-            <a:r>
-              <a:rPr lang="en-US" sz="1013">
-                <a:latin typeface="Helvetica" charset="0"/>
-                <a:ea typeface="Helvetica" charset="0"/>
-                <a:cs typeface="Helvetica" charset="0"/>
-              </a:rPr>
-              <a:t>has alias [0..*]</a:t>
-            </a:r>
-          </a:p>
-        </p:txBody>
-      </p:sp>
-      <p:sp>
-        <p:nvSpPr>
-          <p:cNvPr id="79" name="Rectangle 78"/>
+          <p:cNvPr id="30" name="Rectangle 29"/>
           <p:cNvSpPr/>
           <p:nvPr/>
         </p:nvSpPr>
         <p:spPr>
           <a:xfrm>
-            <a:off x="2810130" y="5951250"/>
-            <a:ext cx="1103709" cy="664369"/>
-          </a:xfrm>
-          <a:prstGeom prst="rect">
-            <a:avLst/>
-          </a:prstGeom>
-          <a:solidFill>
-            <a:srgbClr val="F4FFFF"/>
+            <a:off x="632301" y="2882449"/>
+            <a:ext cx="1103709" cy="411497"/>
+          </a:xfrm>
+          <a:prstGeom prst="rect">
+            <a:avLst/>
+          </a:prstGeom>
+          <a:solidFill>
+            <a:schemeClr val="bg1"/>
           </a:solidFill>
           <a:ln>
             <a:solidFill>
@@ -5908,60 +4971,21 @@
                 <a:ea typeface="Helvetica" charset="0"/>
                 <a:cs typeface="Helvetica" charset="0"/>
               </a:rPr>
-              <a:t>Alias</a:t>
-            </a:r>
-          </a:p>
-        </p:txBody>
-      </p:sp>
-      <p:cxnSp>
-        <p:nvCxnSpPr>
-          <p:cNvPr id="29" name="Straight Arrow Connector 28"/>
-          <p:cNvCxnSpPr>
-            <a:stCxn id="38" idx="3"/>
-            <a:endCxn id="32" idx="1"/>
-          </p:cNvCxnSpPr>
-          <p:nvPr/>
-        </p:nvCxnSpPr>
-        <p:spPr>
-          <a:xfrm>
-            <a:off x="3920605" y="2053211"/>
-            <a:ext cx="833686" cy="0"/>
-          </a:xfrm>
-          <a:prstGeom prst="straightConnector1">
-            <a:avLst/>
-          </a:prstGeom>
-          <a:ln>
-            <a:solidFill>
-              <a:srgbClr val="000080"/>
-            </a:solidFill>
-            <a:tailEnd type="arrow"/>
-          </a:ln>
-        </p:spPr>
-        <p:style>
-          <a:lnRef idx="1">
-            <a:schemeClr val="accent1"/>
-          </a:lnRef>
-          <a:fillRef idx="0">
-            <a:schemeClr val="accent1"/>
-          </a:fillRef>
-          <a:effectRef idx="0">
-            <a:schemeClr val="accent1"/>
-          </a:effectRef>
-          <a:fontRef idx="minor">
-            <a:schemeClr val="tx1"/>
-          </a:fontRef>
-        </p:style>
-      </p:cxnSp>
-      <p:sp>
-        <p:nvSpPr>
-          <p:cNvPr id="32" name="Rectangle 31"/>
+              <a:t>xsd:string</a:t>
+            </a:r>
+          </a:p>
+        </p:txBody>
+      </p:sp>
+      <p:sp>
+        <p:nvSpPr>
+          <p:cNvPr id="40" name="Rectangle 39"/>
           <p:cNvSpPr/>
           <p:nvPr/>
         </p:nvSpPr>
         <p:spPr>
           <a:xfrm>
-            <a:off x="4754291" y="1721026"/>
-            <a:ext cx="1103709" cy="664369"/>
+            <a:off x="642492" y="1652212"/>
+            <a:ext cx="1103709" cy="411497"/>
           </a:xfrm>
           <a:prstGeom prst="rect">
             <a:avLst/>
@@ -6005,21 +5029,59 @@
                 <a:ea typeface="Helvetica" charset="0"/>
                 <a:cs typeface="Helvetica" charset="0"/>
               </a:rPr>
-              <a:t>geo:Geocode</a:t>
-            </a:r>
-          </a:p>
-        </p:txBody>
-      </p:sp>
-      <p:sp>
-        <p:nvSpPr>
-          <p:cNvPr id="33" name="TextBox 32"/>
+              <a:t>xsd:dateTime</a:t>
+            </a:r>
+          </a:p>
+        </p:txBody>
+      </p:sp>
+      <p:cxnSp>
+        <p:nvCxnSpPr>
+          <p:cNvPr id="46" name="Straight Arrow Connector 45"/>
+          <p:cNvCxnSpPr>
+            <a:endCxn id="40" idx="3"/>
+          </p:cNvCxnSpPr>
+          <p:nvPr/>
+        </p:nvCxnSpPr>
+        <p:spPr>
+          <a:xfrm flipH="1" flipV="1">
+            <a:off x="1746201" y="1857961"/>
+            <a:ext cx="1070697" cy="1504014"/>
+          </a:xfrm>
+          <a:prstGeom prst="straightConnector1">
+            <a:avLst/>
+          </a:prstGeom>
+          <a:ln>
+            <a:solidFill>
+              <a:srgbClr val="000080"/>
+            </a:solidFill>
+            <a:tailEnd type="arrow"/>
+          </a:ln>
+        </p:spPr>
+        <p:style>
+          <a:lnRef idx="1">
+            <a:schemeClr val="accent1"/>
+          </a:lnRef>
+          <a:fillRef idx="0">
+            <a:schemeClr val="accent1"/>
+          </a:fillRef>
+          <a:effectRef idx="0">
+            <a:schemeClr val="accent1"/>
+          </a:effectRef>
+          <a:fontRef idx="minor">
+            <a:schemeClr val="tx1"/>
+          </a:fontRef>
+        </p:style>
+      </p:cxnSp>
+      <p:sp>
+        <p:nvSpPr>
+          <p:cNvPr id="24" name="TextBox 23"/>
           <p:cNvSpPr txBox="1"/>
           <p:nvPr/>
         </p:nvSpPr>
         <p:spPr>
           <a:xfrm>
-            <a:off x="4049875" y="1819395"/>
-            <a:ext cx="575146" cy="467629"/>
+            <a:off x="1400732" y="2394160"/>
+            <a:ext cx="1234312" cy="155877"/>
           </a:xfrm>
           <a:prstGeom prst="rect">
             <a:avLst/>
@@ -6029,13 +5091,117 @@
           </a:solidFill>
         </p:spPr>
         <p:txBody>
-          <a:bodyPr wrap="square" lIns="0" tIns="0" rIns="0" bIns="0" rtlCol="0">
+          <a:bodyPr wrap="none" lIns="0" tIns="0" rIns="0" bIns="0" rtlCol="0">
             <a:spAutoFit/>
           </a:bodyPr>
           <a:lstStyle/>
           <a:p>
             <a:pPr algn="ctr"/>
             <a:r>
+              <a:rPr lang="en-US" sz="1013" dirty="0">
+                <a:latin typeface="Helvetica" charset="0"/>
+                <a:ea typeface="Helvetica" charset="0"/>
+                <a:cs typeface="Helvetica" charset="0"/>
+              </a:rPr>
+              <a:t>has </a:t>
+            </a:r>
+            <a:r>
+              <a:rPr lang="en-US" sz="1013" dirty="0" smtClean="0">
+                <a:latin typeface="Helvetica" charset="0"/>
+                <a:ea typeface="Helvetica" charset="0"/>
+                <a:cs typeface="Helvetica" charset="0"/>
+              </a:rPr>
+              <a:t>date retired </a:t>
+            </a:r>
+            <a:r>
+              <a:rPr lang="en-US" sz="1013" dirty="0">
+                <a:latin typeface="Helvetica" charset="0"/>
+                <a:ea typeface="Helvetica" charset="0"/>
+                <a:cs typeface="Helvetica" charset="0"/>
+              </a:rPr>
+              <a:t>[0..1]</a:t>
+            </a:r>
+          </a:p>
+        </p:txBody>
+      </p:sp>
+      <p:sp>
+        <p:nvSpPr>
+          <p:cNvPr id="48" name="TextBox 47"/>
+          <p:cNvSpPr txBox="1"/>
+          <p:nvPr/>
+        </p:nvSpPr>
+        <p:spPr>
+          <a:xfrm>
+            <a:off x="1203132" y="2171000"/>
+            <a:ext cx="1154162" cy="155877"/>
+          </a:xfrm>
+          <a:prstGeom prst="rect">
+            <a:avLst/>
+          </a:prstGeom>
+          <a:solidFill>
+            <a:srgbClr val="F1F1F2"/>
+          </a:solidFill>
+        </p:spPr>
+        <p:txBody>
+          <a:bodyPr wrap="none" lIns="0" tIns="0" rIns="0" bIns="0" rtlCol="0">
+            <a:spAutoFit/>
+          </a:bodyPr>
+          <a:lstStyle/>
+          <a:p>
+            <a:pPr algn="ctr"/>
+            <a:r>
+              <a:rPr lang="en-US" sz="1013" dirty="0">
+                <a:latin typeface="Helvetica" charset="0"/>
+                <a:ea typeface="Helvetica" charset="0"/>
+                <a:cs typeface="Helvetica" charset="0"/>
+              </a:rPr>
+              <a:t>has </a:t>
+            </a:r>
+            <a:r>
+              <a:rPr lang="en-US" sz="1013" dirty="0" smtClean="0">
+                <a:latin typeface="Helvetica" charset="0"/>
+                <a:ea typeface="Helvetica" charset="0"/>
+                <a:cs typeface="Helvetica" charset="0"/>
+              </a:rPr>
+              <a:t>date created </a:t>
+            </a:r>
+            <a:r>
+              <a:rPr lang="en-US" sz="1013" dirty="0">
+                <a:latin typeface="Helvetica" charset="0"/>
+                <a:ea typeface="Helvetica" charset="0"/>
+                <a:cs typeface="Helvetica" charset="0"/>
+              </a:rPr>
+              <a:t>[1]</a:t>
+            </a:r>
+          </a:p>
+        </p:txBody>
+      </p:sp>
+      <p:sp>
+        <p:nvSpPr>
+          <p:cNvPr id="58" name="TextBox 57"/>
+          <p:cNvSpPr txBox="1"/>
+          <p:nvPr/>
+        </p:nvSpPr>
+        <p:spPr>
+          <a:xfrm>
+            <a:off x="4107999" y="3535555"/>
+            <a:ext cx="509755" cy="311752"/>
+          </a:xfrm>
+          <a:prstGeom prst="rect">
+            <a:avLst/>
+          </a:prstGeom>
+          <a:solidFill>
+            <a:srgbClr val="F1F1F2"/>
+          </a:solidFill>
+        </p:spPr>
+        <p:txBody>
+          <a:bodyPr wrap="none" lIns="0" tIns="0" rIns="0" bIns="0" rtlCol="0">
+            <a:spAutoFit/>
+          </a:bodyPr>
+          <a:lstStyle/>
+          <a:p>
+            <a:pPr algn="ctr"/>
+            <a:r>
               <a:rPr lang="en-US" sz="1013">
                 <a:latin typeface="Helvetica" charset="0"/>
                 <a:ea typeface="Helvetica" charset="0"/>
@@ -6056,35 +5222,20 @@
                 <a:ea typeface="Helvetica" charset="0"/>
                 <a:cs typeface="Helvetica" charset="0"/>
               </a:rPr>
-              <a:t>geometry</a:t>
-            </a:r>
-            <a:br>
-              <a:rPr lang="en-US" sz="1013">
-                <a:latin typeface="Helvetica" charset="0"/>
-                <a:ea typeface="Helvetica" charset="0"/>
-                <a:cs typeface="Helvetica" charset="0"/>
-              </a:rPr>
-            </a:br>
-            <a:r>
-              <a:rPr lang="en-US" sz="1013">
-                <a:latin typeface="Helvetica" charset="0"/>
-                <a:ea typeface="Helvetica" charset="0"/>
-                <a:cs typeface="Helvetica" charset="0"/>
-              </a:rPr>
-              <a:t>[1]</a:t>
-            </a:r>
-          </a:p>
-        </p:txBody>
-      </p:sp>
-      <p:sp>
-        <p:nvSpPr>
-          <p:cNvPr id="34" name="Rectangle 33"/>
+              <a:t>street [1]</a:t>
+            </a:r>
+          </a:p>
+        </p:txBody>
+      </p:sp>
+      <p:sp>
+        <p:nvSpPr>
+          <p:cNvPr id="60" name="Rectangle 59"/>
           <p:cNvSpPr/>
           <p:nvPr/>
         </p:nvSpPr>
         <p:spPr>
           <a:xfrm>
-            <a:off x="4753197" y="5951251"/>
+            <a:off x="418319" y="5524651"/>
             <a:ext cx="1103709" cy="664369"/>
           </a:xfrm>
           <a:prstGeom prst="rect">
@@ -6129,60 +5280,21 @@
                 <a:ea typeface="Helvetica" charset="0"/>
                 <a:cs typeface="Helvetica" charset="0"/>
               </a:rPr>
-              <a:t>GNAF Confidence</a:t>
-            </a:r>
-          </a:p>
-        </p:txBody>
-      </p:sp>
-      <p:cxnSp>
-        <p:nvCxnSpPr>
-          <p:cNvPr id="35" name="Straight Arrow Connector 34"/>
-          <p:cNvCxnSpPr>
-            <a:stCxn id="36" idx="3"/>
-            <a:endCxn id="34" idx="0"/>
-          </p:cNvCxnSpPr>
-          <p:nvPr/>
-        </p:nvCxnSpPr>
-        <p:spPr>
-          <a:xfrm>
-            <a:off x="3918735" y="4985997"/>
-            <a:ext cx="1386317" cy="965254"/>
-          </a:xfrm>
-          <a:prstGeom prst="straightConnector1">
-            <a:avLst/>
-          </a:prstGeom>
-          <a:ln>
-            <a:solidFill>
-              <a:srgbClr val="000080"/>
-            </a:solidFill>
-            <a:tailEnd type="arrow"/>
-          </a:ln>
-        </p:spPr>
-        <p:style>
-          <a:lnRef idx="1">
-            <a:schemeClr val="accent1"/>
-          </a:lnRef>
-          <a:fillRef idx="0">
-            <a:schemeClr val="accent1"/>
-          </a:fillRef>
-          <a:effectRef idx="0">
-            <a:schemeClr val="accent1"/>
-          </a:effectRef>
-          <a:fontRef idx="minor">
-            <a:schemeClr val="tx1"/>
-          </a:fontRef>
-        </p:style>
-      </p:cxnSp>
-      <p:sp>
-        <p:nvSpPr>
-          <p:cNvPr id="37" name="TextBox 36"/>
+              <a:t>Locality</a:t>
+            </a:r>
+          </a:p>
+        </p:txBody>
+      </p:sp>
+      <p:sp>
+        <p:nvSpPr>
+          <p:cNvPr id="32" name="TextBox 31"/>
           <p:cNvSpPr txBox="1"/>
           <p:nvPr/>
         </p:nvSpPr>
         <p:spPr>
           <a:xfrm>
-            <a:off x="4336901" y="5345380"/>
-            <a:ext cx="812722" cy="311752"/>
+            <a:off x="4125717" y="2110181"/>
+            <a:ext cx="587175" cy="467629"/>
           </a:xfrm>
           <a:prstGeom prst="rect">
             <a:avLst/>
@@ -6192,129 +5304,39 @@
           </a:solidFill>
         </p:spPr>
         <p:txBody>
-          <a:bodyPr wrap="none" lIns="0" tIns="0" rIns="0" bIns="0" rtlCol="0">
+          <a:bodyPr wrap="square" lIns="0" tIns="0" rIns="0" bIns="0" rtlCol="0">
             <a:spAutoFit/>
           </a:bodyPr>
           <a:lstStyle/>
           <a:p>
             <a:pPr algn="ctr"/>
             <a:r>
-              <a:rPr lang="en-US" sz="1013">
-                <a:latin typeface="Helvetica" charset="0"/>
-                <a:ea typeface="Helvetica" charset="0"/>
-                <a:cs typeface="Helvetica" charset="0"/>
-              </a:rPr>
-              <a:t>has GNAF</a:t>
-            </a:r>
-            <a:br>
-              <a:rPr lang="en-US" sz="1013">
-                <a:latin typeface="Helvetica" charset="0"/>
-                <a:ea typeface="Helvetica" charset="0"/>
-                <a:cs typeface="Helvetica" charset="0"/>
-              </a:rPr>
-            </a:br>
-            <a:r>
-              <a:rPr lang="en-US" sz="1013">
-                <a:latin typeface="Helvetica" charset="0"/>
-                <a:ea typeface="Helvetica" charset="0"/>
-                <a:cs typeface="Helvetica" charset="0"/>
-              </a:rPr>
-              <a:t>confidence [1]</a:t>
-            </a:r>
-          </a:p>
-        </p:txBody>
-      </p:sp>
-      <p:cxnSp>
-        <p:nvCxnSpPr>
-          <p:cNvPr id="26" name="Straight Arrow Connector 25"/>
-          <p:cNvCxnSpPr>
-            <a:stCxn id="44" idx="3"/>
-            <a:endCxn id="19" idx="1"/>
-          </p:cNvCxnSpPr>
-          <p:nvPr/>
-        </p:nvCxnSpPr>
-        <p:spPr>
-          <a:xfrm>
-            <a:off x="3920605" y="3688556"/>
-            <a:ext cx="832592" cy="1027025"/>
-          </a:xfrm>
-          <a:prstGeom prst="straightConnector1">
-            <a:avLst/>
-          </a:prstGeom>
-          <a:ln>
-            <a:solidFill>
-              <a:srgbClr val="000080"/>
-            </a:solidFill>
-            <a:tailEnd type="arrow"/>
-          </a:ln>
-        </p:spPr>
-        <p:style>
-          <a:lnRef idx="1">
-            <a:schemeClr val="accent1"/>
-          </a:lnRef>
-          <a:fillRef idx="0">
-            <a:schemeClr val="accent1"/>
-          </a:fillRef>
-          <a:effectRef idx="0">
-            <a:schemeClr val="accent1"/>
-          </a:effectRef>
-          <a:fontRef idx="minor">
-            <a:schemeClr val="tx1"/>
-          </a:fontRef>
-        </p:style>
-      </p:cxnSp>
-      <p:sp>
-        <p:nvSpPr>
-          <p:cNvPr id="57" name="TextBox 56"/>
-          <p:cNvSpPr txBox="1"/>
-          <p:nvPr/>
-        </p:nvSpPr>
-        <p:spPr>
-          <a:xfrm>
-            <a:off x="3811078" y="4090968"/>
-            <a:ext cx="1099660" cy="155877"/>
-          </a:xfrm>
-          <a:prstGeom prst="rect">
-            <a:avLst/>
-          </a:prstGeom>
-          <a:solidFill>
-            <a:srgbClr val="F1F1F2"/>
-          </a:solidFill>
-        </p:spPr>
-        <p:txBody>
-          <a:bodyPr wrap="none" lIns="0" tIns="0" rIns="0" bIns="0" rtlCol="0">
-            <a:spAutoFit/>
-          </a:bodyPr>
-          <a:lstStyle/>
-          <a:p>
-            <a:pPr algn="ctr"/>
-            <a:r>
-              <a:rPr lang="en-US" sz="1013">
-                <a:latin typeface="Helvetica" charset="0"/>
-                <a:ea typeface="Helvetica" charset="0"/>
-                <a:cs typeface="Helvetica" charset="0"/>
-              </a:rPr>
-              <a:t>has street suffix [1]</a:t>
-            </a:r>
-          </a:p>
-        </p:txBody>
-      </p:sp>
-      <p:sp>
-        <p:nvSpPr>
-          <p:cNvPr id="38" name="Rectangle 37"/>
+              <a:rPr lang="en-US" sz="1013" dirty="0">
+                <a:latin typeface="Helvetica" charset="0"/>
+                <a:ea typeface="Helvetica" charset="0"/>
+                <a:cs typeface="Helvetica" charset="0"/>
+              </a:rPr>
+              <a:t>has geometry [1]</a:t>
+            </a:r>
+          </a:p>
+        </p:txBody>
+      </p:sp>
+      <p:sp>
+        <p:nvSpPr>
+          <p:cNvPr id="33" name="Rectangle 32"/>
           <p:cNvSpPr/>
           <p:nvPr/>
         </p:nvSpPr>
         <p:spPr>
           <a:xfrm>
-            <a:off x="2816896" y="1721026"/>
+            <a:off x="4753196" y="4653811"/>
             <a:ext cx="1103709" cy="664369"/>
           </a:xfrm>
           <a:prstGeom prst="rect">
             <a:avLst/>
           </a:prstGeom>
           <a:solidFill>
-            <a:schemeClr val="bg1"/>
+            <a:srgbClr val="F4FFFF"/>
           </a:solidFill>
           <a:ln>
             <a:solidFill>
@@ -6352,24 +5374,828 @@
                 <a:ea typeface="Helvetica" charset="0"/>
                 <a:cs typeface="Helvetica" charset="0"/>
               </a:rPr>
-              <a:t>geo:Feature</a:t>
+              <a:t>GNAF Confidence</a:t>
             </a:r>
           </a:p>
         </p:txBody>
       </p:sp>
       <p:cxnSp>
         <p:nvCxnSpPr>
-          <p:cNvPr id="39" name="Straight Arrow Connector 38"/>
+          <p:cNvPr id="34" name="Straight Arrow Connector 33"/>
+          <p:cNvCxnSpPr/>
+          <p:nvPr/>
+        </p:nvCxnSpPr>
+        <p:spPr>
+          <a:xfrm>
+            <a:off x="3917303" y="4020740"/>
+            <a:ext cx="829289" cy="633071"/>
+          </a:xfrm>
+          <a:prstGeom prst="straightConnector1">
+            <a:avLst/>
+          </a:prstGeom>
+          <a:ln>
+            <a:solidFill>
+              <a:srgbClr val="000080"/>
+            </a:solidFill>
+            <a:tailEnd type="arrow"/>
+          </a:ln>
+        </p:spPr>
+        <p:style>
+          <a:lnRef idx="1">
+            <a:schemeClr val="accent1"/>
+          </a:lnRef>
+          <a:fillRef idx="0">
+            <a:schemeClr val="accent1"/>
+          </a:fillRef>
+          <a:effectRef idx="0">
+            <a:schemeClr val="accent1"/>
+          </a:effectRef>
+          <a:fontRef idx="minor">
+            <a:schemeClr val="tx1"/>
+          </a:fontRef>
+        </p:style>
+      </p:cxnSp>
+      <p:sp>
+        <p:nvSpPr>
+          <p:cNvPr id="57" name="TextBox 56"/>
+          <p:cNvSpPr txBox="1"/>
+          <p:nvPr/>
+        </p:nvSpPr>
+        <p:spPr>
+          <a:xfrm>
+            <a:off x="4215229" y="4398200"/>
+            <a:ext cx="1458734" cy="155877"/>
+          </a:xfrm>
+          <a:prstGeom prst="rect">
+            <a:avLst/>
+          </a:prstGeom>
+          <a:solidFill>
+            <a:srgbClr val="F1F1F2"/>
+          </a:solidFill>
+        </p:spPr>
+        <p:txBody>
+          <a:bodyPr wrap="none" lIns="0" tIns="0" rIns="0" bIns="0" rtlCol="0">
+            <a:spAutoFit/>
+          </a:bodyPr>
+          <a:lstStyle/>
+          <a:p>
+            <a:pPr algn="ctr"/>
+            <a:r>
+              <a:rPr lang="en-US" sz="1013">
+                <a:latin typeface="Helvetica" charset="0"/>
+                <a:ea typeface="Helvetica" charset="0"/>
+                <a:cs typeface="Helvetica" charset="0"/>
+              </a:rPr>
+              <a:t>has GNAF confidence [1]</a:t>
+            </a:r>
+          </a:p>
+        </p:txBody>
+      </p:sp>
+      <p:sp>
+        <p:nvSpPr>
+          <p:cNvPr id="45" name="Rectangle 44"/>
+          <p:cNvSpPr/>
+          <p:nvPr/>
+        </p:nvSpPr>
+        <p:spPr>
+          <a:xfrm>
+            <a:off x="4753196" y="5515711"/>
+            <a:ext cx="1103709" cy="664369"/>
+          </a:xfrm>
+          <a:prstGeom prst="rect">
+            <a:avLst/>
+          </a:prstGeom>
+          <a:solidFill>
+            <a:srgbClr val="F4FFFF"/>
+          </a:solidFill>
+          <a:ln>
+            <a:solidFill>
+              <a:srgbClr val="000080"/>
+            </a:solidFill>
+          </a:ln>
+        </p:spPr>
+        <p:style>
+          <a:lnRef idx="2">
+            <a:schemeClr val="accent1">
+              <a:shade val="50000"/>
+            </a:schemeClr>
+          </a:lnRef>
+          <a:fillRef idx="1">
+            <a:schemeClr val="accent1"/>
+          </a:fillRef>
+          <a:effectRef idx="0">
+            <a:schemeClr val="accent1"/>
+          </a:effectRef>
+          <a:fontRef idx="minor">
+            <a:schemeClr val="lt1"/>
+          </a:fontRef>
+        </p:style>
+        <p:txBody>
+          <a:bodyPr rtlCol="0" anchor="ctr"/>
+          <a:lstStyle/>
+          <a:p>
+            <a:pPr algn="ctr"/>
+            <a:r>
+              <a:rPr lang="en-US" sz="1013" b="1">
+                <a:solidFill>
+                  <a:srgbClr val="005C84"/>
+                </a:solidFill>
+                <a:latin typeface="Helvetica" charset="0"/>
+                <a:ea typeface="Helvetica" charset="0"/>
+                <a:cs typeface="Helvetica" charset="0"/>
+              </a:rPr>
+              <a:t>ISO 19160-1 Address</a:t>
+            </a:r>
+          </a:p>
+        </p:txBody>
+      </p:sp>
+      <p:sp>
+        <p:nvSpPr>
+          <p:cNvPr id="51" name="Rectangle 50"/>
+          <p:cNvSpPr/>
+          <p:nvPr/>
+        </p:nvSpPr>
+        <p:spPr>
+          <a:xfrm>
+            <a:off x="4753196" y="2478884"/>
+            <a:ext cx="1103709" cy="411497"/>
+          </a:xfrm>
+          <a:prstGeom prst="rect">
+            <a:avLst/>
+          </a:prstGeom>
+          <a:solidFill>
+            <a:schemeClr val="bg1"/>
+          </a:solidFill>
+          <a:ln>
+            <a:solidFill>
+              <a:srgbClr val="000080"/>
+            </a:solidFill>
+          </a:ln>
+        </p:spPr>
+        <p:style>
+          <a:lnRef idx="2">
+            <a:schemeClr val="accent1">
+              <a:shade val="50000"/>
+            </a:schemeClr>
+          </a:lnRef>
+          <a:fillRef idx="1">
+            <a:schemeClr val="accent1"/>
+          </a:fillRef>
+          <a:effectRef idx="0">
+            <a:schemeClr val="accent1"/>
+          </a:effectRef>
+          <a:fontRef idx="minor">
+            <a:schemeClr val="lt1"/>
+          </a:fontRef>
+        </p:style>
+        <p:txBody>
+          <a:bodyPr rtlCol="0" anchor="ctr"/>
+          <a:lstStyle/>
+          <a:p>
+            <a:pPr algn="ctr"/>
+            <a:r>
+              <a:rPr lang="en-US" sz="1013" b="1">
+                <a:solidFill>
+                  <a:srgbClr val="005C84"/>
+                </a:solidFill>
+                <a:latin typeface="Helvetica" charset="0"/>
+                <a:ea typeface="Helvetica" charset="0"/>
+                <a:cs typeface="Helvetica" charset="0"/>
+              </a:rPr>
+              <a:t>xsd:boolean</a:t>
+            </a:r>
+          </a:p>
+        </p:txBody>
+      </p:sp>
+      <p:cxnSp>
+        <p:nvCxnSpPr>
+          <p:cNvPr id="52" name="Straight Arrow Connector 51"/>
+          <p:cNvCxnSpPr/>
+          <p:nvPr/>
+        </p:nvCxnSpPr>
+        <p:spPr>
+          <a:xfrm flipV="1">
+            <a:off x="3920605" y="2890381"/>
+            <a:ext cx="825987" cy="465990"/>
+          </a:xfrm>
+          <a:prstGeom prst="straightConnector1">
+            <a:avLst/>
+          </a:prstGeom>
+          <a:ln>
+            <a:solidFill>
+              <a:srgbClr val="000080"/>
+            </a:solidFill>
+            <a:tailEnd type="arrow"/>
+          </a:ln>
+        </p:spPr>
+        <p:style>
+          <a:lnRef idx="1">
+            <a:schemeClr val="accent1"/>
+          </a:lnRef>
+          <a:fillRef idx="0">
+            <a:schemeClr val="accent1"/>
+          </a:fillRef>
+          <a:effectRef idx="0">
+            <a:schemeClr val="accent1"/>
+          </a:effectRef>
+          <a:fontRef idx="minor">
+            <a:schemeClr val="tx1"/>
+          </a:fontRef>
+        </p:style>
+      </p:cxnSp>
+      <p:sp>
+        <p:nvSpPr>
+          <p:cNvPr id="56" name="TextBox 55"/>
+          <p:cNvSpPr txBox="1"/>
+          <p:nvPr/>
+        </p:nvSpPr>
+        <p:spPr>
+          <a:xfrm>
+            <a:off x="3921758" y="3037454"/>
+            <a:ext cx="1147751" cy="155877"/>
+          </a:xfrm>
+          <a:prstGeom prst="rect">
+            <a:avLst/>
+          </a:prstGeom>
+          <a:solidFill>
+            <a:srgbClr val="F1F1F2"/>
+          </a:solidFill>
+        </p:spPr>
+        <p:txBody>
+          <a:bodyPr wrap="none" lIns="0" tIns="0" rIns="0" bIns="0" rtlCol="0">
+            <a:spAutoFit/>
+          </a:bodyPr>
+          <a:lstStyle/>
+          <a:p>
+            <a:pPr algn="ctr"/>
+            <a:r>
+              <a:rPr lang="en-US" sz="1013">
+                <a:latin typeface="Helvetica" charset="0"/>
+                <a:ea typeface="Helvetica" charset="0"/>
+                <a:cs typeface="Helvetica" charset="0"/>
+              </a:rPr>
+              <a:t>has private street[1]</a:t>
+            </a:r>
+          </a:p>
+        </p:txBody>
+      </p:sp>
+      <p:sp>
+        <p:nvSpPr>
+          <p:cNvPr id="66" name="Rectangle 65"/>
+          <p:cNvSpPr/>
+          <p:nvPr/>
+        </p:nvSpPr>
+        <p:spPr>
+          <a:xfrm>
+            <a:off x="1622463" y="5515713"/>
+            <a:ext cx="1103709" cy="664369"/>
+          </a:xfrm>
+          <a:prstGeom prst="rect">
+            <a:avLst/>
+          </a:prstGeom>
+          <a:solidFill>
+            <a:srgbClr val="F4FFFF"/>
+          </a:solidFill>
+          <a:ln>
+            <a:solidFill>
+              <a:srgbClr val="000080"/>
+            </a:solidFill>
+          </a:ln>
+        </p:spPr>
+        <p:style>
+          <a:lnRef idx="2">
+            <a:schemeClr val="accent1">
+              <a:shade val="50000"/>
+            </a:schemeClr>
+          </a:lnRef>
+          <a:fillRef idx="1">
+            <a:schemeClr val="accent1"/>
+          </a:fillRef>
+          <a:effectRef idx="0">
+            <a:schemeClr val="accent1"/>
+          </a:effectRef>
+          <a:fontRef idx="minor">
+            <a:schemeClr val="lt1"/>
+          </a:fontRef>
+        </p:style>
+        <p:txBody>
+          <a:bodyPr rtlCol="0" anchor="ctr"/>
+          <a:lstStyle/>
+          <a:p>
+            <a:pPr algn="ctr"/>
+            <a:r>
+              <a:rPr lang="en-US" sz="1013" b="1">
+                <a:solidFill>
+                  <a:srgbClr val="005C84"/>
+                </a:solidFill>
+                <a:latin typeface="Helvetica" charset="0"/>
+                <a:ea typeface="Helvetica" charset="0"/>
+                <a:cs typeface="Helvetica" charset="0"/>
+              </a:rPr>
+              <a:t>Number</a:t>
+            </a:r>
+          </a:p>
+        </p:txBody>
+      </p:sp>
+      <p:cxnSp>
+        <p:nvCxnSpPr>
+          <p:cNvPr id="67" name="Straight Arrow Connector 66"/>
+          <p:cNvCxnSpPr>
+            <a:endCxn id="66" idx="0"/>
+          </p:cNvCxnSpPr>
+          <p:nvPr/>
+        </p:nvCxnSpPr>
+        <p:spPr>
+          <a:xfrm flipH="1">
+            <a:off x="2174318" y="4032175"/>
+            <a:ext cx="909637" cy="1483538"/>
+          </a:xfrm>
+          <a:prstGeom prst="straightConnector1">
+            <a:avLst/>
+          </a:prstGeom>
+          <a:ln>
+            <a:solidFill>
+              <a:srgbClr val="000080"/>
+            </a:solidFill>
+            <a:tailEnd type="arrow"/>
+          </a:ln>
+        </p:spPr>
+        <p:style>
+          <a:lnRef idx="1">
+            <a:schemeClr val="accent1"/>
+          </a:lnRef>
+          <a:fillRef idx="0">
+            <a:schemeClr val="accent1"/>
+          </a:fillRef>
+          <a:effectRef idx="0">
+            <a:schemeClr val="accent1"/>
+          </a:effectRef>
+          <a:fontRef idx="minor">
+            <a:schemeClr val="tx1"/>
+          </a:fontRef>
+        </p:style>
+      </p:cxnSp>
+      <p:sp>
+        <p:nvSpPr>
+          <p:cNvPr id="69" name="TextBox 68"/>
+          <p:cNvSpPr txBox="1"/>
+          <p:nvPr/>
+        </p:nvSpPr>
+        <p:spPr>
+          <a:xfrm>
+            <a:off x="2216851" y="5115121"/>
+            <a:ext cx="867647" cy="311752"/>
+          </a:xfrm>
+          <a:prstGeom prst="rect">
+            <a:avLst/>
+          </a:prstGeom>
+          <a:solidFill>
+            <a:srgbClr val="F1F1F2"/>
+          </a:solidFill>
+        </p:spPr>
+        <p:txBody>
+          <a:bodyPr wrap="square" lIns="0" tIns="0" rIns="0" bIns="0" rtlCol="0">
+            <a:spAutoFit/>
+          </a:bodyPr>
+          <a:lstStyle/>
+          <a:p>
+            <a:pPr algn="ctr"/>
+            <a:r>
+              <a:rPr lang="en-US" sz="1013" dirty="0">
+                <a:latin typeface="Helvetica" charset="0"/>
+                <a:ea typeface="Helvetica" charset="0"/>
+                <a:cs typeface="Helvetica" charset="0"/>
+              </a:rPr>
+              <a:t>has number [0..5]</a:t>
+            </a:r>
+          </a:p>
+        </p:txBody>
+      </p:sp>
+      <p:cxnSp>
+        <p:nvCxnSpPr>
+          <p:cNvPr id="35" name="Straight Arrow Connector 34"/>
+          <p:cNvCxnSpPr>
+            <a:stCxn id="37" idx="0"/>
+            <a:endCxn id="44" idx="2"/>
+          </p:cNvCxnSpPr>
+          <p:nvPr/>
+        </p:nvCxnSpPr>
+        <p:spPr>
+          <a:xfrm flipV="1">
+            <a:off x="3364170" y="4020740"/>
+            <a:ext cx="4581" cy="1494971"/>
+          </a:xfrm>
+          <a:prstGeom prst="straightConnector1">
+            <a:avLst/>
+          </a:prstGeom>
+          <a:ln>
+            <a:solidFill>
+              <a:srgbClr val="000080"/>
+            </a:solidFill>
+            <a:tailEnd type="arrow"/>
+          </a:ln>
+        </p:spPr>
+        <p:style>
+          <a:lnRef idx="1">
+            <a:schemeClr val="accent1"/>
+          </a:lnRef>
+          <a:fillRef idx="0">
+            <a:schemeClr val="accent1"/>
+          </a:fillRef>
+          <a:effectRef idx="0">
+            <a:schemeClr val="accent1"/>
+          </a:effectRef>
+          <a:fontRef idx="minor">
+            <a:schemeClr val="tx1"/>
+          </a:fontRef>
+        </p:style>
+      </p:cxnSp>
+      <p:sp>
+        <p:nvSpPr>
+          <p:cNvPr id="36" name="TextBox 35"/>
+          <p:cNvSpPr txBox="1"/>
+          <p:nvPr/>
+        </p:nvSpPr>
+        <p:spPr>
+          <a:xfrm>
+            <a:off x="2732777" y="4684031"/>
+            <a:ext cx="822341" cy="155877"/>
+          </a:xfrm>
+          <a:prstGeom prst="rect">
+            <a:avLst/>
+          </a:prstGeom>
+          <a:solidFill>
+            <a:srgbClr val="F1F1F2"/>
+          </a:solidFill>
+        </p:spPr>
+        <p:txBody>
+          <a:bodyPr wrap="none" lIns="0" tIns="0" rIns="0" bIns="0" rtlCol="0">
+            <a:spAutoFit/>
+          </a:bodyPr>
+          <a:lstStyle/>
+          <a:p>
+            <a:pPr algn="ctr"/>
+            <a:r>
+              <a:rPr lang="en-US" sz="1013">
+                <a:latin typeface="Helvetica" charset="0"/>
+                <a:ea typeface="Helvetica" charset="0"/>
+                <a:cs typeface="Helvetica" charset="0"/>
+              </a:rPr>
+              <a:t>has alias [0..*]</a:t>
+            </a:r>
+          </a:p>
+        </p:txBody>
+      </p:sp>
+      <p:sp>
+        <p:nvSpPr>
+          <p:cNvPr id="37" name="Rectangle 36"/>
+          <p:cNvSpPr/>
+          <p:nvPr/>
+        </p:nvSpPr>
+        <p:spPr>
+          <a:xfrm>
+            <a:off x="2812315" y="5515711"/>
+            <a:ext cx="1103709" cy="664369"/>
+          </a:xfrm>
+          <a:prstGeom prst="rect">
+            <a:avLst/>
+          </a:prstGeom>
+          <a:solidFill>
+            <a:srgbClr val="F4FFFF"/>
+          </a:solidFill>
+          <a:ln>
+            <a:solidFill>
+              <a:srgbClr val="000080"/>
+            </a:solidFill>
+          </a:ln>
+        </p:spPr>
+        <p:style>
+          <a:lnRef idx="2">
+            <a:schemeClr val="accent1">
+              <a:shade val="50000"/>
+            </a:schemeClr>
+          </a:lnRef>
+          <a:fillRef idx="1">
+            <a:schemeClr val="accent1"/>
+          </a:fillRef>
+          <a:effectRef idx="0">
+            <a:schemeClr val="accent1"/>
+          </a:effectRef>
+          <a:fontRef idx="minor">
+            <a:schemeClr val="lt1"/>
+          </a:fontRef>
+        </p:style>
+        <p:txBody>
+          <a:bodyPr rtlCol="0" anchor="ctr"/>
+          <a:lstStyle/>
+          <a:p>
+            <a:pPr algn="ctr"/>
+            <a:r>
+              <a:rPr lang="en-US" sz="1013" b="1">
+                <a:solidFill>
+                  <a:srgbClr val="005C84"/>
+                </a:solidFill>
+                <a:latin typeface="Helvetica" charset="0"/>
+                <a:ea typeface="Helvetica" charset="0"/>
+                <a:cs typeface="Helvetica" charset="0"/>
+              </a:rPr>
+              <a:t>Alias</a:t>
+            </a:r>
+          </a:p>
+        </p:txBody>
+      </p:sp>
+      <p:cxnSp>
+        <p:nvCxnSpPr>
+          <p:cNvPr id="61" name="Straight Arrow Connector 60"/>
+          <p:cNvCxnSpPr>
+            <a:endCxn id="60" idx="0"/>
+          </p:cNvCxnSpPr>
+          <p:nvPr/>
+        </p:nvCxnSpPr>
+        <p:spPr>
+          <a:xfrm flipH="1">
+            <a:off x="970174" y="4020740"/>
+            <a:ext cx="1849430" cy="1503911"/>
+          </a:xfrm>
+          <a:prstGeom prst="straightConnector1">
+            <a:avLst/>
+          </a:prstGeom>
+          <a:ln>
+            <a:solidFill>
+              <a:srgbClr val="000080"/>
+            </a:solidFill>
+            <a:tailEnd type="arrow"/>
+          </a:ln>
+        </p:spPr>
+        <p:style>
+          <a:lnRef idx="1">
+            <a:schemeClr val="accent1"/>
+          </a:lnRef>
+          <a:fillRef idx="0">
+            <a:schemeClr val="accent1"/>
+          </a:fillRef>
+          <a:effectRef idx="0">
+            <a:schemeClr val="accent1"/>
+          </a:effectRef>
+          <a:fontRef idx="minor">
+            <a:schemeClr val="tx1"/>
+          </a:fontRef>
+        </p:style>
+      </p:cxnSp>
+      <p:sp>
+        <p:nvSpPr>
+          <p:cNvPr id="65" name="TextBox 64"/>
+          <p:cNvSpPr txBox="1"/>
+          <p:nvPr/>
+        </p:nvSpPr>
+        <p:spPr>
+          <a:xfrm>
+            <a:off x="1158435" y="5006056"/>
+            <a:ext cx="867647" cy="155877"/>
+          </a:xfrm>
+          <a:prstGeom prst="rect">
+            <a:avLst/>
+          </a:prstGeom>
+          <a:solidFill>
+            <a:srgbClr val="F1F1F2"/>
+          </a:solidFill>
+        </p:spPr>
+        <p:txBody>
+          <a:bodyPr wrap="square" lIns="0" tIns="0" rIns="0" bIns="0" rtlCol="0">
+            <a:spAutoFit/>
+          </a:bodyPr>
+          <a:lstStyle/>
+          <a:p>
+            <a:pPr algn="ctr"/>
+            <a:r>
+              <a:rPr lang="en-US" sz="1013" dirty="0">
+                <a:latin typeface="Helvetica" charset="0"/>
+                <a:ea typeface="Helvetica" charset="0"/>
+                <a:cs typeface="Helvetica" charset="0"/>
+              </a:rPr>
+              <a:t>has locality [1]</a:t>
+            </a:r>
+          </a:p>
+        </p:txBody>
+      </p:sp>
+      <p:sp>
+        <p:nvSpPr>
+          <p:cNvPr id="38" name="Rectangle 37"/>
+          <p:cNvSpPr/>
+          <p:nvPr/>
+        </p:nvSpPr>
+        <p:spPr>
+          <a:xfrm>
+            <a:off x="4090402" y="6314152"/>
+            <a:ext cx="1103709" cy="664369"/>
+          </a:xfrm>
+          <a:prstGeom prst="rect">
+            <a:avLst/>
+          </a:prstGeom>
+          <a:solidFill>
+            <a:srgbClr val="F4FFFF"/>
+          </a:solidFill>
+          <a:ln>
+            <a:solidFill>
+              <a:srgbClr val="000080"/>
+            </a:solidFill>
+          </a:ln>
+        </p:spPr>
+        <p:style>
+          <a:lnRef idx="2">
+            <a:schemeClr val="accent1">
+              <a:shade val="50000"/>
+            </a:schemeClr>
+          </a:lnRef>
+          <a:fillRef idx="1">
+            <a:schemeClr val="accent1"/>
+          </a:fillRef>
+          <a:effectRef idx="0">
+            <a:schemeClr val="accent1"/>
+          </a:effectRef>
+          <a:fontRef idx="minor">
+            <a:schemeClr val="lt1"/>
+          </a:fontRef>
+        </p:style>
+        <p:txBody>
+          <a:bodyPr rtlCol="0" anchor="ctr"/>
+          <a:lstStyle/>
+          <a:p>
+            <a:pPr algn="ctr"/>
+            <a:r>
+              <a:rPr lang="en-US" sz="1013" b="1">
+                <a:solidFill>
+                  <a:srgbClr val="005C84"/>
+                </a:solidFill>
+                <a:latin typeface="Helvetica" charset="0"/>
+                <a:ea typeface="Helvetica" charset="0"/>
+                <a:cs typeface="Helvetica" charset="0"/>
+              </a:rPr>
+              <a:t>Address Site</a:t>
+            </a:r>
+          </a:p>
+        </p:txBody>
+      </p:sp>
+      <p:cxnSp>
+        <p:nvCxnSpPr>
+          <p:cNvPr id="53" name="Straight Arrow Connector 52"/>
+          <p:cNvCxnSpPr>
+            <a:stCxn id="38" idx="0"/>
+          </p:cNvCxnSpPr>
+          <p:nvPr/>
+        </p:nvCxnSpPr>
+        <p:spPr>
+          <a:xfrm flipH="1" flipV="1">
+            <a:off x="3559520" y="4009715"/>
+            <a:ext cx="1082737" cy="2304437"/>
+          </a:xfrm>
+          <a:prstGeom prst="straightConnector1">
+            <a:avLst/>
+          </a:prstGeom>
+          <a:ln>
+            <a:solidFill>
+              <a:srgbClr val="000080"/>
+            </a:solidFill>
+            <a:tailEnd type="arrow"/>
+          </a:ln>
+        </p:spPr>
+        <p:style>
+          <a:lnRef idx="1">
+            <a:schemeClr val="accent1"/>
+          </a:lnRef>
+          <a:fillRef idx="0">
+            <a:schemeClr val="accent1"/>
+          </a:fillRef>
+          <a:effectRef idx="0">
+            <a:schemeClr val="accent1"/>
+          </a:effectRef>
+          <a:fontRef idx="minor">
+            <a:schemeClr val="tx1"/>
+          </a:fontRef>
+        </p:style>
+      </p:cxnSp>
+      <p:sp>
+        <p:nvSpPr>
+          <p:cNvPr id="39" name="TextBox 38"/>
+          <p:cNvSpPr txBox="1"/>
+          <p:nvPr/>
+        </p:nvSpPr>
+        <p:spPr>
+          <a:xfrm>
+            <a:off x="3972352" y="5668143"/>
+            <a:ext cx="710131" cy="311752"/>
+          </a:xfrm>
+          <a:prstGeom prst="rect">
+            <a:avLst/>
+          </a:prstGeom>
+          <a:solidFill>
+            <a:srgbClr val="F1F1F2"/>
+          </a:solidFill>
+        </p:spPr>
+        <p:txBody>
+          <a:bodyPr wrap="none" lIns="0" tIns="0" rIns="0" bIns="0" rtlCol="0">
+            <a:spAutoFit/>
+          </a:bodyPr>
+          <a:lstStyle/>
+          <a:p>
+            <a:pPr algn="ctr"/>
+            <a:r>
+              <a:rPr lang="en-US" sz="1013" dirty="0">
+                <a:latin typeface="Helvetica" charset="0"/>
+                <a:ea typeface="Helvetica" charset="0"/>
+                <a:cs typeface="Helvetica" charset="0"/>
+              </a:rPr>
+              <a:t>has address</a:t>
+            </a:r>
+            <a:br>
+              <a:rPr lang="en-US" sz="1013" dirty="0">
+                <a:latin typeface="Helvetica" charset="0"/>
+                <a:ea typeface="Helvetica" charset="0"/>
+                <a:cs typeface="Helvetica" charset="0"/>
+              </a:rPr>
+            </a:br>
+            <a:r>
+              <a:rPr lang="en-US" sz="1013" dirty="0">
+                <a:latin typeface="Helvetica" charset="0"/>
+                <a:ea typeface="Helvetica" charset="0"/>
+                <a:cs typeface="Helvetica" charset="0"/>
+              </a:rPr>
+              <a:t>site [0..*]</a:t>
+            </a:r>
+          </a:p>
+        </p:txBody>
+      </p:sp>
+      <p:sp>
+        <p:nvSpPr>
+          <p:cNvPr id="42" name="Rectangle 41"/>
+          <p:cNvSpPr/>
+          <p:nvPr/>
+        </p:nvSpPr>
+        <p:spPr>
+          <a:xfrm>
+            <a:off x="2807804" y="1559913"/>
+            <a:ext cx="1103709" cy="664369"/>
+          </a:xfrm>
+          <a:prstGeom prst="rect">
+            <a:avLst/>
+          </a:prstGeom>
+          <a:solidFill>
+            <a:schemeClr val="bg1"/>
+          </a:solidFill>
+          <a:ln>
+            <a:solidFill>
+              <a:srgbClr val="000080"/>
+            </a:solidFill>
+          </a:ln>
+        </p:spPr>
+        <p:style>
+          <a:lnRef idx="2">
+            <a:schemeClr val="accent1">
+              <a:shade val="50000"/>
+            </a:schemeClr>
+          </a:lnRef>
+          <a:fillRef idx="1">
+            <a:schemeClr val="accent1"/>
+          </a:fillRef>
+          <a:effectRef idx="0">
+            <a:schemeClr val="accent1"/>
+          </a:effectRef>
+          <a:fontRef idx="minor">
+            <a:schemeClr val="lt1"/>
+          </a:fontRef>
+        </p:style>
+        <p:txBody>
+          <a:bodyPr rtlCol="0" anchor="ctr"/>
+          <a:lstStyle/>
+          <a:p>
+            <a:pPr algn="ctr"/>
+            <a:r>
+              <a:rPr lang="en-US" sz="1013" b="1">
+                <a:solidFill>
+                  <a:srgbClr val="005C84"/>
+                </a:solidFill>
+                <a:latin typeface="Helvetica" charset="0"/>
+                <a:ea typeface="Helvetica" charset="0"/>
+                <a:cs typeface="Helvetica" charset="0"/>
+              </a:rPr>
+              <a:t>geo:Feature</a:t>
+            </a:r>
+          </a:p>
+        </p:txBody>
+      </p:sp>
+      <p:cxnSp>
+        <p:nvCxnSpPr>
+          <p:cNvPr id="43" name="Straight Arrow Connector 42"/>
           <p:cNvCxnSpPr>
             <a:stCxn id="44" idx="0"/>
-            <a:endCxn id="38" idx="2"/>
+            <a:endCxn id="42" idx="2"/>
           </p:cNvCxnSpPr>
           <p:nvPr/>
         </p:nvCxnSpPr>
         <p:spPr>
-          <a:xfrm flipV="1">
-            <a:off x="3368751" y="2385395"/>
-            <a:ext cx="0" cy="970976"/>
+          <a:xfrm flipH="1" flipV="1">
+            <a:off x="3359659" y="2224282"/>
+            <a:ext cx="9092" cy="1132089"/>
           </a:xfrm>
           <a:prstGeom prst="straightConnector1">
             <a:avLst/>
@@ -6398,13 +6224,13 @@
       </p:cxnSp>
       <p:sp>
         <p:nvSpPr>
-          <p:cNvPr id="40" name="TextBox 39"/>
+          <p:cNvPr id="55" name="TextBox 54"/>
           <p:cNvSpPr txBox="1"/>
           <p:nvPr/>
         </p:nvSpPr>
         <p:spPr>
           <a:xfrm>
-            <a:off x="2903880" y="2524690"/>
+            <a:off x="2884278" y="2421933"/>
             <a:ext cx="929743" cy="155877"/>
           </a:xfrm>
           <a:prstGeom prst="rect">
@@ -6432,10 +6258,523 @@
           </a:p>
         </p:txBody>
       </p:sp>
+      <p:cxnSp>
+        <p:nvCxnSpPr>
+          <p:cNvPr id="20" name="Straight Arrow Connector 19"/>
+          <p:cNvCxnSpPr/>
+          <p:nvPr/>
+        </p:nvCxnSpPr>
+        <p:spPr>
+          <a:xfrm>
+            <a:off x="3735367" y="4032175"/>
+            <a:ext cx="1011225" cy="1483536"/>
+          </a:xfrm>
+          <a:prstGeom prst="straightConnector1">
+            <a:avLst/>
+          </a:prstGeom>
+          <a:ln>
+            <a:solidFill>
+              <a:srgbClr val="000080"/>
+            </a:solidFill>
+            <a:tailEnd type="triangle"/>
+          </a:ln>
+        </p:spPr>
+        <p:style>
+          <a:lnRef idx="1">
+            <a:schemeClr val="accent1"/>
+          </a:lnRef>
+          <a:fillRef idx="0">
+            <a:schemeClr val="accent1"/>
+          </a:fillRef>
+          <a:effectRef idx="0">
+            <a:schemeClr val="accent1"/>
+          </a:effectRef>
+          <a:fontRef idx="minor">
+            <a:schemeClr val="tx1"/>
+          </a:fontRef>
+        </p:style>
+      </p:cxnSp>
+      <p:sp>
+        <p:nvSpPr>
+          <p:cNvPr id="49" name="TextBox 48"/>
+          <p:cNvSpPr txBox="1"/>
+          <p:nvPr/>
+        </p:nvSpPr>
+        <p:spPr>
+          <a:xfrm>
+            <a:off x="3871430" y="4696728"/>
+            <a:ext cx="674865" cy="311752"/>
+          </a:xfrm>
+          <a:prstGeom prst="rect">
+            <a:avLst/>
+          </a:prstGeom>
+          <a:solidFill>
+            <a:srgbClr val="F1F1F2"/>
+          </a:solidFill>
+        </p:spPr>
+        <p:txBody>
+          <a:bodyPr wrap="none" lIns="0" tIns="0" rIns="0" bIns="0" rtlCol="0">
+            <a:spAutoFit/>
+          </a:bodyPr>
+          <a:lstStyle/>
+          <a:p>
+            <a:pPr algn="ctr"/>
+            <a:r>
+              <a:rPr lang="en-US" sz="1013">
+                <a:latin typeface="Helvetica" charset="0"/>
+                <a:ea typeface="Helvetica" charset="0"/>
+                <a:cs typeface="Helvetica" charset="0"/>
+              </a:rPr>
+              <a:t>rdfs:</a:t>
+            </a:r>
+            <a:br>
+              <a:rPr lang="en-US" sz="1013">
+                <a:latin typeface="Helvetica" charset="0"/>
+                <a:ea typeface="Helvetica" charset="0"/>
+                <a:cs typeface="Helvetica" charset="0"/>
+              </a:rPr>
+            </a:br>
+            <a:r>
+              <a:rPr lang="en-US" sz="1013">
+                <a:latin typeface="Helvetica" charset="0"/>
+                <a:ea typeface="Helvetica" charset="0"/>
+                <a:cs typeface="Helvetica" charset="0"/>
+              </a:rPr>
+              <a:t>subClassOf</a:t>
+            </a:r>
+          </a:p>
+        </p:txBody>
+      </p:sp>
+      <p:sp>
+        <p:nvSpPr>
+          <p:cNvPr id="63" name="TextBox 62"/>
+          <p:cNvSpPr txBox="1"/>
+          <p:nvPr/>
+        </p:nvSpPr>
+        <p:spPr>
+          <a:xfrm>
+            <a:off x="1537527" y="2617320"/>
+            <a:ext cx="1452321" cy="155877"/>
+          </a:xfrm>
+          <a:prstGeom prst="rect">
+            <a:avLst/>
+          </a:prstGeom>
+          <a:solidFill>
+            <a:srgbClr val="F1F1F2"/>
+          </a:solidFill>
+        </p:spPr>
+        <p:txBody>
+          <a:bodyPr wrap="none" lIns="0" tIns="0" rIns="0" bIns="0" rtlCol="0">
+            <a:spAutoFit/>
+          </a:bodyPr>
+          <a:lstStyle/>
+          <a:p>
+            <a:pPr algn="ctr"/>
+            <a:r>
+              <a:rPr lang="en-US" sz="1013" dirty="0">
+                <a:latin typeface="Helvetica" charset="0"/>
+                <a:ea typeface="Helvetica" charset="0"/>
+                <a:cs typeface="Helvetica" charset="0"/>
+              </a:rPr>
+              <a:t>h</a:t>
+            </a:r>
+            <a:r>
+              <a:rPr lang="en-US" sz="1013" dirty="0" smtClean="0">
+                <a:latin typeface="Helvetica" charset="0"/>
+                <a:ea typeface="Helvetica" charset="0"/>
+                <a:cs typeface="Helvetica" charset="0"/>
+              </a:rPr>
+              <a:t>as date last modified [</a:t>
+            </a:r>
+            <a:r>
+              <a:rPr lang="en-US" sz="1013" dirty="0">
+                <a:latin typeface="Helvetica" charset="0"/>
+                <a:ea typeface="Helvetica" charset="0"/>
+                <a:cs typeface="Helvetica" charset="0"/>
+              </a:rPr>
+              <a:t>1]</a:t>
+            </a:r>
+          </a:p>
+        </p:txBody>
+      </p:sp>
+      <p:cxnSp>
+        <p:nvCxnSpPr>
+          <p:cNvPr id="70" name="Straight Arrow Connector 69"/>
+          <p:cNvCxnSpPr>
+            <a:stCxn id="44" idx="1"/>
+            <a:endCxn id="30" idx="3"/>
+          </p:cNvCxnSpPr>
+          <p:nvPr/>
+        </p:nvCxnSpPr>
+        <p:spPr>
+          <a:xfrm flipH="1" flipV="1">
+            <a:off x="1736010" y="3088198"/>
+            <a:ext cx="1080886" cy="600358"/>
+          </a:xfrm>
+          <a:prstGeom prst="straightConnector1">
+            <a:avLst/>
+          </a:prstGeom>
+          <a:ln>
+            <a:solidFill>
+              <a:srgbClr val="000080"/>
+            </a:solidFill>
+            <a:tailEnd type="arrow"/>
+          </a:ln>
+        </p:spPr>
+        <p:style>
+          <a:lnRef idx="1">
+            <a:schemeClr val="accent1"/>
+          </a:lnRef>
+          <a:fillRef idx="0">
+            <a:schemeClr val="accent1"/>
+          </a:fillRef>
+          <a:effectRef idx="0">
+            <a:schemeClr val="accent1"/>
+          </a:effectRef>
+          <a:fontRef idx="minor">
+            <a:schemeClr val="tx1"/>
+          </a:fontRef>
+        </p:style>
+      </p:cxnSp>
+      <p:cxnSp>
+        <p:nvCxnSpPr>
+          <p:cNvPr id="71" name="Curved Connector 70"/>
+          <p:cNvCxnSpPr>
+            <a:stCxn id="44" idx="2"/>
+            <a:endCxn id="44" idx="1"/>
+          </p:cNvCxnSpPr>
+          <p:nvPr/>
+        </p:nvCxnSpPr>
+        <p:spPr>
+          <a:xfrm rot="5400000" flipH="1">
+            <a:off x="2926732" y="3578721"/>
+            <a:ext cx="332184" cy="551855"/>
+          </a:xfrm>
+          <a:prstGeom prst="curvedConnector4">
+            <a:avLst>
+              <a:gd name="adj1" fmla="val -68817"/>
+              <a:gd name="adj2" fmla="val 141424"/>
+            </a:avLst>
+          </a:prstGeom>
+          <a:ln>
+            <a:solidFill>
+              <a:srgbClr val="000080"/>
+            </a:solidFill>
+            <a:tailEnd type="arrow"/>
+          </a:ln>
+        </p:spPr>
+        <p:style>
+          <a:lnRef idx="1">
+            <a:schemeClr val="accent1"/>
+          </a:lnRef>
+          <a:fillRef idx="0">
+            <a:schemeClr val="accent1"/>
+          </a:fillRef>
+          <a:effectRef idx="0">
+            <a:schemeClr val="accent1"/>
+          </a:effectRef>
+          <a:fontRef idx="minor">
+            <a:schemeClr val="tx1"/>
+          </a:fontRef>
+        </p:style>
+      </p:cxnSp>
+      <p:sp>
+        <p:nvSpPr>
+          <p:cNvPr id="59" name="TextBox 58"/>
+          <p:cNvSpPr txBox="1"/>
+          <p:nvPr/>
+        </p:nvSpPr>
+        <p:spPr>
+          <a:xfrm>
+            <a:off x="975493" y="3788381"/>
+            <a:ext cx="1757284" cy="311752"/>
+          </a:xfrm>
+          <a:prstGeom prst="rect">
+            <a:avLst/>
+          </a:prstGeom>
+          <a:solidFill>
+            <a:srgbClr val="F1F1F2"/>
+          </a:solidFill>
+        </p:spPr>
+        <p:txBody>
+          <a:bodyPr wrap="square" lIns="0" tIns="0" rIns="0" bIns="0" rtlCol="0">
+            <a:spAutoFit/>
+          </a:bodyPr>
+          <a:lstStyle/>
+          <a:p>
+            <a:pPr algn="ctr"/>
+            <a:r>
+              <a:rPr lang="en-US" sz="1013" dirty="0">
+                <a:latin typeface="Helvetica" charset="0"/>
+                <a:ea typeface="Helvetica" charset="0"/>
+                <a:cs typeface="Helvetica" charset="0"/>
+              </a:rPr>
+              <a:t>has </a:t>
+            </a:r>
+            <a:r>
+              <a:rPr lang="en-US" sz="1013" dirty="0" smtClean="0">
+                <a:latin typeface="Helvetica" charset="0"/>
+                <a:ea typeface="Helvetica" charset="0"/>
+                <a:cs typeface="Helvetica" charset="0"/>
+              </a:rPr>
+              <a:t>address secondary </a:t>
+            </a:r>
+            <a:r>
+              <a:rPr lang="en-US" sz="1013" dirty="0">
+                <a:latin typeface="Helvetica" charset="0"/>
+                <a:ea typeface="Helvetica" charset="0"/>
+                <a:cs typeface="Helvetica" charset="0"/>
+              </a:rPr>
+              <a:t>[0</a:t>
+            </a:r>
+            <a:r>
+              <a:rPr lang="en-US" sz="1013" dirty="0" smtClean="0">
+                <a:latin typeface="Helvetica" charset="0"/>
+                <a:ea typeface="Helvetica" charset="0"/>
+                <a:cs typeface="Helvetica" charset="0"/>
+              </a:rPr>
+              <a:t>..*]</a:t>
+            </a:r>
+          </a:p>
+          <a:p>
+            <a:pPr algn="ctr"/>
+            <a:r>
+              <a:rPr lang="en-US" sz="1013" dirty="0" smtClean="0">
+                <a:latin typeface="Helvetica" charset="0"/>
+                <a:ea typeface="Helvetica" charset="0"/>
+                <a:cs typeface="Helvetica" charset="0"/>
+              </a:rPr>
+              <a:t>as address primary [0..1]</a:t>
+            </a:r>
+            <a:endParaRPr lang="en-US" sz="1013" dirty="0">
+              <a:latin typeface="Helvetica" charset="0"/>
+              <a:ea typeface="Helvetica" charset="0"/>
+              <a:cs typeface="Helvetica" charset="0"/>
+            </a:endParaRPr>
+          </a:p>
+        </p:txBody>
+      </p:sp>
+      <p:sp>
+        <p:nvSpPr>
+          <p:cNvPr id="50" name="TextBox 49"/>
+          <p:cNvSpPr txBox="1"/>
+          <p:nvPr/>
+        </p:nvSpPr>
+        <p:spPr>
+          <a:xfrm>
+            <a:off x="1627404" y="3441051"/>
+            <a:ext cx="973679" cy="311752"/>
+          </a:xfrm>
+          <a:prstGeom prst="rect">
+            <a:avLst/>
+          </a:prstGeom>
+          <a:solidFill>
+            <a:srgbClr val="F1F1F2"/>
+          </a:solidFill>
+        </p:spPr>
+        <p:txBody>
+          <a:bodyPr wrap="square" lIns="0" tIns="0" rIns="0" bIns="0" rtlCol="0">
+            <a:spAutoFit/>
+          </a:bodyPr>
+          <a:lstStyle/>
+          <a:p>
+            <a:pPr algn="ctr"/>
+            <a:r>
+              <a:rPr lang="en-US" sz="1013" dirty="0">
+                <a:latin typeface="Helvetica" charset="0"/>
+                <a:ea typeface="Helvetica" charset="0"/>
+                <a:cs typeface="Helvetica" charset="0"/>
+              </a:rPr>
+              <a:t>has </a:t>
+            </a:r>
+            <a:r>
+              <a:rPr lang="en-US" sz="1013" dirty="0" smtClean="0">
+                <a:latin typeface="Helvetica" charset="0"/>
+                <a:ea typeface="Helvetica" charset="0"/>
+                <a:cs typeface="Helvetica" charset="0"/>
+              </a:rPr>
+              <a:t>building</a:t>
+            </a:r>
+          </a:p>
+          <a:p>
+            <a:pPr algn="ctr"/>
+            <a:r>
+              <a:rPr lang="en-US" sz="1013" dirty="0" smtClean="0">
+                <a:latin typeface="Helvetica" charset="0"/>
+                <a:ea typeface="Helvetica" charset="0"/>
+                <a:cs typeface="Helvetica" charset="0"/>
+              </a:rPr>
+              <a:t>name </a:t>
+            </a:r>
+            <a:r>
+              <a:rPr lang="en-US" sz="1013" dirty="0">
+                <a:latin typeface="Helvetica" charset="0"/>
+                <a:ea typeface="Helvetica" charset="0"/>
+                <a:cs typeface="Helvetica" charset="0"/>
+              </a:rPr>
+              <a:t>[0..1]</a:t>
+            </a:r>
+          </a:p>
+        </p:txBody>
+      </p:sp>
+      <p:sp>
+        <p:nvSpPr>
+          <p:cNvPr id="64" name="TextBox 63"/>
+          <p:cNvSpPr txBox="1"/>
+          <p:nvPr/>
+        </p:nvSpPr>
+        <p:spPr>
+          <a:xfrm>
+            <a:off x="1559006" y="3245511"/>
+            <a:ext cx="1081493" cy="155877"/>
+          </a:xfrm>
+          <a:prstGeom prst="rect">
+            <a:avLst/>
+          </a:prstGeom>
+          <a:solidFill>
+            <a:srgbClr val="F1F1F2"/>
+          </a:solidFill>
+        </p:spPr>
+        <p:txBody>
+          <a:bodyPr wrap="square" lIns="0" tIns="0" rIns="0" bIns="0" rtlCol="0">
+            <a:spAutoFit/>
+          </a:bodyPr>
+          <a:lstStyle/>
+          <a:p>
+            <a:pPr algn="ctr"/>
+            <a:r>
+              <a:rPr lang="en-US" sz="1013" dirty="0" smtClean="0">
+                <a:latin typeface="Helvetica" charset="0"/>
+                <a:ea typeface="Helvetica" charset="0"/>
+                <a:cs typeface="Helvetica" charset="0"/>
+              </a:rPr>
+              <a:t>has postcode </a:t>
+            </a:r>
+            <a:r>
+              <a:rPr lang="en-US" sz="1013" dirty="0">
+                <a:latin typeface="Helvetica" charset="0"/>
+                <a:ea typeface="Helvetica" charset="0"/>
+                <a:cs typeface="Helvetica" charset="0"/>
+              </a:rPr>
+              <a:t>[1]</a:t>
+            </a:r>
+          </a:p>
+        </p:txBody>
+      </p:sp>
+      <p:sp>
+        <p:nvSpPr>
+          <p:cNvPr id="68" name="TextBox 67"/>
+          <p:cNvSpPr txBox="1"/>
+          <p:nvPr/>
+        </p:nvSpPr>
+        <p:spPr>
+          <a:xfrm>
+            <a:off x="1573251" y="3048410"/>
+            <a:ext cx="1025906" cy="155877"/>
+          </a:xfrm>
+          <a:prstGeom prst="rect">
+            <a:avLst/>
+          </a:prstGeom>
+          <a:solidFill>
+            <a:srgbClr val="F1F1F2"/>
+          </a:solidFill>
+        </p:spPr>
+        <p:txBody>
+          <a:bodyPr wrap="square" lIns="0" tIns="0" rIns="0" bIns="0" rtlCol="0">
+            <a:spAutoFit/>
+          </a:bodyPr>
+          <a:lstStyle/>
+          <a:p>
+            <a:pPr algn="ctr"/>
+            <a:r>
+              <a:rPr lang="en-US" sz="1013" dirty="0" err="1">
+                <a:latin typeface="Helvetica" charset="0"/>
+                <a:ea typeface="Helvetica" charset="0"/>
+                <a:cs typeface="Helvetica" charset="0"/>
+              </a:rPr>
+              <a:t>dct:description</a:t>
+            </a:r>
+            <a:r>
+              <a:rPr lang="en-US" sz="1013" dirty="0">
+                <a:latin typeface="Helvetica" charset="0"/>
+                <a:ea typeface="Helvetica" charset="0"/>
+                <a:cs typeface="Helvetica" charset="0"/>
+              </a:rPr>
+              <a:t> [1]</a:t>
+            </a:r>
+          </a:p>
+        </p:txBody>
+      </p:sp>
+      <p:sp>
+        <p:nvSpPr>
+          <p:cNvPr id="72" name="Rectangle 71"/>
+          <p:cNvSpPr/>
+          <p:nvPr/>
+        </p:nvSpPr>
+        <p:spPr>
+          <a:xfrm>
+            <a:off x="4743324" y="1558478"/>
+            <a:ext cx="1103709" cy="664369"/>
+          </a:xfrm>
+          <a:prstGeom prst="rect">
+            <a:avLst/>
+          </a:prstGeom>
+          <a:solidFill>
+            <a:srgbClr val="F4FFFF"/>
+          </a:solidFill>
+          <a:ln>
+            <a:solidFill>
+              <a:srgbClr val="000080"/>
+            </a:solidFill>
+          </a:ln>
+        </p:spPr>
+        <p:style>
+          <a:lnRef idx="2">
+            <a:schemeClr val="accent1">
+              <a:shade val="50000"/>
+            </a:schemeClr>
+          </a:lnRef>
+          <a:fillRef idx="1">
+            <a:schemeClr val="accent1"/>
+          </a:fillRef>
+          <a:effectRef idx="0">
+            <a:schemeClr val="accent1"/>
+          </a:effectRef>
+          <a:fontRef idx="minor">
+            <a:schemeClr val="lt1"/>
+          </a:fontRef>
+        </p:style>
+        <p:txBody>
+          <a:bodyPr rtlCol="0" anchor="ctr"/>
+          <a:lstStyle/>
+          <a:p>
+            <a:pPr algn="ctr"/>
+            <a:r>
+              <a:rPr lang="en-US" sz="1013" b="1" dirty="0" smtClean="0">
+                <a:solidFill>
+                  <a:srgbClr val="005C84"/>
+                </a:solidFill>
+                <a:latin typeface="Helvetica" charset="0"/>
+                <a:ea typeface="Helvetica" charset="0"/>
+                <a:cs typeface="Helvetica" charset="0"/>
+              </a:rPr>
+              <a:t>Geocode Point</a:t>
+            </a:r>
+            <a:endParaRPr lang="en-US" sz="1013" b="1" dirty="0">
+              <a:solidFill>
+                <a:srgbClr val="005C84"/>
+              </a:solidFill>
+              <a:latin typeface="Helvetica" charset="0"/>
+              <a:ea typeface="Helvetica" charset="0"/>
+              <a:cs typeface="Helvetica" charset="0"/>
+            </a:endParaRPr>
+          </a:p>
+        </p:txBody>
+      </p:sp>
     </p:spTree>
     <p:extLst>
       <p:ext uri="{BB962C8B-B14F-4D97-AF65-F5344CB8AC3E}">
-        <p14:creationId xmlns:p14="http://schemas.microsoft.com/office/powerpoint/2010/main" val="1258928079"/>
+        <p14:creationId xmlns:p14="http://schemas.microsoft.com/office/powerpoint/2010/main" val="22957077"/>
       </p:ext>
     </p:extLst>
   </p:cSld>
@@ -6470,15 +6809,54 @@
           <a:chExt cx="0" cy="0"/>
         </a:xfrm>
       </p:grpSpPr>
-      <p:sp>
-        <p:nvSpPr>
-          <p:cNvPr id="44" name="Rectangle 43"/>
+      <p:cxnSp>
+        <p:nvCxnSpPr>
+          <p:cNvPr id="25" name="Straight Arrow Connector 24"/>
+          <p:cNvCxnSpPr>
+            <a:stCxn id="36" idx="0"/>
+            <a:endCxn id="44" idx="2"/>
+          </p:cNvCxnSpPr>
+          <p:nvPr/>
+        </p:nvCxnSpPr>
+        <p:spPr>
+          <a:xfrm flipV="1">
+            <a:off x="3366881" y="4020740"/>
+            <a:ext cx="1870" cy="633072"/>
+          </a:xfrm>
+          <a:prstGeom prst="straightConnector1">
+            <a:avLst/>
+          </a:prstGeom>
+          <a:ln>
+            <a:solidFill>
+              <a:srgbClr val="000080"/>
+            </a:solidFill>
+            <a:tailEnd type="triangle"/>
+          </a:ln>
+        </p:spPr>
+        <p:style>
+          <a:lnRef idx="1">
+            <a:schemeClr val="accent1"/>
+          </a:lnRef>
+          <a:fillRef idx="0">
+            <a:schemeClr val="accent1"/>
+          </a:fillRef>
+          <a:effectRef idx="0">
+            <a:schemeClr val="accent1"/>
+          </a:effectRef>
+          <a:fontRef idx="minor">
+            <a:schemeClr val="tx1"/>
+          </a:fontRef>
+        </p:style>
+      </p:cxnSp>
+      <p:sp>
+        <p:nvSpPr>
+          <p:cNvPr id="36" name="Rectangle 35"/>
           <p:cNvSpPr/>
           <p:nvPr/>
         </p:nvSpPr>
         <p:spPr>
           <a:xfrm>
-            <a:off x="2816896" y="3356371"/>
+            <a:off x="2815026" y="4653812"/>
             <a:ext cx="1103709" cy="664369"/>
           </a:xfrm>
           <a:prstGeom prst="rect">
@@ -6523,20 +6901,20 @@
                 <a:ea typeface="Helvetica" charset="0"/>
                 <a:cs typeface="Helvetica" charset="0"/>
               </a:rPr>
-              <a:t>Address</a:t>
-            </a:r>
-          </a:p>
-        </p:txBody>
-      </p:sp>
-      <p:sp>
-        <p:nvSpPr>
-          <p:cNvPr id="18" name="Rectangle 17"/>
+              <a:t>Street Locality</a:t>
+            </a:r>
+          </a:p>
+        </p:txBody>
+      </p:sp>
+      <p:sp>
+        <p:nvSpPr>
+          <p:cNvPr id="44" name="Rectangle 43"/>
           <p:cNvSpPr/>
           <p:nvPr/>
         </p:nvSpPr>
         <p:spPr>
           <a:xfrm>
-            <a:off x="4753197" y="3356371"/>
+            <a:off x="2816896" y="3356371"/>
             <a:ext cx="1103709" cy="664369"/>
           </a:xfrm>
           <a:prstGeom prst="rect">
@@ -6581,7 +6959,123 @@
                 <a:ea typeface="Helvetica" charset="0"/>
                 <a:cs typeface="Helvetica" charset="0"/>
               </a:rPr>
-              <a:t>Street Locality</a:t>
+              <a:t>Street</a:t>
+            </a:r>
+          </a:p>
+        </p:txBody>
+      </p:sp>
+      <p:sp>
+        <p:nvSpPr>
+          <p:cNvPr id="18" name="Rectangle 17"/>
+          <p:cNvSpPr/>
+          <p:nvPr/>
+        </p:nvSpPr>
+        <p:spPr>
+          <a:xfrm>
+            <a:off x="4753197" y="3356371"/>
+            <a:ext cx="1103709" cy="664369"/>
+          </a:xfrm>
+          <a:prstGeom prst="rect">
+            <a:avLst/>
+          </a:prstGeom>
+          <a:solidFill>
+            <a:srgbClr val="F4FFFF"/>
+          </a:solidFill>
+          <a:ln>
+            <a:solidFill>
+              <a:srgbClr val="000080"/>
+            </a:solidFill>
+          </a:ln>
+        </p:spPr>
+        <p:style>
+          <a:lnRef idx="2">
+            <a:schemeClr val="accent1">
+              <a:shade val="50000"/>
+            </a:schemeClr>
+          </a:lnRef>
+          <a:fillRef idx="1">
+            <a:schemeClr val="accent1"/>
+          </a:fillRef>
+          <a:effectRef idx="0">
+            <a:schemeClr val="accent1"/>
+          </a:effectRef>
+          <a:fontRef idx="minor">
+            <a:schemeClr val="lt1"/>
+          </a:fontRef>
+        </p:style>
+        <p:txBody>
+          <a:bodyPr rtlCol="0" anchor="ctr"/>
+          <a:lstStyle/>
+          <a:p>
+            <a:pPr algn="ctr"/>
+            <a:r>
+              <a:rPr lang="en-US" sz="1013" b="1">
+                <a:solidFill>
+                  <a:srgbClr val="005C84"/>
+                </a:solidFill>
+                <a:latin typeface="Helvetica" charset="0"/>
+                <a:ea typeface="Helvetica" charset="0"/>
+                <a:cs typeface="Helvetica" charset="0"/>
+              </a:rPr>
+              <a:t>Street Confirmation</a:t>
+            </a:r>
+          </a:p>
+        </p:txBody>
+      </p:sp>
+      <p:sp>
+        <p:nvSpPr>
+          <p:cNvPr id="19" name="Rectangle 18"/>
+          <p:cNvSpPr/>
+          <p:nvPr/>
+        </p:nvSpPr>
+        <p:spPr>
+          <a:xfrm>
+            <a:off x="4753197" y="4383396"/>
+            <a:ext cx="1103709" cy="664369"/>
+          </a:xfrm>
+          <a:prstGeom prst="rect">
+            <a:avLst/>
+          </a:prstGeom>
+          <a:solidFill>
+            <a:srgbClr val="F4FFFF"/>
+          </a:solidFill>
+          <a:ln>
+            <a:solidFill>
+              <a:srgbClr val="000080"/>
+            </a:solidFill>
+          </a:ln>
+        </p:spPr>
+        <p:style>
+          <a:lnRef idx="2">
+            <a:schemeClr val="accent1">
+              <a:shade val="50000"/>
+            </a:schemeClr>
+          </a:lnRef>
+          <a:fillRef idx="1">
+            <a:schemeClr val="accent1"/>
+          </a:fillRef>
+          <a:effectRef idx="0">
+            <a:schemeClr val="accent1"/>
+          </a:effectRef>
+          <a:fontRef idx="minor">
+            <a:schemeClr val="lt1"/>
+          </a:fontRef>
+        </p:style>
+        <p:txBody>
+          <a:bodyPr rtlCol="0" anchor="ctr"/>
+          <a:lstStyle/>
+          <a:p>
+            <a:pPr algn="ctr"/>
+            <a:r>
+              <a:rPr lang="en-US" sz="1013" b="1">
+                <a:solidFill>
+                  <a:srgbClr val="005C84"/>
+                </a:solidFill>
+                <a:latin typeface="Helvetica" charset="0"/>
+                <a:ea typeface="Helvetica" charset="0"/>
+                <a:cs typeface="Helvetica" charset="0"/>
+              </a:rPr>
+              <a:t>Street Suffix</a:t>
             </a:r>
           </a:p>
         </p:txBody>
@@ -6599,6 +7093,468 @@
           <a:xfrm>
             <a:off x="3920605" y="3688556"/>
             <a:ext cx="832592" cy="0"/>
+          </a:xfrm>
+          <a:prstGeom prst="straightConnector1">
+            <a:avLst/>
+          </a:prstGeom>
+          <a:ln>
+            <a:solidFill>
+              <a:srgbClr val="000080"/>
+            </a:solidFill>
+            <a:tailEnd type="arrow"/>
+          </a:ln>
+        </p:spPr>
+        <p:style>
+          <a:lnRef idx="1">
+            <a:schemeClr val="accent1"/>
+          </a:lnRef>
+          <a:fillRef idx="0">
+            <a:schemeClr val="accent1"/>
+          </a:fillRef>
+          <a:effectRef idx="0">
+            <a:schemeClr val="accent1"/>
+          </a:effectRef>
+          <a:fontRef idx="minor">
+            <a:schemeClr val="tx1"/>
+          </a:fontRef>
+        </p:style>
+      </p:cxnSp>
+      <p:sp>
+        <p:nvSpPr>
+          <p:cNvPr id="30" name="Rectangle 29"/>
+          <p:cNvSpPr/>
+          <p:nvPr/>
+        </p:nvSpPr>
+        <p:spPr>
+          <a:xfrm>
+            <a:off x="812057" y="3481240"/>
+            <a:ext cx="1103709" cy="411497"/>
+          </a:xfrm>
+          <a:prstGeom prst="rect">
+            <a:avLst/>
+          </a:prstGeom>
+          <a:solidFill>
+            <a:schemeClr val="bg1"/>
+          </a:solidFill>
+          <a:ln>
+            <a:solidFill>
+              <a:srgbClr val="000080"/>
+            </a:solidFill>
+          </a:ln>
+        </p:spPr>
+        <p:style>
+          <a:lnRef idx="2">
+            <a:schemeClr val="accent1">
+              <a:shade val="50000"/>
+            </a:schemeClr>
+          </a:lnRef>
+          <a:fillRef idx="1">
+            <a:schemeClr val="accent1"/>
+          </a:fillRef>
+          <a:effectRef idx="0">
+            <a:schemeClr val="accent1"/>
+          </a:effectRef>
+          <a:fontRef idx="minor">
+            <a:schemeClr val="lt1"/>
+          </a:fontRef>
+        </p:style>
+        <p:txBody>
+          <a:bodyPr rtlCol="0" anchor="ctr"/>
+          <a:lstStyle/>
+          <a:p>
+            <a:pPr algn="ctr"/>
+            <a:r>
+              <a:rPr lang="en-US" sz="1013" b="1">
+                <a:solidFill>
+                  <a:srgbClr val="005C84"/>
+                </a:solidFill>
+                <a:latin typeface="Helvetica" charset="0"/>
+                <a:ea typeface="Helvetica" charset="0"/>
+                <a:cs typeface="Helvetica" charset="0"/>
+              </a:rPr>
+              <a:t>xsd:string</a:t>
+            </a:r>
+          </a:p>
+        </p:txBody>
+      </p:sp>
+      <p:cxnSp>
+        <p:nvCxnSpPr>
+          <p:cNvPr id="31" name="Straight Arrow Connector 30"/>
+          <p:cNvCxnSpPr>
+            <a:stCxn id="44" idx="1"/>
+            <a:endCxn id="30" idx="3"/>
+          </p:cNvCxnSpPr>
+          <p:nvPr/>
+        </p:nvCxnSpPr>
+        <p:spPr>
+          <a:xfrm flipH="1" flipV="1">
+            <a:off x="1915766" y="3686989"/>
+            <a:ext cx="901130" cy="1567"/>
+          </a:xfrm>
+          <a:prstGeom prst="straightConnector1">
+            <a:avLst/>
+          </a:prstGeom>
+          <a:ln>
+            <a:solidFill>
+              <a:srgbClr val="000080"/>
+            </a:solidFill>
+            <a:tailEnd type="arrow"/>
+          </a:ln>
+        </p:spPr>
+        <p:style>
+          <a:lnRef idx="1">
+            <a:schemeClr val="accent1"/>
+          </a:lnRef>
+          <a:fillRef idx="0">
+            <a:schemeClr val="accent1"/>
+          </a:fillRef>
+          <a:effectRef idx="0">
+            <a:schemeClr val="accent1"/>
+          </a:effectRef>
+          <a:fontRef idx="minor">
+            <a:schemeClr val="tx1"/>
+          </a:fontRef>
+        </p:style>
+      </p:cxnSp>
+      <p:sp>
+        <p:nvSpPr>
+          <p:cNvPr id="50" name="TextBox 49"/>
+          <p:cNvSpPr txBox="1"/>
+          <p:nvPr/>
+        </p:nvSpPr>
+        <p:spPr>
+          <a:xfrm>
+            <a:off x="2130047" y="3511902"/>
+            <a:ext cx="570220" cy="311752"/>
+          </a:xfrm>
+          <a:prstGeom prst="rect">
+            <a:avLst/>
+          </a:prstGeom>
+          <a:solidFill>
+            <a:srgbClr val="F1F1F2"/>
+          </a:solidFill>
+        </p:spPr>
+        <p:txBody>
+          <a:bodyPr wrap="square" lIns="0" tIns="0" rIns="0" bIns="0" rtlCol="0">
+            <a:spAutoFit/>
+          </a:bodyPr>
+          <a:lstStyle/>
+          <a:p>
+            <a:pPr algn="ctr"/>
+            <a:r>
+              <a:rPr lang="en-US" sz="1013">
+                <a:latin typeface="Helvetica" charset="0"/>
+                <a:ea typeface="Helvetica" charset="0"/>
+                <a:cs typeface="Helvetica" charset="0"/>
+              </a:rPr>
+              <a:t>has name [1]</a:t>
+            </a:r>
+          </a:p>
+        </p:txBody>
+      </p:sp>
+      <p:sp>
+        <p:nvSpPr>
+          <p:cNvPr id="58" name="TextBox 57"/>
+          <p:cNvSpPr txBox="1"/>
+          <p:nvPr/>
+        </p:nvSpPr>
+        <p:spPr>
+          <a:xfrm>
+            <a:off x="3998328" y="3466160"/>
+            <a:ext cx="637995" cy="467629"/>
+          </a:xfrm>
+          <a:prstGeom prst="rect">
+            <a:avLst/>
+          </a:prstGeom>
+          <a:solidFill>
+            <a:srgbClr val="F1F1F2"/>
+          </a:solidFill>
+        </p:spPr>
+        <p:txBody>
+          <a:bodyPr wrap="none" lIns="0" tIns="0" rIns="0" bIns="0" rtlCol="0">
+            <a:spAutoFit/>
+          </a:bodyPr>
+          <a:lstStyle/>
+          <a:p>
+            <a:pPr algn="ctr"/>
+            <a:r>
+              <a:rPr lang="en-US" sz="1013">
+                <a:latin typeface="Helvetica" charset="0"/>
+                <a:ea typeface="Helvetica" charset="0"/>
+                <a:cs typeface="Helvetica" charset="0"/>
+              </a:rPr>
+              <a:t>has street</a:t>
+            </a:r>
+            <a:br>
+              <a:rPr lang="en-US" sz="1013">
+                <a:latin typeface="Helvetica" charset="0"/>
+                <a:ea typeface="Helvetica" charset="0"/>
+                <a:cs typeface="Helvetica" charset="0"/>
+              </a:rPr>
+            </a:br>
+            <a:r>
+              <a:rPr lang="en-US" sz="1013">
+                <a:latin typeface="Helvetica" charset="0"/>
+                <a:ea typeface="Helvetica" charset="0"/>
+                <a:cs typeface="Helvetica" charset="0"/>
+              </a:rPr>
+              <a:t>confirmtion</a:t>
+            </a:r>
+            <a:br>
+              <a:rPr lang="en-US" sz="1013">
+                <a:latin typeface="Helvetica" charset="0"/>
+                <a:ea typeface="Helvetica" charset="0"/>
+                <a:cs typeface="Helvetica" charset="0"/>
+              </a:rPr>
+            </a:br>
+            <a:r>
+              <a:rPr lang="en-US" sz="1013">
+                <a:latin typeface="Helvetica" charset="0"/>
+                <a:ea typeface="Helvetica" charset="0"/>
+                <a:cs typeface="Helvetica" charset="0"/>
+              </a:rPr>
+              <a:t>[1]</a:t>
+            </a:r>
+          </a:p>
+        </p:txBody>
+      </p:sp>
+      <p:sp>
+        <p:nvSpPr>
+          <p:cNvPr id="59" name="TextBox 58"/>
+          <p:cNvSpPr txBox="1"/>
+          <p:nvPr/>
+        </p:nvSpPr>
+        <p:spPr>
+          <a:xfrm>
+            <a:off x="2920945" y="4279306"/>
+            <a:ext cx="929743" cy="155877"/>
+          </a:xfrm>
+          <a:prstGeom prst="rect">
+            <a:avLst/>
+          </a:prstGeom>
+          <a:solidFill>
+            <a:srgbClr val="F1F1F2"/>
+          </a:solidFill>
+        </p:spPr>
+        <p:txBody>
+          <a:bodyPr wrap="none" lIns="0" tIns="0" rIns="0" bIns="0" rtlCol="0">
+            <a:spAutoFit/>
+          </a:bodyPr>
+          <a:lstStyle/>
+          <a:p>
+            <a:pPr algn="ctr"/>
+            <a:r>
+              <a:rPr lang="en-US" sz="1013">
+                <a:latin typeface="Helvetica" charset="0"/>
+                <a:ea typeface="Helvetica" charset="0"/>
+                <a:cs typeface="Helvetica" charset="0"/>
+              </a:rPr>
+              <a:t>rdfs:subClassOf</a:t>
+            </a:r>
+          </a:p>
+        </p:txBody>
+      </p:sp>
+      <p:sp>
+        <p:nvSpPr>
+          <p:cNvPr id="60" name="Rectangle 59"/>
+          <p:cNvSpPr/>
+          <p:nvPr/>
+        </p:nvSpPr>
+        <p:spPr>
+          <a:xfrm>
+            <a:off x="812057" y="4653812"/>
+            <a:ext cx="1103709" cy="664369"/>
+          </a:xfrm>
+          <a:prstGeom prst="rect">
+            <a:avLst/>
+          </a:prstGeom>
+          <a:solidFill>
+            <a:srgbClr val="F4FFFF"/>
+          </a:solidFill>
+          <a:ln>
+            <a:solidFill>
+              <a:srgbClr val="000080"/>
+            </a:solidFill>
+          </a:ln>
+        </p:spPr>
+        <p:style>
+          <a:lnRef idx="2">
+            <a:schemeClr val="accent1">
+              <a:shade val="50000"/>
+            </a:schemeClr>
+          </a:lnRef>
+          <a:fillRef idx="1">
+            <a:schemeClr val="accent1"/>
+          </a:fillRef>
+          <a:effectRef idx="0">
+            <a:schemeClr val="accent1"/>
+          </a:effectRef>
+          <a:fontRef idx="minor">
+            <a:schemeClr val="lt1"/>
+          </a:fontRef>
+        </p:style>
+        <p:txBody>
+          <a:bodyPr rtlCol="0" anchor="ctr"/>
+          <a:lstStyle/>
+          <a:p>
+            <a:pPr algn="ctr"/>
+            <a:r>
+              <a:rPr lang="en-US" sz="1013" b="1">
+                <a:solidFill>
+                  <a:srgbClr val="005C84"/>
+                </a:solidFill>
+                <a:latin typeface="Helvetica" charset="0"/>
+                <a:ea typeface="Helvetica" charset="0"/>
+                <a:cs typeface="Helvetica" charset="0"/>
+              </a:rPr>
+              <a:t>Locality</a:t>
+            </a:r>
+          </a:p>
+        </p:txBody>
+      </p:sp>
+      <p:cxnSp>
+        <p:nvCxnSpPr>
+          <p:cNvPr id="61" name="Straight Arrow Connector 60"/>
+          <p:cNvCxnSpPr>
+            <a:stCxn id="36" idx="1"/>
+            <a:endCxn id="60" idx="3"/>
+          </p:cNvCxnSpPr>
+          <p:nvPr/>
+        </p:nvCxnSpPr>
+        <p:spPr>
+          <a:xfrm flipH="1">
+            <a:off x="1915766" y="4985997"/>
+            <a:ext cx="899260" cy="0"/>
+          </a:xfrm>
+          <a:prstGeom prst="straightConnector1">
+            <a:avLst/>
+          </a:prstGeom>
+          <a:ln>
+            <a:solidFill>
+              <a:srgbClr val="000080"/>
+            </a:solidFill>
+            <a:tailEnd type="arrow"/>
+          </a:ln>
+        </p:spPr>
+        <p:style>
+          <a:lnRef idx="1">
+            <a:schemeClr val="accent1"/>
+          </a:lnRef>
+          <a:fillRef idx="0">
+            <a:schemeClr val="accent1"/>
+          </a:fillRef>
+          <a:effectRef idx="0">
+            <a:schemeClr val="accent1"/>
+          </a:effectRef>
+          <a:fontRef idx="minor">
+            <a:schemeClr val="tx1"/>
+          </a:fontRef>
+        </p:style>
+      </p:cxnSp>
+      <p:sp>
+        <p:nvSpPr>
+          <p:cNvPr id="65" name="TextBox 64"/>
+          <p:cNvSpPr txBox="1"/>
+          <p:nvPr/>
+        </p:nvSpPr>
+        <p:spPr>
+          <a:xfrm>
+            <a:off x="2080948" y="4830120"/>
+            <a:ext cx="688533" cy="311752"/>
+          </a:xfrm>
+          <a:prstGeom prst="rect">
+            <a:avLst/>
+          </a:prstGeom>
+          <a:solidFill>
+            <a:srgbClr val="F1F1F2"/>
+          </a:solidFill>
+        </p:spPr>
+        <p:txBody>
+          <a:bodyPr wrap="square" lIns="0" tIns="0" rIns="0" bIns="0" rtlCol="0">
+            <a:spAutoFit/>
+          </a:bodyPr>
+          <a:lstStyle/>
+          <a:p>
+            <a:pPr algn="ctr"/>
+            <a:r>
+              <a:rPr lang="en-US" sz="1013">
+                <a:latin typeface="Helvetica" charset="0"/>
+                <a:ea typeface="Helvetica" charset="0"/>
+                <a:cs typeface="Helvetica" charset="0"/>
+              </a:rPr>
+              <a:t>has locality [1]</a:t>
+            </a:r>
+          </a:p>
+        </p:txBody>
+      </p:sp>
+      <p:sp>
+        <p:nvSpPr>
+          <p:cNvPr id="66" name="Rectangle 65"/>
+          <p:cNvSpPr/>
+          <p:nvPr/>
+        </p:nvSpPr>
+        <p:spPr>
+          <a:xfrm>
+            <a:off x="1223941" y="2311800"/>
+            <a:ext cx="1103709" cy="411497"/>
+          </a:xfrm>
+          <a:prstGeom prst="rect">
+            <a:avLst/>
+          </a:prstGeom>
+          <a:solidFill>
+            <a:schemeClr val="bg1"/>
+          </a:solidFill>
+          <a:ln>
+            <a:solidFill>
+              <a:srgbClr val="000080"/>
+            </a:solidFill>
+          </a:ln>
+        </p:spPr>
+        <p:style>
+          <a:lnRef idx="2">
+            <a:schemeClr val="accent1">
+              <a:shade val="50000"/>
+            </a:schemeClr>
+          </a:lnRef>
+          <a:fillRef idx="1">
+            <a:schemeClr val="accent1"/>
+          </a:fillRef>
+          <a:effectRef idx="0">
+            <a:schemeClr val="accent1"/>
+          </a:effectRef>
+          <a:fontRef idx="minor">
+            <a:schemeClr val="lt1"/>
+          </a:fontRef>
+        </p:style>
+        <p:txBody>
+          <a:bodyPr rtlCol="0" anchor="ctr"/>
+          <a:lstStyle/>
+          <a:p>
+            <a:pPr algn="ctr"/>
+            <a:r>
+              <a:rPr lang="en-US" sz="1013" b="1">
+                <a:solidFill>
+                  <a:srgbClr val="005C84"/>
+                </a:solidFill>
+                <a:latin typeface="Helvetica" charset="0"/>
+                <a:ea typeface="Helvetica" charset="0"/>
+                <a:cs typeface="Helvetica" charset="0"/>
+              </a:rPr>
+              <a:t>xsd:dateTime</a:t>
+            </a:r>
+          </a:p>
+        </p:txBody>
+      </p:sp>
+      <p:cxnSp>
+        <p:nvCxnSpPr>
+          <p:cNvPr id="67" name="Straight Arrow Connector 66"/>
+          <p:cNvCxnSpPr/>
+          <p:nvPr/>
+        </p:nvCxnSpPr>
+        <p:spPr>
+          <a:xfrm flipH="1" flipV="1">
+            <a:off x="1775796" y="2723297"/>
+            <a:ext cx="1034495" cy="629360"/>
           </a:xfrm>
           <a:prstGeom prst="straightConnector1">
             <a:avLst/>
@@ -6627,17 +7583,17 @@
       </p:cxnSp>
       <p:cxnSp>
         <p:nvCxnSpPr>
-          <p:cNvPr id="26" name="Straight Arrow Connector 25"/>
+          <p:cNvPr id="74" name="Straight Arrow Connector 73"/>
           <p:cNvCxnSpPr>
-            <a:stCxn id="42" idx="3"/>
-            <a:endCxn id="27" idx="1"/>
+            <a:stCxn id="36" idx="2"/>
+            <a:endCxn id="79" idx="0"/>
           </p:cNvCxnSpPr>
           <p:nvPr/>
         </p:nvCxnSpPr>
         <p:spPr>
-          <a:xfrm flipV="1">
-            <a:off x="3911513" y="1888886"/>
-            <a:ext cx="831811" cy="3212"/>
+          <a:xfrm flipH="1">
+            <a:off x="3361985" y="5318181"/>
+            <a:ext cx="4896" cy="633069"/>
           </a:xfrm>
           <a:prstGeom prst="straightConnector1">
             <a:avLst/>
@@ -6666,20 +7622,56 @@
       </p:cxnSp>
       <p:sp>
         <p:nvSpPr>
-          <p:cNvPr id="30" name="Rectangle 29"/>
+          <p:cNvPr id="78" name="TextBox 77"/>
+          <p:cNvSpPr txBox="1"/>
+          <p:nvPr/>
+        </p:nvSpPr>
+        <p:spPr>
+          <a:xfrm>
+            <a:off x="3011282" y="5579193"/>
+            <a:ext cx="822341" cy="155877"/>
+          </a:xfrm>
+          <a:prstGeom prst="rect">
+            <a:avLst/>
+          </a:prstGeom>
+          <a:solidFill>
+            <a:srgbClr val="F1F1F2"/>
+          </a:solidFill>
+        </p:spPr>
+        <p:txBody>
+          <a:bodyPr wrap="none" lIns="0" tIns="0" rIns="0" bIns="0" rtlCol="0">
+            <a:spAutoFit/>
+          </a:bodyPr>
+          <a:lstStyle/>
+          <a:p>
+            <a:pPr algn="ctr"/>
+            <a:r>
+              <a:rPr lang="en-US" sz="1013">
+                <a:latin typeface="Helvetica" charset="0"/>
+                <a:ea typeface="Helvetica" charset="0"/>
+                <a:cs typeface="Helvetica" charset="0"/>
+              </a:rPr>
+              <a:t>has alias [0..*]</a:t>
+            </a:r>
+          </a:p>
+        </p:txBody>
+      </p:sp>
+      <p:sp>
+        <p:nvSpPr>
+          <p:cNvPr id="79" name="Rectangle 78"/>
           <p:cNvSpPr/>
           <p:nvPr/>
         </p:nvSpPr>
         <p:spPr>
           <a:xfrm>
-            <a:off x="741053" y="3466070"/>
-            <a:ext cx="1103709" cy="411497"/>
-          </a:xfrm>
-          <a:prstGeom prst="rect">
-            <a:avLst/>
-          </a:prstGeom>
-          <a:solidFill>
-            <a:schemeClr val="bg1"/>
+            <a:off x="2810130" y="5951250"/>
+            <a:ext cx="1103709" cy="664369"/>
+          </a:xfrm>
+          <a:prstGeom prst="rect">
+            <a:avLst/>
+          </a:prstGeom>
+          <a:solidFill>
+            <a:srgbClr val="F4FFFF"/>
           </a:solidFill>
           <a:ln>
             <a:solidFill>
@@ -6717,63 +7709,27 @@
                 <a:ea typeface="Helvetica" charset="0"/>
                 <a:cs typeface="Helvetica" charset="0"/>
               </a:rPr>
-              <a:t>xsd:string</a:t>
-            </a:r>
-          </a:p>
-        </p:txBody>
-      </p:sp>
-      <p:cxnSp>
-        <p:nvCxnSpPr>
-          <p:cNvPr id="31" name="Straight Arrow Connector 30"/>
-          <p:cNvCxnSpPr/>
-          <p:nvPr/>
-        </p:nvCxnSpPr>
-        <p:spPr>
-          <a:xfrm flipH="1" flipV="1">
-            <a:off x="1851367" y="3464482"/>
-            <a:ext cx="965530" cy="1030"/>
-          </a:xfrm>
-          <a:prstGeom prst="straightConnector1">
-            <a:avLst/>
-          </a:prstGeom>
-          <a:ln>
-            <a:solidFill>
-              <a:srgbClr val="000080"/>
-            </a:solidFill>
-            <a:tailEnd type="arrow"/>
-          </a:ln>
-        </p:spPr>
-        <p:style>
-          <a:lnRef idx="1">
-            <a:schemeClr val="accent1"/>
-          </a:lnRef>
-          <a:fillRef idx="0">
-            <a:schemeClr val="accent1"/>
-          </a:fillRef>
-          <a:effectRef idx="0">
-            <a:schemeClr val="accent1"/>
-          </a:effectRef>
-          <a:fontRef idx="minor">
-            <a:schemeClr val="tx1"/>
-          </a:fontRef>
-        </p:style>
-      </p:cxnSp>
-      <p:sp>
-        <p:nvSpPr>
-          <p:cNvPr id="40" name="Rectangle 39"/>
+              <a:t>Alias</a:t>
+            </a:r>
+          </a:p>
+        </p:txBody>
+      </p:sp>
+      <p:sp>
+        <p:nvSpPr>
+          <p:cNvPr id="34" name="Rectangle 33"/>
           <p:cNvSpPr/>
           <p:nvPr/>
         </p:nvSpPr>
         <p:spPr>
           <a:xfrm>
-            <a:off x="1223941" y="2311800"/>
-            <a:ext cx="1103709" cy="411497"/>
-          </a:xfrm>
-          <a:prstGeom prst="rect">
-            <a:avLst/>
-          </a:prstGeom>
-          <a:solidFill>
-            <a:schemeClr val="bg1"/>
+            <a:off x="4753197" y="5951251"/>
+            <a:ext cx="1103709" cy="664369"/>
+          </a:xfrm>
+          <a:prstGeom prst="rect">
+            <a:avLst/>
+          </a:prstGeom>
+          <a:solidFill>
+            <a:srgbClr val="F4FFFF"/>
           </a:solidFill>
           <a:ln>
             <a:solidFill>
@@ -6811,23 +7767,24 @@
                 <a:ea typeface="Helvetica" charset="0"/>
                 <a:cs typeface="Helvetica" charset="0"/>
               </a:rPr>
-              <a:t>xsd:dateTime</a:t>
+              <a:t>GNAF Confidence</a:t>
             </a:r>
           </a:p>
         </p:txBody>
       </p:sp>
       <p:cxnSp>
         <p:nvCxnSpPr>
-          <p:cNvPr id="46" name="Straight Arrow Connector 45"/>
+          <p:cNvPr id="35" name="Straight Arrow Connector 34"/>
           <p:cNvCxnSpPr>
-            <a:endCxn id="40" idx="2"/>
+            <a:stCxn id="36" idx="3"/>
+            <a:endCxn id="34" idx="0"/>
           </p:cNvCxnSpPr>
           <p:nvPr/>
         </p:nvCxnSpPr>
         <p:spPr>
-          <a:xfrm flipH="1" flipV="1">
-            <a:off x="1775796" y="2723297"/>
-            <a:ext cx="1034495" cy="629360"/>
+          <a:xfrm>
+            <a:off x="3918735" y="4985997"/>
+            <a:ext cx="1386317" cy="965254"/>
           </a:xfrm>
           <a:prstGeom prst="straightConnector1">
             <a:avLst/>
@@ -6854,18 +7811,70 @@
           </a:fontRef>
         </p:style>
       </p:cxnSp>
+      <p:sp>
+        <p:nvSpPr>
+          <p:cNvPr id="37" name="TextBox 36"/>
+          <p:cNvSpPr txBox="1"/>
+          <p:nvPr/>
+        </p:nvSpPr>
+        <p:spPr>
+          <a:xfrm>
+            <a:off x="4336901" y="5345380"/>
+            <a:ext cx="812722" cy="311752"/>
+          </a:xfrm>
+          <a:prstGeom prst="rect">
+            <a:avLst/>
+          </a:prstGeom>
+          <a:solidFill>
+            <a:srgbClr val="F1F1F2"/>
+          </a:solidFill>
+        </p:spPr>
+        <p:txBody>
+          <a:bodyPr wrap="none" lIns="0" tIns="0" rIns="0" bIns="0" rtlCol="0">
+            <a:spAutoFit/>
+          </a:bodyPr>
+          <a:lstStyle/>
+          <a:p>
+            <a:pPr algn="ctr"/>
+            <a:r>
+              <a:rPr lang="en-US" sz="1013">
+                <a:latin typeface="Helvetica" charset="0"/>
+                <a:ea typeface="Helvetica" charset="0"/>
+                <a:cs typeface="Helvetica" charset="0"/>
+              </a:rPr>
+              <a:t>has GNAF</a:t>
+            </a:r>
+            <a:br>
+              <a:rPr lang="en-US" sz="1013">
+                <a:latin typeface="Helvetica" charset="0"/>
+                <a:ea typeface="Helvetica" charset="0"/>
+                <a:cs typeface="Helvetica" charset="0"/>
+              </a:rPr>
+            </a:br>
+            <a:r>
+              <a:rPr lang="en-US" sz="1013">
+                <a:latin typeface="Helvetica" charset="0"/>
+                <a:ea typeface="Helvetica" charset="0"/>
+                <a:cs typeface="Helvetica" charset="0"/>
+              </a:rPr>
+              <a:t>confidence [1]</a:t>
+            </a:r>
+          </a:p>
+        </p:txBody>
+      </p:sp>
       <p:cxnSp>
         <p:nvCxnSpPr>
-          <p:cNvPr id="47" name="Straight Arrow Connector 46"/>
+          <p:cNvPr id="26" name="Straight Arrow Connector 25"/>
           <p:cNvCxnSpPr>
-            <a:stCxn id="44" idx="0"/>
+            <a:stCxn id="44" idx="3"/>
+            <a:endCxn id="19" idx="1"/>
           </p:cNvCxnSpPr>
           <p:nvPr/>
         </p:nvCxnSpPr>
         <p:spPr>
-          <a:xfrm flipH="1" flipV="1">
-            <a:off x="2331638" y="2723297"/>
-            <a:ext cx="1037113" cy="633074"/>
+          <a:xfrm>
+            <a:off x="3920605" y="3688556"/>
+            <a:ext cx="832592" cy="1027025"/>
           </a:xfrm>
           <a:prstGeom prst="straightConnector1">
             <a:avLst/>
@@ -6894,14 +7903,14 @@
       </p:cxnSp>
       <p:sp>
         <p:nvSpPr>
-          <p:cNvPr id="24" name="TextBox 23"/>
+          <p:cNvPr id="57" name="TextBox 56"/>
           <p:cNvSpPr txBox="1"/>
           <p:nvPr/>
         </p:nvSpPr>
         <p:spPr>
           <a:xfrm>
-            <a:off x="1706580" y="2836710"/>
-            <a:ext cx="697306" cy="311752"/>
+            <a:off x="3811078" y="4090968"/>
+            <a:ext cx="1099660" cy="155877"/>
           </a:xfrm>
           <a:prstGeom prst="rect">
             <a:avLst/>
@@ -6923,195 +7932,27 @@
                 <a:ea typeface="Helvetica" charset="0"/>
                 <a:cs typeface="Helvetica" charset="0"/>
               </a:rPr>
-              <a:t>has date</a:t>
-            </a:r>
-            <a:br>
-              <a:rPr lang="en-US" sz="1013">
-                <a:latin typeface="Helvetica" charset="0"/>
-                <a:ea typeface="Helvetica" charset="0"/>
-                <a:cs typeface="Helvetica" charset="0"/>
-              </a:rPr>
-            </a:br>
-            <a:r>
-              <a:rPr lang="en-US" sz="1013">
-                <a:latin typeface="Helvetica" charset="0"/>
-                <a:ea typeface="Helvetica" charset="0"/>
-                <a:cs typeface="Helvetica" charset="0"/>
-              </a:rPr>
-              <a:t>retired [0..1]</a:t>
-            </a:r>
-          </a:p>
-        </p:txBody>
-      </p:sp>
-      <p:sp>
-        <p:nvSpPr>
-          <p:cNvPr id="48" name="TextBox 47"/>
-          <p:cNvSpPr txBox="1"/>
-          <p:nvPr/>
-        </p:nvSpPr>
-        <p:spPr>
-          <a:xfrm>
-            <a:off x="2636321" y="2888743"/>
-            <a:ext cx="617156" cy="311752"/>
-          </a:xfrm>
-          <a:prstGeom prst="rect">
-            <a:avLst/>
-          </a:prstGeom>
-          <a:solidFill>
-            <a:srgbClr val="F1F1F2"/>
-          </a:solidFill>
-        </p:spPr>
-        <p:txBody>
-          <a:bodyPr wrap="none" lIns="0" tIns="0" rIns="0" bIns="0" rtlCol="0">
-            <a:spAutoFit/>
-          </a:bodyPr>
-          <a:lstStyle/>
-          <a:p>
-            <a:pPr algn="ctr"/>
-            <a:r>
-              <a:rPr lang="en-US" sz="1013">
-                <a:latin typeface="Helvetica" charset="0"/>
-                <a:ea typeface="Helvetica" charset="0"/>
-                <a:cs typeface="Helvetica" charset="0"/>
-              </a:rPr>
-              <a:t>has date</a:t>
-            </a:r>
-            <a:br>
-              <a:rPr lang="en-US" sz="1013">
-                <a:latin typeface="Helvetica" charset="0"/>
-                <a:ea typeface="Helvetica" charset="0"/>
-                <a:cs typeface="Helvetica" charset="0"/>
-              </a:rPr>
-            </a:br>
-            <a:r>
-              <a:rPr lang="en-US" sz="1013">
-                <a:latin typeface="Helvetica" charset="0"/>
-                <a:ea typeface="Helvetica" charset="0"/>
-                <a:cs typeface="Helvetica" charset="0"/>
-              </a:rPr>
-              <a:t>created [1]</a:t>
-            </a:r>
-          </a:p>
-        </p:txBody>
-      </p:sp>
-      <p:sp>
-        <p:nvSpPr>
-          <p:cNvPr id="50" name="TextBox 49"/>
-          <p:cNvSpPr txBox="1"/>
-          <p:nvPr/>
-        </p:nvSpPr>
-        <p:spPr>
-          <a:xfrm>
-            <a:off x="1972343" y="3290709"/>
-            <a:ext cx="721191" cy="311752"/>
-          </a:xfrm>
-          <a:prstGeom prst="rect">
-            <a:avLst/>
-          </a:prstGeom>
-          <a:solidFill>
-            <a:srgbClr val="F1F1F2"/>
-          </a:solidFill>
-        </p:spPr>
-        <p:txBody>
-          <a:bodyPr wrap="square" lIns="0" tIns="0" rIns="0" bIns="0" rtlCol="0">
-            <a:spAutoFit/>
-          </a:bodyPr>
-          <a:lstStyle/>
-          <a:p>
-            <a:pPr algn="ctr"/>
-            <a:r>
-              <a:rPr lang="en-US" sz="1013">
-                <a:latin typeface="Helvetica" charset="0"/>
-                <a:ea typeface="Helvetica" charset="0"/>
-                <a:cs typeface="Helvetica" charset="0"/>
-              </a:rPr>
-              <a:t>has building</a:t>
-            </a:r>
-            <a:br>
-              <a:rPr lang="en-US" sz="1013">
-                <a:latin typeface="Helvetica" charset="0"/>
-                <a:ea typeface="Helvetica" charset="0"/>
-                <a:cs typeface="Helvetica" charset="0"/>
-              </a:rPr>
-            </a:br>
-            <a:r>
-              <a:rPr lang="en-US" sz="1013">
-                <a:latin typeface="Helvetica" charset="0"/>
-                <a:ea typeface="Helvetica" charset="0"/>
-                <a:cs typeface="Helvetica" charset="0"/>
-              </a:rPr>
-              <a:t>name [0..1]</a:t>
-            </a:r>
-          </a:p>
-        </p:txBody>
-      </p:sp>
-      <p:sp>
-        <p:nvSpPr>
-          <p:cNvPr id="58" name="TextBox 57"/>
-          <p:cNvSpPr txBox="1"/>
-          <p:nvPr/>
-        </p:nvSpPr>
-        <p:spPr>
-          <a:xfrm>
-            <a:off x="4107999" y="3535555"/>
-            <a:ext cx="509755" cy="311752"/>
-          </a:xfrm>
-          <a:prstGeom prst="rect">
-            <a:avLst/>
-          </a:prstGeom>
-          <a:solidFill>
-            <a:srgbClr val="F1F1F2"/>
-          </a:solidFill>
-        </p:spPr>
-        <p:txBody>
-          <a:bodyPr wrap="none" lIns="0" tIns="0" rIns="0" bIns="0" rtlCol="0">
-            <a:spAutoFit/>
-          </a:bodyPr>
-          <a:lstStyle/>
-          <a:p>
-            <a:pPr algn="ctr"/>
-            <a:r>
-              <a:rPr lang="en-US" sz="1013">
-                <a:latin typeface="Helvetica" charset="0"/>
-                <a:ea typeface="Helvetica" charset="0"/>
-                <a:cs typeface="Helvetica" charset="0"/>
-              </a:rPr>
-              <a:t>has</a:t>
-            </a:r>
-            <a:br>
-              <a:rPr lang="en-US" sz="1013">
-                <a:latin typeface="Helvetica" charset="0"/>
-                <a:ea typeface="Helvetica" charset="0"/>
-                <a:cs typeface="Helvetica" charset="0"/>
-              </a:rPr>
-            </a:br>
-            <a:r>
-              <a:rPr lang="en-US" sz="1013">
-                <a:latin typeface="Helvetica" charset="0"/>
-                <a:ea typeface="Helvetica" charset="0"/>
-                <a:cs typeface="Helvetica" charset="0"/>
-              </a:rPr>
-              <a:t>street [1]</a:t>
-            </a:r>
-          </a:p>
-        </p:txBody>
-      </p:sp>
-      <p:sp>
-        <p:nvSpPr>
-          <p:cNvPr id="60" name="Rectangle 59"/>
+              <a:t>has street suffix [1]</a:t>
+            </a:r>
+          </a:p>
+        </p:txBody>
+      </p:sp>
+      <p:sp>
+        <p:nvSpPr>
+          <p:cNvPr id="38" name="Rectangle 37"/>
           <p:cNvSpPr/>
           <p:nvPr/>
         </p:nvSpPr>
         <p:spPr>
           <a:xfrm>
-            <a:off x="887816" y="4653811"/>
+            <a:off x="2816896" y="1721026"/>
             <a:ext cx="1103709" cy="664369"/>
           </a:xfrm>
           <a:prstGeom prst="rect">
             <a:avLst/>
           </a:prstGeom>
           <a:solidFill>
-            <a:srgbClr val="F4FFFF"/>
+            <a:schemeClr val="bg1"/>
           </a:solidFill>
           <a:ln>
             <a:solidFill>
@@ -7149,27 +7990,176 @@
                 <a:ea typeface="Helvetica" charset="0"/>
                 <a:cs typeface="Helvetica" charset="0"/>
               </a:rPr>
-              <a:t>Locality</a:t>
-            </a:r>
-          </a:p>
-        </p:txBody>
-      </p:sp>
-      <p:sp>
-        <p:nvSpPr>
-          <p:cNvPr id="27" name="Rectangle 26"/>
+              <a:t>geo:Feature</a:t>
+            </a:r>
+          </a:p>
+        </p:txBody>
+      </p:sp>
+      <p:cxnSp>
+        <p:nvCxnSpPr>
+          <p:cNvPr id="39" name="Straight Arrow Connector 38"/>
+          <p:cNvCxnSpPr>
+            <a:stCxn id="44" idx="0"/>
+            <a:endCxn id="38" idx="2"/>
+          </p:cNvCxnSpPr>
+          <p:nvPr/>
+        </p:nvCxnSpPr>
+        <p:spPr>
+          <a:xfrm flipV="1">
+            <a:off x="3368751" y="2385395"/>
+            <a:ext cx="0" cy="970976"/>
+          </a:xfrm>
+          <a:prstGeom prst="straightConnector1">
+            <a:avLst/>
+          </a:prstGeom>
+          <a:ln>
+            <a:solidFill>
+              <a:srgbClr val="000080"/>
+            </a:solidFill>
+            <a:tailEnd type="triangle"/>
+          </a:ln>
+        </p:spPr>
+        <p:style>
+          <a:lnRef idx="1">
+            <a:schemeClr val="accent1"/>
+          </a:lnRef>
+          <a:fillRef idx="0">
+            <a:schemeClr val="accent1"/>
+          </a:fillRef>
+          <a:effectRef idx="0">
+            <a:schemeClr val="accent1"/>
+          </a:effectRef>
+          <a:fontRef idx="minor">
+            <a:schemeClr val="tx1"/>
+          </a:fontRef>
+        </p:style>
+      </p:cxnSp>
+      <p:sp>
+        <p:nvSpPr>
+          <p:cNvPr id="40" name="TextBox 39"/>
+          <p:cNvSpPr txBox="1"/>
+          <p:nvPr/>
+        </p:nvSpPr>
+        <p:spPr>
+          <a:xfrm>
+            <a:off x="2903880" y="2524690"/>
+            <a:ext cx="929743" cy="155877"/>
+          </a:xfrm>
+          <a:prstGeom prst="rect">
+            <a:avLst/>
+          </a:prstGeom>
+          <a:solidFill>
+            <a:srgbClr val="F1F1F2"/>
+          </a:solidFill>
+        </p:spPr>
+        <p:txBody>
+          <a:bodyPr wrap="none" lIns="0" tIns="0" rIns="0" bIns="0" rtlCol="0">
+            <a:spAutoFit/>
+          </a:bodyPr>
+          <a:lstStyle/>
+          <a:p>
+            <a:pPr algn="ctr"/>
+            <a:r>
+              <a:rPr lang="en-US" sz="1013">
+                <a:latin typeface="Helvetica" charset="0"/>
+                <a:ea typeface="Helvetica" charset="0"/>
+                <a:cs typeface="Helvetica" charset="0"/>
+              </a:rPr>
+              <a:t>rdfs:subClassOf</a:t>
+            </a:r>
+          </a:p>
+        </p:txBody>
+      </p:sp>
+      <p:cxnSp>
+        <p:nvCxnSpPr>
+          <p:cNvPr id="41" name="Straight Arrow Connector 40"/>
+          <p:cNvCxnSpPr>
+            <a:endCxn id="43" idx="1"/>
+          </p:cNvCxnSpPr>
+          <p:nvPr/>
+        </p:nvCxnSpPr>
+        <p:spPr>
+          <a:xfrm flipV="1">
+            <a:off x="3559520" y="2661531"/>
+            <a:ext cx="1183804" cy="700445"/>
+          </a:xfrm>
+          <a:prstGeom prst="straightConnector1">
+            <a:avLst/>
+          </a:prstGeom>
+          <a:ln>
+            <a:solidFill>
+              <a:srgbClr val="000080"/>
+            </a:solidFill>
+            <a:tailEnd type="arrow"/>
+          </a:ln>
+        </p:spPr>
+        <p:style>
+          <a:lnRef idx="1">
+            <a:schemeClr val="accent1"/>
+          </a:lnRef>
+          <a:fillRef idx="0">
+            <a:schemeClr val="accent1"/>
+          </a:fillRef>
+          <a:effectRef idx="0">
+            <a:schemeClr val="accent1"/>
+          </a:effectRef>
+          <a:fontRef idx="minor">
+            <a:schemeClr val="tx1"/>
+          </a:fontRef>
+        </p:style>
+      </p:cxnSp>
+      <p:sp>
+        <p:nvSpPr>
+          <p:cNvPr id="42" name="TextBox 41"/>
+          <p:cNvSpPr txBox="1"/>
+          <p:nvPr/>
+        </p:nvSpPr>
+        <p:spPr>
+          <a:xfrm>
+            <a:off x="3984864" y="2697230"/>
+            <a:ext cx="587175" cy="467629"/>
+          </a:xfrm>
+          <a:prstGeom prst="rect">
+            <a:avLst/>
+          </a:prstGeom>
+          <a:solidFill>
+            <a:srgbClr val="F1F1F2"/>
+          </a:solidFill>
+        </p:spPr>
+        <p:txBody>
+          <a:bodyPr wrap="square" lIns="0" tIns="0" rIns="0" bIns="0" rtlCol="0">
+            <a:spAutoFit/>
+          </a:bodyPr>
+          <a:lstStyle/>
+          <a:p>
+            <a:pPr algn="ctr"/>
+            <a:r>
+              <a:rPr lang="en-US" sz="1013" dirty="0">
+                <a:latin typeface="Helvetica" charset="0"/>
+                <a:ea typeface="Helvetica" charset="0"/>
+                <a:cs typeface="Helvetica" charset="0"/>
+              </a:rPr>
+              <a:t>has geometry [1]</a:t>
+            </a:r>
+          </a:p>
+        </p:txBody>
+      </p:sp>
+      <p:sp>
+        <p:nvSpPr>
+          <p:cNvPr id="43" name="Rectangle 42"/>
           <p:cNvSpPr/>
           <p:nvPr/>
         </p:nvSpPr>
         <p:spPr>
           <a:xfrm>
-            <a:off x="4743324" y="1556701"/>
+            <a:off x="4743324" y="2329346"/>
             <a:ext cx="1103709" cy="664369"/>
           </a:xfrm>
           <a:prstGeom prst="rect">
             <a:avLst/>
           </a:prstGeom>
           <a:solidFill>
-            <a:schemeClr val="bg1"/>
+            <a:srgbClr val="F4FFFF"/>
           </a:solidFill>
           <a:ln>
             <a:solidFill>
@@ -7199,7 +8189,7 @@
           <a:p>
             <a:pPr algn="ctr"/>
             <a:r>
-              <a:rPr lang="en-US" sz="1013" b="1">
+              <a:rPr lang="en-US" sz="1013" b="1" dirty="0" smtClean="0">
                 <a:solidFill>
                   <a:srgbClr val="005C84"/>
                 </a:solidFill>
@@ -7207,151 +8197,29 @@
                 <a:ea typeface="Helvetica" charset="0"/>
                 <a:cs typeface="Helvetica" charset="0"/>
               </a:rPr>
-              <a:t>geo:Geometry</a:t>
-            </a:r>
-          </a:p>
-        </p:txBody>
-      </p:sp>
-      <p:sp>
-        <p:nvSpPr>
-          <p:cNvPr id="32" name="TextBox 31"/>
+              <a:t>Geocode Point</a:t>
+            </a:r>
+            <a:endParaRPr lang="en-US" sz="1013" b="1" dirty="0">
+              <a:solidFill>
+                <a:srgbClr val="005C84"/>
+              </a:solidFill>
+              <a:latin typeface="Helvetica" charset="0"/>
+              <a:ea typeface="Helvetica" charset="0"/>
+              <a:cs typeface="Helvetica" charset="0"/>
+            </a:endParaRPr>
+          </a:p>
+        </p:txBody>
+      </p:sp>
+      <p:sp>
+        <p:nvSpPr>
+          <p:cNvPr id="45" name="TextBox 44"/>
           <p:cNvSpPr txBox="1"/>
           <p:nvPr/>
         </p:nvSpPr>
         <p:spPr>
           <a:xfrm>
-            <a:off x="3986362" y="1625583"/>
-            <a:ext cx="587175" cy="467629"/>
-          </a:xfrm>
-          <a:prstGeom prst="rect">
-            <a:avLst/>
-          </a:prstGeom>
-          <a:solidFill>
-            <a:srgbClr val="F1F1F2"/>
-          </a:solidFill>
-        </p:spPr>
-        <p:txBody>
-          <a:bodyPr wrap="square" lIns="0" tIns="0" rIns="0" bIns="0" rtlCol="0">
-            <a:spAutoFit/>
-          </a:bodyPr>
-          <a:lstStyle/>
-          <a:p>
-            <a:pPr algn="ctr"/>
-            <a:r>
-              <a:rPr lang="en-US" sz="1013">
-                <a:latin typeface="Helvetica" charset="0"/>
-                <a:ea typeface="Helvetica" charset="0"/>
-                <a:cs typeface="Helvetica" charset="0"/>
-              </a:rPr>
-              <a:t>has geometry [1]</a:t>
-            </a:r>
-          </a:p>
-        </p:txBody>
-      </p:sp>
-      <p:sp>
-        <p:nvSpPr>
-          <p:cNvPr id="33" name="Rectangle 32"/>
-          <p:cNvSpPr/>
-          <p:nvPr/>
-        </p:nvSpPr>
-        <p:spPr>
-          <a:xfrm>
-            <a:off x="4753196" y="4653811"/>
-            <a:ext cx="1103709" cy="664369"/>
-          </a:xfrm>
-          <a:prstGeom prst="rect">
-            <a:avLst/>
-          </a:prstGeom>
-          <a:solidFill>
-            <a:srgbClr val="F4FFFF"/>
-          </a:solidFill>
-          <a:ln>
-            <a:solidFill>
-              <a:srgbClr val="000080"/>
-            </a:solidFill>
-          </a:ln>
-        </p:spPr>
-        <p:style>
-          <a:lnRef idx="2">
-            <a:schemeClr val="accent1">
-              <a:shade val="50000"/>
-            </a:schemeClr>
-          </a:lnRef>
-          <a:fillRef idx="1">
-            <a:schemeClr val="accent1"/>
-          </a:fillRef>
-          <a:effectRef idx="0">
-            <a:schemeClr val="accent1"/>
-          </a:effectRef>
-          <a:fontRef idx="minor">
-            <a:schemeClr val="lt1"/>
-          </a:fontRef>
-        </p:style>
-        <p:txBody>
-          <a:bodyPr rtlCol="0" anchor="ctr"/>
-          <a:lstStyle/>
-          <a:p>
-            <a:pPr algn="ctr"/>
-            <a:r>
-              <a:rPr lang="en-US" sz="1013" b="1">
-                <a:solidFill>
-                  <a:srgbClr val="005C84"/>
-                </a:solidFill>
-                <a:latin typeface="Helvetica" charset="0"/>
-                <a:ea typeface="Helvetica" charset="0"/>
-                <a:cs typeface="Helvetica" charset="0"/>
-              </a:rPr>
-              <a:t>GNAF Confidence</a:t>
-            </a:r>
-          </a:p>
-        </p:txBody>
-      </p:sp>
-      <p:cxnSp>
-        <p:nvCxnSpPr>
-          <p:cNvPr id="34" name="Straight Arrow Connector 33"/>
-          <p:cNvCxnSpPr/>
-          <p:nvPr/>
-        </p:nvCxnSpPr>
-        <p:spPr>
-          <a:xfrm>
-            <a:off x="3917303" y="4020740"/>
-            <a:ext cx="829289" cy="633071"/>
-          </a:xfrm>
-          <a:prstGeom prst="straightConnector1">
-            <a:avLst/>
-          </a:prstGeom>
-          <a:ln>
-            <a:solidFill>
-              <a:srgbClr val="000080"/>
-            </a:solidFill>
-            <a:tailEnd type="arrow"/>
-          </a:ln>
-        </p:spPr>
-        <p:style>
-          <a:lnRef idx="1">
-            <a:schemeClr val="accent1"/>
-          </a:lnRef>
-          <a:fillRef idx="0">
-            <a:schemeClr val="accent1"/>
-          </a:fillRef>
-          <a:effectRef idx="0">
-            <a:schemeClr val="accent1"/>
-          </a:effectRef>
-          <a:fontRef idx="minor">
-            <a:schemeClr val="tx1"/>
-          </a:fontRef>
-        </p:style>
-      </p:cxnSp>
-      <p:sp>
-        <p:nvSpPr>
-          <p:cNvPr id="57" name="TextBox 56"/>
-          <p:cNvSpPr txBox="1"/>
-          <p:nvPr/>
-        </p:nvSpPr>
-        <p:spPr>
-          <a:xfrm>
-            <a:off x="4215229" y="4398200"/>
-            <a:ext cx="1458734" cy="155877"/>
+            <a:off x="1775796" y="3096840"/>
+            <a:ext cx="1234312" cy="155877"/>
           </a:xfrm>
           <a:prstGeom prst="rect">
             <a:avLst/>
@@ -7368,178 +8236,42 @@
           <a:p>
             <a:pPr algn="ctr"/>
             <a:r>
-              <a:rPr lang="en-US" sz="1013">
-                <a:latin typeface="Helvetica" charset="0"/>
-                <a:ea typeface="Helvetica" charset="0"/>
-                <a:cs typeface="Helvetica" charset="0"/>
-              </a:rPr>
-              <a:t>has GNAF confidence [1]</a:t>
-            </a:r>
-          </a:p>
-        </p:txBody>
-      </p:sp>
-      <p:sp>
-        <p:nvSpPr>
-          <p:cNvPr id="45" name="Rectangle 44"/>
-          <p:cNvSpPr/>
-          <p:nvPr/>
-        </p:nvSpPr>
-        <p:spPr>
-          <a:xfrm>
-            <a:off x="4753196" y="5515711"/>
-            <a:ext cx="1103709" cy="664369"/>
-          </a:xfrm>
-          <a:prstGeom prst="rect">
-            <a:avLst/>
-          </a:prstGeom>
-          <a:solidFill>
-            <a:srgbClr val="F4FFFF"/>
-          </a:solidFill>
-          <a:ln>
-            <a:solidFill>
-              <a:srgbClr val="000080"/>
-            </a:solidFill>
-          </a:ln>
-        </p:spPr>
-        <p:style>
-          <a:lnRef idx="2">
-            <a:schemeClr val="accent1">
-              <a:shade val="50000"/>
-            </a:schemeClr>
-          </a:lnRef>
-          <a:fillRef idx="1">
-            <a:schemeClr val="accent1"/>
-          </a:fillRef>
-          <a:effectRef idx="0">
-            <a:schemeClr val="accent1"/>
-          </a:effectRef>
-          <a:fontRef idx="minor">
-            <a:schemeClr val="lt1"/>
-          </a:fontRef>
-        </p:style>
-        <p:txBody>
-          <a:bodyPr rtlCol="0" anchor="ctr"/>
-          <a:lstStyle/>
-          <a:p>
-            <a:pPr algn="ctr"/>
-            <a:r>
-              <a:rPr lang="en-US" sz="1013" b="1">
-                <a:solidFill>
-                  <a:srgbClr val="005C84"/>
-                </a:solidFill>
-                <a:latin typeface="Helvetica" charset="0"/>
-                <a:ea typeface="Helvetica" charset="0"/>
-                <a:cs typeface="Helvetica" charset="0"/>
-              </a:rPr>
-              <a:t>ISO 19160-1 Address</a:t>
-            </a:r>
-          </a:p>
-        </p:txBody>
-      </p:sp>
-      <p:sp>
-        <p:nvSpPr>
-          <p:cNvPr id="51" name="Rectangle 50"/>
-          <p:cNvSpPr/>
-          <p:nvPr/>
-        </p:nvSpPr>
-        <p:spPr>
-          <a:xfrm>
-            <a:off x="4753196" y="2478884"/>
-            <a:ext cx="1103709" cy="411497"/>
-          </a:xfrm>
-          <a:prstGeom prst="rect">
-            <a:avLst/>
-          </a:prstGeom>
-          <a:solidFill>
-            <a:schemeClr val="bg1"/>
-          </a:solidFill>
-          <a:ln>
-            <a:solidFill>
-              <a:srgbClr val="000080"/>
-            </a:solidFill>
-          </a:ln>
-        </p:spPr>
-        <p:style>
-          <a:lnRef idx="2">
-            <a:schemeClr val="accent1">
-              <a:shade val="50000"/>
-            </a:schemeClr>
-          </a:lnRef>
-          <a:fillRef idx="1">
-            <a:schemeClr val="accent1"/>
-          </a:fillRef>
-          <a:effectRef idx="0">
-            <a:schemeClr val="accent1"/>
-          </a:effectRef>
-          <a:fontRef idx="minor">
-            <a:schemeClr val="lt1"/>
-          </a:fontRef>
-        </p:style>
-        <p:txBody>
-          <a:bodyPr rtlCol="0" anchor="ctr"/>
-          <a:lstStyle/>
-          <a:p>
-            <a:pPr algn="ctr"/>
-            <a:r>
-              <a:rPr lang="en-US" sz="1013" b="1">
-                <a:solidFill>
-                  <a:srgbClr val="005C84"/>
-                </a:solidFill>
-                <a:latin typeface="Helvetica" charset="0"/>
-                <a:ea typeface="Helvetica" charset="0"/>
-                <a:cs typeface="Helvetica" charset="0"/>
-              </a:rPr>
-              <a:t>xsd:boolean</a:t>
-            </a:r>
-          </a:p>
-        </p:txBody>
-      </p:sp>
-      <p:cxnSp>
-        <p:nvCxnSpPr>
-          <p:cNvPr id="52" name="Straight Arrow Connector 51"/>
-          <p:cNvCxnSpPr/>
-          <p:nvPr/>
-        </p:nvCxnSpPr>
-        <p:spPr>
-          <a:xfrm flipV="1">
-            <a:off x="3920605" y="2890381"/>
-            <a:ext cx="825987" cy="465990"/>
-          </a:xfrm>
-          <a:prstGeom prst="straightConnector1">
-            <a:avLst/>
-          </a:prstGeom>
-          <a:ln>
-            <a:solidFill>
-              <a:srgbClr val="000080"/>
-            </a:solidFill>
-            <a:tailEnd type="arrow"/>
-          </a:ln>
-        </p:spPr>
-        <p:style>
-          <a:lnRef idx="1">
-            <a:schemeClr val="accent1"/>
-          </a:lnRef>
-          <a:fillRef idx="0">
-            <a:schemeClr val="accent1"/>
-          </a:fillRef>
-          <a:effectRef idx="0">
-            <a:schemeClr val="accent1"/>
-          </a:effectRef>
-          <a:fontRef idx="minor">
-            <a:schemeClr val="tx1"/>
-          </a:fontRef>
-        </p:style>
-      </p:cxnSp>
-      <p:sp>
-        <p:nvSpPr>
-          <p:cNvPr id="56" name="TextBox 55"/>
+              <a:rPr lang="en-US" sz="1013" dirty="0">
+                <a:latin typeface="Helvetica" charset="0"/>
+                <a:ea typeface="Helvetica" charset="0"/>
+                <a:cs typeface="Helvetica" charset="0"/>
+              </a:rPr>
+              <a:t>has </a:t>
+            </a:r>
+            <a:r>
+              <a:rPr lang="en-US" sz="1013" dirty="0" smtClean="0">
+                <a:latin typeface="Helvetica" charset="0"/>
+                <a:ea typeface="Helvetica" charset="0"/>
+                <a:cs typeface="Helvetica" charset="0"/>
+              </a:rPr>
+              <a:t>date retired </a:t>
+            </a:r>
+            <a:r>
+              <a:rPr lang="en-US" sz="1013" dirty="0">
+                <a:latin typeface="Helvetica" charset="0"/>
+                <a:ea typeface="Helvetica" charset="0"/>
+                <a:cs typeface="Helvetica" charset="0"/>
+              </a:rPr>
+              <a:t>[0..1]</a:t>
+            </a:r>
+          </a:p>
+        </p:txBody>
+      </p:sp>
+      <p:sp>
+        <p:nvSpPr>
+          <p:cNvPr id="46" name="TextBox 45"/>
           <p:cNvSpPr txBox="1"/>
           <p:nvPr/>
         </p:nvSpPr>
         <p:spPr>
           <a:xfrm>
-            <a:off x="3921758" y="3037454"/>
-            <a:ext cx="1147751" cy="155877"/>
+            <a:off x="1578196" y="2873680"/>
+            <a:ext cx="1154162" cy="155877"/>
           </a:xfrm>
           <a:prstGeom prst="rect">
             <a:avLst/>
@@ -7556,864 +8288,28 @@
           <a:p>
             <a:pPr algn="ctr"/>
             <a:r>
-              <a:rPr lang="en-US" sz="1013">
-                <a:latin typeface="Helvetica" charset="0"/>
-                <a:ea typeface="Helvetica" charset="0"/>
-                <a:cs typeface="Helvetica" charset="0"/>
-              </a:rPr>
-              <a:t>has private street[1]</a:t>
-            </a:r>
-          </a:p>
-        </p:txBody>
-      </p:sp>
-      <p:cxnSp>
-        <p:nvCxnSpPr>
-          <p:cNvPr id="62" name="Straight Arrow Connector 61"/>
-          <p:cNvCxnSpPr/>
-          <p:nvPr/>
-        </p:nvCxnSpPr>
-        <p:spPr>
-          <a:xfrm flipH="1" flipV="1">
-            <a:off x="1844885" y="3879781"/>
-            <a:ext cx="965530" cy="1030"/>
-          </a:xfrm>
-          <a:prstGeom prst="straightConnector1">
-            <a:avLst/>
-          </a:prstGeom>
-          <a:ln>
-            <a:solidFill>
-              <a:srgbClr val="000080"/>
-            </a:solidFill>
-            <a:tailEnd type="arrow"/>
-          </a:ln>
-        </p:spPr>
-        <p:style>
-          <a:lnRef idx="1">
-            <a:schemeClr val="accent1"/>
-          </a:lnRef>
-          <a:fillRef idx="0">
-            <a:schemeClr val="accent1"/>
-          </a:fillRef>
-          <a:effectRef idx="0">
-            <a:schemeClr val="accent1"/>
-          </a:effectRef>
-          <a:fontRef idx="minor">
-            <a:schemeClr val="tx1"/>
-          </a:fontRef>
-        </p:style>
-      </p:cxnSp>
-      <p:sp>
-        <p:nvSpPr>
-          <p:cNvPr id="64" name="TextBox 63"/>
-          <p:cNvSpPr txBox="1"/>
-          <p:nvPr/>
-        </p:nvSpPr>
-        <p:spPr>
-          <a:xfrm>
-            <a:off x="2003218" y="3710572"/>
-            <a:ext cx="721191" cy="311752"/>
-          </a:xfrm>
-          <a:prstGeom prst="rect">
-            <a:avLst/>
-          </a:prstGeom>
-          <a:solidFill>
-            <a:srgbClr val="F1F1F2"/>
-          </a:solidFill>
-        </p:spPr>
-        <p:txBody>
-          <a:bodyPr wrap="square" lIns="0" tIns="0" rIns="0" bIns="0" rtlCol="0">
-            <a:spAutoFit/>
-          </a:bodyPr>
-          <a:lstStyle/>
-          <a:p>
-            <a:pPr algn="ctr"/>
-            <a:r>
-              <a:rPr lang="en-US" sz="1013">
-                <a:latin typeface="Helvetica" charset="0"/>
-                <a:ea typeface="Helvetica" charset="0"/>
-                <a:cs typeface="Helvetica" charset="0"/>
-              </a:rPr>
-              <a:t>has postcode [1]</a:t>
-            </a:r>
-          </a:p>
-        </p:txBody>
-      </p:sp>
-      <p:sp>
-        <p:nvSpPr>
-          <p:cNvPr id="66" name="Rectangle 65"/>
-          <p:cNvSpPr/>
-          <p:nvPr/>
-        </p:nvSpPr>
-        <p:spPr>
-          <a:xfrm>
-            <a:off x="1256808" y="5515713"/>
-            <a:ext cx="1103709" cy="664369"/>
-          </a:xfrm>
-          <a:prstGeom prst="rect">
-            <a:avLst/>
-          </a:prstGeom>
-          <a:solidFill>
-            <a:srgbClr val="F4FFFF"/>
-          </a:solidFill>
-          <a:ln>
-            <a:solidFill>
-              <a:srgbClr val="000080"/>
-            </a:solidFill>
-          </a:ln>
-        </p:spPr>
-        <p:style>
-          <a:lnRef idx="2">
-            <a:schemeClr val="accent1">
-              <a:shade val="50000"/>
-            </a:schemeClr>
-          </a:lnRef>
-          <a:fillRef idx="1">
-            <a:schemeClr val="accent1"/>
-          </a:fillRef>
-          <a:effectRef idx="0">
-            <a:schemeClr val="accent1"/>
-          </a:effectRef>
-          <a:fontRef idx="minor">
-            <a:schemeClr val="lt1"/>
-          </a:fontRef>
-        </p:style>
-        <p:txBody>
-          <a:bodyPr rtlCol="0" anchor="ctr"/>
-          <a:lstStyle/>
-          <a:p>
-            <a:pPr algn="ctr"/>
-            <a:r>
-              <a:rPr lang="en-US" sz="1013" b="1">
-                <a:solidFill>
-                  <a:srgbClr val="005C84"/>
-                </a:solidFill>
-                <a:latin typeface="Helvetica" charset="0"/>
-                <a:ea typeface="Helvetica" charset="0"/>
-                <a:cs typeface="Helvetica" charset="0"/>
-              </a:rPr>
-              <a:t>Number</a:t>
-            </a:r>
-          </a:p>
-        </p:txBody>
-      </p:sp>
-      <p:cxnSp>
-        <p:nvCxnSpPr>
-          <p:cNvPr id="67" name="Straight Arrow Connector 66"/>
-          <p:cNvCxnSpPr>
-            <a:endCxn id="66" idx="0"/>
-          </p:cNvCxnSpPr>
-          <p:nvPr/>
-        </p:nvCxnSpPr>
-        <p:spPr>
-          <a:xfrm flipH="1">
-            <a:off x="1808663" y="4032175"/>
-            <a:ext cx="1260875" cy="1483538"/>
-          </a:xfrm>
-          <a:prstGeom prst="straightConnector1">
-            <a:avLst/>
-          </a:prstGeom>
-          <a:ln>
-            <a:solidFill>
-              <a:srgbClr val="000080"/>
-            </a:solidFill>
-            <a:tailEnd type="arrow"/>
-          </a:ln>
-        </p:spPr>
-        <p:style>
-          <a:lnRef idx="1">
-            <a:schemeClr val="accent1"/>
-          </a:lnRef>
-          <a:fillRef idx="0">
-            <a:schemeClr val="accent1"/>
-          </a:fillRef>
-          <a:effectRef idx="0">
-            <a:schemeClr val="accent1"/>
-          </a:effectRef>
-          <a:fontRef idx="minor">
-            <a:schemeClr val="tx1"/>
-          </a:fontRef>
-        </p:style>
-      </p:cxnSp>
-      <p:sp>
-        <p:nvSpPr>
-          <p:cNvPr id="69" name="TextBox 68"/>
-          <p:cNvSpPr txBox="1"/>
-          <p:nvPr/>
-        </p:nvSpPr>
-        <p:spPr>
-          <a:xfrm>
-            <a:off x="2481503" y="4211949"/>
-            <a:ext cx="867647" cy="311752"/>
-          </a:xfrm>
-          <a:prstGeom prst="rect">
-            <a:avLst/>
-          </a:prstGeom>
-          <a:solidFill>
-            <a:srgbClr val="F1F1F2"/>
-          </a:solidFill>
-        </p:spPr>
-        <p:txBody>
-          <a:bodyPr wrap="square" lIns="0" tIns="0" rIns="0" bIns="0" rtlCol="0">
-            <a:spAutoFit/>
-          </a:bodyPr>
-          <a:lstStyle/>
-          <a:p>
-            <a:pPr algn="ctr"/>
-            <a:r>
-              <a:rPr lang="en-US" sz="1013">
-                <a:latin typeface="Helvetica" charset="0"/>
-                <a:ea typeface="Helvetica" charset="0"/>
-                <a:cs typeface="Helvetica" charset="0"/>
-              </a:rPr>
-              <a:t>has number [0..5]</a:t>
-            </a:r>
-          </a:p>
-        </p:txBody>
-      </p:sp>
-      <p:cxnSp>
-        <p:nvCxnSpPr>
-          <p:cNvPr id="35" name="Straight Arrow Connector 34"/>
-          <p:cNvCxnSpPr>
-            <a:stCxn id="37" idx="0"/>
-            <a:endCxn id="44" idx="2"/>
-          </p:cNvCxnSpPr>
-          <p:nvPr/>
-        </p:nvCxnSpPr>
-        <p:spPr>
-          <a:xfrm flipV="1">
-            <a:off x="3033358" y="4020740"/>
-            <a:ext cx="335393" cy="1494971"/>
-          </a:xfrm>
-          <a:prstGeom prst="straightConnector1">
-            <a:avLst/>
-          </a:prstGeom>
-          <a:ln>
-            <a:solidFill>
-              <a:srgbClr val="000080"/>
-            </a:solidFill>
-            <a:tailEnd type="arrow"/>
-          </a:ln>
-        </p:spPr>
-        <p:style>
-          <a:lnRef idx="1">
-            <a:schemeClr val="accent1"/>
-          </a:lnRef>
-          <a:fillRef idx="0">
-            <a:schemeClr val="accent1"/>
-          </a:fillRef>
-          <a:effectRef idx="0">
-            <a:schemeClr val="accent1"/>
-          </a:effectRef>
-          <a:fontRef idx="minor">
-            <a:schemeClr val="tx1"/>
-          </a:fontRef>
-        </p:style>
-      </p:cxnSp>
-      <p:sp>
-        <p:nvSpPr>
-          <p:cNvPr id="36" name="TextBox 35"/>
-          <p:cNvSpPr txBox="1"/>
-          <p:nvPr/>
-        </p:nvSpPr>
-        <p:spPr>
-          <a:xfrm>
-            <a:off x="2732777" y="4684031"/>
-            <a:ext cx="822341" cy="155877"/>
-          </a:xfrm>
-          <a:prstGeom prst="rect">
-            <a:avLst/>
-          </a:prstGeom>
-          <a:solidFill>
-            <a:srgbClr val="F1F1F2"/>
-          </a:solidFill>
-        </p:spPr>
-        <p:txBody>
-          <a:bodyPr wrap="none" lIns="0" tIns="0" rIns="0" bIns="0" rtlCol="0">
-            <a:spAutoFit/>
-          </a:bodyPr>
-          <a:lstStyle/>
-          <a:p>
-            <a:pPr algn="ctr"/>
-            <a:r>
-              <a:rPr lang="en-US" sz="1013">
-                <a:latin typeface="Helvetica" charset="0"/>
-                <a:ea typeface="Helvetica" charset="0"/>
-                <a:cs typeface="Helvetica" charset="0"/>
-              </a:rPr>
-              <a:t>has alias [0..*]</a:t>
-            </a:r>
-          </a:p>
-        </p:txBody>
-      </p:sp>
-      <p:sp>
-        <p:nvSpPr>
-          <p:cNvPr id="37" name="Rectangle 36"/>
-          <p:cNvSpPr/>
-          <p:nvPr/>
-        </p:nvSpPr>
-        <p:spPr>
-          <a:xfrm>
-            <a:off x="2481503" y="5515711"/>
-            <a:ext cx="1103709" cy="664369"/>
-          </a:xfrm>
-          <a:prstGeom prst="rect">
-            <a:avLst/>
-          </a:prstGeom>
-          <a:solidFill>
-            <a:srgbClr val="F4FFFF"/>
-          </a:solidFill>
-          <a:ln>
-            <a:solidFill>
-              <a:srgbClr val="000080"/>
-            </a:solidFill>
-          </a:ln>
-        </p:spPr>
-        <p:style>
-          <a:lnRef idx="2">
-            <a:schemeClr val="accent1">
-              <a:shade val="50000"/>
-            </a:schemeClr>
-          </a:lnRef>
-          <a:fillRef idx="1">
-            <a:schemeClr val="accent1"/>
-          </a:fillRef>
-          <a:effectRef idx="0">
-            <a:schemeClr val="accent1"/>
-          </a:effectRef>
-          <a:fontRef idx="minor">
-            <a:schemeClr val="lt1"/>
-          </a:fontRef>
-        </p:style>
-        <p:txBody>
-          <a:bodyPr rtlCol="0" anchor="ctr"/>
-          <a:lstStyle/>
-          <a:p>
-            <a:pPr algn="ctr"/>
-            <a:r>
-              <a:rPr lang="en-US" sz="1013" b="1">
-                <a:solidFill>
-                  <a:srgbClr val="005C84"/>
-                </a:solidFill>
-                <a:latin typeface="Helvetica" charset="0"/>
-                <a:ea typeface="Helvetica" charset="0"/>
-                <a:cs typeface="Helvetica" charset="0"/>
-              </a:rPr>
-              <a:t>Alias</a:t>
-            </a:r>
-          </a:p>
-        </p:txBody>
-      </p:sp>
-      <p:cxnSp>
-        <p:nvCxnSpPr>
-          <p:cNvPr id="61" name="Straight Arrow Connector 60"/>
-          <p:cNvCxnSpPr/>
-          <p:nvPr/>
-        </p:nvCxnSpPr>
-        <p:spPr>
-          <a:xfrm flipH="1">
-            <a:off x="1991521" y="4020740"/>
-            <a:ext cx="825377" cy="633071"/>
-          </a:xfrm>
-          <a:prstGeom prst="straightConnector1">
-            <a:avLst/>
-          </a:prstGeom>
-          <a:ln>
-            <a:solidFill>
-              <a:srgbClr val="000080"/>
-            </a:solidFill>
-            <a:tailEnd type="arrow"/>
-          </a:ln>
-        </p:spPr>
-        <p:style>
-          <a:lnRef idx="1">
-            <a:schemeClr val="accent1"/>
-          </a:lnRef>
-          <a:fillRef idx="0">
-            <a:schemeClr val="accent1"/>
-          </a:fillRef>
-          <a:effectRef idx="0">
-            <a:schemeClr val="accent1"/>
-          </a:effectRef>
-          <a:fontRef idx="minor">
-            <a:schemeClr val="tx1"/>
-          </a:fontRef>
-        </p:style>
-      </p:cxnSp>
-      <p:sp>
-        <p:nvSpPr>
-          <p:cNvPr id="65" name="TextBox 64"/>
-          <p:cNvSpPr txBox="1"/>
-          <p:nvPr/>
-        </p:nvSpPr>
-        <p:spPr>
-          <a:xfrm>
-            <a:off x="1466485" y="4359089"/>
-            <a:ext cx="867647" cy="155877"/>
-          </a:xfrm>
-          <a:prstGeom prst="rect">
-            <a:avLst/>
-          </a:prstGeom>
-          <a:solidFill>
-            <a:srgbClr val="F1F1F2"/>
-          </a:solidFill>
-        </p:spPr>
-        <p:txBody>
-          <a:bodyPr wrap="square" lIns="0" tIns="0" rIns="0" bIns="0" rtlCol="0">
-            <a:spAutoFit/>
-          </a:bodyPr>
-          <a:lstStyle/>
-          <a:p>
-            <a:pPr algn="ctr"/>
-            <a:r>
-              <a:rPr lang="en-US" sz="1013">
-                <a:latin typeface="Helvetica" charset="0"/>
-                <a:ea typeface="Helvetica" charset="0"/>
-                <a:cs typeface="Helvetica" charset="0"/>
-              </a:rPr>
-              <a:t>has locality [1]</a:t>
-            </a:r>
-          </a:p>
-        </p:txBody>
-      </p:sp>
-      <p:sp>
-        <p:nvSpPr>
-          <p:cNvPr id="38" name="Rectangle 37"/>
-          <p:cNvSpPr/>
-          <p:nvPr/>
-        </p:nvSpPr>
-        <p:spPr>
-          <a:xfrm>
-            <a:off x="3391924" y="6239151"/>
-            <a:ext cx="1103709" cy="664369"/>
-          </a:xfrm>
-          <a:prstGeom prst="rect">
-            <a:avLst/>
-          </a:prstGeom>
-          <a:solidFill>
-            <a:srgbClr val="F4FFFF"/>
-          </a:solidFill>
-          <a:ln>
-            <a:solidFill>
-              <a:srgbClr val="000080"/>
-            </a:solidFill>
-          </a:ln>
-        </p:spPr>
-        <p:style>
-          <a:lnRef idx="2">
-            <a:schemeClr val="accent1">
-              <a:shade val="50000"/>
-            </a:schemeClr>
-          </a:lnRef>
-          <a:fillRef idx="1">
-            <a:schemeClr val="accent1"/>
-          </a:fillRef>
-          <a:effectRef idx="0">
-            <a:schemeClr val="accent1"/>
-          </a:effectRef>
-          <a:fontRef idx="minor">
-            <a:schemeClr val="lt1"/>
-          </a:fontRef>
-        </p:style>
-        <p:txBody>
-          <a:bodyPr rtlCol="0" anchor="ctr"/>
-          <a:lstStyle/>
-          <a:p>
-            <a:pPr algn="ctr"/>
-            <a:r>
-              <a:rPr lang="en-US" sz="1013" b="1">
-                <a:solidFill>
-                  <a:srgbClr val="005C84"/>
-                </a:solidFill>
-                <a:latin typeface="Helvetica" charset="0"/>
-                <a:ea typeface="Helvetica" charset="0"/>
-                <a:cs typeface="Helvetica" charset="0"/>
-              </a:rPr>
-              <a:t>Address Site</a:t>
-            </a:r>
-          </a:p>
-        </p:txBody>
-      </p:sp>
-      <p:cxnSp>
-        <p:nvCxnSpPr>
-          <p:cNvPr id="53" name="Straight Arrow Connector 52"/>
-          <p:cNvCxnSpPr>
-            <a:stCxn id="38" idx="0"/>
-          </p:cNvCxnSpPr>
-          <p:nvPr/>
-        </p:nvCxnSpPr>
-        <p:spPr>
-          <a:xfrm flipH="1" flipV="1">
-            <a:off x="3572217" y="4032175"/>
-            <a:ext cx="371562" cy="2206976"/>
-          </a:xfrm>
-          <a:prstGeom prst="straightConnector1">
-            <a:avLst/>
-          </a:prstGeom>
-          <a:ln>
-            <a:solidFill>
-              <a:srgbClr val="000080"/>
-            </a:solidFill>
-            <a:tailEnd type="arrow"/>
-          </a:ln>
-        </p:spPr>
-        <p:style>
-          <a:lnRef idx="1">
-            <a:schemeClr val="accent1"/>
-          </a:lnRef>
-          <a:fillRef idx="0">
-            <a:schemeClr val="accent1"/>
-          </a:fillRef>
-          <a:effectRef idx="0">
-            <a:schemeClr val="accent1"/>
-          </a:effectRef>
-          <a:fontRef idx="minor">
-            <a:schemeClr val="tx1"/>
-          </a:fontRef>
-        </p:style>
-      </p:cxnSp>
-      <p:sp>
-        <p:nvSpPr>
-          <p:cNvPr id="39" name="TextBox 38"/>
-          <p:cNvSpPr txBox="1"/>
-          <p:nvPr/>
-        </p:nvSpPr>
-        <p:spPr>
-          <a:xfrm>
-            <a:off x="3621816" y="5569986"/>
-            <a:ext cx="710131" cy="311752"/>
-          </a:xfrm>
-          <a:prstGeom prst="rect">
-            <a:avLst/>
-          </a:prstGeom>
-          <a:solidFill>
-            <a:srgbClr val="F1F1F2"/>
-          </a:solidFill>
-        </p:spPr>
-        <p:txBody>
-          <a:bodyPr wrap="none" lIns="0" tIns="0" rIns="0" bIns="0" rtlCol="0">
-            <a:spAutoFit/>
-          </a:bodyPr>
-          <a:lstStyle/>
-          <a:p>
-            <a:pPr algn="ctr"/>
-            <a:r>
-              <a:rPr lang="en-US" sz="1013">
-                <a:latin typeface="Helvetica" charset="0"/>
-                <a:ea typeface="Helvetica" charset="0"/>
-                <a:cs typeface="Helvetica" charset="0"/>
-              </a:rPr>
-              <a:t>has address</a:t>
-            </a:r>
-            <a:br>
-              <a:rPr lang="en-US" sz="1013">
-                <a:latin typeface="Helvetica" charset="0"/>
-                <a:ea typeface="Helvetica" charset="0"/>
-                <a:cs typeface="Helvetica" charset="0"/>
-              </a:rPr>
-            </a:br>
-            <a:r>
-              <a:rPr lang="en-US" sz="1013">
-                <a:latin typeface="Helvetica" charset="0"/>
-                <a:ea typeface="Helvetica" charset="0"/>
-                <a:cs typeface="Helvetica" charset="0"/>
-              </a:rPr>
-              <a:t>site [0..*]</a:t>
-            </a:r>
-          </a:p>
-        </p:txBody>
-      </p:sp>
-      <p:cxnSp>
-        <p:nvCxnSpPr>
-          <p:cNvPr id="54" name="Curved Connector 53"/>
-          <p:cNvCxnSpPr>
-            <a:endCxn id="30" idx="2"/>
-          </p:cNvCxnSpPr>
-          <p:nvPr/>
-        </p:nvCxnSpPr>
-        <p:spPr>
-          <a:xfrm rot="5400000" flipH="1">
-            <a:off x="1989289" y="3181187"/>
-            <a:ext cx="122134" cy="1514895"/>
-          </a:xfrm>
-          <a:prstGeom prst="curvedConnector3">
-            <a:avLst>
-              <a:gd name="adj1" fmla="val -187171"/>
-            </a:avLst>
-          </a:prstGeom>
-          <a:ln>
-            <a:solidFill>
-              <a:srgbClr val="000080"/>
-            </a:solidFill>
-            <a:tailEnd type="arrow"/>
-          </a:ln>
-        </p:spPr>
-        <p:style>
-          <a:lnRef idx="1">
-            <a:schemeClr val="accent1"/>
-          </a:lnRef>
-          <a:fillRef idx="0">
-            <a:schemeClr val="accent1"/>
-          </a:fillRef>
-          <a:effectRef idx="0">
-            <a:schemeClr val="accent1"/>
-          </a:effectRef>
-          <a:fontRef idx="minor">
-            <a:schemeClr val="tx1"/>
-          </a:fontRef>
-        </p:style>
-      </p:cxnSp>
-      <p:sp>
-        <p:nvSpPr>
-          <p:cNvPr id="68" name="TextBox 67"/>
-          <p:cNvSpPr txBox="1"/>
-          <p:nvPr/>
-        </p:nvSpPr>
-        <p:spPr>
-          <a:xfrm>
-            <a:off x="1078863" y="4051612"/>
-            <a:ext cx="1025906" cy="155877"/>
-          </a:xfrm>
-          <a:prstGeom prst="rect">
-            <a:avLst/>
-          </a:prstGeom>
-          <a:solidFill>
-            <a:srgbClr val="F1F1F2"/>
-          </a:solidFill>
-        </p:spPr>
-        <p:txBody>
-          <a:bodyPr wrap="square" lIns="0" tIns="0" rIns="0" bIns="0" rtlCol="0">
-            <a:spAutoFit/>
-          </a:bodyPr>
-          <a:lstStyle/>
-          <a:p>
-            <a:pPr algn="ctr"/>
-            <a:r>
-              <a:rPr lang="en-US" sz="1013">
-                <a:latin typeface="Helvetica" charset="0"/>
-                <a:ea typeface="Helvetica" charset="0"/>
-                <a:cs typeface="Helvetica" charset="0"/>
-              </a:rPr>
-              <a:t>dct:description [1]</a:t>
-            </a:r>
-          </a:p>
-        </p:txBody>
-      </p:sp>
-      <p:sp>
-        <p:nvSpPr>
-          <p:cNvPr id="42" name="Rectangle 41"/>
-          <p:cNvSpPr/>
-          <p:nvPr/>
-        </p:nvSpPr>
-        <p:spPr>
-          <a:xfrm>
-            <a:off x="2807804" y="1559913"/>
-            <a:ext cx="1103709" cy="664369"/>
-          </a:xfrm>
-          <a:prstGeom prst="rect">
-            <a:avLst/>
-          </a:prstGeom>
-          <a:solidFill>
-            <a:schemeClr val="bg1"/>
-          </a:solidFill>
-          <a:ln>
-            <a:solidFill>
-              <a:srgbClr val="000080"/>
-            </a:solidFill>
-          </a:ln>
-        </p:spPr>
-        <p:style>
-          <a:lnRef idx="2">
-            <a:schemeClr val="accent1">
-              <a:shade val="50000"/>
-            </a:schemeClr>
-          </a:lnRef>
-          <a:fillRef idx="1">
-            <a:schemeClr val="accent1"/>
-          </a:fillRef>
-          <a:effectRef idx="0">
-            <a:schemeClr val="accent1"/>
-          </a:effectRef>
-          <a:fontRef idx="minor">
-            <a:schemeClr val="lt1"/>
-          </a:fontRef>
-        </p:style>
-        <p:txBody>
-          <a:bodyPr rtlCol="0" anchor="ctr"/>
-          <a:lstStyle/>
-          <a:p>
-            <a:pPr algn="ctr"/>
-            <a:r>
-              <a:rPr lang="en-US" sz="1013" b="1">
-                <a:solidFill>
-                  <a:srgbClr val="005C84"/>
-                </a:solidFill>
-                <a:latin typeface="Helvetica" charset="0"/>
-                <a:ea typeface="Helvetica" charset="0"/>
-                <a:cs typeface="Helvetica" charset="0"/>
-              </a:rPr>
-              <a:t>geo:Feature</a:t>
-            </a:r>
-          </a:p>
-        </p:txBody>
-      </p:sp>
-      <p:cxnSp>
-        <p:nvCxnSpPr>
-          <p:cNvPr id="43" name="Straight Arrow Connector 42"/>
-          <p:cNvCxnSpPr>
-            <a:stCxn id="44" idx="0"/>
-            <a:endCxn id="42" idx="2"/>
-          </p:cNvCxnSpPr>
-          <p:nvPr/>
-        </p:nvCxnSpPr>
-        <p:spPr>
-          <a:xfrm flipH="1" flipV="1">
-            <a:off x="3359659" y="2224282"/>
-            <a:ext cx="9092" cy="1132089"/>
-          </a:xfrm>
-          <a:prstGeom prst="straightConnector1">
-            <a:avLst/>
-          </a:prstGeom>
-          <a:ln>
-            <a:solidFill>
-              <a:srgbClr val="000080"/>
-            </a:solidFill>
-            <a:tailEnd type="triangle"/>
-          </a:ln>
-        </p:spPr>
-        <p:style>
-          <a:lnRef idx="1">
-            <a:schemeClr val="accent1"/>
-          </a:lnRef>
-          <a:fillRef idx="0">
-            <a:schemeClr val="accent1"/>
-          </a:fillRef>
-          <a:effectRef idx="0">
-            <a:schemeClr val="accent1"/>
-          </a:effectRef>
-          <a:fontRef idx="minor">
-            <a:schemeClr val="tx1"/>
-          </a:fontRef>
-        </p:style>
-      </p:cxnSp>
-      <p:sp>
-        <p:nvSpPr>
-          <p:cNvPr id="55" name="TextBox 54"/>
-          <p:cNvSpPr txBox="1"/>
-          <p:nvPr/>
-        </p:nvSpPr>
-        <p:spPr>
-          <a:xfrm>
-            <a:off x="2884278" y="2421933"/>
-            <a:ext cx="929743" cy="155877"/>
-          </a:xfrm>
-          <a:prstGeom prst="rect">
-            <a:avLst/>
-          </a:prstGeom>
-          <a:solidFill>
-            <a:srgbClr val="F1F1F2"/>
-          </a:solidFill>
-        </p:spPr>
-        <p:txBody>
-          <a:bodyPr wrap="none" lIns="0" tIns="0" rIns="0" bIns="0" rtlCol="0">
-            <a:spAutoFit/>
-          </a:bodyPr>
-          <a:lstStyle/>
-          <a:p>
-            <a:pPr algn="ctr"/>
-            <a:r>
-              <a:rPr lang="en-US" sz="1013">
-                <a:latin typeface="Helvetica" charset="0"/>
-                <a:ea typeface="Helvetica" charset="0"/>
-                <a:cs typeface="Helvetica" charset="0"/>
-              </a:rPr>
-              <a:t>rdfs:subClassOf</a:t>
-            </a:r>
-          </a:p>
-        </p:txBody>
-      </p:sp>
-      <p:cxnSp>
-        <p:nvCxnSpPr>
-          <p:cNvPr id="20" name="Straight Arrow Connector 19"/>
-          <p:cNvCxnSpPr/>
-          <p:nvPr/>
-        </p:nvCxnSpPr>
-        <p:spPr>
-          <a:xfrm>
-            <a:off x="3735367" y="4032175"/>
-            <a:ext cx="1011225" cy="1483536"/>
-          </a:xfrm>
-          <a:prstGeom prst="straightConnector1">
-            <a:avLst/>
-          </a:prstGeom>
-          <a:ln>
-            <a:solidFill>
-              <a:srgbClr val="000080"/>
-            </a:solidFill>
-            <a:tailEnd type="triangle"/>
-          </a:ln>
-        </p:spPr>
-        <p:style>
-          <a:lnRef idx="1">
-            <a:schemeClr val="accent1"/>
-          </a:lnRef>
-          <a:fillRef idx="0">
-            <a:schemeClr val="accent1"/>
-          </a:fillRef>
-          <a:effectRef idx="0">
-            <a:schemeClr val="accent1"/>
-          </a:effectRef>
-          <a:fontRef idx="minor">
-            <a:schemeClr val="tx1"/>
-          </a:fontRef>
-        </p:style>
-      </p:cxnSp>
-      <p:sp>
-        <p:nvSpPr>
-          <p:cNvPr id="49" name="TextBox 48"/>
-          <p:cNvSpPr txBox="1"/>
-          <p:nvPr/>
-        </p:nvSpPr>
-        <p:spPr>
-          <a:xfrm>
-            <a:off x="3871430" y="4696728"/>
-            <a:ext cx="674865" cy="311752"/>
-          </a:xfrm>
-          <a:prstGeom prst="rect">
-            <a:avLst/>
-          </a:prstGeom>
-          <a:solidFill>
-            <a:srgbClr val="F1F1F2"/>
-          </a:solidFill>
-        </p:spPr>
-        <p:txBody>
-          <a:bodyPr wrap="none" lIns="0" tIns="0" rIns="0" bIns="0" rtlCol="0">
-            <a:spAutoFit/>
-          </a:bodyPr>
-          <a:lstStyle/>
-          <a:p>
-            <a:pPr algn="ctr"/>
-            <a:r>
-              <a:rPr lang="en-US" sz="1013">
-                <a:latin typeface="Helvetica" charset="0"/>
-                <a:ea typeface="Helvetica" charset="0"/>
-                <a:cs typeface="Helvetica" charset="0"/>
-              </a:rPr>
-              <a:t>rdfs:</a:t>
-            </a:r>
-            <a:br>
-              <a:rPr lang="en-US" sz="1013">
-                <a:latin typeface="Helvetica" charset="0"/>
-                <a:ea typeface="Helvetica" charset="0"/>
-                <a:cs typeface="Helvetica" charset="0"/>
-              </a:rPr>
-            </a:br>
-            <a:r>
-              <a:rPr lang="en-US" sz="1013">
-                <a:latin typeface="Helvetica" charset="0"/>
-                <a:ea typeface="Helvetica" charset="0"/>
-                <a:cs typeface="Helvetica" charset="0"/>
-              </a:rPr>
-              <a:t>subClassOf</a:t>
+              <a:rPr lang="en-US" sz="1013" dirty="0">
+                <a:latin typeface="Helvetica" charset="0"/>
+                <a:ea typeface="Helvetica" charset="0"/>
+                <a:cs typeface="Helvetica" charset="0"/>
+              </a:rPr>
+              <a:t>has </a:t>
+            </a:r>
+            <a:r>
+              <a:rPr lang="en-US" sz="1013" dirty="0" smtClean="0">
+                <a:latin typeface="Helvetica" charset="0"/>
+                <a:ea typeface="Helvetica" charset="0"/>
+                <a:cs typeface="Helvetica" charset="0"/>
+              </a:rPr>
+              <a:t>date created </a:t>
+            </a:r>
+            <a:r>
+              <a:rPr lang="en-US" sz="1013" dirty="0">
+                <a:latin typeface="Helvetica" charset="0"/>
+                <a:ea typeface="Helvetica" charset="0"/>
+                <a:cs typeface="Helvetica" charset="0"/>
+              </a:rPr>
+              <a:t>[1]</a:t>
             </a:r>
           </a:p>
         </p:txBody>
@@ -8421,7 +8317,7 @@
     </p:spTree>
     <p:extLst>
       <p:ext uri="{BB962C8B-B14F-4D97-AF65-F5344CB8AC3E}">
-        <p14:creationId xmlns:p14="http://schemas.microsoft.com/office/powerpoint/2010/main" val="22957077"/>
+        <p14:creationId xmlns:p14="http://schemas.microsoft.com/office/powerpoint/2010/main" val="1258928079"/>
       </p:ext>
     </p:extLst>
   </p:cSld>
@@ -8514,45 +8410,6 @@
           </a:p>
         </p:txBody>
       </p:sp>
-      <p:cxnSp>
-        <p:nvCxnSpPr>
-          <p:cNvPr id="26" name="Straight Arrow Connector 25"/>
-          <p:cNvCxnSpPr>
-            <a:stCxn id="25" idx="3"/>
-            <a:endCxn id="27" idx="1"/>
-          </p:cNvCxnSpPr>
-          <p:nvPr/>
-        </p:nvCxnSpPr>
-        <p:spPr>
-          <a:xfrm flipV="1">
-            <a:off x="3927210" y="2511559"/>
-            <a:ext cx="812732" cy="4849"/>
-          </a:xfrm>
-          <a:prstGeom prst="straightConnector1">
-            <a:avLst/>
-          </a:prstGeom>
-          <a:ln>
-            <a:solidFill>
-              <a:srgbClr val="000080"/>
-            </a:solidFill>
-            <a:tailEnd type="arrow"/>
-          </a:ln>
-        </p:spPr>
-        <p:style>
-          <a:lnRef idx="1">
-            <a:schemeClr val="accent1"/>
-          </a:lnRef>
-          <a:fillRef idx="0">
-            <a:schemeClr val="accent1"/>
-          </a:fillRef>
-          <a:effectRef idx="0">
-            <a:schemeClr val="accent1"/>
-          </a:effectRef>
-          <a:fontRef idx="minor">
-            <a:schemeClr val="tx1"/>
-          </a:fontRef>
-        </p:style>
-      </p:cxnSp>
       <p:sp>
         <p:nvSpPr>
           <p:cNvPr id="30" name="Rectangle 29"/>
@@ -8746,146 +8603,6 @@
           </a:fontRef>
         </p:style>
       </p:cxnSp>
-      <p:cxnSp>
-        <p:nvCxnSpPr>
-          <p:cNvPr id="47" name="Straight Arrow Connector 46"/>
-          <p:cNvCxnSpPr>
-            <a:stCxn id="44" idx="0"/>
-          </p:cNvCxnSpPr>
-          <p:nvPr/>
-        </p:nvCxnSpPr>
-        <p:spPr>
-          <a:xfrm flipH="1" flipV="1">
-            <a:off x="2331638" y="2723297"/>
-            <a:ext cx="1037113" cy="633074"/>
-          </a:xfrm>
-          <a:prstGeom prst="straightConnector1">
-            <a:avLst/>
-          </a:prstGeom>
-          <a:ln>
-            <a:solidFill>
-              <a:srgbClr val="000080"/>
-            </a:solidFill>
-            <a:tailEnd type="arrow"/>
-          </a:ln>
-        </p:spPr>
-        <p:style>
-          <a:lnRef idx="1">
-            <a:schemeClr val="accent1"/>
-          </a:lnRef>
-          <a:fillRef idx="0">
-            <a:schemeClr val="accent1"/>
-          </a:fillRef>
-          <a:effectRef idx="0">
-            <a:schemeClr val="accent1"/>
-          </a:effectRef>
-          <a:fontRef idx="minor">
-            <a:schemeClr val="tx1"/>
-          </a:fontRef>
-        </p:style>
-      </p:cxnSp>
-      <p:sp>
-        <p:nvSpPr>
-          <p:cNvPr id="24" name="TextBox 23"/>
-          <p:cNvSpPr txBox="1"/>
-          <p:nvPr/>
-        </p:nvSpPr>
-        <p:spPr>
-          <a:xfrm>
-            <a:off x="1706580" y="2836710"/>
-            <a:ext cx="697306" cy="311752"/>
-          </a:xfrm>
-          <a:prstGeom prst="rect">
-            <a:avLst/>
-          </a:prstGeom>
-          <a:solidFill>
-            <a:srgbClr val="F1F1F2"/>
-          </a:solidFill>
-        </p:spPr>
-        <p:txBody>
-          <a:bodyPr wrap="none" lIns="0" tIns="0" rIns="0" bIns="0" rtlCol="0">
-            <a:spAutoFit/>
-          </a:bodyPr>
-          <a:lstStyle/>
-          <a:p>
-            <a:pPr algn="ctr"/>
-            <a:r>
-              <a:rPr lang="en-US" sz="1013">
-                <a:latin typeface="Helvetica" charset="0"/>
-                <a:ea typeface="Helvetica" charset="0"/>
-                <a:cs typeface="Helvetica" charset="0"/>
-              </a:rPr>
-              <a:t>has date</a:t>
-            </a:r>
-            <a:br>
-              <a:rPr lang="en-US" sz="1013">
-                <a:latin typeface="Helvetica" charset="0"/>
-                <a:ea typeface="Helvetica" charset="0"/>
-                <a:cs typeface="Helvetica" charset="0"/>
-              </a:rPr>
-            </a:br>
-            <a:r>
-              <a:rPr lang="en-US" sz="1013">
-                <a:latin typeface="Helvetica" charset="0"/>
-                <a:ea typeface="Helvetica" charset="0"/>
-                <a:cs typeface="Helvetica" charset="0"/>
-              </a:rPr>
-              <a:t>retired [0..1]</a:t>
-            </a:r>
-          </a:p>
-        </p:txBody>
-      </p:sp>
-      <p:sp>
-        <p:nvSpPr>
-          <p:cNvPr id="48" name="TextBox 47"/>
-          <p:cNvSpPr txBox="1"/>
-          <p:nvPr/>
-        </p:nvSpPr>
-        <p:spPr>
-          <a:xfrm>
-            <a:off x="2636321" y="2888743"/>
-            <a:ext cx="617156" cy="311752"/>
-          </a:xfrm>
-          <a:prstGeom prst="rect">
-            <a:avLst/>
-          </a:prstGeom>
-          <a:solidFill>
-            <a:srgbClr val="F1F1F2"/>
-          </a:solidFill>
-        </p:spPr>
-        <p:txBody>
-          <a:bodyPr wrap="none" lIns="0" tIns="0" rIns="0" bIns="0" rtlCol="0">
-            <a:spAutoFit/>
-          </a:bodyPr>
-          <a:lstStyle/>
-          <a:p>
-            <a:pPr algn="ctr"/>
-            <a:r>
-              <a:rPr lang="en-US" sz="1013">
-                <a:latin typeface="Helvetica" charset="0"/>
-                <a:ea typeface="Helvetica" charset="0"/>
-                <a:cs typeface="Helvetica" charset="0"/>
-              </a:rPr>
-              <a:t>has date</a:t>
-            </a:r>
-            <a:br>
-              <a:rPr lang="en-US" sz="1013">
-                <a:latin typeface="Helvetica" charset="0"/>
-                <a:ea typeface="Helvetica" charset="0"/>
-                <a:cs typeface="Helvetica" charset="0"/>
-              </a:rPr>
-            </a:br>
-            <a:r>
-              <a:rPr lang="en-US" sz="1013">
-                <a:latin typeface="Helvetica" charset="0"/>
-                <a:ea typeface="Helvetica" charset="0"/>
-                <a:cs typeface="Helvetica" charset="0"/>
-              </a:rPr>
-              <a:t>created [1]</a:t>
-            </a:r>
-          </a:p>
-        </p:txBody>
-      </p:sp>
       <p:sp>
         <p:nvSpPr>
           <p:cNvPr id="50" name="TextBox 49"/>
@@ -8939,20 +8656,20 @@
       </p:sp>
       <p:sp>
         <p:nvSpPr>
-          <p:cNvPr id="27" name="Rectangle 26"/>
+          <p:cNvPr id="37" name="Rectangle 36"/>
           <p:cNvSpPr/>
           <p:nvPr/>
         </p:nvSpPr>
         <p:spPr>
           <a:xfrm>
-            <a:off x="4739942" y="2179374"/>
+            <a:off x="2810291" y="4653811"/>
             <a:ext cx="1103709" cy="664369"/>
           </a:xfrm>
           <a:prstGeom prst="rect">
             <a:avLst/>
           </a:prstGeom>
           <a:solidFill>
-            <a:schemeClr val="bg1"/>
+            <a:srgbClr val="F4FFFF"/>
           </a:solidFill>
           <a:ln>
             <a:solidFill>
@@ -8990,130 +8707,6 @@
                 <a:ea typeface="Helvetica" charset="0"/>
                 <a:cs typeface="Helvetica" charset="0"/>
               </a:rPr>
-              <a:t>geo:Geometry</a:t>
-            </a:r>
-          </a:p>
-        </p:txBody>
-      </p:sp>
-      <p:sp>
-        <p:nvSpPr>
-          <p:cNvPr id="32" name="TextBox 31"/>
-          <p:cNvSpPr txBox="1"/>
-          <p:nvPr/>
-        </p:nvSpPr>
-        <p:spPr>
-          <a:xfrm>
-            <a:off x="3977052" y="2284181"/>
-            <a:ext cx="594615" cy="467629"/>
-          </a:xfrm>
-          <a:prstGeom prst="rect">
-            <a:avLst/>
-          </a:prstGeom>
-          <a:solidFill>
-            <a:srgbClr val="F1F1F2"/>
-          </a:solidFill>
-        </p:spPr>
-        <p:txBody>
-          <a:bodyPr wrap="square" lIns="0" tIns="0" rIns="0" bIns="0" rtlCol="0">
-            <a:spAutoFit/>
-          </a:bodyPr>
-          <a:lstStyle/>
-          <a:p>
-            <a:pPr algn="ctr"/>
-            <a:r>
-              <a:rPr lang="en-US" sz="1013">
-                <a:latin typeface="Helvetica" charset="0"/>
-                <a:ea typeface="Helvetica" charset="0"/>
-                <a:cs typeface="Helvetica" charset="0"/>
-              </a:rPr>
-              <a:t>has</a:t>
-            </a:r>
-            <a:br>
-              <a:rPr lang="en-US" sz="1013">
-                <a:latin typeface="Helvetica" charset="0"/>
-                <a:ea typeface="Helvetica" charset="0"/>
-                <a:cs typeface="Helvetica" charset="0"/>
-              </a:rPr>
-            </a:br>
-            <a:r>
-              <a:rPr lang="en-US" sz="1013">
-                <a:latin typeface="Helvetica" charset="0"/>
-                <a:ea typeface="Helvetica" charset="0"/>
-                <a:cs typeface="Helvetica" charset="0"/>
-              </a:rPr>
-              <a:t>geometry</a:t>
-            </a:r>
-            <a:br>
-              <a:rPr lang="en-US" sz="1013">
-                <a:latin typeface="Helvetica" charset="0"/>
-                <a:ea typeface="Helvetica" charset="0"/>
-                <a:cs typeface="Helvetica" charset="0"/>
-              </a:rPr>
-            </a:br>
-            <a:r>
-              <a:rPr lang="en-US" sz="1013">
-                <a:latin typeface="Helvetica" charset="0"/>
-                <a:ea typeface="Helvetica" charset="0"/>
-                <a:cs typeface="Helvetica" charset="0"/>
-              </a:rPr>
-              <a:t>[1]</a:t>
-            </a:r>
-          </a:p>
-        </p:txBody>
-      </p:sp>
-      <p:sp>
-        <p:nvSpPr>
-          <p:cNvPr id="37" name="Rectangle 36"/>
-          <p:cNvSpPr/>
-          <p:nvPr/>
-        </p:nvSpPr>
-        <p:spPr>
-          <a:xfrm>
-            <a:off x="2810291" y="4653811"/>
-            <a:ext cx="1103709" cy="664369"/>
-          </a:xfrm>
-          <a:prstGeom prst="rect">
-            <a:avLst/>
-          </a:prstGeom>
-          <a:solidFill>
-            <a:srgbClr val="F4FFFF"/>
-          </a:solidFill>
-          <a:ln>
-            <a:solidFill>
-              <a:srgbClr val="000080"/>
-            </a:solidFill>
-          </a:ln>
-        </p:spPr>
-        <p:style>
-          <a:lnRef idx="2">
-            <a:schemeClr val="accent1">
-              <a:shade val="50000"/>
-            </a:schemeClr>
-          </a:lnRef>
-          <a:fillRef idx="1">
-            <a:schemeClr val="accent1"/>
-          </a:fillRef>
-          <a:effectRef idx="0">
-            <a:schemeClr val="accent1"/>
-          </a:effectRef>
-          <a:fontRef idx="minor">
-            <a:schemeClr val="lt1"/>
-          </a:fontRef>
-        </p:style>
-        <p:txBody>
-          <a:bodyPr rtlCol="0" anchor="ctr"/>
-          <a:lstStyle/>
-          <a:p>
-            <a:pPr algn="ctr"/>
-            <a:r>
-              <a:rPr lang="en-US" sz="1013" b="1">
-                <a:solidFill>
-                  <a:srgbClr val="005C84"/>
-                </a:solidFill>
-                <a:latin typeface="Helvetica" charset="0"/>
-                <a:ea typeface="Helvetica" charset="0"/>
-                <a:cs typeface="Helvetica" charset="0"/>
-              </a:rPr>
               <a:t>Locality Alias</a:t>
             </a:r>
           </a:p>
@@ -9123,13 +8716,13 @@
         <p:nvCxnSpPr>
           <p:cNvPr id="38" name="Straight Arrow Connector 37"/>
           <p:cNvCxnSpPr>
-            <a:stCxn id="37" idx="0"/>
-            <a:endCxn id="44" idx="2"/>
+            <a:stCxn id="44" idx="2"/>
+            <a:endCxn id="37" idx="0"/>
           </p:cNvCxnSpPr>
           <p:nvPr/>
         </p:nvCxnSpPr>
         <p:spPr>
-          <a:xfrm flipV="1">
+          <a:xfrm flipH="1">
             <a:off x="3362146" y="4020740"/>
             <a:ext cx="6605" cy="633071"/>
           </a:xfrm>
@@ -9615,7 +9208,7 @@
         </p:nvSpPr>
         <p:spPr>
           <a:xfrm>
-            <a:off x="2823501" y="2184223"/>
+            <a:off x="2810290" y="1883594"/>
             <a:ext cx="1103709" cy="664369"/>
           </a:xfrm>
           <a:prstGeom prst="rect">
@@ -9675,9 +9268,9 @@
           <p:nvPr/>
         </p:nvCxnSpPr>
         <p:spPr>
-          <a:xfrm flipV="1">
-            <a:off x="3368751" y="2848592"/>
-            <a:ext cx="6605" cy="507779"/>
+          <a:xfrm flipH="1" flipV="1">
+            <a:off x="3362145" y="2547963"/>
+            <a:ext cx="6606" cy="808408"/>
           </a:xfrm>
           <a:prstGeom prst="straightConnector1">
             <a:avLst/>
@@ -9712,7 +9305,7 @@
         </p:nvSpPr>
         <p:spPr>
           <a:xfrm>
-            <a:off x="3266024" y="2926529"/>
+            <a:off x="2913186" y="2704592"/>
             <a:ext cx="929743" cy="155877"/>
           </a:xfrm>
           <a:prstGeom prst="rect">
@@ -9730,12 +9323,261 @@
           <a:p>
             <a:pPr algn="ctr"/>
             <a:r>
-              <a:rPr lang="en-US" sz="1013">
+              <a:rPr lang="en-US" sz="1013" dirty="0" err="1">
                 <a:latin typeface="Helvetica" charset="0"/>
                 <a:ea typeface="Helvetica" charset="0"/>
                 <a:cs typeface="Helvetica" charset="0"/>
               </a:rPr>
               <a:t>rdfs:subClassOf</a:t>
+            </a:r>
+            <a:endParaRPr lang="en-US" sz="1013" dirty="0">
+              <a:latin typeface="Helvetica" charset="0"/>
+              <a:ea typeface="Helvetica" charset="0"/>
+              <a:cs typeface="Helvetica" charset="0"/>
+            </a:endParaRPr>
+          </a:p>
+        </p:txBody>
+      </p:sp>
+      <p:cxnSp>
+        <p:nvCxnSpPr>
+          <p:cNvPr id="33" name="Straight Arrow Connector 32"/>
+          <p:cNvCxnSpPr>
+            <a:endCxn id="35" idx="1"/>
+          </p:cNvCxnSpPr>
+          <p:nvPr/>
+        </p:nvCxnSpPr>
+        <p:spPr>
+          <a:xfrm flipV="1">
+            <a:off x="3559520" y="2501678"/>
+            <a:ext cx="1194764" cy="860298"/>
+          </a:xfrm>
+          <a:prstGeom prst="straightConnector1">
+            <a:avLst/>
+          </a:prstGeom>
+          <a:ln>
+            <a:solidFill>
+              <a:srgbClr val="000080"/>
+            </a:solidFill>
+            <a:tailEnd type="arrow"/>
+          </a:ln>
+        </p:spPr>
+        <p:style>
+          <a:lnRef idx="1">
+            <a:schemeClr val="accent1"/>
+          </a:lnRef>
+          <a:fillRef idx="0">
+            <a:schemeClr val="accent1"/>
+          </a:fillRef>
+          <a:effectRef idx="0">
+            <a:schemeClr val="accent1"/>
+          </a:effectRef>
+          <a:fontRef idx="minor">
+            <a:schemeClr val="tx1"/>
+          </a:fontRef>
+        </p:style>
+      </p:cxnSp>
+      <p:sp>
+        <p:nvSpPr>
+          <p:cNvPr id="34" name="TextBox 33"/>
+          <p:cNvSpPr txBox="1"/>
+          <p:nvPr/>
+        </p:nvSpPr>
+        <p:spPr>
+          <a:xfrm>
+            <a:off x="4065809" y="2408914"/>
+            <a:ext cx="587175" cy="467629"/>
+          </a:xfrm>
+          <a:prstGeom prst="rect">
+            <a:avLst/>
+          </a:prstGeom>
+          <a:solidFill>
+            <a:srgbClr val="F1F1F2"/>
+          </a:solidFill>
+        </p:spPr>
+        <p:txBody>
+          <a:bodyPr wrap="square" lIns="0" tIns="0" rIns="0" bIns="0" rtlCol="0">
+            <a:spAutoFit/>
+          </a:bodyPr>
+          <a:lstStyle/>
+          <a:p>
+            <a:pPr algn="ctr"/>
+            <a:r>
+              <a:rPr lang="en-US" sz="1013" dirty="0">
+                <a:latin typeface="Helvetica" charset="0"/>
+                <a:ea typeface="Helvetica" charset="0"/>
+                <a:cs typeface="Helvetica" charset="0"/>
+              </a:rPr>
+              <a:t>has geometry [1]</a:t>
+            </a:r>
+          </a:p>
+        </p:txBody>
+      </p:sp>
+      <p:sp>
+        <p:nvSpPr>
+          <p:cNvPr id="35" name="Rectangle 34"/>
+          <p:cNvSpPr/>
+          <p:nvPr/>
+        </p:nvSpPr>
+        <p:spPr>
+          <a:xfrm>
+            <a:off x="4754284" y="2169493"/>
+            <a:ext cx="1103709" cy="664369"/>
+          </a:xfrm>
+          <a:prstGeom prst="rect">
+            <a:avLst/>
+          </a:prstGeom>
+          <a:solidFill>
+            <a:srgbClr val="F4FFFF"/>
+          </a:solidFill>
+          <a:ln>
+            <a:solidFill>
+              <a:srgbClr val="000080"/>
+            </a:solidFill>
+          </a:ln>
+        </p:spPr>
+        <p:style>
+          <a:lnRef idx="2">
+            <a:schemeClr val="accent1">
+              <a:shade val="50000"/>
+            </a:schemeClr>
+          </a:lnRef>
+          <a:fillRef idx="1">
+            <a:schemeClr val="accent1"/>
+          </a:fillRef>
+          <a:effectRef idx="0">
+            <a:schemeClr val="accent1"/>
+          </a:effectRef>
+          <a:fontRef idx="minor">
+            <a:schemeClr val="lt1"/>
+          </a:fontRef>
+        </p:style>
+        <p:txBody>
+          <a:bodyPr rtlCol="0" anchor="ctr"/>
+          <a:lstStyle/>
+          <a:p>
+            <a:pPr algn="ctr"/>
+            <a:r>
+              <a:rPr lang="en-US" sz="1013" b="1" dirty="0" smtClean="0">
+                <a:solidFill>
+                  <a:srgbClr val="005C84"/>
+                </a:solidFill>
+                <a:latin typeface="Helvetica" charset="0"/>
+                <a:ea typeface="Helvetica" charset="0"/>
+                <a:cs typeface="Helvetica" charset="0"/>
+              </a:rPr>
+              <a:t>Geocode Point</a:t>
+            </a:r>
+            <a:endParaRPr lang="en-US" sz="1013" b="1" dirty="0">
+              <a:solidFill>
+                <a:srgbClr val="005C84"/>
+              </a:solidFill>
+              <a:latin typeface="Helvetica" charset="0"/>
+              <a:ea typeface="Helvetica" charset="0"/>
+              <a:cs typeface="Helvetica" charset="0"/>
+            </a:endParaRPr>
+          </a:p>
+        </p:txBody>
+      </p:sp>
+      <p:sp>
+        <p:nvSpPr>
+          <p:cNvPr id="36" name="TextBox 35"/>
+          <p:cNvSpPr txBox="1"/>
+          <p:nvPr/>
+        </p:nvSpPr>
+        <p:spPr>
+          <a:xfrm>
+            <a:off x="1678874" y="3098851"/>
+            <a:ext cx="1234312" cy="155877"/>
+          </a:xfrm>
+          <a:prstGeom prst="rect">
+            <a:avLst/>
+          </a:prstGeom>
+          <a:solidFill>
+            <a:srgbClr val="F1F1F2"/>
+          </a:solidFill>
+        </p:spPr>
+        <p:txBody>
+          <a:bodyPr wrap="none" lIns="0" tIns="0" rIns="0" bIns="0" rtlCol="0">
+            <a:spAutoFit/>
+          </a:bodyPr>
+          <a:lstStyle/>
+          <a:p>
+            <a:pPr algn="ctr"/>
+            <a:r>
+              <a:rPr lang="en-US" sz="1013" dirty="0">
+                <a:latin typeface="Helvetica" charset="0"/>
+                <a:ea typeface="Helvetica" charset="0"/>
+                <a:cs typeface="Helvetica" charset="0"/>
+              </a:rPr>
+              <a:t>has </a:t>
+            </a:r>
+            <a:r>
+              <a:rPr lang="en-US" sz="1013" dirty="0" smtClean="0">
+                <a:latin typeface="Helvetica" charset="0"/>
+                <a:ea typeface="Helvetica" charset="0"/>
+                <a:cs typeface="Helvetica" charset="0"/>
+              </a:rPr>
+              <a:t>date retired </a:t>
+            </a:r>
+            <a:r>
+              <a:rPr lang="en-US" sz="1013" dirty="0">
+                <a:latin typeface="Helvetica" charset="0"/>
+                <a:ea typeface="Helvetica" charset="0"/>
+                <a:cs typeface="Helvetica" charset="0"/>
+              </a:rPr>
+              <a:t>[0..1]</a:t>
+            </a:r>
+          </a:p>
+        </p:txBody>
+      </p:sp>
+      <p:sp>
+        <p:nvSpPr>
+          <p:cNvPr id="45" name="TextBox 44"/>
+          <p:cNvSpPr txBox="1"/>
+          <p:nvPr/>
+        </p:nvSpPr>
+        <p:spPr>
+          <a:xfrm>
+            <a:off x="1481274" y="2875691"/>
+            <a:ext cx="1154162" cy="155877"/>
+          </a:xfrm>
+          <a:prstGeom prst="rect">
+            <a:avLst/>
+          </a:prstGeom>
+          <a:solidFill>
+            <a:srgbClr val="F1F1F2"/>
+          </a:solidFill>
+        </p:spPr>
+        <p:txBody>
+          <a:bodyPr wrap="none" lIns="0" tIns="0" rIns="0" bIns="0" rtlCol="0">
+            <a:spAutoFit/>
+          </a:bodyPr>
+          <a:lstStyle/>
+          <a:p>
+            <a:pPr algn="ctr"/>
+            <a:r>
+              <a:rPr lang="en-US" sz="1013" dirty="0">
+                <a:latin typeface="Helvetica" charset="0"/>
+                <a:ea typeface="Helvetica" charset="0"/>
+                <a:cs typeface="Helvetica" charset="0"/>
+              </a:rPr>
+              <a:t>has </a:t>
+            </a:r>
+            <a:r>
+              <a:rPr lang="en-US" sz="1013" dirty="0" smtClean="0">
+                <a:latin typeface="Helvetica" charset="0"/>
+                <a:ea typeface="Helvetica" charset="0"/>
+                <a:cs typeface="Helvetica" charset="0"/>
+              </a:rPr>
+              <a:t>date created </a:t>
+            </a:r>
+            <a:r>
+              <a:rPr lang="en-US" sz="1013" dirty="0">
+                <a:latin typeface="Helvetica" charset="0"/>
+                <a:ea typeface="Helvetica" charset="0"/>
+                <a:cs typeface="Helvetica" charset="0"/>
+              </a:rPr>
+              <a:t>[1]</a:t>
             </a:r>
           </a:p>
         </p:txBody>
@@ -9780,64 +9622,6 @@
       </p:grpSpPr>
       <p:sp>
         <p:nvSpPr>
-          <p:cNvPr id="44" name="Rectangle 43"/>
-          <p:cNvSpPr/>
-          <p:nvPr/>
-        </p:nvSpPr>
-        <p:spPr>
-          <a:xfrm>
-            <a:off x="2816896" y="3356371"/>
-            <a:ext cx="1103709" cy="664369"/>
-          </a:xfrm>
-          <a:prstGeom prst="rect">
-            <a:avLst/>
-          </a:prstGeom>
-          <a:solidFill>
-            <a:schemeClr val="bg1"/>
-          </a:solidFill>
-          <a:ln>
-            <a:solidFill>
-              <a:srgbClr val="000080"/>
-            </a:solidFill>
-          </a:ln>
-        </p:spPr>
-        <p:style>
-          <a:lnRef idx="2">
-            <a:schemeClr val="accent1">
-              <a:shade val="50000"/>
-            </a:schemeClr>
-          </a:lnRef>
-          <a:fillRef idx="1">
-            <a:schemeClr val="accent1"/>
-          </a:fillRef>
-          <a:effectRef idx="0">
-            <a:schemeClr val="accent1"/>
-          </a:effectRef>
-          <a:fontRef idx="minor">
-            <a:schemeClr val="lt1"/>
-          </a:fontRef>
-        </p:style>
-        <p:txBody>
-          <a:bodyPr rtlCol="0" anchor="ctr"/>
-          <a:lstStyle/>
-          <a:p>
-            <a:pPr algn="ctr"/>
-            <a:r>
-              <a:rPr lang="en-US" sz="1013" b="1">
-                <a:solidFill>
-                  <a:srgbClr val="005C84"/>
-                </a:solidFill>
-                <a:latin typeface="Helvetica" charset="0"/>
-                <a:ea typeface="Helvetica" charset="0"/>
-                <a:cs typeface="Helvetica" charset="0"/>
-              </a:rPr>
-              <a:t>geo:Geometry</a:t>
-            </a:r>
-          </a:p>
-        </p:txBody>
-      </p:sp>
-      <p:sp>
-        <p:nvSpPr>
           <p:cNvPr id="40" name="Rectangle 39"/>
           <p:cNvSpPr/>
           <p:nvPr/>
@@ -9934,157 +9718,17 @@
       </p:cxnSp>
       <p:cxnSp>
         <p:nvCxnSpPr>
-          <p:cNvPr id="47" name="Straight Arrow Connector 46"/>
-          <p:cNvCxnSpPr>
-            <a:stCxn id="44" idx="0"/>
-          </p:cNvCxnSpPr>
-          <p:nvPr/>
-        </p:nvCxnSpPr>
-        <p:spPr>
-          <a:xfrm flipH="1" flipV="1">
-            <a:off x="2331638" y="2723297"/>
-            <a:ext cx="1037113" cy="633074"/>
-          </a:xfrm>
-          <a:prstGeom prst="straightConnector1">
-            <a:avLst/>
-          </a:prstGeom>
-          <a:ln>
-            <a:solidFill>
-              <a:srgbClr val="000080"/>
-            </a:solidFill>
-            <a:tailEnd type="arrow"/>
-          </a:ln>
-        </p:spPr>
-        <p:style>
-          <a:lnRef idx="1">
-            <a:schemeClr val="accent1"/>
-          </a:lnRef>
-          <a:fillRef idx="0">
-            <a:schemeClr val="accent1"/>
-          </a:fillRef>
-          <a:effectRef idx="0">
-            <a:schemeClr val="accent1"/>
-          </a:effectRef>
-          <a:fontRef idx="minor">
-            <a:schemeClr val="tx1"/>
-          </a:fontRef>
-        </p:style>
-      </p:cxnSp>
-      <p:sp>
-        <p:nvSpPr>
-          <p:cNvPr id="24" name="TextBox 23"/>
-          <p:cNvSpPr txBox="1"/>
-          <p:nvPr/>
-        </p:nvSpPr>
-        <p:spPr>
-          <a:xfrm>
-            <a:off x="1706580" y="2836710"/>
-            <a:ext cx="697306" cy="311752"/>
-          </a:xfrm>
-          <a:prstGeom prst="rect">
-            <a:avLst/>
-          </a:prstGeom>
-          <a:solidFill>
-            <a:srgbClr val="F1F1F2"/>
-          </a:solidFill>
-        </p:spPr>
-        <p:txBody>
-          <a:bodyPr wrap="none" lIns="0" tIns="0" rIns="0" bIns="0" rtlCol="0">
-            <a:spAutoFit/>
-          </a:bodyPr>
-          <a:lstStyle/>
-          <a:p>
-            <a:pPr algn="ctr"/>
-            <a:r>
-              <a:rPr lang="en-US" sz="1013">
-                <a:latin typeface="Helvetica" charset="0"/>
-                <a:ea typeface="Helvetica" charset="0"/>
-                <a:cs typeface="Helvetica" charset="0"/>
-              </a:rPr>
-              <a:t>has date</a:t>
-            </a:r>
-            <a:br>
-              <a:rPr lang="en-US" sz="1013">
-                <a:latin typeface="Helvetica" charset="0"/>
-                <a:ea typeface="Helvetica" charset="0"/>
-                <a:cs typeface="Helvetica" charset="0"/>
-              </a:rPr>
-            </a:br>
-            <a:r>
-              <a:rPr lang="en-US" sz="1013">
-                <a:latin typeface="Helvetica" charset="0"/>
-                <a:ea typeface="Helvetica" charset="0"/>
-                <a:cs typeface="Helvetica" charset="0"/>
-              </a:rPr>
-              <a:t>retired [0..1]</a:t>
-            </a:r>
-          </a:p>
-        </p:txBody>
-      </p:sp>
-      <p:sp>
-        <p:nvSpPr>
-          <p:cNvPr id="48" name="TextBox 47"/>
-          <p:cNvSpPr txBox="1"/>
-          <p:nvPr/>
-        </p:nvSpPr>
-        <p:spPr>
-          <a:xfrm>
-            <a:off x="2636321" y="2888743"/>
-            <a:ext cx="617156" cy="311752"/>
-          </a:xfrm>
-          <a:prstGeom prst="rect">
-            <a:avLst/>
-          </a:prstGeom>
-          <a:solidFill>
-            <a:srgbClr val="F1F1F2"/>
-          </a:solidFill>
-        </p:spPr>
-        <p:txBody>
-          <a:bodyPr wrap="none" lIns="0" tIns="0" rIns="0" bIns="0" rtlCol="0">
-            <a:spAutoFit/>
-          </a:bodyPr>
-          <a:lstStyle/>
-          <a:p>
-            <a:pPr algn="ctr"/>
-            <a:r>
-              <a:rPr lang="en-US" sz="1013">
-                <a:latin typeface="Helvetica" charset="0"/>
-                <a:ea typeface="Helvetica" charset="0"/>
-                <a:cs typeface="Helvetica" charset="0"/>
-              </a:rPr>
-              <a:t>has date</a:t>
-            </a:r>
-            <a:br>
-              <a:rPr lang="en-US" sz="1013">
-                <a:latin typeface="Helvetica" charset="0"/>
-                <a:ea typeface="Helvetica" charset="0"/>
-                <a:cs typeface="Helvetica" charset="0"/>
-              </a:rPr>
-            </a:br>
-            <a:r>
-              <a:rPr lang="en-US" sz="1013">
-                <a:latin typeface="Helvetica" charset="0"/>
-                <a:ea typeface="Helvetica" charset="0"/>
-                <a:cs typeface="Helvetica" charset="0"/>
-              </a:rPr>
-              <a:t>created [1]</a:t>
-            </a:r>
-          </a:p>
-        </p:txBody>
-      </p:sp>
-      <p:cxnSp>
-        <p:nvCxnSpPr>
           <p:cNvPr id="62" name="Straight Arrow Connector 61"/>
           <p:cNvCxnSpPr>
-            <a:stCxn id="44" idx="1"/>
+            <a:stCxn id="14" idx="1"/>
             <a:endCxn id="35" idx="3"/>
           </p:cNvCxnSpPr>
           <p:nvPr/>
         </p:nvCxnSpPr>
         <p:spPr>
           <a:xfrm flipH="1">
-            <a:off x="1843274" y="3688556"/>
-            <a:ext cx="973622" cy="0"/>
+            <a:off x="1843274" y="3684842"/>
+            <a:ext cx="973621" cy="3714"/>
           </a:xfrm>
           <a:prstGeom prst="straightConnector1">
             <a:avLst/>
@@ -10228,7 +9872,7 @@
         </p:nvSpPr>
         <p:spPr>
           <a:xfrm>
-            <a:off x="2816896" y="1721026"/>
+            <a:off x="4407496" y="1113288"/>
             <a:ext cx="1103709" cy="664369"/>
           </a:xfrm>
           <a:prstGeom prst="rect">
@@ -10282,15 +9926,15 @@
         <p:nvCxnSpPr>
           <p:cNvPr id="18" name="Straight Arrow Connector 17"/>
           <p:cNvCxnSpPr>
-            <a:stCxn id="17" idx="2"/>
-            <a:endCxn id="44" idx="0"/>
+            <a:stCxn id="17" idx="1"/>
+            <a:endCxn id="22" idx="3"/>
           </p:cNvCxnSpPr>
           <p:nvPr/>
         </p:nvCxnSpPr>
         <p:spPr>
-          <a:xfrm>
-            <a:off x="3368751" y="2385395"/>
-            <a:ext cx="0" cy="970976"/>
+          <a:xfrm flipH="1">
+            <a:off x="3920605" y="1445473"/>
+            <a:ext cx="486891" cy="0"/>
           </a:xfrm>
           <a:prstGeom prst="straightConnector1">
             <a:avLst/>
@@ -10324,8 +9968,8 @@
           <p:nvPr/>
         </p:nvSpPr>
         <p:spPr>
-          <a:xfrm>
-            <a:off x="2810291" y="2536125"/>
+          <a:xfrm rot="5400000">
+            <a:off x="3584088" y="1664179"/>
             <a:ext cx="1218282" cy="155877"/>
           </a:xfrm>
           <a:prstGeom prst="rect">
@@ -10343,13 +9987,511 @@
           <a:p>
             <a:pPr algn="ctr"/>
             <a:r>
-              <a:rPr lang="en-US" sz="1013">
-                <a:latin typeface="Helvetica" charset="0"/>
-                <a:ea typeface="Helvetica" charset="0"/>
-                <a:cs typeface="Helvetica" charset="0"/>
-              </a:rPr>
-              <a:t>geo:hasGeometry [1]</a:t>
-            </a:r>
+              <a:rPr lang="en-US" sz="1013" dirty="0" err="1">
+                <a:latin typeface="Helvetica" charset="0"/>
+                <a:ea typeface="Helvetica" charset="0"/>
+                <a:cs typeface="Helvetica" charset="0"/>
+              </a:rPr>
+              <a:t>geo:hasGeometry</a:t>
+            </a:r>
+            <a:r>
+              <a:rPr lang="en-US" sz="1013" dirty="0">
+                <a:latin typeface="Helvetica" charset="0"/>
+                <a:ea typeface="Helvetica" charset="0"/>
+                <a:cs typeface="Helvetica" charset="0"/>
+              </a:rPr>
+              <a:t> [1]</a:t>
+            </a:r>
+          </a:p>
+        </p:txBody>
+      </p:sp>
+      <p:sp>
+        <p:nvSpPr>
+          <p:cNvPr id="14" name="Rectangle 13"/>
+          <p:cNvSpPr/>
+          <p:nvPr/>
+        </p:nvSpPr>
+        <p:spPr>
+          <a:xfrm>
+            <a:off x="2816895" y="3352657"/>
+            <a:ext cx="1103709" cy="664369"/>
+          </a:xfrm>
+          <a:prstGeom prst="rect">
+            <a:avLst/>
+          </a:prstGeom>
+          <a:solidFill>
+            <a:srgbClr val="F4FFFF"/>
+          </a:solidFill>
+          <a:ln>
+            <a:solidFill>
+              <a:srgbClr val="000080"/>
+            </a:solidFill>
+          </a:ln>
+        </p:spPr>
+        <p:style>
+          <a:lnRef idx="2">
+            <a:schemeClr val="accent1">
+              <a:shade val="50000"/>
+            </a:schemeClr>
+          </a:lnRef>
+          <a:fillRef idx="1">
+            <a:schemeClr val="accent1"/>
+          </a:fillRef>
+          <a:effectRef idx="0">
+            <a:schemeClr val="accent1"/>
+          </a:effectRef>
+          <a:fontRef idx="minor">
+            <a:schemeClr val="lt1"/>
+          </a:fontRef>
+        </p:style>
+        <p:txBody>
+          <a:bodyPr rtlCol="0" anchor="ctr"/>
+          <a:lstStyle/>
+          <a:p>
+            <a:pPr algn="ctr"/>
+            <a:r>
+              <a:rPr lang="en-US" sz="1013" b="1" dirty="0" smtClean="0">
+                <a:solidFill>
+                  <a:srgbClr val="005C84"/>
+                </a:solidFill>
+                <a:latin typeface="Helvetica" charset="0"/>
+                <a:ea typeface="Helvetica" charset="0"/>
+                <a:cs typeface="Helvetica" charset="0"/>
+              </a:rPr>
+              <a:t>Geocode Point</a:t>
+            </a:r>
+            <a:endParaRPr lang="en-US" sz="1013" b="1" dirty="0">
+              <a:solidFill>
+                <a:srgbClr val="005C84"/>
+              </a:solidFill>
+              <a:latin typeface="Helvetica" charset="0"/>
+              <a:ea typeface="Helvetica" charset="0"/>
+              <a:cs typeface="Helvetica" charset="0"/>
+            </a:endParaRPr>
+          </a:p>
+        </p:txBody>
+      </p:sp>
+      <p:sp>
+        <p:nvSpPr>
+          <p:cNvPr id="22" name="Rectangle 21"/>
+          <p:cNvSpPr/>
+          <p:nvPr/>
+        </p:nvSpPr>
+        <p:spPr>
+          <a:xfrm>
+            <a:off x="2816896" y="1113288"/>
+            <a:ext cx="1103709" cy="664369"/>
+          </a:xfrm>
+          <a:prstGeom prst="rect">
+            <a:avLst/>
+          </a:prstGeom>
+          <a:solidFill>
+            <a:schemeClr val="bg1"/>
+          </a:solidFill>
+          <a:ln>
+            <a:solidFill>
+              <a:srgbClr val="000080"/>
+            </a:solidFill>
+          </a:ln>
+        </p:spPr>
+        <p:style>
+          <a:lnRef idx="2">
+            <a:schemeClr val="accent1">
+              <a:shade val="50000"/>
+            </a:schemeClr>
+          </a:lnRef>
+          <a:fillRef idx="1">
+            <a:schemeClr val="accent1"/>
+          </a:fillRef>
+          <a:effectRef idx="0">
+            <a:schemeClr val="accent1"/>
+          </a:effectRef>
+          <a:fontRef idx="minor">
+            <a:schemeClr val="lt1"/>
+          </a:fontRef>
+        </p:style>
+        <p:txBody>
+          <a:bodyPr rtlCol="0" anchor="ctr"/>
+          <a:lstStyle/>
+          <a:p>
+            <a:pPr algn="ctr"/>
+            <a:r>
+              <a:rPr lang="en-US" sz="1013" b="1" dirty="0" smtClean="0">
+                <a:solidFill>
+                  <a:srgbClr val="005C84"/>
+                </a:solidFill>
+                <a:latin typeface="Helvetica" charset="0"/>
+                <a:ea typeface="Helvetica" charset="0"/>
+                <a:cs typeface="Helvetica" charset="0"/>
+              </a:rPr>
+              <a:t>geo:</a:t>
+            </a:r>
+          </a:p>
+          <a:p>
+            <a:pPr algn="ctr"/>
+            <a:r>
+              <a:rPr lang="en-US" sz="1013" b="1" dirty="0" smtClean="0">
+                <a:solidFill>
+                  <a:srgbClr val="005C84"/>
+                </a:solidFill>
+                <a:latin typeface="Helvetica" charset="0"/>
+                <a:ea typeface="Helvetica" charset="0"/>
+                <a:cs typeface="Helvetica" charset="0"/>
+              </a:rPr>
+              <a:t>Geometry</a:t>
+            </a:r>
+            <a:endParaRPr lang="en-US" sz="1013" b="1" dirty="0">
+              <a:solidFill>
+                <a:srgbClr val="005C84"/>
+              </a:solidFill>
+              <a:latin typeface="Helvetica" charset="0"/>
+              <a:ea typeface="Helvetica" charset="0"/>
+              <a:cs typeface="Helvetica" charset="0"/>
+            </a:endParaRPr>
+          </a:p>
+        </p:txBody>
+      </p:sp>
+      <p:cxnSp>
+        <p:nvCxnSpPr>
+          <p:cNvPr id="25" name="Straight Arrow Connector 24"/>
+          <p:cNvCxnSpPr>
+            <a:stCxn id="33" idx="0"/>
+            <a:endCxn id="22" idx="2"/>
+          </p:cNvCxnSpPr>
+          <p:nvPr/>
+        </p:nvCxnSpPr>
+        <p:spPr>
+          <a:xfrm flipV="1">
+            <a:off x="3362146" y="1777657"/>
+            <a:ext cx="6605" cy="412354"/>
+          </a:xfrm>
+          <a:prstGeom prst="straightConnector1">
+            <a:avLst/>
+          </a:prstGeom>
+          <a:ln>
+            <a:solidFill>
+              <a:srgbClr val="000080"/>
+            </a:solidFill>
+            <a:tailEnd type="triangle"/>
+          </a:ln>
+        </p:spPr>
+        <p:style>
+          <a:lnRef idx="1">
+            <a:schemeClr val="accent1"/>
+          </a:lnRef>
+          <a:fillRef idx="0">
+            <a:schemeClr val="accent1"/>
+          </a:fillRef>
+          <a:effectRef idx="0">
+            <a:schemeClr val="accent1"/>
+          </a:effectRef>
+          <a:fontRef idx="minor">
+            <a:schemeClr val="tx1"/>
+          </a:fontRef>
+        </p:style>
+      </p:cxnSp>
+      <p:sp>
+        <p:nvSpPr>
+          <p:cNvPr id="26" name="TextBox 25"/>
+          <p:cNvSpPr txBox="1"/>
+          <p:nvPr/>
+        </p:nvSpPr>
+        <p:spPr>
+          <a:xfrm>
+            <a:off x="2913186" y="1922426"/>
+            <a:ext cx="929743" cy="155877"/>
+          </a:xfrm>
+          <a:prstGeom prst="rect">
+            <a:avLst/>
+          </a:prstGeom>
+          <a:solidFill>
+            <a:srgbClr val="F1F1F2"/>
+          </a:solidFill>
+        </p:spPr>
+        <p:txBody>
+          <a:bodyPr wrap="none" lIns="0" tIns="0" rIns="0" bIns="0" rtlCol="0">
+            <a:spAutoFit/>
+          </a:bodyPr>
+          <a:lstStyle/>
+          <a:p>
+            <a:pPr algn="ctr"/>
+            <a:r>
+              <a:rPr lang="en-US" sz="1013" dirty="0" err="1">
+                <a:latin typeface="Helvetica" charset="0"/>
+                <a:ea typeface="Helvetica" charset="0"/>
+                <a:cs typeface="Helvetica" charset="0"/>
+              </a:rPr>
+              <a:t>rdfs:subClassOf</a:t>
+            </a:r>
+            <a:endParaRPr lang="en-US" sz="1013" dirty="0">
+              <a:latin typeface="Helvetica" charset="0"/>
+              <a:ea typeface="Helvetica" charset="0"/>
+              <a:cs typeface="Helvetica" charset="0"/>
+            </a:endParaRPr>
+          </a:p>
+        </p:txBody>
+      </p:sp>
+      <p:sp>
+        <p:nvSpPr>
+          <p:cNvPr id="31" name="TextBox 30"/>
+          <p:cNvSpPr txBox="1"/>
+          <p:nvPr/>
+        </p:nvSpPr>
+        <p:spPr>
+          <a:xfrm>
+            <a:off x="1678874" y="3098851"/>
+            <a:ext cx="1234312" cy="155877"/>
+          </a:xfrm>
+          <a:prstGeom prst="rect">
+            <a:avLst/>
+          </a:prstGeom>
+          <a:solidFill>
+            <a:srgbClr val="F1F1F2"/>
+          </a:solidFill>
+        </p:spPr>
+        <p:txBody>
+          <a:bodyPr wrap="none" lIns="0" tIns="0" rIns="0" bIns="0" rtlCol="0">
+            <a:spAutoFit/>
+          </a:bodyPr>
+          <a:lstStyle/>
+          <a:p>
+            <a:pPr algn="ctr"/>
+            <a:r>
+              <a:rPr lang="en-US" sz="1013" dirty="0">
+                <a:latin typeface="Helvetica" charset="0"/>
+                <a:ea typeface="Helvetica" charset="0"/>
+                <a:cs typeface="Helvetica" charset="0"/>
+              </a:rPr>
+              <a:t>has </a:t>
+            </a:r>
+            <a:r>
+              <a:rPr lang="en-US" sz="1013" dirty="0" smtClean="0">
+                <a:latin typeface="Helvetica" charset="0"/>
+                <a:ea typeface="Helvetica" charset="0"/>
+                <a:cs typeface="Helvetica" charset="0"/>
+              </a:rPr>
+              <a:t>date retired </a:t>
+            </a:r>
+            <a:r>
+              <a:rPr lang="en-US" sz="1013" dirty="0">
+                <a:latin typeface="Helvetica" charset="0"/>
+                <a:ea typeface="Helvetica" charset="0"/>
+                <a:cs typeface="Helvetica" charset="0"/>
+              </a:rPr>
+              <a:t>[0..1]</a:t>
+            </a:r>
+          </a:p>
+        </p:txBody>
+      </p:sp>
+      <p:sp>
+        <p:nvSpPr>
+          <p:cNvPr id="32" name="TextBox 31"/>
+          <p:cNvSpPr txBox="1"/>
+          <p:nvPr/>
+        </p:nvSpPr>
+        <p:spPr>
+          <a:xfrm>
+            <a:off x="1481274" y="2875691"/>
+            <a:ext cx="1154162" cy="155877"/>
+          </a:xfrm>
+          <a:prstGeom prst="rect">
+            <a:avLst/>
+          </a:prstGeom>
+          <a:solidFill>
+            <a:srgbClr val="F1F1F2"/>
+          </a:solidFill>
+        </p:spPr>
+        <p:txBody>
+          <a:bodyPr wrap="none" lIns="0" tIns="0" rIns="0" bIns="0" rtlCol="0">
+            <a:spAutoFit/>
+          </a:bodyPr>
+          <a:lstStyle/>
+          <a:p>
+            <a:pPr algn="ctr"/>
+            <a:r>
+              <a:rPr lang="en-US" sz="1013" dirty="0">
+                <a:latin typeface="Helvetica" charset="0"/>
+                <a:ea typeface="Helvetica" charset="0"/>
+                <a:cs typeface="Helvetica" charset="0"/>
+              </a:rPr>
+              <a:t>has </a:t>
+            </a:r>
+            <a:r>
+              <a:rPr lang="en-US" sz="1013" dirty="0" smtClean="0">
+                <a:latin typeface="Helvetica" charset="0"/>
+                <a:ea typeface="Helvetica" charset="0"/>
+                <a:cs typeface="Helvetica" charset="0"/>
+              </a:rPr>
+              <a:t>date created </a:t>
+            </a:r>
+            <a:r>
+              <a:rPr lang="en-US" sz="1013" dirty="0">
+                <a:latin typeface="Helvetica" charset="0"/>
+                <a:ea typeface="Helvetica" charset="0"/>
+                <a:cs typeface="Helvetica" charset="0"/>
+              </a:rPr>
+              <a:t>[1]</a:t>
+            </a:r>
+          </a:p>
+        </p:txBody>
+      </p:sp>
+      <p:sp>
+        <p:nvSpPr>
+          <p:cNvPr id="33" name="Rectangle 32"/>
+          <p:cNvSpPr/>
+          <p:nvPr/>
+        </p:nvSpPr>
+        <p:spPr>
+          <a:xfrm>
+            <a:off x="2810291" y="2190011"/>
+            <a:ext cx="1103709" cy="664369"/>
+          </a:xfrm>
+          <a:prstGeom prst="rect">
+            <a:avLst/>
+          </a:prstGeom>
+          <a:solidFill>
+            <a:schemeClr val="bg1"/>
+          </a:solidFill>
+          <a:ln>
+            <a:solidFill>
+              <a:srgbClr val="000080"/>
+            </a:solidFill>
+          </a:ln>
+        </p:spPr>
+        <p:style>
+          <a:lnRef idx="2">
+            <a:schemeClr val="accent1">
+              <a:shade val="50000"/>
+            </a:schemeClr>
+          </a:lnRef>
+          <a:fillRef idx="1">
+            <a:schemeClr val="accent1"/>
+          </a:fillRef>
+          <a:effectRef idx="0">
+            <a:schemeClr val="accent1"/>
+          </a:effectRef>
+          <a:fontRef idx="minor">
+            <a:schemeClr val="lt1"/>
+          </a:fontRef>
+        </p:style>
+        <p:txBody>
+          <a:bodyPr rtlCol="0" anchor="ctr"/>
+          <a:lstStyle/>
+          <a:p>
+            <a:pPr algn="ctr"/>
+            <a:r>
+              <a:rPr lang="en-US" sz="1013" b="1" dirty="0" smtClean="0">
+                <a:solidFill>
+                  <a:srgbClr val="005C84"/>
+                </a:solidFill>
+                <a:latin typeface="Helvetica" charset="0"/>
+                <a:ea typeface="Helvetica" charset="0"/>
+                <a:cs typeface="Helvetica" charset="0"/>
+              </a:rPr>
+              <a:t>geo:</a:t>
+            </a:r>
+          </a:p>
+          <a:p>
+            <a:pPr algn="ctr"/>
+            <a:r>
+              <a:rPr lang="en-US" sz="1013" b="1" dirty="0" smtClean="0">
+                <a:solidFill>
+                  <a:srgbClr val="005C84"/>
+                </a:solidFill>
+                <a:latin typeface="Helvetica" charset="0"/>
+                <a:ea typeface="Helvetica" charset="0"/>
+                <a:cs typeface="Helvetica" charset="0"/>
+              </a:rPr>
+              <a:t>Point</a:t>
+            </a:r>
+            <a:endParaRPr lang="en-US" sz="1013" b="1" dirty="0">
+              <a:solidFill>
+                <a:srgbClr val="005C84"/>
+              </a:solidFill>
+              <a:latin typeface="Helvetica" charset="0"/>
+              <a:ea typeface="Helvetica" charset="0"/>
+              <a:cs typeface="Helvetica" charset="0"/>
+            </a:endParaRPr>
+          </a:p>
+        </p:txBody>
+      </p:sp>
+      <p:cxnSp>
+        <p:nvCxnSpPr>
+          <p:cNvPr id="34" name="Straight Arrow Connector 33"/>
+          <p:cNvCxnSpPr>
+            <a:stCxn id="14" idx="0"/>
+            <a:endCxn id="33" idx="2"/>
+          </p:cNvCxnSpPr>
+          <p:nvPr/>
+        </p:nvCxnSpPr>
+        <p:spPr>
+          <a:xfrm flipH="1" flipV="1">
+            <a:off x="3362146" y="2854380"/>
+            <a:ext cx="6604" cy="498277"/>
+          </a:xfrm>
+          <a:prstGeom prst="straightConnector1">
+            <a:avLst/>
+          </a:prstGeom>
+          <a:ln>
+            <a:solidFill>
+              <a:srgbClr val="000080"/>
+            </a:solidFill>
+            <a:tailEnd type="triangle"/>
+          </a:ln>
+        </p:spPr>
+        <p:style>
+          <a:lnRef idx="1">
+            <a:schemeClr val="accent1"/>
+          </a:lnRef>
+          <a:fillRef idx="0">
+            <a:schemeClr val="accent1"/>
+          </a:fillRef>
+          <a:effectRef idx="0">
+            <a:schemeClr val="accent1"/>
+          </a:effectRef>
+          <a:fontRef idx="minor">
+            <a:schemeClr val="tx1"/>
+          </a:fontRef>
+        </p:style>
+      </p:cxnSp>
+      <p:sp>
+        <p:nvSpPr>
+          <p:cNvPr id="39" name="TextBox 38"/>
+          <p:cNvSpPr txBox="1"/>
+          <p:nvPr/>
+        </p:nvSpPr>
+        <p:spPr>
+          <a:xfrm>
+            <a:off x="3000169" y="3082638"/>
+            <a:ext cx="929743" cy="155877"/>
+          </a:xfrm>
+          <a:prstGeom prst="rect">
+            <a:avLst/>
+          </a:prstGeom>
+          <a:solidFill>
+            <a:srgbClr val="F1F1F2"/>
+          </a:solidFill>
+        </p:spPr>
+        <p:txBody>
+          <a:bodyPr wrap="none" lIns="0" tIns="0" rIns="0" bIns="0" rtlCol="0">
+            <a:spAutoFit/>
+          </a:bodyPr>
+          <a:lstStyle/>
+          <a:p>
+            <a:pPr algn="ctr"/>
+            <a:r>
+              <a:rPr lang="en-US" sz="1013" dirty="0" err="1">
+                <a:latin typeface="Helvetica" charset="0"/>
+                <a:ea typeface="Helvetica" charset="0"/>
+                <a:cs typeface="Helvetica" charset="0"/>
+              </a:rPr>
+              <a:t>rdfs:subClassOf</a:t>
+            </a:r>
+            <a:endParaRPr lang="en-US" sz="1013" dirty="0">
+              <a:latin typeface="Helvetica" charset="0"/>
+              <a:ea typeface="Helvetica" charset="0"/>
+              <a:cs typeface="Helvetica" charset="0"/>
+            </a:endParaRPr>
           </a:p>
         </p:txBody>
       </p:sp>

--- a/docs/diagrams.pptx
+++ b/docs/diagrams.pptx
@@ -119,6 +119,10 @@
 </p:presentation>
 </file>
 
+<file path=ppt/revisionInfo.xml><?xml version="1.0" encoding="utf-8"?>
+<p1510:revInfo xmlns:a="http://schemas.openxmlformats.org/drawingml/2006/main" xmlns:r="http://schemas.openxmlformats.org/officeDocument/2006/relationships" xmlns:p1510="http://schemas.microsoft.com/office/powerpoint/2015/10/main"/>
+</file>
+
 <file path=ppt/notesMasters/notesMaster1.xml><?xml version="1.0" encoding="utf-8"?>
 <p:notesMaster xmlns:a="http://schemas.openxmlformats.org/drawingml/2006/main" xmlns:r="http://schemas.openxmlformats.org/officeDocument/2006/relationships" xmlns:p="http://schemas.openxmlformats.org/presentationml/2006/main">
   <p:cSld>
@@ -200,7 +204,7 @@
           </a:lstStyle>
           <a:p>
             <a:fld id="{69B54289-CA05-2E4C-8921-2C4641790FC9}" type="datetimeFigureOut">
-              <a:t>2/7/2018</a:t>
+              <a:t>3/28/2018</a:t>
             </a:fld>
             <a:endParaRPr lang="en-US"/>
           </a:p>
@@ -594,7 +598,7 @@
           <a:lstStyle/>
           <a:p>
             <a:fld id="{D38E12F6-CCD2-6247-9D14-5CADBDEBFE61}" type="datetimeFigureOut">
-              <a:t>2/7/2018</a:t>
+              <a:t>3/28/2018</a:t>
             </a:fld>
             <a:endParaRPr lang="en-US"/>
           </a:p>
@@ -756,7 +760,7 @@
           <a:lstStyle/>
           <a:p>
             <a:fld id="{D38E12F6-CCD2-6247-9D14-5CADBDEBFE61}" type="datetimeFigureOut">
-              <a:t>2/7/2018</a:t>
+              <a:t>3/28/2018</a:t>
             </a:fld>
             <a:endParaRPr lang="en-US"/>
           </a:p>
@@ -928,7 +932,7 @@
           <a:lstStyle/>
           <a:p>
             <a:fld id="{D38E12F6-CCD2-6247-9D14-5CADBDEBFE61}" type="datetimeFigureOut">
-              <a:t>2/7/2018</a:t>
+              <a:t>3/28/2018</a:t>
             </a:fld>
             <a:endParaRPr lang="en-US"/>
           </a:p>
@@ -1090,7 +1094,7 @@
           <a:lstStyle/>
           <a:p>
             <a:fld id="{D38E12F6-CCD2-6247-9D14-5CADBDEBFE61}" type="datetimeFigureOut">
-              <a:t>2/7/2018</a:t>
+              <a:t>3/28/2018</a:t>
             </a:fld>
             <a:endParaRPr lang="en-US"/>
           </a:p>
@@ -1327,7 +1331,7 @@
           <a:lstStyle/>
           <a:p>
             <a:fld id="{D38E12F6-CCD2-6247-9D14-5CADBDEBFE61}" type="datetimeFigureOut">
-              <a:t>2/7/2018</a:t>
+              <a:t>3/28/2018</a:t>
             </a:fld>
             <a:endParaRPr lang="en-US"/>
           </a:p>
@@ -1550,7 +1554,7 @@
           <a:lstStyle/>
           <a:p>
             <a:fld id="{D38E12F6-CCD2-6247-9D14-5CADBDEBFE61}" type="datetimeFigureOut">
-              <a:t>2/7/2018</a:t>
+              <a:t>3/28/2018</a:t>
             </a:fld>
             <a:endParaRPr lang="en-US"/>
           </a:p>
@@ -1908,7 +1912,7 @@
           <a:lstStyle/>
           <a:p>
             <a:fld id="{D38E12F6-CCD2-6247-9D14-5CADBDEBFE61}" type="datetimeFigureOut">
-              <a:t>2/7/2018</a:t>
+              <a:t>3/28/2018</a:t>
             </a:fld>
             <a:endParaRPr lang="en-US"/>
           </a:p>
@@ -2019,7 +2023,7 @@
           <a:lstStyle/>
           <a:p>
             <a:fld id="{D38E12F6-CCD2-6247-9D14-5CADBDEBFE61}" type="datetimeFigureOut">
-              <a:t>2/7/2018</a:t>
+              <a:t>3/28/2018</a:t>
             </a:fld>
             <a:endParaRPr lang="en-US"/>
           </a:p>
@@ -2108,7 +2112,7 @@
           <a:lstStyle/>
           <a:p>
             <a:fld id="{D38E12F6-CCD2-6247-9D14-5CADBDEBFE61}" type="datetimeFigureOut">
-              <a:t>2/7/2018</a:t>
+              <a:t>3/28/2018</a:t>
             </a:fld>
             <a:endParaRPr lang="en-US"/>
           </a:p>
@@ -2377,7 +2381,7 @@
           <a:lstStyle/>
           <a:p>
             <a:fld id="{D38E12F6-CCD2-6247-9D14-5CADBDEBFE61}" type="datetimeFigureOut">
-              <a:t>2/7/2018</a:t>
+              <a:t>3/28/2018</a:t>
             </a:fld>
             <a:endParaRPr lang="en-US"/>
           </a:p>
@@ -2626,7 +2630,7 @@
           <a:lstStyle/>
           <a:p>
             <a:fld id="{D38E12F6-CCD2-6247-9D14-5CADBDEBFE61}" type="datetimeFigureOut">
-              <a:t>2/7/2018</a:t>
+              <a:t>3/28/2018</a:t>
             </a:fld>
             <a:endParaRPr lang="en-US"/>
           </a:p>
@@ -2831,7 +2835,7 @@
           </a:lstStyle>
           <a:p>
             <a:fld id="{D38E12F6-CCD2-6247-9D14-5CADBDEBFE61}" type="datetimeFigureOut">
-              <a:t>2/7/2018</a:t>
+              <a:t>3/28/2018</a:t>
             </a:fld>
             <a:endParaRPr lang="en-US"/>
           </a:p>
@@ -4668,7 +4672,7 @@
           <a:p>
             <a:pPr algn="ctr"/>
             <a:r>
-              <a:rPr lang="en-US" sz="1013" b="1" dirty="0" smtClean="0">
+              <a:rPr lang="en-US" sz="1013" b="1" dirty="0">
                 <a:solidFill>
                   <a:srgbClr val="005C84"/>
                 </a:solidFill>
@@ -4678,14 +4682,6 @@
               </a:rPr>
               <a:t>Geocode Point</a:t>
             </a:r>
-            <a:endParaRPr lang="en-US" sz="1013" b="1" dirty="0">
-              <a:solidFill>
-                <a:srgbClr val="005C84"/>
-              </a:solidFill>
-              <a:latin typeface="Helvetica" charset="0"/>
-              <a:ea typeface="Helvetica" charset="0"/>
-              <a:cs typeface="Helvetica" charset="0"/>
-            </a:endParaRPr>
           </a:p>
         </p:txBody>
       </p:sp>
@@ -4926,7 +4922,7 @@
         </p:nvSpPr>
         <p:spPr>
           <a:xfrm>
-            <a:off x="632301" y="2882449"/>
+            <a:off x="338305" y="2882449"/>
             <a:ext cx="1103709" cy="411497"/>
           </a:xfrm>
           <a:prstGeom prst="rect">
@@ -5103,23 +5099,7 @@
                 <a:ea typeface="Helvetica" charset="0"/>
                 <a:cs typeface="Helvetica" charset="0"/>
               </a:rPr>
-              <a:t>has </a:t>
-            </a:r>
-            <a:r>
-              <a:rPr lang="en-US" sz="1013" dirty="0" smtClean="0">
-                <a:latin typeface="Helvetica" charset="0"/>
-                <a:ea typeface="Helvetica" charset="0"/>
-                <a:cs typeface="Helvetica" charset="0"/>
-              </a:rPr>
-              <a:t>date retired </a:t>
-            </a:r>
-            <a:r>
-              <a:rPr lang="en-US" sz="1013" dirty="0">
-                <a:latin typeface="Helvetica" charset="0"/>
-                <a:ea typeface="Helvetica" charset="0"/>
-                <a:cs typeface="Helvetica" charset="0"/>
-              </a:rPr>
-              <a:t>[0..1]</a:t>
+              <a:t>has date retired [0..1]</a:t>
             </a:r>
           </a:p>
         </p:txBody>
@@ -5155,23 +5135,7 @@
                 <a:ea typeface="Helvetica" charset="0"/>
                 <a:cs typeface="Helvetica" charset="0"/>
               </a:rPr>
-              <a:t>has </a:t>
-            </a:r>
-            <a:r>
-              <a:rPr lang="en-US" sz="1013" dirty="0" smtClean="0">
-                <a:latin typeface="Helvetica" charset="0"/>
-                <a:ea typeface="Helvetica" charset="0"/>
-                <a:cs typeface="Helvetica" charset="0"/>
-              </a:rPr>
-              <a:t>date created </a:t>
-            </a:r>
-            <a:r>
-              <a:rPr lang="en-US" sz="1013" dirty="0">
-                <a:latin typeface="Helvetica" charset="0"/>
-                <a:ea typeface="Helvetica" charset="0"/>
-                <a:cs typeface="Helvetica" charset="0"/>
-              </a:rPr>
-              <a:t>[1]</a:t>
+              <a:t>has date created [1]</a:t>
             </a:r>
           </a:p>
         </p:txBody>
@@ -6376,23 +6340,7 @@
                 <a:ea typeface="Helvetica" charset="0"/>
                 <a:cs typeface="Helvetica" charset="0"/>
               </a:rPr>
-              <a:t>h</a:t>
-            </a:r>
-            <a:r>
-              <a:rPr lang="en-US" sz="1013" dirty="0" smtClean="0">
-                <a:latin typeface="Helvetica" charset="0"/>
-                <a:ea typeface="Helvetica" charset="0"/>
-                <a:cs typeface="Helvetica" charset="0"/>
-              </a:rPr>
-              <a:t>as date last modified [</a:t>
-            </a:r>
-            <a:r>
-              <a:rPr lang="en-US" sz="1013" dirty="0">
-                <a:latin typeface="Helvetica" charset="0"/>
-                <a:ea typeface="Helvetica" charset="0"/>
-                <a:cs typeface="Helvetica" charset="0"/>
-              </a:rPr>
-              <a:t>1]</a:t>
+              <a:t>has date last modified [1]</a:t>
             </a:r>
           </a:p>
         </p:txBody>
@@ -6408,8 +6356,8 @@
         </p:nvCxnSpPr>
         <p:spPr>
           <a:xfrm flipH="1" flipV="1">
-            <a:off x="1736010" y="3088198"/>
-            <a:ext cx="1080886" cy="600358"/>
+            <a:off x="1442014" y="3088198"/>
+            <a:ext cx="1374882" cy="600358"/>
           </a:xfrm>
           <a:prstGeom prst="straightConnector1">
             <a:avLst/>
@@ -6502,55 +6450,26 @@
           </a:bodyPr>
           <a:lstStyle/>
           <a:p>
-            <a:pPr algn="ctr"/>
+            <a:pPr algn="r"/>
             <a:r>
               <a:rPr lang="en-US" sz="1013" dirty="0">
                 <a:latin typeface="Helvetica" charset="0"/>
                 <a:ea typeface="Helvetica" charset="0"/>
                 <a:cs typeface="Helvetica" charset="0"/>
               </a:rPr>
-              <a:t>has </a:t>
-            </a:r>
-            <a:r>
-              <a:rPr lang="en-US" sz="1013" dirty="0" smtClean="0">
-                <a:latin typeface="Helvetica" charset="0"/>
-                <a:ea typeface="Helvetica" charset="0"/>
-                <a:cs typeface="Helvetica" charset="0"/>
-              </a:rPr>
-              <a:t>address secondary </a:t>
-            </a:r>
+              <a:t>has address secondary [0..*]</a:t>
+            </a:r>
+          </a:p>
+          <a:p>
+            <a:pPr algn="r"/>
             <a:r>
               <a:rPr lang="en-US" sz="1013" dirty="0">
                 <a:latin typeface="Helvetica" charset="0"/>
                 <a:ea typeface="Helvetica" charset="0"/>
                 <a:cs typeface="Helvetica" charset="0"/>
               </a:rPr>
-              <a:t>[0</a:t>
-            </a:r>
-            <a:r>
-              <a:rPr lang="en-US" sz="1013" dirty="0" smtClean="0">
-                <a:latin typeface="Helvetica" charset="0"/>
-                <a:ea typeface="Helvetica" charset="0"/>
-                <a:cs typeface="Helvetica" charset="0"/>
-              </a:rPr>
-              <a:t>..*]</a:t>
-            </a:r>
-          </a:p>
-          <a:p>
-            <a:pPr algn="ctr"/>
-            <a:r>
-              <a:rPr lang="en-US" sz="1013" dirty="0" smtClean="0">
-                <a:latin typeface="Helvetica" charset="0"/>
-                <a:ea typeface="Helvetica" charset="0"/>
-                <a:cs typeface="Helvetica" charset="0"/>
-              </a:rPr>
               <a:t>as address primary [0..1]</a:t>
             </a:r>
-            <a:endParaRPr lang="en-US" sz="1013" dirty="0">
-              <a:latin typeface="Helvetica" charset="0"/>
-              <a:ea typeface="Helvetica" charset="0"/>
-              <a:cs typeface="Helvetica" charset="0"/>
-            </a:endParaRPr>
           </a:p>
         </p:txBody>
       </p:sp>
@@ -6562,8 +6481,8 @@
         </p:nvSpPr>
         <p:spPr>
           <a:xfrm>
-            <a:off x="1627404" y="3441051"/>
-            <a:ext cx="973679" cy="311752"/>
+            <a:off x="1158436" y="3441051"/>
+            <a:ext cx="1442648" cy="155877"/>
           </a:xfrm>
           <a:prstGeom prst="rect">
             <a:avLst/>
@@ -6585,34 +6504,7 @@
                 <a:ea typeface="Helvetica" charset="0"/>
                 <a:cs typeface="Helvetica" charset="0"/>
               </a:rPr>
-              <a:t>has </a:t>
-            </a:r>
-            <a:r>
-              <a:rPr lang="en-US" sz="1013" dirty="0" smtClean="0">
-                <a:latin typeface="Helvetica" charset="0"/>
-                <a:ea typeface="Helvetica" charset="0"/>
-                <a:cs typeface="Helvetica" charset="0"/>
-              </a:rPr>
-              <a:t>building</a:t>
-            </a:r>
-          </a:p>
-          <a:p>
-            <a:pPr algn="ctr"/>
-            <a:r>
-              <a:rPr lang="en-US" sz="1013" dirty="0" smtClean="0">
-                <a:latin typeface="Helvetica" charset="0"/>
-                <a:ea typeface="Helvetica" charset="0"/>
-                <a:cs typeface="Helvetica" charset="0"/>
-              </a:rPr>
-              <a:t>name </a:t>
-            </a:r>
-            <a:r>
-              <a:rPr lang="en-US" sz="1013" dirty="0">
-                <a:latin typeface="Helvetica" charset="0"/>
-                <a:ea typeface="Helvetica" charset="0"/>
-                <a:cs typeface="Helvetica" charset="0"/>
-              </a:rPr>
-              <a:t>[0..1]</a:t>
+              <a:t>has building name [0..1]</a:t>
             </a:r>
           </a:p>
         </p:txBody>
@@ -6643,20 +6535,12 @@
           <a:p>
             <a:pPr algn="ctr"/>
             <a:r>
-              <a:rPr lang="en-US" sz="1013" dirty="0" smtClean="0">
-                <a:latin typeface="Helvetica" charset="0"/>
-                <a:ea typeface="Helvetica" charset="0"/>
-                <a:cs typeface="Helvetica" charset="0"/>
-              </a:rPr>
-              <a:t>has postcode </a:t>
-            </a:r>
-            <a:r>
               <a:rPr lang="en-US" sz="1013" dirty="0">
                 <a:latin typeface="Helvetica" charset="0"/>
                 <a:ea typeface="Helvetica" charset="0"/>
                 <a:cs typeface="Helvetica" charset="0"/>
               </a:rPr>
-              <a:t>[1]</a:t>
+              <a:t>has postcode [1]</a:t>
             </a:r>
           </a:p>
         </p:txBody>
@@ -6687,20 +6571,12 @@
           <a:p>
             <a:pPr algn="ctr"/>
             <a:r>
-              <a:rPr lang="en-US" sz="1013" dirty="0" err="1">
-                <a:latin typeface="Helvetica" charset="0"/>
-                <a:ea typeface="Helvetica" charset="0"/>
-                <a:cs typeface="Helvetica" charset="0"/>
-              </a:rPr>
-              <a:t>dct:description</a:t>
-            </a:r>
-            <a:r>
               <a:rPr lang="en-US" sz="1013" dirty="0">
                 <a:latin typeface="Helvetica" charset="0"/>
                 <a:ea typeface="Helvetica" charset="0"/>
                 <a:cs typeface="Helvetica" charset="0"/>
               </a:rPr>
-              <a:t> [1]</a:t>
+              <a:t>dct:description [1]</a:t>
             </a:r>
           </a:p>
         </p:txBody>
@@ -6750,7 +6626,7 @@
           <a:p>
             <a:pPr algn="ctr"/>
             <a:r>
-              <a:rPr lang="en-US" sz="1013" b="1" dirty="0" smtClean="0">
+              <a:rPr lang="en-US" sz="1013" b="1" dirty="0">
                 <a:solidFill>
                   <a:srgbClr val="005C84"/>
                 </a:solidFill>
@@ -6760,14 +6636,6 @@
               </a:rPr>
               <a:t>Geocode Point</a:t>
             </a:r>
-            <a:endParaRPr lang="en-US" sz="1013" b="1" dirty="0">
-              <a:solidFill>
-                <a:srgbClr val="005C84"/>
-              </a:solidFill>
-              <a:latin typeface="Helvetica" charset="0"/>
-              <a:ea typeface="Helvetica" charset="0"/>
-              <a:cs typeface="Helvetica" charset="0"/>
-            </a:endParaRPr>
           </a:p>
         </p:txBody>
       </p:sp>
@@ -8189,7 +8057,7 @@
           <a:p>
             <a:pPr algn="ctr"/>
             <a:r>
-              <a:rPr lang="en-US" sz="1013" b="1" dirty="0" smtClean="0">
+              <a:rPr lang="en-US" sz="1013" b="1" dirty="0">
                 <a:solidFill>
                   <a:srgbClr val="005C84"/>
                 </a:solidFill>
@@ -8199,14 +8067,6 @@
               </a:rPr>
               <a:t>Geocode Point</a:t>
             </a:r>
-            <a:endParaRPr lang="en-US" sz="1013" b="1" dirty="0">
-              <a:solidFill>
-                <a:srgbClr val="005C84"/>
-              </a:solidFill>
-              <a:latin typeface="Helvetica" charset="0"/>
-              <a:ea typeface="Helvetica" charset="0"/>
-              <a:cs typeface="Helvetica" charset="0"/>
-            </a:endParaRPr>
           </a:p>
         </p:txBody>
       </p:sp>
@@ -8241,23 +8101,7 @@
                 <a:ea typeface="Helvetica" charset="0"/>
                 <a:cs typeface="Helvetica" charset="0"/>
               </a:rPr>
-              <a:t>has </a:t>
-            </a:r>
-            <a:r>
-              <a:rPr lang="en-US" sz="1013" dirty="0" smtClean="0">
-                <a:latin typeface="Helvetica" charset="0"/>
-                <a:ea typeface="Helvetica" charset="0"/>
-                <a:cs typeface="Helvetica" charset="0"/>
-              </a:rPr>
-              <a:t>date retired </a:t>
-            </a:r>
-            <a:r>
-              <a:rPr lang="en-US" sz="1013" dirty="0">
-                <a:latin typeface="Helvetica" charset="0"/>
-                <a:ea typeface="Helvetica" charset="0"/>
-                <a:cs typeface="Helvetica" charset="0"/>
-              </a:rPr>
-              <a:t>[0..1]</a:t>
+              <a:t>has date retired [0..1]</a:t>
             </a:r>
           </a:p>
         </p:txBody>
@@ -8293,23 +8137,7 @@
                 <a:ea typeface="Helvetica" charset="0"/>
                 <a:cs typeface="Helvetica" charset="0"/>
               </a:rPr>
-              <a:t>has </a:t>
-            </a:r>
-            <a:r>
-              <a:rPr lang="en-US" sz="1013" dirty="0" smtClean="0">
-                <a:latin typeface="Helvetica" charset="0"/>
-                <a:ea typeface="Helvetica" charset="0"/>
-                <a:cs typeface="Helvetica" charset="0"/>
-              </a:rPr>
-              <a:t>date created </a:t>
-            </a:r>
-            <a:r>
-              <a:rPr lang="en-US" sz="1013" dirty="0">
-                <a:latin typeface="Helvetica" charset="0"/>
-                <a:ea typeface="Helvetica" charset="0"/>
-                <a:cs typeface="Helvetica" charset="0"/>
-              </a:rPr>
-              <a:t>[1]</a:t>
+              <a:t>has date created [1]</a:t>
             </a:r>
           </a:p>
         </p:txBody>
@@ -9323,18 +9151,13 @@
           <a:p>
             <a:pPr algn="ctr"/>
             <a:r>
-              <a:rPr lang="en-US" sz="1013" dirty="0" err="1">
+              <a:rPr lang="en-US" sz="1013" dirty="0">
                 <a:latin typeface="Helvetica" charset="0"/>
                 <a:ea typeface="Helvetica" charset="0"/>
                 <a:cs typeface="Helvetica" charset="0"/>
               </a:rPr>
               <a:t>rdfs:subClassOf</a:t>
             </a:r>
-            <a:endParaRPr lang="en-US" sz="1013" dirty="0">
-              <a:latin typeface="Helvetica" charset="0"/>
-              <a:ea typeface="Helvetica" charset="0"/>
-              <a:cs typeface="Helvetica" charset="0"/>
-            </a:endParaRPr>
           </a:p>
         </p:txBody>
       </p:sp>
@@ -9457,7 +9280,7 @@
           <a:p>
             <a:pPr algn="ctr"/>
             <a:r>
-              <a:rPr lang="en-US" sz="1013" b="1" dirty="0" smtClean="0">
+              <a:rPr lang="en-US" sz="1013" b="1" dirty="0">
                 <a:solidFill>
                   <a:srgbClr val="005C84"/>
                 </a:solidFill>
@@ -9467,14 +9290,6 @@
               </a:rPr>
               <a:t>Geocode Point</a:t>
             </a:r>
-            <a:endParaRPr lang="en-US" sz="1013" b="1" dirty="0">
-              <a:solidFill>
-                <a:srgbClr val="005C84"/>
-              </a:solidFill>
-              <a:latin typeface="Helvetica" charset="0"/>
-              <a:ea typeface="Helvetica" charset="0"/>
-              <a:cs typeface="Helvetica" charset="0"/>
-            </a:endParaRPr>
           </a:p>
         </p:txBody>
       </p:sp>
@@ -9509,23 +9324,7 @@
                 <a:ea typeface="Helvetica" charset="0"/>
                 <a:cs typeface="Helvetica" charset="0"/>
               </a:rPr>
-              <a:t>has </a:t>
-            </a:r>
-            <a:r>
-              <a:rPr lang="en-US" sz="1013" dirty="0" smtClean="0">
-                <a:latin typeface="Helvetica" charset="0"/>
-                <a:ea typeface="Helvetica" charset="0"/>
-                <a:cs typeface="Helvetica" charset="0"/>
-              </a:rPr>
-              <a:t>date retired </a:t>
-            </a:r>
-            <a:r>
-              <a:rPr lang="en-US" sz="1013" dirty="0">
-                <a:latin typeface="Helvetica" charset="0"/>
-                <a:ea typeface="Helvetica" charset="0"/>
-                <a:cs typeface="Helvetica" charset="0"/>
-              </a:rPr>
-              <a:t>[0..1]</a:t>
+              <a:t>has date retired [0..1]</a:t>
             </a:r>
           </a:p>
         </p:txBody>
@@ -9561,23 +9360,7 @@
                 <a:ea typeface="Helvetica" charset="0"/>
                 <a:cs typeface="Helvetica" charset="0"/>
               </a:rPr>
-              <a:t>has </a:t>
-            </a:r>
-            <a:r>
-              <a:rPr lang="en-US" sz="1013" dirty="0" smtClean="0">
-                <a:latin typeface="Helvetica" charset="0"/>
-                <a:ea typeface="Helvetica" charset="0"/>
-                <a:cs typeface="Helvetica" charset="0"/>
-              </a:rPr>
-              <a:t>date created </a:t>
-            </a:r>
-            <a:r>
-              <a:rPr lang="en-US" sz="1013" dirty="0">
-                <a:latin typeface="Helvetica" charset="0"/>
-                <a:ea typeface="Helvetica" charset="0"/>
-                <a:cs typeface="Helvetica" charset="0"/>
-              </a:rPr>
-              <a:t>[1]</a:t>
+              <a:t>has date created [1]</a:t>
             </a:r>
           </a:p>
         </p:txBody>
@@ -9987,20 +9770,12 @@
           <a:p>
             <a:pPr algn="ctr"/>
             <a:r>
-              <a:rPr lang="en-US" sz="1013" dirty="0" err="1">
-                <a:latin typeface="Helvetica" charset="0"/>
-                <a:ea typeface="Helvetica" charset="0"/>
-                <a:cs typeface="Helvetica" charset="0"/>
-              </a:rPr>
-              <a:t>geo:hasGeometry</a:t>
-            </a:r>
-            <a:r>
               <a:rPr lang="en-US" sz="1013" dirty="0">
                 <a:latin typeface="Helvetica" charset="0"/>
                 <a:ea typeface="Helvetica" charset="0"/>
                 <a:cs typeface="Helvetica" charset="0"/>
               </a:rPr>
-              <a:t> [1]</a:t>
+              <a:t>geo:hasGeometry [1]</a:t>
             </a:r>
           </a:p>
         </p:txBody>
@@ -10050,7 +9825,7 @@
           <a:p>
             <a:pPr algn="ctr"/>
             <a:r>
-              <a:rPr lang="en-US" sz="1013" b="1" dirty="0" smtClean="0">
+              <a:rPr lang="en-US" sz="1013" b="1" dirty="0">
                 <a:solidFill>
                   <a:srgbClr val="005C84"/>
                 </a:solidFill>
@@ -10060,14 +9835,6 @@
               </a:rPr>
               <a:t>Geocode Point</a:t>
             </a:r>
-            <a:endParaRPr lang="en-US" sz="1013" b="1" dirty="0">
-              <a:solidFill>
-                <a:srgbClr val="005C84"/>
-              </a:solidFill>
-              <a:latin typeface="Helvetica" charset="0"/>
-              <a:ea typeface="Helvetica" charset="0"/>
-              <a:cs typeface="Helvetica" charset="0"/>
-            </a:endParaRPr>
           </a:p>
         </p:txBody>
       </p:sp>
@@ -10116,7 +9883,7 @@
           <a:p>
             <a:pPr algn="ctr"/>
             <a:r>
-              <a:rPr lang="en-US" sz="1013" b="1" dirty="0" smtClean="0">
+              <a:rPr lang="en-US" sz="1013" b="1" dirty="0">
                 <a:solidFill>
                   <a:srgbClr val="005C84"/>
                 </a:solidFill>
@@ -10130,7 +9897,7 @@
           <a:p>
             <a:pPr algn="ctr"/>
             <a:r>
-              <a:rPr lang="en-US" sz="1013" b="1" dirty="0" smtClean="0">
+              <a:rPr lang="en-US" sz="1013" b="1" dirty="0">
                 <a:solidFill>
                   <a:srgbClr val="005C84"/>
                 </a:solidFill>
@@ -10140,14 +9907,6 @@
               </a:rPr>
               <a:t>Geometry</a:t>
             </a:r>
-            <a:endParaRPr lang="en-US" sz="1013" b="1" dirty="0">
-              <a:solidFill>
-                <a:srgbClr val="005C84"/>
-              </a:solidFill>
-              <a:latin typeface="Helvetica" charset="0"/>
-              <a:ea typeface="Helvetica" charset="0"/>
-              <a:cs typeface="Helvetica" charset="0"/>
-            </a:endParaRPr>
           </a:p>
         </p:txBody>
       </p:sp>
@@ -10216,18 +9975,13 @@
           <a:p>
             <a:pPr algn="ctr"/>
             <a:r>
-              <a:rPr lang="en-US" sz="1013" dirty="0" err="1">
+              <a:rPr lang="en-US" sz="1013" dirty="0">
                 <a:latin typeface="Helvetica" charset="0"/>
                 <a:ea typeface="Helvetica" charset="0"/>
                 <a:cs typeface="Helvetica" charset="0"/>
               </a:rPr>
               <a:t>rdfs:subClassOf</a:t>
             </a:r>
-            <a:endParaRPr lang="en-US" sz="1013" dirty="0">
-              <a:latin typeface="Helvetica" charset="0"/>
-              <a:ea typeface="Helvetica" charset="0"/>
-              <a:cs typeface="Helvetica" charset="0"/>
-            </a:endParaRPr>
           </a:p>
         </p:txBody>
       </p:sp>
@@ -10262,23 +10016,7 @@
                 <a:ea typeface="Helvetica" charset="0"/>
                 <a:cs typeface="Helvetica" charset="0"/>
               </a:rPr>
-              <a:t>has </a:t>
-            </a:r>
-            <a:r>
-              <a:rPr lang="en-US" sz="1013" dirty="0" smtClean="0">
-                <a:latin typeface="Helvetica" charset="0"/>
-                <a:ea typeface="Helvetica" charset="0"/>
-                <a:cs typeface="Helvetica" charset="0"/>
-              </a:rPr>
-              <a:t>date retired </a:t>
-            </a:r>
-            <a:r>
-              <a:rPr lang="en-US" sz="1013" dirty="0">
-                <a:latin typeface="Helvetica" charset="0"/>
-                <a:ea typeface="Helvetica" charset="0"/>
-                <a:cs typeface="Helvetica" charset="0"/>
-              </a:rPr>
-              <a:t>[0..1]</a:t>
+              <a:t>has date retired [0..1]</a:t>
             </a:r>
           </a:p>
         </p:txBody>
@@ -10314,23 +10052,7 @@
                 <a:ea typeface="Helvetica" charset="0"/>
                 <a:cs typeface="Helvetica" charset="0"/>
               </a:rPr>
-              <a:t>has </a:t>
-            </a:r>
-            <a:r>
-              <a:rPr lang="en-US" sz="1013" dirty="0" smtClean="0">
-                <a:latin typeface="Helvetica" charset="0"/>
-                <a:ea typeface="Helvetica" charset="0"/>
-                <a:cs typeface="Helvetica" charset="0"/>
-              </a:rPr>
-              <a:t>date created </a:t>
-            </a:r>
-            <a:r>
-              <a:rPr lang="en-US" sz="1013" dirty="0">
-                <a:latin typeface="Helvetica" charset="0"/>
-                <a:ea typeface="Helvetica" charset="0"/>
-                <a:cs typeface="Helvetica" charset="0"/>
-              </a:rPr>
-              <a:t>[1]</a:t>
+              <a:t>has date created [1]</a:t>
             </a:r>
           </a:p>
         </p:txBody>
@@ -10380,7 +10102,7 @@
           <a:p>
             <a:pPr algn="ctr"/>
             <a:r>
-              <a:rPr lang="en-US" sz="1013" b="1" dirty="0" smtClean="0">
+              <a:rPr lang="en-US" sz="1013" b="1" dirty="0">
                 <a:solidFill>
                   <a:srgbClr val="005C84"/>
                 </a:solidFill>
@@ -10394,7 +10116,7 @@
           <a:p>
             <a:pPr algn="ctr"/>
             <a:r>
-              <a:rPr lang="en-US" sz="1013" b="1" dirty="0" smtClean="0">
+              <a:rPr lang="en-US" sz="1013" b="1" dirty="0">
                 <a:solidFill>
                   <a:srgbClr val="005C84"/>
                 </a:solidFill>
@@ -10404,14 +10126,6 @@
               </a:rPr>
               <a:t>Point</a:t>
             </a:r>
-            <a:endParaRPr lang="en-US" sz="1013" b="1" dirty="0">
-              <a:solidFill>
-                <a:srgbClr val="005C84"/>
-              </a:solidFill>
-              <a:latin typeface="Helvetica" charset="0"/>
-              <a:ea typeface="Helvetica" charset="0"/>
-              <a:cs typeface="Helvetica" charset="0"/>
-            </a:endParaRPr>
           </a:p>
         </p:txBody>
       </p:sp>
@@ -10480,18 +10194,13 @@
           <a:p>
             <a:pPr algn="ctr"/>
             <a:r>
-              <a:rPr lang="en-US" sz="1013" dirty="0" err="1">
+              <a:rPr lang="en-US" sz="1013" dirty="0">
                 <a:latin typeface="Helvetica" charset="0"/>
                 <a:ea typeface="Helvetica" charset="0"/>
                 <a:cs typeface="Helvetica" charset="0"/>
               </a:rPr>
               <a:t>rdfs:subClassOf</a:t>
             </a:r>
-            <a:endParaRPr lang="en-US" sz="1013" dirty="0">
-              <a:latin typeface="Helvetica" charset="0"/>
-              <a:ea typeface="Helvetica" charset="0"/>
-              <a:cs typeface="Helvetica" charset="0"/>
-            </a:endParaRPr>
           </a:p>
         </p:txBody>
       </p:sp>
